--- a/lecture/nat.pptx
+++ b/lecture/nat.pptx
@@ -5,13 +5,19 @@
     <p:sldMasterId id="2147483649" r:id="rId1"/>
   </p:sldMasterIdLst>
   <p:notesMasterIdLst>
-    <p:notesMasterId r:id="rId6"/>
+    <p:notesMasterId r:id="rId12"/>
   </p:notesMasterIdLst>
   <p:sldIdLst>
     <p:sldId id="312" r:id="rId2"/>
     <p:sldId id="313" r:id="rId3"/>
     <p:sldId id="314" r:id="rId4"/>
     <p:sldId id="315" r:id="rId5"/>
+    <p:sldId id="316" r:id="rId6"/>
+    <p:sldId id="317" r:id="rId7"/>
+    <p:sldId id="318" r:id="rId8"/>
+    <p:sldId id="319" r:id="rId9"/>
+    <p:sldId id="320" r:id="rId10"/>
+    <p:sldId id="321" r:id="rId11"/>
   </p:sldIdLst>
   <p:sldSz cx="9144000" cy="6858000" type="screen4x3"/>
   <p:notesSz cx="6858000" cy="9144000"/>
@@ -5289,6 +5295,1509 @@
 </p:sld>
 </file>
 
+<file path=ppt/slides/slide10.xml><?xml version="1.0" encoding="utf-8"?>
+<p:sld xmlns:a="http://schemas.openxmlformats.org/drawingml/2006/main" xmlns:r="http://schemas.openxmlformats.org/officeDocument/2006/relationships" xmlns:p="http://schemas.openxmlformats.org/presentationml/2006/main">
+  <p:cSld>
+    <p:spTree>
+      <p:nvGrpSpPr>
+        <p:cNvPr id="1" name=""/>
+        <p:cNvGrpSpPr/>
+        <p:nvPr/>
+      </p:nvGrpSpPr>
+      <p:grpSpPr>
+        <a:xfrm>
+          <a:off x="0" y="0"/>
+          <a:ext cx="0" cy="0"/>
+          <a:chOff x="0" y="0"/>
+          <a:chExt cx="0" cy="0"/>
+        </a:xfrm>
+      </p:grpSpPr>
+      <p:sp>
+        <p:nvSpPr>
+          <p:cNvPr id="19" name="Заголовок 1"/>
+          <p:cNvSpPr txBox="1">
+            <a:spLocks/>
+          </p:cNvSpPr>
+          <p:nvPr/>
+        </p:nvSpPr>
+        <p:spPr>
+          <a:xfrm>
+            <a:off x="0" y="701874"/>
+            <a:ext cx="9144000" cy="1008112"/>
+          </a:xfrm>
+          <a:prstGeom prst="rect">
+            <a:avLst/>
+          </a:prstGeom>
+        </p:spPr>
+        <p:txBody>
+          <a:bodyPr/>
+          <a:lstStyle>
+            <a:lvl1pPr algn="l" rtl="0" fontAlgn="base">
+              <a:spcBef>
+                <a:spcPct val="0"/>
+              </a:spcBef>
+              <a:spcAft>
+                <a:spcPct val="0"/>
+              </a:spcAft>
+              <a:defRPr sz="4400">
+                <a:solidFill>
+                  <a:schemeClr val="tx2"/>
+                </a:solidFill>
+                <a:latin typeface="+mj-lt"/>
+                <a:ea typeface="+mj-ea"/>
+                <a:cs typeface="+mj-cs"/>
+              </a:defRPr>
+            </a:lvl1pPr>
+            <a:lvl2pPr algn="l" rtl="0" fontAlgn="base">
+              <a:spcBef>
+                <a:spcPct val="0"/>
+              </a:spcBef>
+              <a:spcAft>
+                <a:spcPct val="0"/>
+              </a:spcAft>
+              <a:defRPr sz="4400">
+                <a:solidFill>
+                  <a:schemeClr val="tx2"/>
+                </a:solidFill>
+                <a:latin typeface="Times New Roman" pitchFamily="18" charset="0"/>
+              </a:defRPr>
+            </a:lvl2pPr>
+            <a:lvl3pPr algn="l" rtl="0" fontAlgn="base">
+              <a:spcBef>
+                <a:spcPct val="0"/>
+              </a:spcBef>
+              <a:spcAft>
+                <a:spcPct val="0"/>
+              </a:spcAft>
+              <a:defRPr sz="4400">
+                <a:solidFill>
+                  <a:schemeClr val="tx2"/>
+                </a:solidFill>
+                <a:latin typeface="Times New Roman" pitchFamily="18" charset="0"/>
+              </a:defRPr>
+            </a:lvl3pPr>
+            <a:lvl4pPr algn="l" rtl="0" fontAlgn="base">
+              <a:spcBef>
+                <a:spcPct val="0"/>
+              </a:spcBef>
+              <a:spcAft>
+                <a:spcPct val="0"/>
+              </a:spcAft>
+              <a:defRPr sz="4400">
+                <a:solidFill>
+                  <a:schemeClr val="tx2"/>
+                </a:solidFill>
+                <a:latin typeface="Times New Roman" pitchFamily="18" charset="0"/>
+              </a:defRPr>
+            </a:lvl4pPr>
+            <a:lvl5pPr algn="l" rtl="0" fontAlgn="base">
+              <a:spcBef>
+                <a:spcPct val="0"/>
+              </a:spcBef>
+              <a:spcAft>
+                <a:spcPct val="0"/>
+              </a:spcAft>
+              <a:defRPr sz="4400">
+                <a:solidFill>
+                  <a:schemeClr val="tx2"/>
+                </a:solidFill>
+                <a:latin typeface="Times New Roman" pitchFamily="18" charset="0"/>
+              </a:defRPr>
+            </a:lvl5pPr>
+            <a:lvl6pPr marL="457200" algn="l" rtl="0" fontAlgn="base">
+              <a:spcBef>
+                <a:spcPct val="0"/>
+              </a:spcBef>
+              <a:spcAft>
+                <a:spcPct val="0"/>
+              </a:spcAft>
+              <a:defRPr sz="4400">
+                <a:solidFill>
+                  <a:schemeClr val="tx2"/>
+                </a:solidFill>
+                <a:latin typeface="Times New Roman" pitchFamily="18" charset="0"/>
+              </a:defRPr>
+            </a:lvl6pPr>
+            <a:lvl7pPr marL="914400" algn="l" rtl="0" fontAlgn="base">
+              <a:spcBef>
+                <a:spcPct val="0"/>
+              </a:spcBef>
+              <a:spcAft>
+                <a:spcPct val="0"/>
+              </a:spcAft>
+              <a:defRPr sz="4400">
+                <a:solidFill>
+                  <a:schemeClr val="tx2"/>
+                </a:solidFill>
+                <a:latin typeface="Times New Roman" pitchFamily="18" charset="0"/>
+              </a:defRPr>
+            </a:lvl7pPr>
+            <a:lvl8pPr marL="1371600" algn="l" rtl="0" fontAlgn="base">
+              <a:spcBef>
+                <a:spcPct val="0"/>
+              </a:spcBef>
+              <a:spcAft>
+                <a:spcPct val="0"/>
+              </a:spcAft>
+              <a:defRPr sz="4400">
+                <a:solidFill>
+                  <a:schemeClr val="tx2"/>
+                </a:solidFill>
+                <a:latin typeface="Times New Roman" pitchFamily="18" charset="0"/>
+              </a:defRPr>
+            </a:lvl8pPr>
+            <a:lvl9pPr marL="1828800" algn="l" rtl="0" fontAlgn="base">
+              <a:spcBef>
+                <a:spcPct val="0"/>
+              </a:spcBef>
+              <a:spcAft>
+                <a:spcPct val="0"/>
+              </a:spcAft>
+              <a:defRPr sz="4400">
+                <a:solidFill>
+                  <a:schemeClr val="tx2"/>
+                </a:solidFill>
+                <a:latin typeface="Times New Roman" pitchFamily="18" charset="0"/>
+              </a:defRPr>
+            </a:lvl9pPr>
+          </a:lstStyle>
+          <a:p>
+            <a:pPr algn="ctr">
+              <a:buClrTx/>
+              <a:buSzTx/>
+              <a:buFontTx/>
+              <a:buNone/>
+            </a:pPr>
+            <a:r>
+              <a:rPr kumimoji="0" lang="en-US" altLang="ru-RU" b="1" kern="0" dirty="0" smtClean="0"/>
+              <a:t>PNAT (Port + NAT)</a:t>
+            </a:r>
+            <a:endParaRPr kumimoji="0" lang="en-US" altLang="ru-RU" b="1" kern="0" dirty="0" smtClean="0"/>
+          </a:p>
+        </p:txBody>
+      </p:sp>
+      <p:sp>
+        <p:nvSpPr>
+          <p:cNvPr id="2" name="AutoShape 4" descr="Router | Cisco Network Topology Icons 3015"/>
+          <p:cNvSpPr>
+            <a:spLocks noChangeAspect="1" noChangeArrowheads="1"/>
+          </p:cNvSpPr>
+          <p:nvPr/>
+        </p:nvSpPr>
+        <p:spPr bwMode="auto">
+          <a:xfrm>
+            <a:off x="155575" y="-144463"/>
+            <a:ext cx="304800" cy="304801"/>
+          </a:xfrm>
+          <a:prstGeom prst="rect">
+            <a:avLst/>
+          </a:prstGeom>
+          <a:noFill/>
+          <a:extLst>
+            <a:ext uri="{909E8E84-426E-40DD-AFC4-6F175D3DCCD1}">
+              <a14:hiddenFill xmlns:a14="http://schemas.microsoft.com/office/drawing/2010/main">
+                <a:solidFill>
+                  <a:srgbClr val="FFFFFF"/>
+                </a:solidFill>
+              </a14:hiddenFill>
+            </a:ext>
+          </a:extLst>
+        </p:spPr>
+        <p:txBody>
+          <a:bodyPr vert="horz" wrap="square" lIns="91440" tIns="45720" rIns="91440" bIns="45720" numCol="1" anchor="t" anchorCtr="0" compatLnSpc="1">
+            <a:prstTxWarp prst="textNoShape">
+              <a:avLst/>
+            </a:prstTxWarp>
+          </a:bodyPr>
+          <a:lstStyle/>
+          <a:p>
+            <a:endParaRPr lang="ru-RU"/>
+          </a:p>
+        </p:txBody>
+      </p:sp>
+      <p:sp>
+        <p:nvSpPr>
+          <p:cNvPr id="3" name="AutoShape 6" descr="Router | Cisco Network Topology Icons 3015"/>
+          <p:cNvSpPr>
+            <a:spLocks noChangeAspect="1" noChangeArrowheads="1"/>
+          </p:cNvSpPr>
+          <p:nvPr/>
+        </p:nvSpPr>
+        <p:spPr bwMode="auto">
+          <a:xfrm>
+            <a:off x="307975" y="7937"/>
+            <a:ext cx="304800" cy="304801"/>
+          </a:xfrm>
+          <a:prstGeom prst="rect">
+            <a:avLst/>
+          </a:prstGeom>
+          <a:noFill/>
+          <a:extLst>
+            <a:ext uri="{909E8E84-426E-40DD-AFC4-6F175D3DCCD1}">
+              <a14:hiddenFill xmlns:a14="http://schemas.microsoft.com/office/drawing/2010/main">
+                <a:solidFill>
+                  <a:srgbClr val="FFFFFF"/>
+                </a:solidFill>
+              </a14:hiddenFill>
+            </a:ext>
+          </a:extLst>
+        </p:spPr>
+        <p:txBody>
+          <a:bodyPr vert="horz" wrap="square" lIns="91440" tIns="45720" rIns="91440" bIns="45720" numCol="1" anchor="t" anchorCtr="0" compatLnSpc="1">
+            <a:prstTxWarp prst="textNoShape">
+              <a:avLst/>
+            </a:prstTxWarp>
+          </a:bodyPr>
+          <a:lstStyle/>
+          <a:p>
+            <a:endParaRPr lang="ru-RU"/>
+          </a:p>
+        </p:txBody>
+      </p:sp>
+      <p:sp>
+        <p:nvSpPr>
+          <p:cNvPr id="5" name="AutoShape 16" descr="Internet Cloud icon PNG and SVG Vector Free Download"/>
+          <p:cNvSpPr>
+            <a:spLocks noChangeAspect="1" noChangeArrowheads="1"/>
+          </p:cNvSpPr>
+          <p:nvPr/>
+        </p:nvSpPr>
+        <p:spPr bwMode="auto">
+          <a:xfrm>
+            <a:off x="155575" y="-822325"/>
+            <a:ext cx="1943100" cy="1714500"/>
+          </a:xfrm>
+          <a:prstGeom prst="rect">
+            <a:avLst/>
+          </a:prstGeom>
+          <a:noFill/>
+          <a:extLst>
+            <a:ext uri="{909E8E84-426E-40DD-AFC4-6F175D3DCCD1}">
+              <a14:hiddenFill xmlns:a14="http://schemas.microsoft.com/office/drawing/2010/main">
+                <a:solidFill>
+                  <a:srgbClr val="FFFFFF"/>
+                </a:solidFill>
+              </a14:hiddenFill>
+            </a:ext>
+          </a:extLst>
+        </p:spPr>
+        <p:txBody>
+          <a:bodyPr vert="horz" wrap="square" lIns="91440" tIns="45720" rIns="91440" bIns="45720" numCol="1" anchor="t" anchorCtr="0" compatLnSpc="1">
+            <a:prstTxWarp prst="textNoShape">
+              <a:avLst/>
+            </a:prstTxWarp>
+          </a:bodyPr>
+          <a:lstStyle/>
+          <a:p>
+            <a:endParaRPr lang="ru-RU"/>
+          </a:p>
+        </p:txBody>
+      </p:sp>
+      <p:sp>
+        <p:nvSpPr>
+          <p:cNvPr id="10" name="AutoShape 4" descr="Достаточно одной таблетки», или фармакология конца света"/>
+          <p:cNvSpPr>
+            <a:spLocks noChangeAspect="1" noChangeArrowheads="1"/>
+          </p:cNvSpPr>
+          <p:nvPr/>
+        </p:nvSpPr>
+        <p:spPr bwMode="auto">
+          <a:xfrm>
+            <a:off x="460375" y="160337"/>
+            <a:ext cx="304800" cy="304801"/>
+          </a:xfrm>
+          <a:prstGeom prst="rect">
+            <a:avLst/>
+          </a:prstGeom>
+          <a:noFill/>
+          <a:extLst>
+            <a:ext uri="{909E8E84-426E-40DD-AFC4-6F175D3DCCD1}">
+              <a14:hiddenFill xmlns:a14="http://schemas.microsoft.com/office/drawing/2010/main">
+                <a:solidFill>
+                  <a:srgbClr val="FFFFFF"/>
+                </a:solidFill>
+              </a14:hiddenFill>
+            </a:ext>
+          </a:extLst>
+        </p:spPr>
+        <p:txBody>
+          <a:bodyPr vert="horz" wrap="square" lIns="91440" tIns="45720" rIns="91440" bIns="45720" numCol="1" anchor="t" anchorCtr="0" compatLnSpc="1">
+            <a:prstTxWarp prst="textNoShape">
+              <a:avLst/>
+            </a:prstTxWarp>
+          </a:bodyPr>
+          <a:lstStyle/>
+          <a:p>
+            <a:endParaRPr lang="ru-RU"/>
+          </a:p>
+        </p:txBody>
+      </p:sp>
+      <p:sp>
+        <p:nvSpPr>
+          <p:cNvPr id="14" name="TextBox 13"/>
+          <p:cNvSpPr txBox="1"/>
+          <p:nvPr/>
+        </p:nvSpPr>
+        <p:spPr>
+          <a:xfrm>
+            <a:off x="3419872" y="1375106"/>
+            <a:ext cx="1698285" cy="338554"/>
+          </a:xfrm>
+          <a:prstGeom prst="rect">
+            <a:avLst/>
+          </a:prstGeom>
+          <a:noFill/>
+        </p:spPr>
+        <p:txBody>
+          <a:bodyPr wrap="none" rtlCol="0">
+            <a:spAutoFit/>
+          </a:bodyPr>
+          <a:lstStyle/>
+          <a:p>
+            <a:pPr>
+              <a:buNone/>
+            </a:pPr>
+            <a:r>
+              <a:rPr lang="en-US" sz="1600" dirty="0" smtClean="0"/>
+              <a:t>Socket = IP + Port</a:t>
+            </a:r>
+            <a:endParaRPr lang="ru-RU" sz="1600" dirty="0"/>
+          </a:p>
+        </p:txBody>
+      </p:sp>
+      <p:graphicFrame>
+        <p:nvGraphicFramePr>
+          <p:cNvPr id="4" name="Таблица 3"/>
+          <p:cNvGraphicFramePr>
+            <a:graphicFrameLocks noGrp="1"/>
+          </p:cNvGraphicFramePr>
+          <p:nvPr>
+            <p:extLst>
+              <p:ext uri="{D42A27DB-BD31-4B8C-83A1-F6EECF244321}">
+                <p14:modId xmlns:p14="http://schemas.microsoft.com/office/powerpoint/2010/main" val="120697849"/>
+              </p:ext>
+            </p:extLst>
+          </p:nvPr>
+        </p:nvGraphicFramePr>
+        <p:xfrm>
+          <a:off x="1115051" y="2708920"/>
+          <a:ext cx="7677573" cy="2123440"/>
+        </p:xfrm>
+        <a:graphic>
+          <a:graphicData uri="http://schemas.openxmlformats.org/drawingml/2006/table">
+            <a:tbl>
+              <a:tblPr firstRow="1" bandRow="1">
+                <a:tableStyleId>{073A0DAA-6AF3-43AB-8588-CEC1D06C72B9}</a:tableStyleId>
+              </a:tblPr>
+              <a:tblGrid>
+                <a:gridCol w="1325880">
+                  <a:extLst>
+                    <a:ext uri="{9D8B030D-6E8A-4147-A177-3AD203B41FA5}">
+                      <a16:colId xmlns:a16="http://schemas.microsoft.com/office/drawing/2014/main" val="554582378"/>
+                    </a:ext>
+                  </a:extLst>
+                </a:gridCol>
+                <a:gridCol w="811530">
+                  <a:extLst>
+                    <a:ext uri="{9D8B030D-6E8A-4147-A177-3AD203B41FA5}">
+                      <a16:colId xmlns:a16="http://schemas.microsoft.com/office/drawing/2014/main" val="4278251217"/>
+                    </a:ext>
+                  </a:extLst>
+                </a:gridCol>
+                <a:gridCol w="881380">
+                  <a:extLst>
+                    <a:ext uri="{9D8B030D-6E8A-4147-A177-3AD203B41FA5}">
+                      <a16:colId xmlns:a16="http://schemas.microsoft.com/office/drawing/2014/main" val="1037434188"/>
+                    </a:ext>
+                  </a:extLst>
+                </a:gridCol>
+                <a:gridCol w="671830">
+                  <a:extLst>
+                    <a:ext uri="{9D8B030D-6E8A-4147-A177-3AD203B41FA5}">
+                      <a16:colId xmlns:a16="http://schemas.microsoft.com/office/drawing/2014/main" val="3641121446"/>
+                    </a:ext>
+                  </a:extLst>
+                </a:gridCol>
+                <a:gridCol w="868680">
+                  <a:extLst>
+                    <a:ext uri="{9D8B030D-6E8A-4147-A177-3AD203B41FA5}">
+                      <a16:colId xmlns:a16="http://schemas.microsoft.com/office/drawing/2014/main" val="740739280"/>
+                    </a:ext>
+                  </a:extLst>
+                </a:gridCol>
+                <a:gridCol w="811530">
+                  <a:extLst>
+                    <a:ext uri="{9D8B030D-6E8A-4147-A177-3AD203B41FA5}">
+                      <a16:colId xmlns:a16="http://schemas.microsoft.com/office/drawing/2014/main" val="654793084"/>
+                    </a:ext>
+                  </a:extLst>
+                </a:gridCol>
+                <a:gridCol w="881380">
+                  <a:extLst>
+                    <a:ext uri="{9D8B030D-6E8A-4147-A177-3AD203B41FA5}">
+                      <a16:colId xmlns:a16="http://schemas.microsoft.com/office/drawing/2014/main" val="2092950617"/>
+                    </a:ext>
+                  </a:extLst>
+                </a:gridCol>
+                <a:gridCol w="748030">
+                  <a:extLst>
+                    <a:ext uri="{9D8B030D-6E8A-4147-A177-3AD203B41FA5}">
+                      <a16:colId xmlns:a16="http://schemas.microsoft.com/office/drawing/2014/main" val="3675539144"/>
+                    </a:ext>
+                  </a:extLst>
+                </a:gridCol>
+                <a:gridCol w="677333">
+                  <a:extLst>
+                    <a:ext uri="{9D8B030D-6E8A-4147-A177-3AD203B41FA5}">
+                      <a16:colId xmlns:a16="http://schemas.microsoft.com/office/drawing/2014/main" val="3955364397"/>
+                    </a:ext>
+                  </a:extLst>
+                </a:gridCol>
+              </a:tblGrid>
+              <a:tr h="370840">
+                <a:tc>
+                  <a:txBody>
+                    <a:bodyPr/>
+                    <a:lstStyle/>
+                    <a:p>
+                      <a:pPr algn="ctr"/>
+                      <a:r>
+                        <a:rPr lang="en-US" dirty="0" err="1" smtClean="0"/>
+                        <a:t>Src</a:t>
+                      </a:r>
+                      <a:r>
+                        <a:rPr lang="en-US" dirty="0" smtClean="0"/>
+                        <a:t/>
+                      </a:r>
+                      <a:br>
+                        <a:rPr lang="en-US" dirty="0" smtClean="0"/>
+                      </a:br>
+                      <a:r>
+                        <a:rPr lang="en-US" dirty="0" smtClean="0"/>
+                        <a:t>IP</a:t>
+                      </a:r>
+                      <a:endParaRPr lang="ru-RU" dirty="0"/>
+                    </a:p>
+                  </a:txBody>
+                  <a:tcPr/>
+                </a:tc>
+                <a:tc>
+                  <a:txBody>
+                    <a:bodyPr/>
+                    <a:lstStyle/>
+                    <a:p>
+                      <a:pPr algn="ctr"/>
+                      <a:r>
+                        <a:rPr lang="en-US" dirty="0" err="1" smtClean="0"/>
+                        <a:t>Src</a:t>
+                      </a:r>
+                      <a:r>
+                        <a:rPr lang="en-US" dirty="0" smtClean="0"/>
+                        <a:t/>
+                      </a:r>
+                      <a:br>
+                        <a:rPr lang="en-US" dirty="0" smtClean="0"/>
+                      </a:br>
+                      <a:r>
+                        <a:rPr lang="en-US" dirty="0" smtClean="0"/>
+                        <a:t>Port</a:t>
+                      </a:r>
+                      <a:endParaRPr lang="ru-RU" dirty="0"/>
+                    </a:p>
+                  </a:txBody>
+                  <a:tcPr/>
+                </a:tc>
+                <a:tc>
+                  <a:txBody>
+                    <a:bodyPr/>
+                    <a:lstStyle/>
+                    <a:p>
+                      <a:pPr algn="ctr"/>
+                      <a:r>
+                        <a:rPr lang="en-US" dirty="0" err="1" smtClean="0"/>
+                        <a:t>Dst</a:t>
+                      </a:r>
+                      <a:r>
+                        <a:rPr lang="en-US" baseline="0" dirty="0" smtClean="0"/>
+                        <a:t/>
+                      </a:r>
+                      <a:br>
+                        <a:rPr lang="en-US" baseline="0" dirty="0" smtClean="0"/>
+                      </a:br>
+                      <a:r>
+                        <a:rPr lang="en-US" baseline="0" dirty="0" smtClean="0"/>
+                        <a:t>IP</a:t>
+                      </a:r>
+                      <a:endParaRPr lang="ru-RU" dirty="0"/>
+                    </a:p>
+                  </a:txBody>
+                  <a:tcPr/>
+                </a:tc>
+                <a:tc>
+                  <a:txBody>
+                    <a:bodyPr/>
+                    <a:lstStyle/>
+                    <a:p>
+                      <a:pPr algn="ctr"/>
+                      <a:r>
+                        <a:rPr lang="en-US" dirty="0" err="1" smtClean="0"/>
+                        <a:t>Dst</a:t>
+                      </a:r>
+                      <a:r>
+                        <a:rPr lang="en-US" dirty="0" smtClean="0"/>
+                        <a:t/>
+                      </a:r>
+                      <a:br>
+                        <a:rPr lang="en-US" dirty="0" smtClean="0"/>
+                      </a:br>
+                      <a:r>
+                        <a:rPr lang="en-US" dirty="0" smtClean="0"/>
+                        <a:t>Port</a:t>
+                      </a:r>
+                      <a:endParaRPr lang="ru-RU" dirty="0"/>
+                    </a:p>
+                  </a:txBody>
+                  <a:tcPr/>
+                </a:tc>
+                <a:tc>
+                  <a:txBody>
+                    <a:bodyPr/>
+                    <a:lstStyle/>
+                    <a:p>
+                      <a:pPr algn="ctr"/>
+                      <a:r>
+                        <a:rPr lang="en-US" dirty="0" err="1" smtClean="0"/>
+                        <a:t>Src</a:t>
+                      </a:r>
+                      <a:endParaRPr lang="en-US" dirty="0" smtClean="0"/>
+                    </a:p>
+                    <a:p>
+                      <a:pPr algn="ctr"/>
+                      <a:r>
+                        <a:rPr lang="en-US" dirty="0" smtClean="0"/>
+                        <a:t>IP’</a:t>
+                      </a:r>
+                      <a:endParaRPr lang="ru-RU" dirty="0"/>
+                    </a:p>
+                  </a:txBody>
+                  <a:tcPr/>
+                </a:tc>
+                <a:tc>
+                  <a:txBody>
+                    <a:bodyPr/>
+                    <a:lstStyle/>
+                    <a:p>
+                      <a:pPr algn="ctr"/>
+                      <a:r>
+                        <a:rPr lang="en-US" dirty="0" err="1" smtClean="0"/>
+                        <a:t>Src</a:t>
+                      </a:r>
+                      <a:endParaRPr lang="en-US" dirty="0" smtClean="0"/>
+                    </a:p>
+                    <a:p>
+                      <a:pPr algn="ctr"/>
+                      <a:r>
+                        <a:rPr lang="en-US" dirty="0" smtClean="0"/>
+                        <a:t>Port’</a:t>
+                      </a:r>
+                      <a:endParaRPr lang="ru-RU" dirty="0"/>
+                    </a:p>
+                  </a:txBody>
+                  <a:tcPr/>
+                </a:tc>
+                <a:tc>
+                  <a:txBody>
+                    <a:bodyPr/>
+                    <a:lstStyle/>
+                    <a:p>
+                      <a:pPr algn="ctr"/>
+                      <a:r>
+                        <a:rPr lang="en-US" dirty="0" err="1" smtClean="0"/>
+                        <a:t>Dst</a:t>
+                      </a:r>
+                      <a:endParaRPr lang="en-US" dirty="0" smtClean="0"/>
+                    </a:p>
+                    <a:p>
+                      <a:pPr algn="ctr"/>
+                      <a:r>
+                        <a:rPr lang="en-US" dirty="0" smtClean="0"/>
+                        <a:t>IP’</a:t>
+                      </a:r>
+                      <a:endParaRPr lang="ru-RU" dirty="0"/>
+                    </a:p>
+                  </a:txBody>
+                  <a:tcPr/>
+                </a:tc>
+                <a:tc>
+                  <a:txBody>
+                    <a:bodyPr/>
+                    <a:lstStyle/>
+                    <a:p>
+                      <a:pPr algn="ctr"/>
+                      <a:r>
+                        <a:rPr lang="en-US" dirty="0" err="1" smtClean="0"/>
+                        <a:t>Dst</a:t>
+                      </a:r>
+                      <a:r>
+                        <a:rPr lang="en-US" dirty="0" smtClean="0"/>
+                        <a:t/>
+                      </a:r>
+                      <a:br>
+                        <a:rPr lang="en-US" dirty="0" smtClean="0"/>
+                      </a:br>
+                      <a:r>
+                        <a:rPr lang="en-US" dirty="0" smtClean="0"/>
+                        <a:t>Port’</a:t>
+                      </a:r>
+                      <a:endParaRPr lang="ru-RU" dirty="0"/>
+                    </a:p>
+                  </a:txBody>
+                  <a:tcPr/>
+                </a:tc>
+                <a:tc>
+                  <a:txBody>
+                    <a:bodyPr/>
+                    <a:lstStyle/>
+                    <a:p>
+                      <a:r>
+                        <a:rPr lang="en-US" dirty="0" smtClean="0"/>
+                        <a:t>TTL</a:t>
+                      </a:r>
+                      <a:endParaRPr lang="ru-RU" dirty="0"/>
+                    </a:p>
+                  </a:txBody>
+                  <a:tcPr/>
+                </a:tc>
+                <a:extLst>
+                  <a:ext uri="{0D108BD9-81ED-4DB2-BD59-A6C34878D82A}">
+                    <a16:rowId xmlns:a16="http://schemas.microsoft.com/office/drawing/2014/main" val="378008609"/>
+                  </a:ext>
+                </a:extLst>
+              </a:tr>
+              <a:tr h="370840">
+                <a:tc>
+                  <a:txBody>
+                    <a:bodyPr/>
+                    <a:lstStyle/>
+                    <a:p>
+                      <a:r>
+                        <a:rPr lang="en-US" dirty="0" smtClean="0"/>
+                        <a:t>192.168.1.5</a:t>
+                      </a:r>
+                      <a:endParaRPr lang="ru-RU" dirty="0"/>
+                    </a:p>
+                  </a:txBody>
+                  <a:tcPr/>
+                </a:tc>
+                <a:tc>
+                  <a:txBody>
+                    <a:bodyPr/>
+                    <a:lstStyle/>
+                    <a:p>
+                      <a:r>
+                        <a:rPr lang="en-US" dirty="0" smtClean="0"/>
+                        <a:t>56401</a:t>
+                      </a:r>
+                      <a:endParaRPr lang="ru-RU" dirty="0"/>
+                    </a:p>
+                  </a:txBody>
+                  <a:tcPr/>
+                </a:tc>
+                <a:tc>
+                  <a:txBody>
+                    <a:bodyPr/>
+                    <a:lstStyle/>
+                    <a:p>
+                      <a:r>
+                        <a:rPr lang="en-US" dirty="0" smtClean="0"/>
+                        <a:t>e1.ru</a:t>
+                      </a:r>
+                      <a:endParaRPr lang="ru-RU" dirty="0"/>
+                    </a:p>
+                  </a:txBody>
+                  <a:tcPr/>
+                </a:tc>
+                <a:tc>
+                  <a:txBody>
+                    <a:bodyPr/>
+                    <a:lstStyle/>
+                    <a:p>
+                      <a:r>
+                        <a:rPr lang="en-US" dirty="0" smtClean="0"/>
+                        <a:t>80</a:t>
+                      </a:r>
+                      <a:endParaRPr lang="ru-RU" dirty="0"/>
+                    </a:p>
+                  </a:txBody>
+                  <a:tcPr/>
+                </a:tc>
+                <a:tc>
+                  <a:txBody>
+                    <a:bodyPr/>
+                    <a:lstStyle/>
+                    <a:p>
+                      <a:r>
+                        <a:rPr lang="en-US" dirty="0" smtClean="0"/>
+                        <a:t>7.8.0.1</a:t>
+                      </a:r>
+                      <a:endParaRPr lang="ru-RU" dirty="0"/>
+                    </a:p>
+                  </a:txBody>
+                  <a:tcPr/>
+                </a:tc>
+                <a:tc>
+                  <a:txBody>
+                    <a:bodyPr/>
+                    <a:lstStyle/>
+                    <a:p>
+                      <a:r>
+                        <a:rPr lang="en-US" dirty="0" smtClean="0"/>
+                        <a:t>37453</a:t>
+                      </a:r>
+                      <a:endParaRPr lang="ru-RU" dirty="0"/>
+                    </a:p>
+                  </a:txBody>
+                  <a:tcPr/>
+                </a:tc>
+                <a:tc>
+                  <a:txBody>
+                    <a:bodyPr/>
+                    <a:lstStyle/>
+                    <a:p>
+                      <a:r>
+                        <a:rPr lang="en-US" dirty="0" smtClean="0"/>
+                        <a:t>e1.ru</a:t>
+                      </a:r>
+                      <a:endParaRPr lang="ru-RU" dirty="0"/>
+                    </a:p>
+                  </a:txBody>
+                  <a:tcPr/>
+                </a:tc>
+                <a:tc>
+                  <a:txBody>
+                    <a:bodyPr/>
+                    <a:lstStyle/>
+                    <a:p>
+                      <a:r>
+                        <a:rPr lang="en-US" dirty="0" smtClean="0"/>
+                        <a:t>80</a:t>
+                      </a:r>
+                      <a:endParaRPr lang="ru-RU" dirty="0"/>
+                    </a:p>
+                  </a:txBody>
+                  <a:tcPr/>
+                </a:tc>
+                <a:tc>
+                  <a:txBody>
+                    <a:bodyPr/>
+                    <a:lstStyle/>
+                    <a:p>
+                      <a:r>
+                        <a:rPr lang="en-US" dirty="0" smtClean="0"/>
+                        <a:t>60</a:t>
+                      </a:r>
+                      <a:endParaRPr lang="ru-RU" dirty="0"/>
+                    </a:p>
+                  </a:txBody>
+                  <a:tcPr/>
+                </a:tc>
+                <a:extLst>
+                  <a:ext uri="{0D108BD9-81ED-4DB2-BD59-A6C34878D82A}">
+                    <a16:rowId xmlns:a16="http://schemas.microsoft.com/office/drawing/2014/main" val="915896166"/>
+                  </a:ext>
+                </a:extLst>
+              </a:tr>
+              <a:tr h="370840">
+                <a:tc>
+                  <a:txBody>
+                    <a:bodyPr/>
+                    <a:lstStyle/>
+                    <a:p>
+                      <a:r>
+                        <a:rPr lang="en-US" dirty="0" smtClean="0"/>
+                        <a:t>192.168.1.9</a:t>
+                      </a:r>
+                      <a:endParaRPr lang="ru-RU" dirty="0"/>
+                    </a:p>
+                  </a:txBody>
+                  <a:tcPr/>
+                </a:tc>
+                <a:tc>
+                  <a:txBody>
+                    <a:bodyPr/>
+                    <a:lstStyle/>
+                    <a:p>
+                      <a:r>
+                        <a:rPr lang="en-US" dirty="0" smtClean="0"/>
+                        <a:t>46804</a:t>
+                      </a:r>
+                      <a:endParaRPr lang="ru-RU" dirty="0"/>
+                    </a:p>
+                  </a:txBody>
+                  <a:tcPr/>
+                </a:tc>
+                <a:tc>
+                  <a:txBody>
+                    <a:bodyPr/>
+                    <a:lstStyle/>
+                    <a:p>
+                      <a:r>
+                        <a:rPr lang="en-US" dirty="0" smtClean="0"/>
+                        <a:t>fb.com</a:t>
+                      </a:r>
+                      <a:endParaRPr lang="ru-RU" dirty="0"/>
+                    </a:p>
+                  </a:txBody>
+                  <a:tcPr/>
+                </a:tc>
+                <a:tc>
+                  <a:txBody>
+                    <a:bodyPr/>
+                    <a:lstStyle/>
+                    <a:p>
+                      <a:r>
+                        <a:rPr lang="en-US" dirty="0" smtClean="0"/>
+                        <a:t>443</a:t>
+                      </a:r>
+                      <a:endParaRPr lang="ru-RU" dirty="0"/>
+                    </a:p>
+                  </a:txBody>
+                  <a:tcPr/>
+                </a:tc>
+                <a:tc>
+                  <a:txBody>
+                    <a:bodyPr/>
+                    <a:lstStyle/>
+                    <a:p>
+                      <a:r>
+                        <a:rPr lang="en-US" dirty="0" smtClean="0"/>
+                        <a:t>7.8.0.1</a:t>
+                      </a:r>
+                      <a:endParaRPr lang="ru-RU" dirty="0"/>
+                    </a:p>
+                  </a:txBody>
+                  <a:tcPr/>
+                </a:tc>
+                <a:tc>
+                  <a:txBody>
+                    <a:bodyPr/>
+                    <a:lstStyle/>
+                    <a:p>
+                      <a:r>
+                        <a:rPr lang="en-US" dirty="0" smtClean="0"/>
+                        <a:t>37454</a:t>
+                      </a:r>
+                      <a:endParaRPr lang="ru-RU" dirty="0"/>
+                    </a:p>
+                  </a:txBody>
+                  <a:tcPr/>
+                </a:tc>
+                <a:tc>
+                  <a:txBody>
+                    <a:bodyPr/>
+                    <a:lstStyle/>
+                    <a:p>
+                      <a:r>
+                        <a:rPr lang="en-US" dirty="0" smtClean="0"/>
+                        <a:t>fb.com</a:t>
+                      </a:r>
+                      <a:endParaRPr lang="ru-RU" dirty="0"/>
+                    </a:p>
+                  </a:txBody>
+                  <a:tcPr/>
+                </a:tc>
+                <a:tc>
+                  <a:txBody>
+                    <a:bodyPr/>
+                    <a:lstStyle/>
+                    <a:p>
+                      <a:r>
+                        <a:rPr lang="en-US" dirty="0" smtClean="0"/>
+                        <a:t>443</a:t>
+                      </a:r>
+                      <a:endParaRPr lang="ru-RU" dirty="0"/>
+                    </a:p>
+                  </a:txBody>
+                  <a:tcPr/>
+                </a:tc>
+                <a:tc>
+                  <a:txBody>
+                    <a:bodyPr/>
+                    <a:lstStyle/>
+                    <a:p>
+                      <a:r>
+                        <a:rPr lang="en-US" dirty="0" smtClean="0"/>
+                        <a:t>58</a:t>
+                      </a:r>
+                      <a:endParaRPr lang="ru-RU" dirty="0"/>
+                    </a:p>
+                  </a:txBody>
+                  <a:tcPr/>
+                </a:tc>
+                <a:extLst>
+                  <a:ext uri="{0D108BD9-81ED-4DB2-BD59-A6C34878D82A}">
+                    <a16:rowId xmlns:a16="http://schemas.microsoft.com/office/drawing/2014/main" val="3219675515"/>
+                  </a:ext>
+                </a:extLst>
+              </a:tr>
+              <a:tr h="370840">
+                <a:tc>
+                  <a:txBody>
+                    <a:bodyPr/>
+                    <a:lstStyle/>
+                    <a:p>
+                      <a:r>
+                        <a:rPr lang="en-US" dirty="0" smtClean="0"/>
+                        <a:t>192.168.1.5</a:t>
+                      </a:r>
+                      <a:endParaRPr lang="ru-RU" dirty="0"/>
+                    </a:p>
+                  </a:txBody>
+                  <a:tcPr/>
+                </a:tc>
+                <a:tc>
+                  <a:txBody>
+                    <a:bodyPr/>
+                    <a:lstStyle/>
+                    <a:p>
+                      <a:r>
+                        <a:rPr lang="en-US" dirty="0" smtClean="0"/>
+                        <a:t>56402</a:t>
+                      </a:r>
+                      <a:endParaRPr lang="ru-RU" dirty="0"/>
+                    </a:p>
+                  </a:txBody>
+                  <a:tcPr/>
+                </a:tc>
+                <a:tc>
+                  <a:txBody>
+                    <a:bodyPr/>
+                    <a:lstStyle/>
+                    <a:p>
+                      <a:r>
+                        <a:rPr lang="en-US" dirty="0" smtClean="0"/>
+                        <a:t>e1.ru</a:t>
+                      </a:r>
+                      <a:endParaRPr lang="ru-RU" dirty="0"/>
+                    </a:p>
+                  </a:txBody>
+                  <a:tcPr/>
+                </a:tc>
+                <a:tc>
+                  <a:txBody>
+                    <a:bodyPr/>
+                    <a:lstStyle/>
+                    <a:p>
+                      <a:r>
+                        <a:rPr lang="en-US" dirty="0" smtClean="0"/>
+                        <a:t>80</a:t>
+                      </a:r>
+                      <a:endParaRPr lang="ru-RU" dirty="0"/>
+                    </a:p>
+                  </a:txBody>
+                  <a:tcPr/>
+                </a:tc>
+                <a:tc>
+                  <a:txBody>
+                    <a:bodyPr/>
+                    <a:lstStyle/>
+                    <a:p>
+                      <a:r>
+                        <a:rPr lang="en-US" dirty="0" smtClean="0"/>
+                        <a:t>7.8.0.1</a:t>
+                      </a:r>
+                      <a:endParaRPr lang="ru-RU" dirty="0"/>
+                    </a:p>
+                  </a:txBody>
+                  <a:tcPr/>
+                </a:tc>
+                <a:tc>
+                  <a:txBody>
+                    <a:bodyPr/>
+                    <a:lstStyle/>
+                    <a:p>
+                      <a:r>
+                        <a:rPr lang="en-US" dirty="0" smtClean="0"/>
+                        <a:t>37455</a:t>
+                      </a:r>
+                      <a:endParaRPr lang="ru-RU" dirty="0"/>
+                    </a:p>
+                  </a:txBody>
+                  <a:tcPr/>
+                </a:tc>
+                <a:tc>
+                  <a:txBody>
+                    <a:bodyPr/>
+                    <a:lstStyle/>
+                    <a:p>
+                      <a:r>
+                        <a:rPr lang="en-US" dirty="0" smtClean="0"/>
+                        <a:t>e1.ru</a:t>
+                      </a:r>
+                      <a:endParaRPr lang="ru-RU" dirty="0"/>
+                    </a:p>
+                  </a:txBody>
+                  <a:tcPr/>
+                </a:tc>
+                <a:tc>
+                  <a:txBody>
+                    <a:bodyPr/>
+                    <a:lstStyle/>
+                    <a:p>
+                      <a:r>
+                        <a:rPr lang="en-US" dirty="0" smtClean="0"/>
+                        <a:t>80</a:t>
+                      </a:r>
+                      <a:endParaRPr lang="ru-RU" dirty="0"/>
+                    </a:p>
+                  </a:txBody>
+                  <a:tcPr/>
+                </a:tc>
+                <a:tc>
+                  <a:txBody>
+                    <a:bodyPr/>
+                    <a:lstStyle/>
+                    <a:p>
+                      <a:r>
+                        <a:rPr lang="en-US" dirty="0" smtClean="0"/>
+                        <a:t>53</a:t>
+                      </a:r>
+                      <a:endParaRPr lang="ru-RU" dirty="0"/>
+                    </a:p>
+                  </a:txBody>
+                  <a:tcPr/>
+                </a:tc>
+                <a:extLst>
+                  <a:ext uri="{0D108BD9-81ED-4DB2-BD59-A6C34878D82A}">
+                    <a16:rowId xmlns:a16="http://schemas.microsoft.com/office/drawing/2014/main" val="1316994205"/>
+                  </a:ext>
+                </a:extLst>
+              </a:tr>
+              <a:tr h="370840">
+                <a:tc>
+                  <a:txBody>
+                    <a:bodyPr/>
+                    <a:lstStyle/>
+                    <a:p>
+                      <a:pPr algn="ctr"/>
+                      <a:r>
+                        <a:rPr lang="en-US" dirty="0" smtClean="0"/>
+                        <a:t>…</a:t>
+                      </a:r>
+                      <a:endParaRPr lang="ru-RU" dirty="0"/>
+                    </a:p>
+                  </a:txBody>
+                  <a:tcPr/>
+                </a:tc>
+                <a:tc>
+                  <a:txBody>
+                    <a:bodyPr/>
+                    <a:lstStyle/>
+                    <a:p>
+                      <a:pPr algn="ctr"/>
+                      <a:r>
+                        <a:rPr lang="en-US" dirty="0" smtClean="0"/>
+                        <a:t>…</a:t>
+                      </a:r>
+                      <a:endParaRPr lang="ru-RU" dirty="0"/>
+                    </a:p>
+                  </a:txBody>
+                  <a:tcPr/>
+                </a:tc>
+                <a:tc>
+                  <a:txBody>
+                    <a:bodyPr/>
+                    <a:lstStyle/>
+                    <a:p>
+                      <a:pPr algn="ctr"/>
+                      <a:r>
+                        <a:rPr lang="en-US" dirty="0" smtClean="0"/>
+                        <a:t>…</a:t>
+                      </a:r>
+                      <a:endParaRPr lang="ru-RU" dirty="0"/>
+                    </a:p>
+                  </a:txBody>
+                  <a:tcPr/>
+                </a:tc>
+                <a:tc>
+                  <a:txBody>
+                    <a:bodyPr/>
+                    <a:lstStyle/>
+                    <a:p>
+                      <a:pPr algn="ctr"/>
+                      <a:r>
+                        <a:rPr lang="en-US" dirty="0" smtClean="0"/>
+                        <a:t>…</a:t>
+                      </a:r>
+                      <a:endParaRPr lang="ru-RU" dirty="0"/>
+                    </a:p>
+                  </a:txBody>
+                  <a:tcPr/>
+                </a:tc>
+                <a:tc>
+                  <a:txBody>
+                    <a:bodyPr/>
+                    <a:lstStyle/>
+                    <a:p>
+                      <a:pPr algn="ctr"/>
+                      <a:r>
+                        <a:rPr lang="en-US" dirty="0" smtClean="0"/>
+                        <a:t>…</a:t>
+                      </a:r>
+                      <a:endParaRPr lang="ru-RU" dirty="0"/>
+                    </a:p>
+                  </a:txBody>
+                  <a:tcPr/>
+                </a:tc>
+                <a:tc>
+                  <a:txBody>
+                    <a:bodyPr/>
+                    <a:lstStyle/>
+                    <a:p>
+                      <a:pPr algn="ctr"/>
+                      <a:r>
+                        <a:rPr lang="en-US" dirty="0" smtClean="0"/>
+                        <a:t>…</a:t>
+                      </a:r>
+                      <a:endParaRPr lang="ru-RU" dirty="0"/>
+                    </a:p>
+                  </a:txBody>
+                  <a:tcPr/>
+                </a:tc>
+                <a:tc>
+                  <a:txBody>
+                    <a:bodyPr/>
+                    <a:lstStyle/>
+                    <a:p>
+                      <a:pPr algn="ctr"/>
+                      <a:r>
+                        <a:rPr lang="en-US" dirty="0" smtClean="0"/>
+                        <a:t>…</a:t>
+                      </a:r>
+                      <a:endParaRPr lang="ru-RU" dirty="0"/>
+                    </a:p>
+                  </a:txBody>
+                  <a:tcPr/>
+                </a:tc>
+                <a:tc>
+                  <a:txBody>
+                    <a:bodyPr/>
+                    <a:lstStyle/>
+                    <a:p>
+                      <a:pPr algn="ctr"/>
+                      <a:r>
+                        <a:rPr lang="en-US" dirty="0" smtClean="0"/>
+                        <a:t>…</a:t>
+                      </a:r>
+                      <a:endParaRPr lang="ru-RU" dirty="0"/>
+                    </a:p>
+                  </a:txBody>
+                  <a:tcPr/>
+                </a:tc>
+                <a:tc>
+                  <a:txBody>
+                    <a:bodyPr/>
+                    <a:lstStyle/>
+                    <a:p>
+                      <a:pPr algn="ctr"/>
+                      <a:r>
+                        <a:rPr lang="en-US" dirty="0" smtClean="0"/>
+                        <a:t>…</a:t>
+                      </a:r>
+                      <a:endParaRPr lang="ru-RU" dirty="0"/>
+                    </a:p>
+                  </a:txBody>
+                  <a:tcPr/>
+                </a:tc>
+                <a:extLst>
+                  <a:ext uri="{0D108BD9-81ED-4DB2-BD59-A6C34878D82A}">
+                    <a16:rowId xmlns:a16="http://schemas.microsoft.com/office/drawing/2014/main" val="268427842"/>
+                  </a:ext>
+                </a:extLst>
+              </a:tr>
+            </a:tbl>
+          </a:graphicData>
+        </a:graphic>
+      </p:graphicFrame>
+      <p:sp>
+        <p:nvSpPr>
+          <p:cNvPr id="11" name="Выгнутая вниз стрелка 10"/>
+          <p:cNvSpPr/>
+          <p:nvPr/>
+        </p:nvSpPr>
+        <p:spPr bwMode="auto">
+          <a:xfrm flipV="1">
+            <a:off x="1835696" y="2175614"/>
+            <a:ext cx="3456384" cy="481520"/>
+          </a:xfrm>
+          <a:prstGeom prst="curvedUpArrow">
+            <a:avLst/>
+          </a:prstGeom>
+          <a:noFill/>
+          <a:ln w="19050" cap="flat" cmpd="sng" algn="ctr">
+            <a:solidFill>
+              <a:srgbClr val="00B050"/>
+            </a:solidFill>
+            <a:prstDash val="solid"/>
+            <a:round/>
+            <a:headEnd type="none" w="med" len="med"/>
+            <a:tailEnd type="none" w="med" len="med"/>
+          </a:ln>
+          <a:effectLst/>
+          <a:extLst>
+            <a:ext uri="{909E8E84-426E-40DD-AFC4-6F175D3DCCD1}">
+              <a14:hiddenFill xmlns:a14="http://schemas.microsoft.com/office/drawing/2010/main">
+                <a:solidFill>
+                  <a:schemeClr val="accent1"/>
+                </a:solidFill>
+              </a14:hiddenFill>
+            </a:ext>
+            <a:ext uri="{AF507438-7753-43E0-B8FC-AC1667EBCBE1}">
+              <a14:hiddenEffects xmlns:a14="http://schemas.microsoft.com/office/drawing/2010/main">
+                <a:effectLst>
+                  <a:outerShdw dist="35921" dir="2700000" algn="ctr" rotWithShape="0">
+                    <a:schemeClr val="bg2"/>
+                  </a:outerShdw>
+                </a:effectLst>
+              </a14:hiddenEffects>
+            </a:ext>
+          </a:extLst>
+        </p:spPr>
+        <p:txBody>
+          <a:bodyPr vert="horz" wrap="square" lIns="91440" tIns="45720" rIns="91440" bIns="0" numCol="1" rtlCol="0" anchor="t" anchorCtr="0" compatLnSpc="1">
+            <a:prstTxWarp prst="textNoShape">
+              <a:avLst/>
+            </a:prstTxWarp>
+          </a:bodyPr>
+          <a:lstStyle/>
+          <a:p>
+            <a:pPr marL="457200" marR="0" indent="-457200" algn="l" defTabSz="914400" rtl="0" eaLnBrk="1" fontAlgn="base" latinLnBrk="0" hangingPunct="1">
+              <a:lnSpc>
+                <a:spcPct val="100000"/>
+              </a:lnSpc>
+              <a:spcBef>
+                <a:spcPct val="20000"/>
+              </a:spcBef>
+              <a:spcAft>
+                <a:spcPct val="0"/>
+              </a:spcAft>
+              <a:buClr>
+                <a:srgbClr val="A50021"/>
+              </a:buClr>
+              <a:buSzPct val="75000"/>
+              <a:buFont typeface="Wingdings" pitchFamily="2" charset="2"/>
+              <a:buChar char="n"/>
+              <a:tabLst/>
+            </a:pPr>
+            <a:endParaRPr kumimoji="1" lang="ru-RU" sz="2000" b="0" i="0" u="none" strike="noStrike" cap="none" normalizeH="0" baseline="0" smtClean="0">
+              <a:ln>
+                <a:noFill/>
+              </a:ln>
+              <a:solidFill>
+                <a:schemeClr val="tx1"/>
+              </a:solidFill>
+              <a:effectLst/>
+              <a:latin typeface="Times New Roman" pitchFamily="18" charset="0"/>
+              <a:cs typeface="Times New Roman" pitchFamily="18" charset="0"/>
+            </a:endParaRPr>
+          </a:p>
+        </p:txBody>
+      </p:sp>
+      <p:sp>
+        <p:nvSpPr>
+          <p:cNvPr id="12" name="Левая фигурная скобка 11"/>
+          <p:cNvSpPr/>
+          <p:nvPr/>
+        </p:nvSpPr>
+        <p:spPr bwMode="auto">
+          <a:xfrm rot="16200000">
+            <a:off x="6294526" y="3325861"/>
+            <a:ext cx="299370" cy="3312368"/>
+          </a:xfrm>
+          <a:prstGeom prst="leftBrace">
+            <a:avLst>
+              <a:gd name="adj1" fmla="val 8333"/>
+              <a:gd name="adj2" fmla="val 48859"/>
+            </a:avLst>
+          </a:prstGeom>
+          <a:noFill/>
+          <a:ln w="12700" cap="flat" cmpd="sng" algn="ctr">
+            <a:solidFill>
+              <a:srgbClr val="FF0000"/>
+            </a:solidFill>
+            <a:prstDash val="solid"/>
+            <a:round/>
+            <a:headEnd type="none" w="med" len="med"/>
+            <a:tailEnd type="none" w="med" len="med"/>
+          </a:ln>
+          <a:effectLst/>
+          <a:extLst>
+            <a:ext uri="{909E8E84-426E-40DD-AFC4-6F175D3DCCD1}">
+              <a14:hiddenFill xmlns:a14="http://schemas.microsoft.com/office/drawing/2010/main">
+                <a:solidFill>
+                  <a:schemeClr val="accent1"/>
+                </a:solidFill>
+              </a14:hiddenFill>
+            </a:ext>
+            <a:ext uri="{AF507438-7753-43E0-B8FC-AC1667EBCBE1}">
+              <a14:hiddenEffects xmlns:a14="http://schemas.microsoft.com/office/drawing/2010/main">
+                <a:effectLst>
+                  <a:outerShdw dist="35921" dir="2700000" algn="ctr" rotWithShape="0">
+                    <a:schemeClr val="bg2"/>
+                  </a:outerShdw>
+                </a:effectLst>
+              </a14:hiddenEffects>
+            </a:ext>
+          </a:extLst>
+        </p:spPr>
+        <p:txBody>
+          <a:bodyPr vert="horz" wrap="square" lIns="91440" tIns="45720" rIns="91440" bIns="0" numCol="1" rtlCol="0" anchor="t" anchorCtr="0" compatLnSpc="1">
+            <a:prstTxWarp prst="textNoShape">
+              <a:avLst/>
+            </a:prstTxWarp>
+          </a:bodyPr>
+          <a:lstStyle/>
+          <a:p>
+            <a:pPr marL="457200" marR="0" indent="-457200" algn="l" defTabSz="914400" rtl="0" eaLnBrk="1" fontAlgn="base" latinLnBrk="0" hangingPunct="1">
+              <a:lnSpc>
+                <a:spcPct val="100000"/>
+              </a:lnSpc>
+              <a:spcBef>
+                <a:spcPct val="20000"/>
+              </a:spcBef>
+              <a:spcAft>
+                <a:spcPct val="0"/>
+              </a:spcAft>
+              <a:buClr>
+                <a:srgbClr val="A50021"/>
+              </a:buClr>
+              <a:buSzPct val="75000"/>
+              <a:buFont typeface="Wingdings" pitchFamily="2" charset="2"/>
+              <a:buChar char="n"/>
+              <a:tabLst/>
+            </a:pPr>
+            <a:endParaRPr kumimoji="1" lang="ru-RU" sz="2000" b="0" i="0" u="none" strike="noStrike" cap="none" normalizeH="0" baseline="0" smtClean="0">
+              <a:ln>
+                <a:noFill/>
+              </a:ln>
+              <a:solidFill>
+                <a:schemeClr val="tx1"/>
+              </a:solidFill>
+              <a:effectLst/>
+              <a:latin typeface="Times New Roman" pitchFamily="18" charset="0"/>
+              <a:cs typeface="Times New Roman" pitchFamily="18" charset="0"/>
+            </a:endParaRPr>
+          </a:p>
+        </p:txBody>
+      </p:sp>
+      <p:sp>
+        <p:nvSpPr>
+          <p:cNvPr id="13" name="Выгнутая вниз стрелка 12"/>
+          <p:cNvSpPr/>
+          <p:nvPr/>
+        </p:nvSpPr>
+        <p:spPr bwMode="auto">
+          <a:xfrm flipH="1">
+            <a:off x="1547664" y="5229200"/>
+            <a:ext cx="4896544" cy="316424"/>
+          </a:xfrm>
+          <a:prstGeom prst="curvedUpArrow">
+            <a:avLst>
+              <a:gd name="adj1" fmla="val 25000"/>
+              <a:gd name="adj2" fmla="val 99465"/>
+              <a:gd name="adj3" fmla="val 25000"/>
+            </a:avLst>
+          </a:prstGeom>
+          <a:noFill/>
+          <a:ln w="19050" cap="flat" cmpd="sng" algn="ctr">
+            <a:solidFill>
+              <a:srgbClr val="FF0000"/>
+            </a:solidFill>
+            <a:prstDash val="solid"/>
+            <a:round/>
+            <a:headEnd type="none" w="med" len="med"/>
+            <a:tailEnd type="none" w="med" len="med"/>
+          </a:ln>
+          <a:effectLst/>
+          <a:extLst>
+            <a:ext uri="{909E8E84-426E-40DD-AFC4-6F175D3DCCD1}">
+              <a14:hiddenFill xmlns:a14="http://schemas.microsoft.com/office/drawing/2010/main">
+                <a:solidFill>
+                  <a:schemeClr val="accent1"/>
+                </a:solidFill>
+              </a14:hiddenFill>
+            </a:ext>
+            <a:ext uri="{AF507438-7753-43E0-B8FC-AC1667EBCBE1}">
+              <a14:hiddenEffects xmlns:a14="http://schemas.microsoft.com/office/drawing/2010/main">
+                <a:effectLst>
+                  <a:outerShdw dist="35921" dir="2700000" algn="ctr" rotWithShape="0">
+                    <a:schemeClr val="bg2"/>
+                  </a:outerShdw>
+                </a:effectLst>
+              </a14:hiddenEffects>
+            </a:ext>
+          </a:extLst>
+        </p:spPr>
+        <p:txBody>
+          <a:bodyPr vert="horz" wrap="square" lIns="91440" tIns="45720" rIns="91440" bIns="0" numCol="1" rtlCol="0" anchor="t" anchorCtr="0" compatLnSpc="1">
+            <a:prstTxWarp prst="textNoShape">
+              <a:avLst/>
+            </a:prstTxWarp>
+          </a:bodyPr>
+          <a:lstStyle/>
+          <a:p>
+            <a:pPr marL="457200" marR="0" indent="-457200" algn="l" defTabSz="914400" rtl="0" eaLnBrk="1" fontAlgn="base" latinLnBrk="0" hangingPunct="1">
+              <a:lnSpc>
+                <a:spcPct val="100000"/>
+              </a:lnSpc>
+              <a:spcBef>
+                <a:spcPct val="20000"/>
+              </a:spcBef>
+              <a:spcAft>
+                <a:spcPct val="0"/>
+              </a:spcAft>
+              <a:buClr>
+                <a:srgbClr val="A50021"/>
+              </a:buClr>
+              <a:buSzPct val="75000"/>
+              <a:buFont typeface="Wingdings" pitchFamily="2" charset="2"/>
+              <a:buChar char="n"/>
+              <a:tabLst/>
+            </a:pPr>
+            <a:endParaRPr kumimoji="1" lang="ru-RU" sz="2000" b="0" i="0" u="none" strike="noStrike" cap="none" normalizeH="0" baseline="0" smtClean="0">
+              <a:ln>
+                <a:noFill/>
+              </a:ln>
+              <a:solidFill>
+                <a:schemeClr val="tx1"/>
+              </a:solidFill>
+              <a:effectLst/>
+              <a:latin typeface="Times New Roman" pitchFamily="18" charset="0"/>
+              <a:cs typeface="Times New Roman" pitchFamily="18" charset="0"/>
+            </a:endParaRPr>
+          </a:p>
+        </p:txBody>
+      </p:sp>
+    </p:spTree>
+    <p:extLst>
+      <p:ext uri="{BB962C8B-B14F-4D97-AF65-F5344CB8AC3E}">
+        <p14:creationId xmlns:p14="http://schemas.microsoft.com/office/powerpoint/2010/main" val="1419605319"/>
+      </p:ext>
+    </p:extLst>
+  </p:cSld>
+  <p:clrMapOvr>
+    <a:masterClrMapping/>
+  </p:clrMapOvr>
+  <p:timing>
+    <p:tnLst>
+      <p:par>
+        <p:cTn id="1" dur="indefinite" restart="never" nodeType="tmRoot"/>
+      </p:par>
+    </p:tnLst>
+  </p:timing>
+</p:sld>
+</file>
+
 <file path=ppt/slides/slide2.xml><?xml version="1.0" encoding="utf-8"?>
 <p:sld xmlns:a="http://schemas.openxmlformats.org/drawingml/2006/main" xmlns:r="http://schemas.openxmlformats.org/officeDocument/2006/relationships" xmlns:p="http://schemas.openxmlformats.org/presentationml/2006/main">
   <p:cSld>
@@ -5779,7 +7288,6 @@
               <a:rPr kumimoji="0" lang="en-US" altLang="ru-RU" b="1" kern="0" dirty="0" smtClean="0"/>
               <a:t>IP</a:t>
             </a:r>
-            <a:endParaRPr kumimoji="0" lang="en-US" altLang="ru-RU" b="1" kern="0" dirty="0" smtClean="0"/>
           </a:p>
         </p:txBody>
       </p:sp>
@@ -6194,7 +7702,6 @@
               <a:rPr kumimoji="0" lang="en-US" altLang="ru-RU" b="1" kern="0" dirty="0" smtClean="0"/>
               <a:t>Proxy</a:t>
             </a:r>
-            <a:endParaRPr kumimoji="0" lang="en-US" altLang="ru-RU" b="1" kern="0" dirty="0" smtClean="0"/>
           </a:p>
         </p:txBody>
       </p:sp>
@@ -6709,6 +8216,3536 @@
     <p:extLst>
       <p:ext uri="{BB962C8B-B14F-4D97-AF65-F5344CB8AC3E}">
         <p14:creationId xmlns:p14="http://schemas.microsoft.com/office/powerpoint/2010/main" val="3772065712"/>
+      </p:ext>
+    </p:extLst>
+  </p:cSld>
+  <p:clrMapOvr>
+    <a:masterClrMapping/>
+  </p:clrMapOvr>
+  <p:timing>
+    <p:tnLst>
+      <p:par>
+        <p:cTn id="1" dur="indefinite" restart="never" nodeType="tmRoot"/>
+      </p:par>
+    </p:tnLst>
+  </p:timing>
+</p:sld>
+</file>
+
+<file path=ppt/slides/slide5.xml><?xml version="1.0" encoding="utf-8"?>
+<p:sld xmlns:a="http://schemas.openxmlformats.org/drawingml/2006/main" xmlns:r="http://schemas.openxmlformats.org/officeDocument/2006/relationships" xmlns:p="http://schemas.openxmlformats.org/presentationml/2006/main">
+  <p:cSld>
+    <p:spTree>
+      <p:nvGrpSpPr>
+        <p:cNvPr id="1" name=""/>
+        <p:cNvGrpSpPr/>
+        <p:nvPr/>
+      </p:nvGrpSpPr>
+      <p:grpSpPr>
+        <a:xfrm>
+          <a:off x="0" y="0"/>
+          <a:ext cx="0" cy="0"/>
+          <a:chOff x="0" y="0"/>
+          <a:chExt cx="0" cy="0"/>
+        </a:xfrm>
+      </p:grpSpPr>
+      <p:sp>
+        <p:nvSpPr>
+          <p:cNvPr id="19" name="Заголовок 1"/>
+          <p:cNvSpPr txBox="1">
+            <a:spLocks/>
+          </p:cNvSpPr>
+          <p:nvPr/>
+        </p:nvSpPr>
+        <p:spPr>
+          <a:xfrm>
+            <a:off x="0" y="701874"/>
+            <a:ext cx="9144000" cy="1008112"/>
+          </a:xfrm>
+          <a:prstGeom prst="rect">
+            <a:avLst/>
+          </a:prstGeom>
+        </p:spPr>
+        <p:txBody>
+          <a:bodyPr/>
+          <a:lstStyle>
+            <a:lvl1pPr algn="l" rtl="0" fontAlgn="base">
+              <a:spcBef>
+                <a:spcPct val="0"/>
+              </a:spcBef>
+              <a:spcAft>
+                <a:spcPct val="0"/>
+              </a:spcAft>
+              <a:defRPr sz="4400">
+                <a:solidFill>
+                  <a:schemeClr val="tx2"/>
+                </a:solidFill>
+                <a:latin typeface="+mj-lt"/>
+                <a:ea typeface="+mj-ea"/>
+                <a:cs typeface="+mj-cs"/>
+              </a:defRPr>
+            </a:lvl1pPr>
+            <a:lvl2pPr algn="l" rtl="0" fontAlgn="base">
+              <a:spcBef>
+                <a:spcPct val="0"/>
+              </a:spcBef>
+              <a:spcAft>
+                <a:spcPct val="0"/>
+              </a:spcAft>
+              <a:defRPr sz="4400">
+                <a:solidFill>
+                  <a:schemeClr val="tx2"/>
+                </a:solidFill>
+                <a:latin typeface="Times New Roman" pitchFamily="18" charset="0"/>
+              </a:defRPr>
+            </a:lvl2pPr>
+            <a:lvl3pPr algn="l" rtl="0" fontAlgn="base">
+              <a:spcBef>
+                <a:spcPct val="0"/>
+              </a:spcBef>
+              <a:spcAft>
+                <a:spcPct val="0"/>
+              </a:spcAft>
+              <a:defRPr sz="4400">
+                <a:solidFill>
+                  <a:schemeClr val="tx2"/>
+                </a:solidFill>
+                <a:latin typeface="Times New Roman" pitchFamily="18" charset="0"/>
+              </a:defRPr>
+            </a:lvl3pPr>
+            <a:lvl4pPr algn="l" rtl="0" fontAlgn="base">
+              <a:spcBef>
+                <a:spcPct val="0"/>
+              </a:spcBef>
+              <a:spcAft>
+                <a:spcPct val="0"/>
+              </a:spcAft>
+              <a:defRPr sz="4400">
+                <a:solidFill>
+                  <a:schemeClr val="tx2"/>
+                </a:solidFill>
+                <a:latin typeface="Times New Roman" pitchFamily="18" charset="0"/>
+              </a:defRPr>
+            </a:lvl4pPr>
+            <a:lvl5pPr algn="l" rtl="0" fontAlgn="base">
+              <a:spcBef>
+                <a:spcPct val="0"/>
+              </a:spcBef>
+              <a:spcAft>
+                <a:spcPct val="0"/>
+              </a:spcAft>
+              <a:defRPr sz="4400">
+                <a:solidFill>
+                  <a:schemeClr val="tx2"/>
+                </a:solidFill>
+                <a:latin typeface="Times New Roman" pitchFamily="18" charset="0"/>
+              </a:defRPr>
+            </a:lvl5pPr>
+            <a:lvl6pPr marL="457200" algn="l" rtl="0" fontAlgn="base">
+              <a:spcBef>
+                <a:spcPct val="0"/>
+              </a:spcBef>
+              <a:spcAft>
+                <a:spcPct val="0"/>
+              </a:spcAft>
+              <a:defRPr sz="4400">
+                <a:solidFill>
+                  <a:schemeClr val="tx2"/>
+                </a:solidFill>
+                <a:latin typeface="Times New Roman" pitchFamily="18" charset="0"/>
+              </a:defRPr>
+            </a:lvl6pPr>
+            <a:lvl7pPr marL="914400" algn="l" rtl="0" fontAlgn="base">
+              <a:spcBef>
+                <a:spcPct val="0"/>
+              </a:spcBef>
+              <a:spcAft>
+                <a:spcPct val="0"/>
+              </a:spcAft>
+              <a:defRPr sz="4400">
+                <a:solidFill>
+                  <a:schemeClr val="tx2"/>
+                </a:solidFill>
+                <a:latin typeface="Times New Roman" pitchFamily="18" charset="0"/>
+              </a:defRPr>
+            </a:lvl7pPr>
+            <a:lvl8pPr marL="1371600" algn="l" rtl="0" fontAlgn="base">
+              <a:spcBef>
+                <a:spcPct val="0"/>
+              </a:spcBef>
+              <a:spcAft>
+                <a:spcPct val="0"/>
+              </a:spcAft>
+              <a:defRPr sz="4400">
+                <a:solidFill>
+                  <a:schemeClr val="tx2"/>
+                </a:solidFill>
+                <a:latin typeface="Times New Roman" pitchFamily="18" charset="0"/>
+              </a:defRPr>
+            </a:lvl8pPr>
+            <a:lvl9pPr marL="1828800" algn="l" rtl="0" fontAlgn="base">
+              <a:spcBef>
+                <a:spcPct val="0"/>
+              </a:spcBef>
+              <a:spcAft>
+                <a:spcPct val="0"/>
+              </a:spcAft>
+              <a:defRPr sz="4400">
+                <a:solidFill>
+                  <a:schemeClr val="tx2"/>
+                </a:solidFill>
+                <a:latin typeface="Times New Roman" pitchFamily="18" charset="0"/>
+              </a:defRPr>
+            </a:lvl9pPr>
+          </a:lstStyle>
+          <a:p>
+            <a:pPr algn="ctr">
+              <a:buClrTx/>
+              <a:buSzTx/>
+              <a:buFontTx/>
+              <a:buNone/>
+            </a:pPr>
+            <a:r>
+              <a:rPr kumimoji="0" lang="ru-RU" altLang="ru-RU" b="1" kern="0" dirty="0" smtClean="0"/>
+              <a:t>Использование прокси-серверов</a:t>
+            </a:r>
+            <a:endParaRPr kumimoji="0" lang="en-US" altLang="ru-RU" b="1" kern="0" dirty="0" smtClean="0"/>
+          </a:p>
+        </p:txBody>
+      </p:sp>
+      <p:sp>
+        <p:nvSpPr>
+          <p:cNvPr id="9" name="TextBox 8"/>
+          <p:cNvSpPr txBox="1"/>
+          <p:nvPr/>
+        </p:nvSpPr>
+        <p:spPr>
+          <a:xfrm>
+            <a:off x="683568" y="1484784"/>
+            <a:ext cx="7920879" cy="5349157"/>
+          </a:xfrm>
+          <a:prstGeom prst="rect">
+            <a:avLst/>
+          </a:prstGeom>
+          <a:noFill/>
+        </p:spPr>
+        <p:txBody>
+          <a:bodyPr wrap="square" rtlCol="0">
+            <a:spAutoFit/>
+          </a:bodyPr>
+          <a:lstStyle/>
+          <a:p>
+            <a:pPr algn="just"/>
+            <a:r>
+              <a:rPr lang="ru-RU" sz="1400" b="1" dirty="0"/>
+              <a:t>обеспечение доступа </a:t>
+            </a:r>
+            <a:r>
+              <a:rPr lang="ru-RU" sz="1400" dirty="0"/>
+              <a:t>компьютеров локальной сети к сети Интернет;</a:t>
+            </a:r>
+          </a:p>
+          <a:p>
+            <a:pPr algn="just"/>
+            <a:r>
+              <a:rPr lang="ru-RU" sz="1400" b="1" dirty="0"/>
+              <a:t>кэширование</a:t>
+            </a:r>
+            <a:r>
+              <a:rPr lang="ru-RU" sz="1400" dirty="0"/>
+              <a:t> данных: если часто происходят обращения к одним и тем же внешним ресурсам для снижения нагрузки на канал во внешнюю сеть и ускорения получения клиентом запрошенной информации;</a:t>
+            </a:r>
+          </a:p>
+          <a:p>
+            <a:pPr algn="just"/>
+            <a:r>
+              <a:rPr lang="ru-RU" sz="1400" b="1" dirty="0"/>
+              <a:t>сжатие</a:t>
+            </a:r>
+            <a:r>
+              <a:rPr lang="ru-RU" sz="1400" dirty="0"/>
+              <a:t> данных: прокси-сервер загружает информацию из Интернета и передаёт информацию конечному пользователю в сжатом виде для экономии внешнего сетевого трафика клиента или внутреннего — организации, в которой установлен прокси-сервер;</a:t>
+            </a:r>
+          </a:p>
+          <a:p>
+            <a:pPr algn="just"/>
+            <a:r>
+              <a:rPr lang="ru-RU" sz="1400" b="1" dirty="0"/>
+              <a:t>защита локальной сети от внешнего доступа</a:t>
+            </a:r>
+            <a:r>
+              <a:rPr lang="ru-RU" sz="1400" dirty="0"/>
+              <a:t>: например, можно настроить прокси-сервер так, что локальные компьютеры будут обращаться к внешним ресурсам только через него, а внешние компьютеры не смогут обращаться к локальным вообще (они «видят» только прокси-сервер);</a:t>
+            </a:r>
+          </a:p>
+          <a:p>
+            <a:pPr algn="just"/>
+            <a:r>
+              <a:rPr lang="ru-RU" sz="1400" b="1" dirty="0"/>
+              <a:t>ограничение доступа из локальной сети к внешней</a:t>
+            </a:r>
+            <a:r>
+              <a:rPr lang="ru-RU" sz="1400" dirty="0"/>
+              <a:t>: например, можно запрещать доступ к определённым веб-сайтам, ограничивать использование интернета каким-то локальным пользователям, устанавливать квоты на трафик или полосу пропускания, фильтровать рекламу и вирусы</a:t>
+            </a:r>
+            <a:r>
+              <a:rPr lang="ru-RU" sz="1400" dirty="0" smtClean="0"/>
+              <a:t>;</a:t>
+            </a:r>
+          </a:p>
+          <a:p>
+            <a:pPr algn="just"/>
+            <a:r>
+              <a:rPr lang="ru-RU" sz="1400" b="1" dirty="0"/>
+              <a:t>у</a:t>
+            </a:r>
+            <a:r>
+              <a:rPr lang="ru-RU" sz="1400" b="1" dirty="0" smtClean="0"/>
+              <a:t>чёт и контроль</a:t>
+            </a:r>
+            <a:r>
+              <a:rPr lang="ru-RU" sz="1400" dirty="0" smtClean="0"/>
+              <a:t>: все обращения к прокси-серверу как правило </a:t>
+            </a:r>
+            <a:r>
+              <a:rPr lang="ru-RU" sz="1400" dirty="0" err="1" smtClean="0"/>
+              <a:t>журналируются</a:t>
+            </a:r>
+            <a:r>
+              <a:rPr lang="ru-RU" sz="1400" dirty="0" smtClean="0"/>
+              <a:t>, могут также делаться копии запросов и передаваемых данных для целей сетевой безопасности, например</a:t>
+            </a:r>
+            <a:endParaRPr lang="ru-RU" sz="1400" dirty="0"/>
+          </a:p>
+          <a:p>
+            <a:pPr algn="just"/>
+            <a:r>
+              <a:rPr lang="ru-RU" sz="1400" b="1" dirty="0" err="1"/>
+              <a:t>анонимизация</a:t>
+            </a:r>
+            <a:r>
+              <a:rPr lang="ru-RU" sz="1400" dirty="0"/>
+              <a:t> доступа к различным ресурсам: прокси-сервер может скрывать сведения об источнике запроса или пользователе. В таком случае целевой сервер видит лишь информацию о прокси-сервере, например IP-адрес, но не имеет возможности определить истинный источник запроса; существуют также искажающие прокси-серверы, которые передают целевому серверу ложную информацию об истинном пользователе;</a:t>
+            </a:r>
+          </a:p>
+          <a:p>
+            <a:pPr algn="just"/>
+            <a:r>
+              <a:rPr lang="ru-RU" sz="1400" b="1" dirty="0"/>
+              <a:t>обход ограничений </a:t>
+            </a:r>
+            <a:r>
+              <a:rPr lang="ru-RU" sz="1400" dirty="0"/>
+              <a:t>доступа: используется, например, пользователями стран, где доступ к некоторым ресурсам ограничен законодательно и фильтруется</a:t>
+            </a:r>
+            <a:r>
+              <a:rPr lang="ru-RU" sz="1400" dirty="0" smtClean="0"/>
+              <a:t>.</a:t>
+            </a:r>
+            <a:endParaRPr lang="ru-RU" sz="1400" dirty="0"/>
+          </a:p>
+        </p:txBody>
+      </p:sp>
+    </p:spTree>
+    <p:extLst>
+      <p:ext uri="{BB962C8B-B14F-4D97-AF65-F5344CB8AC3E}">
+        <p14:creationId xmlns:p14="http://schemas.microsoft.com/office/powerpoint/2010/main" val="3103451843"/>
+      </p:ext>
+    </p:extLst>
+  </p:cSld>
+  <p:clrMapOvr>
+    <a:masterClrMapping/>
+  </p:clrMapOvr>
+  <p:timing>
+    <p:tnLst>
+      <p:par>
+        <p:cTn id="1" dur="indefinite" restart="never" nodeType="tmRoot"/>
+      </p:par>
+    </p:tnLst>
+  </p:timing>
+</p:sld>
+</file>
+
+<file path=ppt/slides/slide6.xml><?xml version="1.0" encoding="utf-8"?>
+<p:sld xmlns:a="http://schemas.openxmlformats.org/drawingml/2006/main" xmlns:r="http://schemas.openxmlformats.org/officeDocument/2006/relationships" xmlns:p="http://schemas.openxmlformats.org/presentationml/2006/main">
+  <p:cSld>
+    <p:spTree>
+      <p:nvGrpSpPr>
+        <p:cNvPr id="1" name=""/>
+        <p:cNvGrpSpPr/>
+        <p:nvPr/>
+      </p:nvGrpSpPr>
+      <p:grpSpPr>
+        <a:xfrm>
+          <a:off x="0" y="0"/>
+          <a:ext cx="0" cy="0"/>
+          <a:chOff x="0" y="0"/>
+          <a:chExt cx="0" cy="0"/>
+        </a:xfrm>
+      </p:grpSpPr>
+      <p:sp>
+        <p:nvSpPr>
+          <p:cNvPr id="19" name="Заголовок 1"/>
+          <p:cNvSpPr txBox="1">
+            <a:spLocks/>
+          </p:cNvSpPr>
+          <p:nvPr/>
+        </p:nvSpPr>
+        <p:spPr>
+          <a:xfrm>
+            <a:off x="0" y="701874"/>
+            <a:ext cx="9144000" cy="1008112"/>
+          </a:xfrm>
+          <a:prstGeom prst="rect">
+            <a:avLst/>
+          </a:prstGeom>
+        </p:spPr>
+        <p:txBody>
+          <a:bodyPr/>
+          <a:lstStyle>
+            <a:lvl1pPr algn="l" rtl="0" fontAlgn="base">
+              <a:spcBef>
+                <a:spcPct val="0"/>
+              </a:spcBef>
+              <a:spcAft>
+                <a:spcPct val="0"/>
+              </a:spcAft>
+              <a:defRPr sz="4400">
+                <a:solidFill>
+                  <a:schemeClr val="tx2"/>
+                </a:solidFill>
+                <a:latin typeface="+mj-lt"/>
+                <a:ea typeface="+mj-ea"/>
+                <a:cs typeface="+mj-cs"/>
+              </a:defRPr>
+            </a:lvl1pPr>
+            <a:lvl2pPr algn="l" rtl="0" fontAlgn="base">
+              <a:spcBef>
+                <a:spcPct val="0"/>
+              </a:spcBef>
+              <a:spcAft>
+                <a:spcPct val="0"/>
+              </a:spcAft>
+              <a:defRPr sz="4400">
+                <a:solidFill>
+                  <a:schemeClr val="tx2"/>
+                </a:solidFill>
+                <a:latin typeface="Times New Roman" pitchFamily="18" charset="0"/>
+              </a:defRPr>
+            </a:lvl2pPr>
+            <a:lvl3pPr algn="l" rtl="0" fontAlgn="base">
+              <a:spcBef>
+                <a:spcPct val="0"/>
+              </a:spcBef>
+              <a:spcAft>
+                <a:spcPct val="0"/>
+              </a:spcAft>
+              <a:defRPr sz="4400">
+                <a:solidFill>
+                  <a:schemeClr val="tx2"/>
+                </a:solidFill>
+                <a:latin typeface="Times New Roman" pitchFamily="18" charset="0"/>
+              </a:defRPr>
+            </a:lvl3pPr>
+            <a:lvl4pPr algn="l" rtl="0" fontAlgn="base">
+              <a:spcBef>
+                <a:spcPct val="0"/>
+              </a:spcBef>
+              <a:spcAft>
+                <a:spcPct val="0"/>
+              </a:spcAft>
+              <a:defRPr sz="4400">
+                <a:solidFill>
+                  <a:schemeClr val="tx2"/>
+                </a:solidFill>
+                <a:latin typeface="Times New Roman" pitchFamily="18" charset="0"/>
+              </a:defRPr>
+            </a:lvl4pPr>
+            <a:lvl5pPr algn="l" rtl="0" fontAlgn="base">
+              <a:spcBef>
+                <a:spcPct val="0"/>
+              </a:spcBef>
+              <a:spcAft>
+                <a:spcPct val="0"/>
+              </a:spcAft>
+              <a:defRPr sz="4400">
+                <a:solidFill>
+                  <a:schemeClr val="tx2"/>
+                </a:solidFill>
+                <a:latin typeface="Times New Roman" pitchFamily="18" charset="0"/>
+              </a:defRPr>
+            </a:lvl5pPr>
+            <a:lvl6pPr marL="457200" algn="l" rtl="0" fontAlgn="base">
+              <a:spcBef>
+                <a:spcPct val="0"/>
+              </a:spcBef>
+              <a:spcAft>
+                <a:spcPct val="0"/>
+              </a:spcAft>
+              <a:defRPr sz="4400">
+                <a:solidFill>
+                  <a:schemeClr val="tx2"/>
+                </a:solidFill>
+                <a:latin typeface="Times New Roman" pitchFamily="18" charset="0"/>
+              </a:defRPr>
+            </a:lvl6pPr>
+            <a:lvl7pPr marL="914400" algn="l" rtl="0" fontAlgn="base">
+              <a:spcBef>
+                <a:spcPct val="0"/>
+              </a:spcBef>
+              <a:spcAft>
+                <a:spcPct val="0"/>
+              </a:spcAft>
+              <a:defRPr sz="4400">
+                <a:solidFill>
+                  <a:schemeClr val="tx2"/>
+                </a:solidFill>
+                <a:latin typeface="Times New Roman" pitchFamily="18" charset="0"/>
+              </a:defRPr>
+            </a:lvl7pPr>
+            <a:lvl8pPr marL="1371600" algn="l" rtl="0" fontAlgn="base">
+              <a:spcBef>
+                <a:spcPct val="0"/>
+              </a:spcBef>
+              <a:spcAft>
+                <a:spcPct val="0"/>
+              </a:spcAft>
+              <a:defRPr sz="4400">
+                <a:solidFill>
+                  <a:schemeClr val="tx2"/>
+                </a:solidFill>
+                <a:latin typeface="Times New Roman" pitchFamily="18" charset="0"/>
+              </a:defRPr>
+            </a:lvl8pPr>
+            <a:lvl9pPr marL="1828800" algn="l" rtl="0" fontAlgn="base">
+              <a:spcBef>
+                <a:spcPct val="0"/>
+              </a:spcBef>
+              <a:spcAft>
+                <a:spcPct val="0"/>
+              </a:spcAft>
+              <a:defRPr sz="4400">
+                <a:solidFill>
+                  <a:schemeClr val="tx2"/>
+                </a:solidFill>
+                <a:latin typeface="Times New Roman" pitchFamily="18" charset="0"/>
+              </a:defRPr>
+            </a:lvl9pPr>
+          </a:lstStyle>
+          <a:p>
+            <a:pPr algn="ctr">
+              <a:buClrTx/>
+              <a:buSzTx/>
+              <a:buFontTx/>
+              <a:buNone/>
+            </a:pPr>
+            <a:r>
+              <a:rPr kumimoji="0" lang="ru-RU" altLang="ru-RU" b="1" kern="0" dirty="0" smtClean="0"/>
+              <a:t>Недостатки </a:t>
+            </a:r>
+            <a:r>
+              <a:rPr kumimoji="0" lang="ru-RU" altLang="ru-RU" b="1" kern="0" dirty="0" smtClean="0"/>
+              <a:t>прокси-доступа</a:t>
+            </a:r>
+            <a:endParaRPr kumimoji="0" lang="en-US" altLang="ru-RU" b="1" kern="0" dirty="0" smtClean="0"/>
+          </a:p>
+        </p:txBody>
+      </p:sp>
+      <p:sp>
+        <p:nvSpPr>
+          <p:cNvPr id="9" name="TextBox 8"/>
+          <p:cNvSpPr txBox="1"/>
+          <p:nvPr/>
+        </p:nvSpPr>
+        <p:spPr>
+          <a:xfrm>
+            <a:off x="683568" y="2276872"/>
+            <a:ext cx="7920879" cy="3360920"/>
+          </a:xfrm>
+          <a:prstGeom prst="rect">
+            <a:avLst/>
+          </a:prstGeom>
+          <a:noFill/>
+        </p:spPr>
+        <p:txBody>
+          <a:bodyPr wrap="square" rtlCol="0">
+            <a:spAutoFit/>
+          </a:bodyPr>
+          <a:lstStyle/>
+          <a:p>
+            <a:pPr algn="just"/>
+            <a:r>
+              <a:rPr lang="ru-RU" sz="1800" dirty="0" smtClean="0"/>
+              <a:t>Свой прокси для каждого протокола</a:t>
+            </a:r>
+          </a:p>
+          <a:p>
+            <a:pPr lvl="1" algn="just"/>
+            <a:r>
+              <a:rPr lang="ru-RU" sz="1800" dirty="0" smtClean="0"/>
+              <a:t>Самый популярный </a:t>
+            </a:r>
+            <a:r>
+              <a:rPr lang="en-US" sz="1800" dirty="0" smtClean="0"/>
+              <a:t>HTTP/HTTPS</a:t>
+            </a:r>
+          </a:p>
+          <a:p>
+            <a:pPr lvl="1" algn="just"/>
+            <a:r>
+              <a:rPr lang="en-US" sz="1800" dirty="0" smtClean="0"/>
+              <a:t>Socks-</a:t>
+            </a:r>
+            <a:r>
+              <a:rPr lang="ru-RU" sz="1800" dirty="0" smtClean="0"/>
+              <a:t>прокси для </a:t>
+            </a:r>
+            <a:r>
+              <a:rPr lang="en-US" sz="1800" dirty="0" smtClean="0"/>
+              <a:t>TCP</a:t>
+            </a:r>
+            <a:r>
+              <a:rPr lang="ru-RU" sz="1800" dirty="0" smtClean="0"/>
+              <a:t>-соединений</a:t>
+            </a:r>
+          </a:p>
+          <a:p>
+            <a:pPr algn="just"/>
+            <a:r>
+              <a:rPr lang="ru-RU" sz="1800" dirty="0" smtClean="0"/>
+              <a:t>Требуется усложнение протокола / отдельный протокол</a:t>
+            </a:r>
+          </a:p>
+          <a:p>
+            <a:pPr lvl="1" algn="just"/>
+            <a:r>
+              <a:rPr lang="ru-RU" sz="1800" dirty="0" smtClean="0"/>
+              <a:t>«</a:t>
+            </a:r>
+            <a:r>
+              <a:rPr lang="ru-RU" sz="1800" dirty="0" err="1" smtClean="0"/>
+              <a:t>Проксификация</a:t>
+            </a:r>
+            <a:r>
+              <a:rPr lang="ru-RU" sz="1800" dirty="0" smtClean="0"/>
+              <a:t>» приложений</a:t>
+            </a:r>
+          </a:p>
+          <a:p>
+            <a:pPr algn="just"/>
+            <a:r>
+              <a:rPr lang="ru-RU" sz="1800" dirty="0" smtClean="0"/>
+              <a:t>Требуется настройка клиента</a:t>
+            </a:r>
+          </a:p>
+          <a:p>
+            <a:pPr lvl="1" algn="just"/>
+            <a:r>
+              <a:rPr lang="ru-RU" sz="1800" dirty="0" smtClean="0"/>
+              <a:t>Как минимум </a:t>
+            </a:r>
+            <a:r>
+              <a:rPr lang="ru-RU" sz="1800" dirty="0" err="1" smtClean="0"/>
+              <a:t>хост+порт</a:t>
+            </a:r>
+            <a:endParaRPr lang="ru-RU" sz="1800" dirty="0" smtClean="0"/>
+          </a:p>
+          <a:p>
+            <a:pPr lvl="1" algn="just"/>
+            <a:r>
+              <a:rPr lang="ru-RU" sz="1800" dirty="0" smtClean="0"/>
+              <a:t>Авторизация доступа</a:t>
+            </a:r>
+          </a:p>
+          <a:p>
+            <a:pPr lvl="1" algn="just"/>
+            <a:r>
+              <a:rPr lang="ru-RU" sz="1800" dirty="0" smtClean="0"/>
+              <a:t>Массовая настройка клиентов на прокси</a:t>
+            </a:r>
+          </a:p>
+          <a:p>
+            <a:pPr lvl="2" algn="just"/>
+            <a:r>
+              <a:rPr lang="en-US" sz="1800" dirty="0" err="1"/>
+              <a:t>wpad</a:t>
+            </a:r>
+            <a:r>
+              <a:rPr lang="en-US" sz="1800" dirty="0"/>
+              <a:t>: Web Proxy </a:t>
+            </a:r>
+            <a:r>
+              <a:rPr lang="en-US" sz="1800" dirty="0" err="1"/>
+              <a:t>Autodiscovery</a:t>
+            </a:r>
+            <a:r>
+              <a:rPr lang="en-US" sz="1800" dirty="0"/>
+              <a:t> </a:t>
+            </a:r>
+            <a:r>
+              <a:rPr lang="en-US" sz="1800" dirty="0" smtClean="0"/>
+              <a:t>Protocol (DHCP + DNS)</a:t>
+            </a:r>
+            <a:endParaRPr lang="ru-RU" sz="1800" dirty="0"/>
+          </a:p>
+        </p:txBody>
+      </p:sp>
+    </p:spTree>
+    <p:extLst>
+      <p:ext uri="{BB962C8B-B14F-4D97-AF65-F5344CB8AC3E}">
+        <p14:creationId xmlns:p14="http://schemas.microsoft.com/office/powerpoint/2010/main" val="3133700872"/>
+      </p:ext>
+    </p:extLst>
+  </p:cSld>
+  <p:clrMapOvr>
+    <a:masterClrMapping/>
+  </p:clrMapOvr>
+  <p:timing>
+    <p:tnLst>
+      <p:par>
+        <p:cTn id="1" dur="indefinite" restart="never" nodeType="tmRoot"/>
+      </p:par>
+    </p:tnLst>
+  </p:timing>
+</p:sld>
+</file>
+
+<file path=ppt/slides/slide7.xml><?xml version="1.0" encoding="utf-8"?>
+<p:sld xmlns:a="http://schemas.openxmlformats.org/drawingml/2006/main" xmlns:r="http://schemas.openxmlformats.org/officeDocument/2006/relationships" xmlns:p="http://schemas.openxmlformats.org/presentationml/2006/main">
+  <p:cSld>
+    <p:spTree>
+      <p:nvGrpSpPr>
+        <p:cNvPr id="1" name=""/>
+        <p:cNvGrpSpPr/>
+        <p:nvPr/>
+      </p:nvGrpSpPr>
+      <p:grpSpPr>
+        <a:xfrm>
+          <a:off x="0" y="0"/>
+          <a:ext cx="0" cy="0"/>
+          <a:chOff x="0" y="0"/>
+          <a:chExt cx="0" cy="0"/>
+        </a:xfrm>
+      </p:grpSpPr>
+      <p:sp>
+        <p:nvSpPr>
+          <p:cNvPr id="19" name="Заголовок 1"/>
+          <p:cNvSpPr txBox="1">
+            <a:spLocks/>
+          </p:cNvSpPr>
+          <p:nvPr/>
+        </p:nvSpPr>
+        <p:spPr>
+          <a:xfrm>
+            <a:off x="0" y="701874"/>
+            <a:ext cx="9144000" cy="1008112"/>
+          </a:xfrm>
+          <a:prstGeom prst="rect">
+            <a:avLst/>
+          </a:prstGeom>
+        </p:spPr>
+        <p:txBody>
+          <a:bodyPr/>
+          <a:lstStyle>
+            <a:lvl1pPr algn="l" rtl="0" fontAlgn="base">
+              <a:spcBef>
+                <a:spcPct val="0"/>
+              </a:spcBef>
+              <a:spcAft>
+                <a:spcPct val="0"/>
+              </a:spcAft>
+              <a:defRPr sz="4400">
+                <a:solidFill>
+                  <a:schemeClr val="tx2"/>
+                </a:solidFill>
+                <a:latin typeface="+mj-lt"/>
+                <a:ea typeface="+mj-ea"/>
+                <a:cs typeface="+mj-cs"/>
+              </a:defRPr>
+            </a:lvl1pPr>
+            <a:lvl2pPr algn="l" rtl="0" fontAlgn="base">
+              <a:spcBef>
+                <a:spcPct val="0"/>
+              </a:spcBef>
+              <a:spcAft>
+                <a:spcPct val="0"/>
+              </a:spcAft>
+              <a:defRPr sz="4400">
+                <a:solidFill>
+                  <a:schemeClr val="tx2"/>
+                </a:solidFill>
+                <a:latin typeface="Times New Roman" pitchFamily="18" charset="0"/>
+              </a:defRPr>
+            </a:lvl2pPr>
+            <a:lvl3pPr algn="l" rtl="0" fontAlgn="base">
+              <a:spcBef>
+                <a:spcPct val="0"/>
+              </a:spcBef>
+              <a:spcAft>
+                <a:spcPct val="0"/>
+              </a:spcAft>
+              <a:defRPr sz="4400">
+                <a:solidFill>
+                  <a:schemeClr val="tx2"/>
+                </a:solidFill>
+                <a:latin typeface="Times New Roman" pitchFamily="18" charset="0"/>
+              </a:defRPr>
+            </a:lvl3pPr>
+            <a:lvl4pPr algn="l" rtl="0" fontAlgn="base">
+              <a:spcBef>
+                <a:spcPct val="0"/>
+              </a:spcBef>
+              <a:spcAft>
+                <a:spcPct val="0"/>
+              </a:spcAft>
+              <a:defRPr sz="4400">
+                <a:solidFill>
+                  <a:schemeClr val="tx2"/>
+                </a:solidFill>
+                <a:latin typeface="Times New Roman" pitchFamily="18" charset="0"/>
+              </a:defRPr>
+            </a:lvl4pPr>
+            <a:lvl5pPr algn="l" rtl="0" fontAlgn="base">
+              <a:spcBef>
+                <a:spcPct val="0"/>
+              </a:spcBef>
+              <a:spcAft>
+                <a:spcPct val="0"/>
+              </a:spcAft>
+              <a:defRPr sz="4400">
+                <a:solidFill>
+                  <a:schemeClr val="tx2"/>
+                </a:solidFill>
+                <a:latin typeface="Times New Roman" pitchFamily="18" charset="0"/>
+              </a:defRPr>
+            </a:lvl5pPr>
+            <a:lvl6pPr marL="457200" algn="l" rtl="0" fontAlgn="base">
+              <a:spcBef>
+                <a:spcPct val="0"/>
+              </a:spcBef>
+              <a:spcAft>
+                <a:spcPct val="0"/>
+              </a:spcAft>
+              <a:defRPr sz="4400">
+                <a:solidFill>
+                  <a:schemeClr val="tx2"/>
+                </a:solidFill>
+                <a:latin typeface="Times New Roman" pitchFamily="18" charset="0"/>
+              </a:defRPr>
+            </a:lvl6pPr>
+            <a:lvl7pPr marL="914400" algn="l" rtl="0" fontAlgn="base">
+              <a:spcBef>
+                <a:spcPct val="0"/>
+              </a:spcBef>
+              <a:spcAft>
+                <a:spcPct val="0"/>
+              </a:spcAft>
+              <a:defRPr sz="4400">
+                <a:solidFill>
+                  <a:schemeClr val="tx2"/>
+                </a:solidFill>
+                <a:latin typeface="Times New Roman" pitchFamily="18" charset="0"/>
+              </a:defRPr>
+            </a:lvl7pPr>
+            <a:lvl8pPr marL="1371600" algn="l" rtl="0" fontAlgn="base">
+              <a:spcBef>
+                <a:spcPct val="0"/>
+              </a:spcBef>
+              <a:spcAft>
+                <a:spcPct val="0"/>
+              </a:spcAft>
+              <a:defRPr sz="4400">
+                <a:solidFill>
+                  <a:schemeClr val="tx2"/>
+                </a:solidFill>
+                <a:latin typeface="Times New Roman" pitchFamily="18" charset="0"/>
+              </a:defRPr>
+            </a:lvl8pPr>
+            <a:lvl9pPr marL="1828800" algn="l" rtl="0" fontAlgn="base">
+              <a:spcBef>
+                <a:spcPct val="0"/>
+              </a:spcBef>
+              <a:spcAft>
+                <a:spcPct val="0"/>
+              </a:spcAft>
+              <a:defRPr sz="4400">
+                <a:solidFill>
+                  <a:schemeClr val="tx2"/>
+                </a:solidFill>
+                <a:latin typeface="Times New Roman" pitchFamily="18" charset="0"/>
+              </a:defRPr>
+            </a:lvl9pPr>
+          </a:lstStyle>
+          <a:p>
+            <a:pPr algn="ctr">
+              <a:buClrTx/>
+              <a:buSzTx/>
+              <a:buFontTx/>
+              <a:buNone/>
+            </a:pPr>
+            <a:r>
+              <a:rPr kumimoji="0" lang="en-US" altLang="ru-RU" b="1" kern="0" dirty="0" smtClean="0"/>
+              <a:t>NAT: </a:t>
+            </a:r>
+            <a:r>
+              <a:rPr kumimoji="0" lang="ru-RU" altLang="ru-RU" b="1" kern="0" dirty="0" smtClean="0"/>
+              <a:t>базовая трансляция</a:t>
+            </a:r>
+            <a:endParaRPr kumimoji="0" lang="en-US" altLang="ru-RU" b="1" kern="0" dirty="0" smtClean="0"/>
+          </a:p>
+        </p:txBody>
+      </p:sp>
+      <p:sp>
+        <p:nvSpPr>
+          <p:cNvPr id="2" name="AutoShape 4" descr="Router | Cisco Network Topology Icons 3015"/>
+          <p:cNvSpPr>
+            <a:spLocks noChangeAspect="1" noChangeArrowheads="1"/>
+          </p:cNvSpPr>
+          <p:nvPr/>
+        </p:nvSpPr>
+        <p:spPr bwMode="auto">
+          <a:xfrm>
+            <a:off x="155575" y="-144463"/>
+            <a:ext cx="304800" cy="304801"/>
+          </a:xfrm>
+          <a:prstGeom prst="rect">
+            <a:avLst/>
+          </a:prstGeom>
+          <a:noFill/>
+          <a:extLst>
+            <a:ext uri="{909E8E84-426E-40DD-AFC4-6F175D3DCCD1}">
+              <a14:hiddenFill xmlns:a14="http://schemas.microsoft.com/office/drawing/2010/main">
+                <a:solidFill>
+                  <a:srgbClr val="FFFFFF"/>
+                </a:solidFill>
+              </a14:hiddenFill>
+            </a:ext>
+          </a:extLst>
+        </p:spPr>
+        <p:txBody>
+          <a:bodyPr vert="horz" wrap="square" lIns="91440" tIns="45720" rIns="91440" bIns="45720" numCol="1" anchor="t" anchorCtr="0" compatLnSpc="1">
+            <a:prstTxWarp prst="textNoShape">
+              <a:avLst/>
+            </a:prstTxWarp>
+          </a:bodyPr>
+          <a:lstStyle/>
+          <a:p>
+            <a:endParaRPr lang="ru-RU"/>
+          </a:p>
+        </p:txBody>
+      </p:sp>
+      <p:sp>
+        <p:nvSpPr>
+          <p:cNvPr id="3" name="AutoShape 6" descr="Router | Cisco Network Topology Icons 3015"/>
+          <p:cNvSpPr>
+            <a:spLocks noChangeAspect="1" noChangeArrowheads="1"/>
+          </p:cNvSpPr>
+          <p:nvPr/>
+        </p:nvSpPr>
+        <p:spPr bwMode="auto">
+          <a:xfrm>
+            <a:off x="307975" y="7937"/>
+            <a:ext cx="304800" cy="304801"/>
+          </a:xfrm>
+          <a:prstGeom prst="rect">
+            <a:avLst/>
+          </a:prstGeom>
+          <a:noFill/>
+          <a:extLst>
+            <a:ext uri="{909E8E84-426E-40DD-AFC4-6F175D3DCCD1}">
+              <a14:hiddenFill xmlns:a14="http://schemas.microsoft.com/office/drawing/2010/main">
+                <a:solidFill>
+                  <a:srgbClr val="FFFFFF"/>
+                </a:solidFill>
+              </a14:hiddenFill>
+            </a:ext>
+          </a:extLst>
+        </p:spPr>
+        <p:txBody>
+          <a:bodyPr vert="horz" wrap="square" lIns="91440" tIns="45720" rIns="91440" bIns="45720" numCol="1" anchor="t" anchorCtr="0" compatLnSpc="1">
+            <a:prstTxWarp prst="textNoShape">
+              <a:avLst/>
+            </a:prstTxWarp>
+          </a:bodyPr>
+          <a:lstStyle/>
+          <a:p>
+            <a:endParaRPr lang="ru-RU"/>
+          </a:p>
+        </p:txBody>
+      </p:sp>
+      <p:pic>
+        <p:nvPicPr>
+          <p:cNvPr id="1038" name="Picture 14" descr="Router Icon Transparent #396425 - Free Icons Library"/>
+          <p:cNvPicPr>
+            <a:picLocks noChangeAspect="1" noChangeArrowheads="1"/>
+          </p:cNvPicPr>
+          <p:nvPr/>
+        </p:nvPicPr>
+        <p:blipFill>
+          <a:blip r:embed="rId2" cstate="print">
+            <a:extLst>
+              <a:ext uri="{28A0092B-C50C-407E-A947-70E740481C1C}">
+                <a14:useLocalDpi xmlns:a14="http://schemas.microsoft.com/office/drawing/2010/main" val="0"/>
+              </a:ext>
+            </a:extLst>
+          </a:blip>
+          <a:srcRect/>
+          <a:stretch>
+            <a:fillRect/>
+          </a:stretch>
+        </p:blipFill>
+        <p:spPr bwMode="auto">
+          <a:xfrm>
+            <a:off x="3383868" y="1710214"/>
+            <a:ext cx="2376264" cy="1565364"/>
+          </a:xfrm>
+          <a:prstGeom prst="rect">
+            <a:avLst/>
+          </a:prstGeom>
+          <a:noFill/>
+          <a:extLst>
+            <a:ext uri="{909E8E84-426E-40DD-AFC4-6F175D3DCCD1}">
+              <a14:hiddenFill xmlns:a14="http://schemas.microsoft.com/office/drawing/2010/main">
+                <a:solidFill>
+                  <a:srgbClr val="FFFFFF"/>
+                </a:solidFill>
+              </a14:hiddenFill>
+            </a:ext>
+          </a:extLst>
+        </p:spPr>
+      </p:pic>
+      <p:sp>
+        <p:nvSpPr>
+          <p:cNvPr id="5" name="AutoShape 16" descr="Internet Cloud icon PNG and SVG Vector Free Download"/>
+          <p:cNvSpPr>
+            <a:spLocks noChangeAspect="1" noChangeArrowheads="1"/>
+          </p:cNvSpPr>
+          <p:nvPr/>
+        </p:nvSpPr>
+        <p:spPr bwMode="auto">
+          <a:xfrm>
+            <a:off x="155575" y="-822325"/>
+            <a:ext cx="1943100" cy="1714500"/>
+          </a:xfrm>
+          <a:prstGeom prst="rect">
+            <a:avLst/>
+          </a:prstGeom>
+          <a:noFill/>
+          <a:extLst>
+            <a:ext uri="{909E8E84-426E-40DD-AFC4-6F175D3DCCD1}">
+              <a14:hiddenFill xmlns:a14="http://schemas.microsoft.com/office/drawing/2010/main">
+                <a:solidFill>
+                  <a:srgbClr val="FFFFFF"/>
+                </a:solidFill>
+              </a14:hiddenFill>
+            </a:ext>
+          </a:extLst>
+        </p:spPr>
+        <p:txBody>
+          <a:bodyPr vert="horz" wrap="square" lIns="91440" tIns="45720" rIns="91440" bIns="45720" numCol="1" anchor="t" anchorCtr="0" compatLnSpc="1">
+            <a:prstTxWarp prst="textNoShape">
+              <a:avLst/>
+            </a:prstTxWarp>
+          </a:bodyPr>
+          <a:lstStyle/>
+          <a:p>
+            <a:endParaRPr lang="ru-RU"/>
+          </a:p>
+        </p:txBody>
+      </p:sp>
+      <p:pic>
+        <p:nvPicPr>
+          <p:cNvPr id="1044" name="Picture 20" descr="Internet Cloud Icons - Free SVG &amp; PNG Internet Cloud Images - Noun Project"/>
+          <p:cNvPicPr>
+            <a:picLocks noChangeAspect="1" noChangeArrowheads="1"/>
+          </p:cNvPicPr>
+          <p:nvPr/>
+        </p:nvPicPr>
+        <p:blipFill>
+          <a:blip r:embed="rId3">
+            <a:extLst>
+              <a:ext uri="{28A0092B-C50C-407E-A947-70E740481C1C}">
+                <a14:useLocalDpi xmlns:a14="http://schemas.microsoft.com/office/drawing/2010/main" val="0"/>
+              </a:ext>
+            </a:extLst>
+          </a:blip>
+          <a:srcRect/>
+          <a:stretch>
+            <a:fillRect/>
+          </a:stretch>
+        </p:blipFill>
+        <p:spPr bwMode="auto">
+          <a:xfrm>
+            <a:off x="5760132" y="2560169"/>
+            <a:ext cx="3347864" cy="3347864"/>
+          </a:xfrm>
+          <a:prstGeom prst="rect">
+            <a:avLst/>
+          </a:prstGeom>
+          <a:noFill/>
+          <a:extLst>
+            <a:ext uri="{909E8E84-426E-40DD-AFC4-6F175D3DCCD1}">
+              <a14:hiddenFill xmlns:a14="http://schemas.microsoft.com/office/drawing/2010/main">
+                <a:solidFill>
+                  <a:srgbClr val="FFFFFF"/>
+                </a:solidFill>
+              </a14:hiddenFill>
+            </a:ext>
+          </a:extLst>
+        </p:spPr>
+      </p:pic>
+      <p:sp>
+        <p:nvSpPr>
+          <p:cNvPr id="7" name="TextBox 6"/>
+          <p:cNvSpPr txBox="1"/>
+          <p:nvPr/>
+        </p:nvSpPr>
+        <p:spPr>
+          <a:xfrm>
+            <a:off x="630930" y="1556792"/>
+            <a:ext cx="2002343" cy="5201424"/>
+          </a:xfrm>
+          <a:prstGeom prst="rect">
+            <a:avLst/>
+          </a:prstGeom>
+          <a:noFill/>
+        </p:spPr>
+        <p:txBody>
+          <a:bodyPr wrap="none" rtlCol="0">
+            <a:spAutoFit/>
+          </a:bodyPr>
+          <a:lstStyle/>
+          <a:p>
+            <a:r>
+              <a:rPr lang="ru-RU" dirty="0" smtClean="0"/>
+              <a:t>Локальная сеть</a:t>
+            </a:r>
+          </a:p>
+          <a:p>
+            <a:r>
+              <a:rPr lang="ru-RU" dirty="0" smtClean="0"/>
+              <a:t>192</a:t>
+            </a:r>
+            <a:r>
+              <a:rPr lang="en-US" dirty="0" smtClean="0"/>
+              <a:t>.168.1.1</a:t>
+            </a:r>
+          </a:p>
+          <a:p>
+            <a:r>
+              <a:rPr lang="ru-RU" dirty="0" smtClean="0"/>
+              <a:t>192</a:t>
+            </a:r>
+            <a:r>
+              <a:rPr lang="en-US" dirty="0" smtClean="0"/>
+              <a:t>.168.1.2</a:t>
+            </a:r>
+          </a:p>
+          <a:p>
+            <a:r>
+              <a:rPr lang="ru-RU" u="sng" dirty="0"/>
+              <a:t>192</a:t>
+            </a:r>
+            <a:r>
+              <a:rPr lang="en-US" u="sng" dirty="0" smtClean="0"/>
+              <a:t>.168.1.3</a:t>
+            </a:r>
+            <a:endParaRPr lang="en-US" u="sng" dirty="0"/>
+          </a:p>
+          <a:p>
+            <a:r>
+              <a:rPr lang="ru-RU" dirty="0"/>
+              <a:t>192</a:t>
+            </a:r>
+            <a:r>
+              <a:rPr lang="en-US" dirty="0" smtClean="0"/>
+              <a:t>.168.1.4</a:t>
+            </a:r>
+            <a:endParaRPr lang="en-US" dirty="0"/>
+          </a:p>
+          <a:p>
+            <a:r>
+              <a:rPr lang="ru-RU" dirty="0"/>
+              <a:t>192</a:t>
+            </a:r>
+            <a:r>
+              <a:rPr lang="en-US" dirty="0" smtClean="0"/>
+              <a:t>.168.1.5</a:t>
+            </a:r>
+            <a:endParaRPr lang="en-US" dirty="0"/>
+          </a:p>
+          <a:p>
+            <a:r>
+              <a:rPr lang="ru-RU" dirty="0"/>
+              <a:t>192</a:t>
+            </a:r>
+            <a:r>
+              <a:rPr lang="en-US" dirty="0" smtClean="0"/>
+              <a:t>.168.1.6</a:t>
+            </a:r>
+            <a:endParaRPr lang="en-US" dirty="0"/>
+          </a:p>
+          <a:p>
+            <a:r>
+              <a:rPr lang="ru-RU" u="sng" dirty="0"/>
+              <a:t>192</a:t>
+            </a:r>
+            <a:r>
+              <a:rPr lang="en-US" u="sng" dirty="0" smtClean="0"/>
+              <a:t>.168.1.7</a:t>
+            </a:r>
+          </a:p>
+          <a:p>
+            <a:r>
+              <a:rPr lang="ru-RU" dirty="0"/>
+              <a:t>192</a:t>
+            </a:r>
+            <a:r>
+              <a:rPr lang="en-US" dirty="0" smtClean="0"/>
+              <a:t>.168.1.8</a:t>
+            </a:r>
+            <a:endParaRPr lang="en-US" dirty="0"/>
+          </a:p>
+          <a:p>
+            <a:r>
+              <a:rPr lang="ru-RU" u="sng" dirty="0"/>
+              <a:t>192</a:t>
+            </a:r>
+            <a:r>
+              <a:rPr lang="en-US" u="sng" dirty="0" smtClean="0"/>
+              <a:t>.168.1.9</a:t>
+            </a:r>
+          </a:p>
+          <a:p>
+            <a:r>
+              <a:rPr lang="en-US" dirty="0" smtClean="0"/>
+              <a:t>…</a:t>
+            </a:r>
+            <a:endParaRPr lang="en-US" dirty="0"/>
+          </a:p>
+          <a:p>
+            <a:endParaRPr lang="en-US" dirty="0"/>
+          </a:p>
+          <a:p>
+            <a:endParaRPr lang="en-US" dirty="0" smtClean="0"/>
+          </a:p>
+          <a:p>
+            <a:endParaRPr lang="ru-RU" dirty="0"/>
+          </a:p>
+        </p:txBody>
+      </p:sp>
+      <p:graphicFrame>
+        <p:nvGraphicFramePr>
+          <p:cNvPr id="8" name="Таблица 7"/>
+          <p:cNvGraphicFramePr>
+            <a:graphicFrameLocks noGrp="1"/>
+          </p:cNvGraphicFramePr>
+          <p:nvPr>
+            <p:extLst>
+              <p:ext uri="{D42A27DB-BD31-4B8C-83A1-F6EECF244321}">
+                <p14:modId xmlns:p14="http://schemas.microsoft.com/office/powerpoint/2010/main" val="1804644990"/>
+              </p:ext>
+            </p:extLst>
+          </p:nvPr>
+        </p:nvGraphicFramePr>
+        <p:xfrm>
+          <a:off x="3506680" y="3415824"/>
+          <a:ext cx="2194560" cy="1483360"/>
+        </p:xfrm>
+        <a:graphic>
+          <a:graphicData uri="http://schemas.openxmlformats.org/drawingml/2006/table">
+            <a:tbl>
+              <a:tblPr firstRow="1" bandRow="1">
+                <a:tableStyleId>{21E4AEA4-8DFA-4A89-87EB-49C32662AFE0}</a:tableStyleId>
+              </a:tblPr>
+              <a:tblGrid>
+                <a:gridCol w="1325880">
+                  <a:extLst>
+                    <a:ext uri="{9D8B030D-6E8A-4147-A177-3AD203B41FA5}">
+                      <a16:colId xmlns:a16="http://schemas.microsoft.com/office/drawing/2014/main" val="3718834717"/>
+                    </a:ext>
+                  </a:extLst>
+                </a:gridCol>
+                <a:gridCol w="868680">
+                  <a:extLst>
+                    <a:ext uri="{9D8B030D-6E8A-4147-A177-3AD203B41FA5}">
+                      <a16:colId xmlns:a16="http://schemas.microsoft.com/office/drawing/2014/main" val="3173595522"/>
+                    </a:ext>
+                  </a:extLst>
+                </a:gridCol>
+              </a:tblGrid>
+              <a:tr h="370840">
+                <a:tc>
+                  <a:txBody>
+                    <a:bodyPr/>
+                    <a:lstStyle/>
+                    <a:p>
+                      <a:pPr algn="ctr"/>
+                      <a:r>
+                        <a:rPr lang="en-US" dirty="0" smtClean="0"/>
+                        <a:t>Gray</a:t>
+                      </a:r>
+                      <a:r>
+                        <a:rPr lang="en-US" baseline="0" dirty="0" smtClean="0"/>
+                        <a:t> IP</a:t>
+                      </a:r>
+                      <a:endParaRPr lang="ru-RU" dirty="0"/>
+                    </a:p>
+                  </a:txBody>
+                  <a:tcPr/>
+                </a:tc>
+                <a:tc>
+                  <a:txBody>
+                    <a:bodyPr/>
+                    <a:lstStyle/>
+                    <a:p>
+                      <a:pPr algn="ctr"/>
+                      <a:r>
+                        <a:rPr lang="en-US" dirty="0" smtClean="0"/>
+                        <a:t>IP</a:t>
+                      </a:r>
+                      <a:endParaRPr lang="ru-RU" dirty="0"/>
+                    </a:p>
+                  </a:txBody>
+                  <a:tcPr/>
+                </a:tc>
+                <a:extLst>
+                  <a:ext uri="{0D108BD9-81ED-4DB2-BD59-A6C34878D82A}">
+                    <a16:rowId xmlns:a16="http://schemas.microsoft.com/office/drawing/2014/main" val="2250939760"/>
+                  </a:ext>
+                </a:extLst>
+              </a:tr>
+              <a:tr h="370840">
+                <a:tc>
+                  <a:txBody>
+                    <a:bodyPr/>
+                    <a:lstStyle/>
+                    <a:p>
+                      <a:r>
+                        <a:rPr lang="ru-RU" dirty="0" smtClean="0"/>
+                        <a:t>192</a:t>
+                      </a:r>
+                      <a:r>
+                        <a:rPr lang="en-US" dirty="0" smtClean="0"/>
+                        <a:t>.168.1.7</a:t>
+                      </a:r>
+                      <a:endParaRPr lang="ru-RU" dirty="0"/>
+                    </a:p>
+                  </a:txBody>
+                  <a:tcPr/>
+                </a:tc>
+                <a:tc>
+                  <a:txBody>
+                    <a:bodyPr/>
+                    <a:lstStyle/>
+                    <a:p>
+                      <a:r>
+                        <a:rPr lang="en-US" dirty="0" smtClean="0"/>
+                        <a:t>7.8.0.1</a:t>
+                      </a:r>
+                      <a:endParaRPr lang="ru-RU" dirty="0"/>
+                    </a:p>
+                  </a:txBody>
+                  <a:tcPr/>
+                </a:tc>
+                <a:extLst>
+                  <a:ext uri="{0D108BD9-81ED-4DB2-BD59-A6C34878D82A}">
+                    <a16:rowId xmlns:a16="http://schemas.microsoft.com/office/drawing/2014/main" val="3648732210"/>
+                  </a:ext>
+                </a:extLst>
+              </a:tr>
+              <a:tr h="370840">
+                <a:tc>
+                  <a:txBody>
+                    <a:bodyPr/>
+                    <a:lstStyle/>
+                    <a:p>
+                      <a:r>
+                        <a:rPr lang="en-US" dirty="0" smtClean="0"/>
+                        <a:t>192.168.1.3</a:t>
+                      </a:r>
+                      <a:endParaRPr lang="ru-RU" dirty="0"/>
+                    </a:p>
+                  </a:txBody>
+                  <a:tcPr/>
+                </a:tc>
+                <a:tc>
+                  <a:txBody>
+                    <a:bodyPr/>
+                    <a:lstStyle/>
+                    <a:p>
+                      <a:r>
+                        <a:rPr lang="en-US" dirty="0" smtClean="0"/>
+                        <a:t>7.8.0.2</a:t>
+                      </a:r>
+                      <a:endParaRPr lang="ru-RU" dirty="0"/>
+                    </a:p>
+                  </a:txBody>
+                  <a:tcPr/>
+                </a:tc>
+                <a:extLst>
+                  <a:ext uri="{0D108BD9-81ED-4DB2-BD59-A6C34878D82A}">
+                    <a16:rowId xmlns:a16="http://schemas.microsoft.com/office/drawing/2014/main" val="760539033"/>
+                  </a:ext>
+                </a:extLst>
+              </a:tr>
+              <a:tr h="370840">
+                <a:tc>
+                  <a:txBody>
+                    <a:bodyPr/>
+                    <a:lstStyle/>
+                    <a:p>
+                      <a:r>
+                        <a:rPr lang="en-US" dirty="0" smtClean="0"/>
+                        <a:t>192.168.1.9</a:t>
+                      </a:r>
+                      <a:endParaRPr lang="ru-RU" dirty="0"/>
+                    </a:p>
+                  </a:txBody>
+                  <a:tcPr/>
+                </a:tc>
+                <a:tc>
+                  <a:txBody>
+                    <a:bodyPr/>
+                    <a:lstStyle/>
+                    <a:p>
+                      <a:r>
+                        <a:rPr lang="en-US" dirty="0" smtClean="0"/>
+                        <a:t>7.8.0.3</a:t>
+                      </a:r>
+                      <a:endParaRPr lang="ru-RU" dirty="0"/>
+                    </a:p>
+                  </a:txBody>
+                  <a:tcPr/>
+                </a:tc>
+                <a:extLst>
+                  <a:ext uri="{0D108BD9-81ED-4DB2-BD59-A6C34878D82A}">
+                    <a16:rowId xmlns:a16="http://schemas.microsoft.com/office/drawing/2014/main" val="2349535299"/>
+                  </a:ext>
+                </a:extLst>
+              </a:tr>
+            </a:tbl>
+          </a:graphicData>
+        </a:graphic>
+      </p:graphicFrame>
+      <p:sp>
+        <p:nvSpPr>
+          <p:cNvPr id="10" name="Двойная стрелка влево/вправо 9"/>
+          <p:cNvSpPr/>
+          <p:nvPr/>
+        </p:nvSpPr>
+        <p:spPr bwMode="auto">
+          <a:xfrm rot="1532214">
+            <a:off x="5805760" y="2532160"/>
+            <a:ext cx="1008112" cy="360040"/>
+          </a:xfrm>
+          <a:prstGeom prst="leftRightArrow">
+            <a:avLst/>
+          </a:prstGeom>
+          <a:noFill/>
+          <a:ln w="9525" cap="flat" cmpd="sng" algn="ctr">
+            <a:solidFill>
+              <a:schemeClr val="tx1"/>
+            </a:solidFill>
+            <a:prstDash val="solid"/>
+            <a:round/>
+            <a:headEnd type="none" w="med" len="med"/>
+            <a:tailEnd type="none" w="med" len="med"/>
+          </a:ln>
+          <a:effectLst/>
+          <a:extLst>
+            <a:ext uri="{909E8E84-426E-40DD-AFC4-6F175D3DCCD1}">
+              <a14:hiddenFill xmlns:a14="http://schemas.microsoft.com/office/drawing/2010/main">
+                <a:solidFill>
+                  <a:schemeClr val="accent1"/>
+                </a:solidFill>
+              </a14:hiddenFill>
+            </a:ext>
+            <a:ext uri="{AF507438-7753-43E0-B8FC-AC1667EBCBE1}">
+              <a14:hiddenEffects xmlns:a14="http://schemas.microsoft.com/office/drawing/2010/main">
+                <a:effectLst>
+                  <a:outerShdw dist="35921" dir="2700000" algn="ctr" rotWithShape="0">
+                    <a:schemeClr val="bg2"/>
+                  </a:outerShdw>
+                </a:effectLst>
+              </a14:hiddenEffects>
+            </a:ext>
+          </a:extLst>
+        </p:spPr>
+        <p:txBody>
+          <a:bodyPr vert="horz" wrap="square" lIns="91440" tIns="45720" rIns="91440" bIns="0" numCol="1" rtlCol="0" anchor="t" anchorCtr="0" compatLnSpc="1">
+            <a:prstTxWarp prst="textNoShape">
+              <a:avLst/>
+            </a:prstTxWarp>
+          </a:bodyPr>
+          <a:lstStyle/>
+          <a:p>
+            <a:pPr marL="457200" marR="0" indent="-457200" algn="l" defTabSz="914400" rtl="0" eaLnBrk="1" fontAlgn="base" latinLnBrk="0" hangingPunct="1">
+              <a:lnSpc>
+                <a:spcPct val="100000"/>
+              </a:lnSpc>
+              <a:spcBef>
+                <a:spcPct val="20000"/>
+              </a:spcBef>
+              <a:spcAft>
+                <a:spcPct val="0"/>
+              </a:spcAft>
+              <a:buClr>
+                <a:srgbClr val="A50021"/>
+              </a:buClr>
+              <a:buSzPct val="75000"/>
+              <a:buFont typeface="Wingdings" pitchFamily="2" charset="2"/>
+              <a:buChar char="n"/>
+              <a:tabLst/>
+            </a:pPr>
+            <a:endParaRPr kumimoji="1" lang="ru-RU" sz="2000" b="0" i="0" u="none" strike="noStrike" cap="none" normalizeH="0" baseline="0" smtClean="0">
+              <a:ln>
+                <a:noFill/>
+              </a:ln>
+              <a:solidFill>
+                <a:schemeClr val="tx1"/>
+              </a:solidFill>
+              <a:effectLst/>
+              <a:latin typeface="Times New Roman" pitchFamily="18" charset="0"/>
+              <a:cs typeface="Times New Roman" pitchFamily="18" charset="0"/>
+            </a:endParaRPr>
+          </a:p>
+        </p:txBody>
+      </p:sp>
+      <p:sp>
+        <p:nvSpPr>
+          <p:cNvPr id="20" name="Двойная стрелка влево/вправо 19"/>
+          <p:cNvSpPr/>
+          <p:nvPr/>
+        </p:nvSpPr>
+        <p:spPr bwMode="auto">
+          <a:xfrm rot="20095579">
+            <a:off x="2346967" y="2532160"/>
+            <a:ext cx="1008112" cy="360040"/>
+          </a:xfrm>
+          <a:prstGeom prst="leftRightArrow">
+            <a:avLst/>
+          </a:prstGeom>
+          <a:noFill/>
+          <a:ln w="9525" cap="flat" cmpd="sng" algn="ctr">
+            <a:solidFill>
+              <a:schemeClr val="tx1"/>
+            </a:solidFill>
+            <a:prstDash val="solid"/>
+            <a:round/>
+            <a:headEnd type="none" w="med" len="med"/>
+            <a:tailEnd type="none" w="med" len="med"/>
+          </a:ln>
+          <a:effectLst/>
+          <a:extLst>
+            <a:ext uri="{909E8E84-426E-40DD-AFC4-6F175D3DCCD1}">
+              <a14:hiddenFill xmlns:a14="http://schemas.microsoft.com/office/drawing/2010/main">
+                <a:solidFill>
+                  <a:schemeClr val="accent1"/>
+                </a:solidFill>
+              </a14:hiddenFill>
+            </a:ext>
+            <a:ext uri="{AF507438-7753-43E0-B8FC-AC1667EBCBE1}">
+              <a14:hiddenEffects xmlns:a14="http://schemas.microsoft.com/office/drawing/2010/main">
+                <a:effectLst>
+                  <a:outerShdw dist="35921" dir="2700000" algn="ctr" rotWithShape="0">
+                    <a:schemeClr val="bg2"/>
+                  </a:outerShdw>
+                </a:effectLst>
+              </a14:hiddenEffects>
+            </a:ext>
+          </a:extLst>
+        </p:spPr>
+        <p:txBody>
+          <a:bodyPr vert="horz" wrap="square" lIns="91440" tIns="45720" rIns="91440" bIns="0" numCol="1" rtlCol="0" anchor="t" anchorCtr="0" compatLnSpc="1">
+            <a:prstTxWarp prst="textNoShape">
+              <a:avLst/>
+            </a:prstTxWarp>
+          </a:bodyPr>
+          <a:lstStyle/>
+          <a:p>
+            <a:pPr marL="457200" marR="0" indent="-457200" algn="l" defTabSz="914400" rtl="0" eaLnBrk="1" fontAlgn="base" latinLnBrk="0" hangingPunct="1">
+              <a:lnSpc>
+                <a:spcPct val="100000"/>
+              </a:lnSpc>
+              <a:spcBef>
+                <a:spcPct val="20000"/>
+              </a:spcBef>
+              <a:spcAft>
+                <a:spcPct val="0"/>
+              </a:spcAft>
+              <a:buClr>
+                <a:srgbClr val="A50021"/>
+              </a:buClr>
+              <a:buSzPct val="75000"/>
+              <a:buFont typeface="Wingdings" pitchFamily="2" charset="2"/>
+              <a:buChar char="n"/>
+              <a:tabLst/>
+            </a:pPr>
+            <a:endParaRPr kumimoji="1" lang="ru-RU" sz="2000" b="0" i="0" u="none" strike="noStrike" cap="none" normalizeH="0" baseline="0" smtClean="0">
+              <a:ln>
+                <a:noFill/>
+              </a:ln>
+              <a:solidFill>
+                <a:schemeClr val="tx1"/>
+              </a:solidFill>
+              <a:effectLst/>
+              <a:latin typeface="Times New Roman" pitchFamily="18" charset="0"/>
+              <a:cs typeface="Times New Roman" pitchFamily="18" charset="0"/>
+            </a:endParaRPr>
+          </a:p>
+        </p:txBody>
+      </p:sp>
+      <p:sp>
+        <p:nvSpPr>
+          <p:cNvPr id="11" name="TextBox 10"/>
+          <p:cNvSpPr txBox="1"/>
+          <p:nvPr/>
+        </p:nvSpPr>
+        <p:spPr>
+          <a:xfrm>
+            <a:off x="2405875" y="5269914"/>
+            <a:ext cx="1955985" cy="1138773"/>
+          </a:xfrm>
+          <a:prstGeom prst="rect">
+            <a:avLst/>
+          </a:prstGeom>
+          <a:noFill/>
+        </p:spPr>
+        <p:txBody>
+          <a:bodyPr wrap="none" rtlCol="0">
+            <a:spAutoFit/>
+          </a:bodyPr>
+          <a:lstStyle/>
+          <a:p>
+            <a:pPr algn="ctr">
+              <a:buNone/>
+            </a:pPr>
+            <a:r>
+              <a:rPr lang="ru-RU" b="1" dirty="0" smtClean="0"/>
+              <a:t>Варианты</a:t>
+            </a:r>
+            <a:r>
+              <a:rPr lang="ru-RU" dirty="0" smtClean="0"/>
+              <a:t>:</a:t>
+            </a:r>
+          </a:p>
+          <a:p>
+            <a:r>
+              <a:rPr lang="ru-RU" dirty="0" smtClean="0"/>
+              <a:t>Статический</a:t>
+            </a:r>
+          </a:p>
+          <a:p>
+            <a:r>
+              <a:rPr lang="ru-RU" dirty="0" smtClean="0"/>
+              <a:t>Динамический</a:t>
+            </a:r>
+          </a:p>
+        </p:txBody>
+      </p:sp>
+      <p:sp>
+        <p:nvSpPr>
+          <p:cNvPr id="21" name="TextBox 20"/>
+          <p:cNvSpPr txBox="1"/>
+          <p:nvPr/>
+        </p:nvSpPr>
+        <p:spPr>
+          <a:xfrm>
+            <a:off x="4561831" y="5269914"/>
+            <a:ext cx="2072619" cy="1138773"/>
+          </a:xfrm>
+          <a:prstGeom prst="rect">
+            <a:avLst/>
+          </a:prstGeom>
+          <a:noFill/>
+        </p:spPr>
+        <p:txBody>
+          <a:bodyPr wrap="none" rtlCol="0">
+            <a:spAutoFit/>
+          </a:bodyPr>
+          <a:lstStyle/>
+          <a:p>
+            <a:pPr algn="ctr">
+              <a:buNone/>
+            </a:pPr>
+            <a:r>
+              <a:rPr lang="ru-RU" b="1" dirty="0" smtClean="0"/>
+              <a:t>Направление</a:t>
+            </a:r>
+            <a:r>
+              <a:rPr lang="ru-RU" dirty="0" smtClean="0"/>
+              <a:t>:</a:t>
+            </a:r>
+          </a:p>
+          <a:p>
+            <a:r>
+              <a:rPr lang="ru-RU" dirty="0" smtClean="0"/>
+              <a:t>Симметричный</a:t>
+            </a:r>
+          </a:p>
+          <a:p>
+            <a:r>
+              <a:rPr lang="ru-RU" dirty="0" smtClean="0"/>
+              <a:t>Односторонний</a:t>
+            </a:r>
+            <a:endParaRPr lang="ru-RU" dirty="0"/>
+          </a:p>
+        </p:txBody>
+      </p:sp>
+      <p:sp>
+        <p:nvSpPr>
+          <p:cNvPr id="12" name="TextBox 11"/>
+          <p:cNvSpPr txBox="1"/>
+          <p:nvPr/>
+        </p:nvSpPr>
+        <p:spPr>
+          <a:xfrm flipH="1">
+            <a:off x="5786299" y="1965800"/>
+            <a:ext cx="2474561" cy="338554"/>
+          </a:xfrm>
+          <a:prstGeom prst="rect">
+            <a:avLst/>
+          </a:prstGeom>
+          <a:noFill/>
+        </p:spPr>
+        <p:txBody>
+          <a:bodyPr wrap="square" rtlCol="0">
+            <a:spAutoFit/>
+          </a:bodyPr>
+          <a:lstStyle/>
+          <a:p>
+            <a:pPr>
+              <a:buNone/>
+            </a:pPr>
+            <a:r>
+              <a:rPr lang="en-US" sz="1600" dirty="0" smtClean="0"/>
+              <a:t>7.8.0.{1-3}</a:t>
+            </a:r>
+            <a:endParaRPr lang="ru-RU" sz="1600" dirty="0"/>
+          </a:p>
+        </p:txBody>
+      </p:sp>
+    </p:spTree>
+    <p:extLst>
+      <p:ext uri="{BB962C8B-B14F-4D97-AF65-F5344CB8AC3E}">
+        <p14:creationId xmlns:p14="http://schemas.microsoft.com/office/powerpoint/2010/main" val="171152433"/>
+      </p:ext>
+    </p:extLst>
+  </p:cSld>
+  <p:clrMapOvr>
+    <a:masterClrMapping/>
+  </p:clrMapOvr>
+  <p:timing>
+    <p:tnLst>
+      <p:par>
+        <p:cTn id="1" dur="indefinite" restart="never" nodeType="tmRoot"/>
+      </p:par>
+    </p:tnLst>
+  </p:timing>
+</p:sld>
+</file>
+
+<file path=ppt/slides/slide8.xml><?xml version="1.0" encoding="utf-8"?>
+<p:sld xmlns:a="http://schemas.openxmlformats.org/drawingml/2006/main" xmlns:r="http://schemas.openxmlformats.org/officeDocument/2006/relationships" xmlns:p="http://schemas.openxmlformats.org/presentationml/2006/main">
+  <p:cSld>
+    <p:spTree>
+      <p:nvGrpSpPr>
+        <p:cNvPr id="1" name=""/>
+        <p:cNvGrpSpPr/>
+        <p:nvPr/>
+      </p:nvGrpSpPr>
+      <p:grpSpPr>
+        <a:xfrm>
+          <a:off x="0" y="0"/>
+          <a:ext cx="0" cy="0"/>
+          <a:chOff x="0" y="0"/>
+          <a:chExt cx="0" cy="0"/>
+        </a:xfrm>
+      </p:grpSpPr>
+      <p:sp>
+        <p:nvSpPr>
+          <p:cNvPr id="19" name="Заголовок 1"/>
+          <p:cNvSpPr txBox="1">
+            <a:spLocks/>
+          </p:cNvSpPr>
+          <p:nvPr/>
+        </p:nvSpPr>
+        <p:spPr>
+          <a:xfrm>
+            <a:off x="0" y="701874"/>
+            <a:ext cx="9144000" cy="1008112"/>
+          </a:xfrm>
+          <a:prstGeom prst="rect">
+            <a:avLst/>
+          </a:prstGeom>
+        </p:spPr>
+        <p:txBody>
+          <a:bodyPr/>
+          <a:lstStyle>
+            <a:lvl1pPr algn="l" rtl="0" fontAlgn="base">
+              <a:spcBef>
+                <a:spcPct val="0"/>
+              </a:spcBef>
+              <a:spcAft>
+                <a:spcPct val="0"/>
+              </a:spcAft>
+              <a:defRPr sz="4400">
+                <a:solidFill>
+                  <a:schemeClr val="tx2"/>
+                </a:solidFill>
+                <a:latin typeface="+mj-lt"/>
+                <a:ea typeface="+mj-ea"/>
+                <a:cs typeface="+mj-cs"/>
+              </a:defRPr>
+            </a:lvl1pPr>
+            <a:lvl2pPr algn="l" rtl="0" fontAlgn="base">
+              <a:spcBef>
+                <a:spcPct val="0"/>
+              </a:spcBef>
+              <a:spcAft>
+                <a:spcPct val="0"/>
+              </a:spcAft>
+              <a:defRPr sz="4400">
+                <a:solidFill>
+                  <a:schemeClr val="tx2"/>
+                </a:solidFill>
+                <a:latin typeface="Times New Roman" pitchFamily="18" charset="0"/>
+              </a:defRPr>
+            </a:lvl2pPr>
+            <a:lvl3pPr algn="l" rtl="0" fontAlgn="base">
+              <a:spcBef>
+                <a:spcPct val="0"/>
+              </a:spcBef>
+              <a:spcAft>
+                <a:spcPct val="0"/>
+              </a:spcAft>
+              <a:defRPr sz="4400">
+                <a:solidFill>
+                  <a:schemeClr val="tx2"/>
+                </a:solidFill>
+                <a:latin typeface="Times New Roman" pitchFamily="18" charset="0"/>
+              </a:defRPr>
+            </a:lvl3pPr>
+            <a:lvl4pPr algn="l" rtl="0" fontAlgn="base">
+              <a:spcBef>
+                <a:spcPct val="0"/>
+              </a:spcBef>
+              <a:spcAft>
+                <a:spcPct val="0"/>
+              </a:spcAft>
+              <a:defRPr sz="4400">
+                <a:solidFill>
+                  <a:schemeClr val="tx2"/>
+                </a:solidFill>
+                <a:latin typeface="Times New Roman" pitchFamily="18" charset="0"/>
+              </a:defRPr>
+            </a:lvl4pPr>
+            <a:lvl5pPr algn="l" rtl="0" fontAlgn="base">
+              <a:spcBef>
+                <a:spcPct val="0"/>
+              </a:spcBef>
+              <a:spcAft>
+                <a:spcPct val="0"/>
+              </a:spcAft>
+              <a:defRPr sz="4400">
+                <a:solidFill>
+                  <a:schemeClr val="tx2"/>
+                </a:solidFill>
+                <a:latin typeface="Times New Roman" pitchFamily="18" charset="0"/>
+              </a:defRPr>
+            </a:lvl5pPr>
+            <a:lvl6pPr marL="457200" algn="l" rtl="0" fontAlgn="base">
+              <a:spcBef>
+                <a:spcPct val="0"/>
+              </a:spcBef>
+              <a:spcAft>
+                <a:spcPct val="0"/>
+              </a:spcAft>
+              <a:defRPr sz="4400">
+                <a:solidFill>
+                  <a:schemeClr val="tx2"/>
+                </a:solidFill>
+                <a:latin typeface="Times New Roman" pitchFamily="18" charset="0"/>
+              </a:defRPr>
+            </a:lvl6pPr>
+            <a:lvl7pPr marL="914400" algn="l" rtl="0" fontAlgn="base">
+              <a:spcBef>
+                <a:spcPct val="0"/>
+              </a:spcBef>
+              <a:spcAft>
+                <a:spcPct val="0"/>
+              </a:spcAft>
+              <a:defRPr sz="4400">
+                <a:solidFill>
+                  <a:schemeClr val="tx2"/>
+                </a:solidFill>
+                <a:latin typeface="Times New Roman" pitchFamily="18" charset="0"/>
+              </a:defRPr>
+            </a:lvl7pPr>
+            <a:lvl8pPr marL="1371600" algn="l" rtl="0" fontAlgn="base">
+              <a:spcBef>
+                <a:spcPct val="0"/>
+              </a:spcBef>
+              <a:spcAft>
+                <a:spcPct val="0"/>
+              </a:spcAft>
+              <a:defRPr sz="4400">
+                <a:solidFill>
+                  <a:schemeClr val="tx2"/>
+                </a:solidFill>
+                <a:latin typeface="Times New Roman" pitchFamily="18" charset="0"/>
+              </a:defRPr>
+            </a:lvl8pPr>
+            <a:lvl9pPr marL="1828800" algn="l" rtl="0" fontAlgn="base">
+              <a:spcBef>
+                <a:spcPct val="0"/>
+              </a:spcBef>
+              <a:spcAft>
+                <a:spcPct val="0"/>
+              </a:spcAft>
+              <a:defRPr sz="4400">
+                <a:solidFill>
+                  <a:schemeClr val="tx2"/>
+                </a:solidFill>
+                <a:latin typeface="Times New Roman" pitchFamily="18" charset="0"/>
+              </a:defRPr>
+            </a:lvl9pPr>
+          </a:lstStyle>
+          <a:p>
+            <a:pPr algn="ctr">
+              <a:buClrTx/>
+              <a:buSzTx/>
+              <a:buFontTx/>
+              <a:buNone/>
+            </a:pPr>
+            <a:r>
+              <a:rPr kumimoji="0" lang="ru-RU" altLang="ru-RU" b="1" kern="0" dirty="0" smtClean="0"/>
+              <a:t>Асимметричный </a:t>
+            </a:r>
+            <a:r>
+              <a:rPr kumimoji="0" lang="en-US" altLang="ru-RU" b="1" kern="0" dirty="0" smtClean="0"/>
+              <a:t>NAT</a:t>
+            </a:r>
+            <a:endParaRPr kumimoji="0" lang="en-US" altLang="ru-RU" b="1" kern="0" dirty="0" smtClean="0"/>
+          </a:p>
+        </p:txBody>
+      </p:sp>
+      <p:sp>
+        <p:nvSpPr>
+          <p:cNvPr id="2" name="AutoShape 4" descr="Router | Cisco Network Topology Icons 3015"/>
+          <p:cNvSpPr>
+            <a:spLocks noChangeAspect="1" noChangeArrowheads="1"/>
+          </p:cNvSpPr>
+          <p:nvPr/>
+        </p:nvSpPr>
+        <p:spPr bwMode="auto">
+          <a:xfrm>
+            <a:off x="155575" y="-144463"/>
+            <a:ext cx="304800" cy="304801"/>
+          </a:xfrm>
+          <a:prstGeom prst="rect">
+            <a:avLst/>
+          </a:prstGeom>
+          <a:noFill/>
+          <a:extLst>
+            <a:ext uri="{909E8E84-426E-40DD-AFC4-6F175D3DCCD1}">
+              <a14:hiddenFill xmlns:a14="http://schemas.microsoft.com/office/drawing/2010/main">
+                <a:solidFill>
+                  <a:srgbClr val="FFFFFF"/>
+                </a:solidFill>
+              </a14:hiddenFill>
+            </a:ext>
+          </a:extLst>
+        </p:spPr>
+        <p:txBody>
+          <a:bodyPr vert="horz" wrap="square" lIns="91440" tIns="45720" rIns="91440" bIns="45720" numCol="1" anchor="t" anchorCtr="0" compatLnSpc="1">
+            <a:prstTxWarp prst="textNoShape">
+              <a:avLst/>
+            </a:prstTxWarp>
+          </a:bodyPr>
+          <a:lstStyle/>
+          <a:p>
+            <a:endParaRPr lang="ru-RU"/>
+          </a:p>
+        </p:txBody>
+      </p:sp>
+      <p:sp>
+        <p:nvSpPr>
+          <p:cNvPr id="3" name="AutoShape 6" descr="Router | Cisco Network Topology Icons 3015"/>
+          <p:cNvSpPr>
+            <a:spLocks noChangeAspect="1" noChangeArrowheads="1"/>
+          </p:cNvSpPr>
+          <p:nvPr/>
+        </p:nvSpPr>
+        <p:spPr bwMode="auto">
+          <a:xfrm>
+            <a:off x="307975" y="7937"/>
+            <a:ext cx="304800" cy="304801"/>
+          </a:xfrm>
+          <a:prstGeom prst="rect">
+            <a:avLst/>
+          </a:prstGeom>
+          <a:noFill/>
+          <a:extLst>
+            <a:ext uri="{909E8E84-426E-40DD-AFC4-6F175D3DCCD1}">
+              <a14:hiddenFill xmlns:a14="http://schemas.microsoft.com/office/drawing/2010/main">
+                <a:solidFill>
+                  <a:srgbClr val="FFFFFF"/>
+                </a:solidFill>
+              </a14:hiddenFill>
+            </a:ext>
+          </a:extLst>
+        </p:spPr>
+        <p:txBody>
+          <a:bodyPr vert="horz" wrap="square" lIns="91440" tIns="45720" rIns="91440" bIns="45720" numCol="1" anchor="t" anchorCtr="0" compatLnSpc="1">
+            <a:prstTxWarp prst="textNoShape">
+              <a:avLst/>
+            </a:prstTxWarp>
+          </a:bodyPr>
+          <a:lstStyle/>
+          <a:p>
+            <a:endParaRPr lang="ru-RU"/>
+          </a:p>
+        </p:txBody>
+      </p:sp>
+      <p:sp>
+        <p:nvSpPr>
+          <p:cNvPr id="5" name="AutoShape 16" descr="Internet Cloud icon PNG and SVG Vector Free Download"/>
+          <p:cNvSpPr>
+            <a:spLocks noChangeAspect="1" noChangeArrowheads="1"/>
+          </p:cNvSpPr>
+          <p:nvPr/>
+        </p:nvSpPr>
+        <p:spPr bwMode="auto">
+          <a:xfrm>
+            <a:off x="155575" y="-822325"/>
+            <a:ext cx="1943100" cy="1714500"/>
+          </a:xfrm>
+          <a:prstGeom prst="rect">
+            <a:avLst/>
+          </a:prstGeom>
+          <a:noFill/>
+          <a:extLst>
+            <a:ext uri="{909E8E84-426E-40DD-AFC4-6F175D3DCCD1}">
+              <a14:hiddenFill xmlns:a14="http://schemas.microsoft.com/office/drawing/2010/main">
+                <a:solidFill>
+                  <a:srgbClr val="FFFFFF"/>
+                </a:solidFill>
+              </a14:hiddenFill>
+            </a:ext>
+          </a:extLst>
+        </p:spPr>
+        <p:txBody>
+          <a:bodyPr vert="horz" wrap="square" lIns="91440" tIns="45720" rIns="91440" bIns="45720" numCol="1" anchor="t" anchorCtr="0" compatLnSpc="1">
+            <a:prstTxWarp prst="textNoShape">
+              <a:avLst/>
+            </a:prstTxWarp>
+          </a:bodyPr>
+          <a:lstStyle/>
+          <a:p>
+            <a:endParaRPr lang="ru-RU"/>
+          </a:p>
+        </p:txBody>
+      </p:sp>
+      <p:graphicFrame>
+        <p:nvGraphicFramePr>
+          <p:cNvPr id="8" name="Таблица 7"/>
+          <p:cNvGraphicFramePr>
+            <a:graphicFrameLocks noGrp="1"/>
+          </p:cNvGraphicFramePr>
+          <p:nvPr>
+            <p:extLst>
+              <p:ext uri="{D42A27DB-BD31-4B8C-83A1-F6EECF244321}">
+                <p14:modId xmlns:p14="http://schemas.microsoft.com/office/powerpoint/2010/main" val="2673254237"/>
+              </p:ext>
+            </p:extLst>
+          </p:nvPr>
+        </p:nvGraphicFramePr>
+        <p:xfrm>
+          <a:off x="814668" y="3266123"/>
+          <a:ext cx="2194560" cy="1483360"/>
+        </p:xfrm>
+        <a:graphic>
+          <a:graphicData uri="http://schemas.openxmlformats.org/drawingml/2006/table">
+            <a:tbl>
+              <a:tblPr firstRow="1" bandRow="1">
+                <a:tableStyleId>{21E4AEA4-8DFA-4A89-87EB-49C32662AFE0}</a:tableStyleId>
+              </a:tblPr>
+              <a:tblGrid>
+                <a:gridCol w="1325880">
+                  <a:extLst>
+                    <a:ext uri="{9D8B030D-6E8A-4147-A177-3AD203B41FA5}">
+                      <a16:colId xmlns:a16="http://schemas.microsoft.com/office/drawing/2014/main" val="3718834717"/>
+                    </a:ext>
+                  </a:extLst>
+                </a:gridCol>
+                <a:gridCol w="868680">
+                  <a:extLst>
+                    <a:ext uri="{9D8B030D-6E8A-4147-A177-3AD203B41FA5}">
+                      <a16:colId xmlns:a16="http://schemas.microsoft.com/office/drawing/2014/main" val="3173595522"/>
+                    </a:ext>
+                  </a:extLst>
+                </a:gridCol>
+              </a:tblGrid>
+              <a:tr h="370840">
+                <a:tc>
+                  <a:txBody>
+                    <a:bodyPr/>
+                    <a:lstStyle/>
+                    <a:p>
+                      <a:pPr algn="ctr"/>
+                      <a:r>
+                        <a:rPr lang="en-US" dirty="0" smtClean="0"/>
+                        <a:t>Gray</a:t>
+                      </a:r>
+                      <a:r>
+                        <a:rPr lang="en-US" baseline="0" dirty="0" smtClean="0"/>
+                        <a:t> IP</a:t>
+                      </a:r>
+                      <a:endParaRPr lang="ru-RU" dirty="0"/>
+                    </a:p>
+                  </a:txBody>
+                  <a:tcPr/>
+                </a:tc>
+                <a:tc>
+                  <a:txBody>
+                    <a:bodyPr/>
+                    <a:lstStyle/>
+                    <a:p>
+                      <a:pPr algn="ctr"/>
+                      <a:r>
+                        <a:rPr lang="en-US" dirty="0" smtClean="0"/>
+                        <a:t>IP</a:t>
+                      </a:r>
+                      <a:endParaRPr lang="ru-RU" dirty="0"/>
+                    </a:p>
+                  </a:txBody>
+                  <a:tcPr/>
+                </a:tc>
+                <a:extLst>
+                  <a:ext uri="{0D108BD9-81ED-4DB2-BD59-A6C34878D82A}">
+                    <a16:rowId xmlns:a16="http://schemas.microsoft.com/office/drawing/2014/main" val="2250939760"/>
+                  </a:ext>
+                </a:extLst>
+              </a:tr>
+              <a:tr h="370840">
+                <a:tc>
+                  <a:txBody>
+                    <a:bodyPr/>
+                    <a:lstStyle/>
+                    <a:p>
+                      <a:r>
+                        <a:rPr lang="ru-RU" dirty="0" smtClean="0"/>
+                        <a:t>192</a:t>
+                      </a:r>
+                      <a:r>
+                        <a:rPr lang="en-US" dirty="0" smtClean="0"/>
+                        <a:t>.168.1.7</a:t>
+                      </a:r>
+                      <a:endParaRPr lang="ru-RU" dirty="0"/>
+                    </a:p>
+                  </a:txBody>
+                  <a:tcPr/>
+                </a:tc>
+                <a:tc>
+                  <a:txBody>
+                    <a:bodyPr/>
+                    <a:lstStyle/>
+                    <a:p>
+                      <a:r>
+                        <a:rPr lang="en-US" dirty="0" smtClean="0"/>
+                        <a:t>7.8.0.1</a:t>
+                      </a:r>
+                      <a:endParaRPr lang="ru-RU" dirty="0"/>
+                    </a:p>
+                  </a:txBody>
+                  <a:tcPr/>
+                </a:tc>
+                <a:extLst>
+                  <a:ext uri="{0D108BD9-81ED-4DB2-BD59-A6C34878D82A}">
+                    <a16:rowId xmlns:a16="http://schemas.microsoft.com/office/drawing/2014/main" val="3648732210"/>
+                  </a:ext>
+                </a:extLst>
+              </a:tr>
+              <a:tr h="370840">
+                <a:tc>
+                  <a:txBody>
+                    <a:bodyPr/>
+                    <a:lstStyle/>
+                    <a:p>
+                      <a:r>
+                        <a:rPr lang="en-US" dirty="0" smtClean="0"/>
+                        <a:t>192.168.1.3</a:t>
+                      </a:r>
+                      <a:endParaRPr lang="ru-RU" dirty="0"/>
+                    </a:p>
+                  </a:txBody>
+                  <a:tcPr/>
+                </a:tc>
+                <a:tc>
+                  <a:txBody>
+                    <a:bodyPr/>
+                    <a:lstStyle/>
+                    <a:p>
+                      <a:r>
+                        <a:rPr lang="en-US" dirty="0" smtClean="0"/>
+                        <a:t>7.8.0.2</a:t>
+                      </a:r>
+                      <a:endParaRPr lang="ru-RU" dirty="0"/>
+                    </a:p>
+                  </a:txBody>
+                  <a:tcPr/>
+                </a:tc>
+                <a:extLst>
+                  <a:ext uri="{0D108BD9-81ED-4DB2-BD59-A6C34878D82A}">
+                    <a16:rowId xmlns:a16="http://schemas.microsoft.com/office/drawing/2014/main" val="760539033"/>
+                  </a:ext>
+                </a:extLst>
+              </a:tr>
+              <a:tr h="370840">
+                <a:tc>
+                  <a:txBody>
+                    <a:bodyPr/>
+                    <a:lstStyle/>
+                    <a:p>
+                      <a:r>
+                        <a:rPr lang="en-US" dirty="0" smtClean="0"/>
+                        <a:t>192.168.1.9</a:t>
+                      </a:r>
+                      <a:endParaRPr lang="ru-RU" dirty="0"/>
+                    </a:p>
+                  </a:txBody>
+                  <a:tcPr/>
+                </a:tc>
+                <a:tc>
+                  <a:txBody>
+                    <a:bodyPr/>
+                    <a:lstStyle/>
+                    <a:p>
+                      <a:r>
+                        <a:rPr lang="en-US" dirty="0" smtClean="0"/>
+                        <a:t>7.8.0.3</a:t>
+                      </a:r>
+                      <a:endParaRPr lang="ru-RU" dirty="0"/>
+                    </a:p>
+                  </a:txBody>
+                  <a:tcPr/>
+                </a:tc>
+                <a:extLst>
+                  <a:ext uri="{0D108BD9-81ED-4DB2-BD59-A6C34878D82A}">
+                    <a16:rowId xmlns:a16="http://schemas.microsoft.com/office/drawing/2014/main" val="2349535299"/>
+                  </a:ext>
+                </a:extLst>
+              </a:tr>
+            </a:tbl>
+          </a:graphicData>
+        </a:graphic>
+      </p:graphicFrame>
+      <p:sp>
+        <p:nvSpPr>
+          <p:cNvPr id="4" name="TextBox 3"/>
+          <p:cNvSpPr txBox="1"/>
+          <p:nvPr/>
+        </p:nvSpPr>
+        <p:spPr>
+          <a:xfrm>
+            <a:off x="699949" y="2847116"/>
+            <a:ext cx="2423997" cy="400110"/>
+          </a:xfrm>
+          <a:prstGeom prst="rect">
+            <a:avLst/>
+          </a:prstGeom>
+          <a:noFill/>
+        </p:spPr>
+        <p:txBody>
+          <a:bodyPr wrap="none" rtlCol="0">
+            <a:spAutoFit/>
+          </a:bodyPr>
+          <a:lstStyle/>
+          <a:p>
+            <a:pPr>
+              <a:buNone/>
+            </a:pPr>
+            <a:r>
+              <a:rPr lang="ru-RU" dirty="0" smtClean="0"/>
+              <a:t>Таблица трансляции</a:t>
+            </a:r>
+            <a:endParaRPr lang="ru-RU" dirty="0"/>
+          </a:p>
+        </p:txBody>
+      </p:sp>
+      <p:sp>
+        <p:nvSpPr>
+          <p:cNvPr id="16" name="TextBox 15"/>
+          <p:cNvSpPr txBox="1"/>
+          <p:nvPr/>
+        </p:nvSpPr>
+        <p:spPr>
+          <a:xfrm>
+            <a:off x="4860032" y="2204864"/>
+            <a:ext cx="2443041" cy="400110"/>
+          </a:xfrm>
+          <a:prstGeom prst="rect">
+            <a:avLst/>
+          </a:prstGeom>
+          <a:noFill/>
+        </p:spPr>
+        <p:txBody>
+          <a:bodyPr wrap="none" rtlCol="0">
+            <a:spAutoFit/>
+          </a:bodyPr>
+          <a:lstStyle/>
+          <a:p>
+            <a:pPr>
+              <a:buNone/>
+            </a:pPr>
+            <a:r>
+              <a:rPr lang="ru-RU" dirty="0" smtClean="0"/>
+              <a:t>Таблица соединений</a:t>
+            </a:r>
+            <a:endParaRPr lang="ru-RU" dirty="0"/>
+          </a:p>
+        </p:txBody>
+      </p:sp>
+      <p:sp>
+        <p:nvSpPr>
+          <p:cNvPr id="6" name="Стрелка вправо 5"/>
+          <p:cNvSpPr/>
+          <p:nvPr/>
+        </p:nvSpPr>
+        <p:spPr bwMode="auto">
+          <a:xfrm>
+            <a:off x="1318724" y="3678743"/>
+            <a:ext cx="1275426" cy="957704"/>
+          </a:xfrm>
+          <a:prstGeom prst="rightArrow">
+            <a:avLst/>
+          </a:prstGeom>
+          <a:noFill/>
+          <a:ln w="38100" cap="flat" cmpd="sng" algn="ctr">
+            <a:solidFill>
+              <a:srgbClr val="92D050"/>
+            </a:solidFill>
+            <a:prstDash val="solid"/>
+            <a:round/>
+            <a:headEnd type="none" w="med" len="med"/>
+            <a:tailEnd type="none" w="med" len="med"/>
+          </a:ln>
+          <a:effectLst/>
+          <a:extLst>
+            <a:ext uri="{909E8E84-426E-40DD-AFC4-6F175D3DCCD1}">
+              <a14:hiddenFill xmlns:a14="http://schemas.microsoft.com/office/drawing/2010/main">
+                <a:solidFill>
+                  <a:schemeClr val="accent1"/>
+                </a:solidFill>
+              </a14:hiddenFill>
+            </a:ext>
+            <a:ext uri="{AF507438-7753-43E0-B8FC-AC1667EBCBE1}">
+              <a14:hiddenEffects xmlns:a14="http://schemas.microsoft.com/office/drawing/2010/main">
+                <a:effectLst>
+                  <a:outerShdw dist="35921" dir="2700000" algn="ctr" rotWithShape="0">
+                    <a:schemeClr val="bg2"/>
+                  </a:outerShdw>
+                </a:effectLst>
+              </a14:hiddenEffects>
+            </a:ext>
+          </a:extLst>
+        </p:spPr>
+        <p:txBody>
+          <a:bodyPr vert="horz" wrap="square" lIns="91440" tIns="45720" rIns="91440" bIns="0" numCol="1" rtlCol="0" anchor="t" anchorCtr="0" compatLnSpc="1">
+            <a:prstTxWarp prst="textNoShape">
+              <a:avLst/>
+            </a:prstTxWarp>
+          </a:bodyPr>
+          <a:lstStyle/>
+          <a:p>
+            <a:pPr marL="457200" marR="0" indent="-457200" algn="l" defTabSz="914400" rtl="0" eaLnBrk="1" fontAlgn="base" latinLnBrk="0" hangingPunct="1">
+              <a:lnSpc>
+                <a:spcPct val="100000"/>
+              </a:lnSpc>
+              <a:spcBef>
+                <a:spcPct val="20000"/>
+              </a:spcBef>
+              <a:spcAft>
+                <a:spcPct val="0"/>
+              </a:spcAft>
+              <a:buClr>
+                <a:srgbClr val="A50021"/>
+              </a:buClr>
+              <a:buSzPct val="75000"/>
+              <a:buFont typeface="Wingdings" pitchFamily="2" charset="2"/>
+              <a:buChar char="n"/>
+              <a:tabLst/>
+            </a:pPr>
+            <a:endParaRPr kumimoji="1" lang="ru-RU" sz="2000" b="0" i="0" u="none" strike="noStrike" cap="none" normalizeH="0" baseline="0" smtClean="0">
+              <a:ln>
+                <a:noFill/>
+              </a:ln>
+              <a:solidFill>
+                <a:schemeClr val="tx1"/>
+              </a:solidFill>
+              <a:effectLst/>
+              <a:latin typeface="Times New Roman" pitchFamily="18" charset="0"/>
+              <a:cs typeface="Times New Roman" pitchFamily="18" charset="0"/>
+            </a:endParaRPr>
+          </a:p>
+        </p:txBody>
+      </p:sp>
+      <p:graphicFrame>
+        <p:nvGraphicFramePr>
+          <p:cNvPr id="9" name="Таблица 8"/>
+          <p:cNvGraphicFramePr>
+            <a:graphicFrameLocks noGrp="1"/>
+          </p:cNvGraphicFramePr>
+          <p:nvPr>
+            <p:extLst>
+              <p:ext uri="{D42A27DB-BD31-4B8C-83A1-F6EECF244321}">
+                <p14:modId xmlns:p14="http://schemas.microsoft.com/office/powerpoint/2010/main" val="4150449774"/>
+              </p:ext>
+            </p:extLst>
+          </p:nvPr>
+        </p:nvGraphicFramePr>
+        <p:xfrm>
+          <a:off x="4175549" y="2819202"/>
+          <a:ext cx="4502639" cy="2225040"/>
+        </p:xfrm>
+        <a:graphic>
+          <a:graphicData uri="http://schemas.openxmlformats.org/drawingml/2006/table">
+            <a:tbl>
+              <a:tblPr firstRow="1" bandRow="1">
+                <a:tableStyleId>{00A15C55-8517-42AA-B614-E9B94910E393}</a:tableStyleId>
+              </a:tblPr>
+              <a:tblGrid>
+                <a:gridCol w="1325880">
+                  <a:extLst>
+                    <a:ext uri="{9D8B030D-6E8A-4147-A177-3AD203B41FA5}">
+                      <a16:colId xmlns:a16="http://schemas.microsoft.com/office/drawing/2014/main" val="2794701182"/>
+                    </a:ext>
+                  </a:extLst>
+                </a:gridCol>
+                <a:gridCol w="1275144">
+                  <a:extLst>
+                    <a:ext uri="{9D8B030D-6E8A-4147-A177-3AD203B41FA5}">
+                      <a16:colId xmlns:a16="http://schemas.microsoft.com/office/drawing/2014/main" val="3542052723"/>
+                    </a:ext>
+                  </a:extLst>
+                </a:gridCol>
+                <a:gridCol w="1071880">
+                  <a:extLst>
+                    <a:ext uri="{9D8B030D-6E8A-4147-A177-3AD203B41FA5}">
+                      <a16:colId xmlns:a16="http://schemas.microsoft.com/office/drawing/2014/main" val="1040039281"/>
+                    </a:ext>
+                  </a:extLst>
+                </a:gridCol>
+                <a:gridCol w="829735">
+                  <a:extLst>
+                    <a:ext uri="{9D8B030D-6E8A-4147-A177-3AD203B41FA5}">
+                      <a16:colId xmlns:a16="http://schemas.microsoft.com/office/drawing/2014/main" val="3806831564"/>
+                    </a:ext>
+                  </a:extLst>
+                </a:gridCol>
+              </a:tblGrid>
+              <a:tr h="370840">
+                <a:tc>
+                  <a:txBody>
+                    <a:bodyPr/>
+                    <a:lstStyle/>
+                    <a:p>
+                      <a:r>
+                        <a:rPr lang="en-US" dirty="0" err="1" smtClean="0"/>
+                        <a:t>Src</a:t>
+                      </a:r>
+                      <a:r>
+                        <a:rPr lang="en-US" baseline="0" dirty="0" smtClean="0"/>
+                        <a:t> IP</a:t>
+                      </a:r>
+                      <a:endParaRPr lang="ru-RU" dirty="0"/>
+                    </a:p>
+                  </a:txBody>
+                  <a:tcPr/>
+                </a:tc>
+                <a:tc>
+                  <a:txBody>
+                    <a:bodyPr/>
+                    <a:lstStyle/>
+                    <a:p>
+                      <a:r>
+                        <a:rPr lang="en-US" dirty="0" err="1" smtClean="0"/>
+                        <a:t>Dst</a:t>
+                      </a:r>
+                      <a:r>
+                        <a:rPr lang="en-US" dirty="0" smtClean="0"/>
+                        <a:t> IP</a:t>
+                      </a:r>
+                      <a:endParaRPr lang="ru-RU" dirty="0"/>
+                    </a:p>
+                  </a:txBody>
+                  <a:tcPr/>
+                </a:tc>
+                <a:tc>
+                  <a:txBody>
+                    <a:bodyPr/>
+                    <a:lstStyle/>
+                    <a:p>
+                      <a:r>
+                        <a:rPr lang="en-US" dirty="0" err="1" smtClean="0"/>
+                        <a:t>Masq</a:t>
+                      </a:r>
+                      <a:r>
+                        <a:rPr lang="en-US" baseline="0" dirty="0" smtClean="0"/>
+                        <a:t> IP</a:t>
+                      </a:r>
+                      <a:endParaRPr lang="ru-RU" dirty="0"/>
+                    </a:p>
+                  </a:txBody>
+                  <a:tcPr/>
+                </a:tc>
+                <a:tc>
+                  <a:txBody>
+                    <a:bodyPr/>
+                    <a:lstStyle/>
+                    <a:p>
+                      <a:r>
+                        <a:rPr lang="en-US" dirty="0" smtClean="0"/>
+                        <a:t>TTL</a:t>
+                      </a:r>
+                      <a:endParaRPr lang="ru-RU" dirty="0"/>
+                    </a:p>
+                  </a:txBody>
+                  <a:tcPr/>
+                </a:tc>
+                <a:extLst>
+                  <a:ext uri="{0D108BD9-81ED-4DB2-BD59-A6C34878D82A}">
+                    <a16:rowId xmlns:a16="http://schemas.microsoft.com/office/drawing/2014/main" val="2749137868"/>
+                  </a:ext>
+                </a:extLst>
+              </a:tr>
+              <a:tr h="370840">
+                <a:tc>
+                  <a:txBody>
+                    <a:bodyPr/>
+                    <a:lstStyle/>
+                    <a:p>
+                      <a:r>
+                        <a:rPr lang="en-US" dirty="0" smtClean="0"/>
+                        <a:t>192.168.1.3</a:t>
+                      </a:r>
+                      <a:endParaRPr lang="ru-RU" dirty="0"/>
+                    </a:p>
+                  </a:txBody>
+                  <a:tcPr/>
+                </a:tc>
+                <a:tc>
+                  <a:txBody>
+                    <a:bodyPr/>
+                    <a:lstStyle/>
+                    <a:p>
+                      <a:r>
+                        <a:rPr lang="en-US" dirty="0" smtClean="0"/>
+                        <a:t>e1.ru</a:t>
+                      </a:r>
+                      <a:endParaRPr lang="ru-RU" dirty="0"/>
+                    </a:p>
+                  </a:txBody>
+                  <a:tcPr/>
+                </a:tc>
+                <a:tc>
+                  <a:txBody>
+                    <a:bodyPr/>
+                    <a:lstStyle/>
+                    <a:p>
+                      <a:r>
+                        <a:rPr lang="en-US" dirty="0" smtClean="0"/>
+                        <a:t>7.8.0.2</a:t>
+                      </a:r>
+                      <a:endParaRPr lang="ru-RU" dirty="0"/>
+                    </a:p>
+                  </a:txBody>
+                  <a:tcPr/>
+                </a:tc>
+                <a:tc>
+                  <a:txBody>
+                    <a:bodyPr/>
+                    <a:lstStyle/>
+                    <a:p>
+                      <a:pPr algn="r"/>
+                      <a:r>
+                        <a:rPr lang="en-US" dirty="0" smtClean="0"/>
+                        <a:t>1s</a:t>
+                      </a:r>
+                      <a:endParaRPr lang="ru-RU" dirty="0"/>
+                    </a:p>
+                  </a:txBody>
+                  <a:tcPr/>
+                </a:tc>
+                <a:extLst>
+                  <a:ext uri="{0D108BD9-81ED-4DB2-BD59-A6C34878D82A}">
+                    <a16:rowId xmlns:a16="http://schemas.microsoft.com/office/drawing/2014/main" val="4084793327"/>
+                  </a:ext>
+                </a:extLst>
+              </a:tr>
+              <a:tr h="370840">
+                <a:tc>
+                  <a:txBody>
+                    <a:bodyPr/>
+                    <a:lstStyle/>
+                    <a:p>
+                      <a:r>
+                        <a:rPr lang="en-US" dirty="0" smtClean="0"/>
+                        <a:t>192.168.1.9</a:t>
+                      </a:r>
+                      <a:endParaRPr lang="ru-RU" dirty="0"/>
+                    </a:p>
+                  </a:txBody>
+                  <a:tcPr/>
+                </a:tc>
+                <a:tc>
+                  <a:txBody>
+                    <a:bodyPr/>
+                    <a:lstStyle/>
+                    <a:p>
+                      <a:r>
+                        <a:rPr lang="en-US" dirty="0" smtClean="0"/>
+                        <a:t>twitter.com</a:t>
+                      </a:r>
+                      <a:endParaRPr lang="ru-RU" dirty="0"/>
+                    </a:p>
+                  </a:txBody>
+                  <a:tcPr/>
+                </a:tc>
+                <a:tc>
+                  <a:txBody>
+                    <a:bodyPr/>
+                    <a:lstStyle/>
+                    <a:p>
+                      <a:r>
+                        <a:rPr lang="en-US" dirty="0" smtClean="0"/>
+                        <a:t>7.8.0.3</a:t>
+                      </a:r>
+                      <a:endParaRPr lang="ru-RU" dirty="0"/>
+                    </a:p>
+                  </a:txBody>
+                  <a:tcPr/>
+                </a:tc>
+                <a:tc>
+                  <a:txBody>
+                    <a:bodyPr/>
+                    <a:lstStyle/>
+                    <a:p>
+                      <a:pPr algn="r"/>
+                      <a:r>
+                        <a:rPr lang="en-US" dirty="0" smtClean="0"/>
+                        <a:t>5s</a:t>
+                      </a:r>
+                      <a:endParaRPr lang="ru-RU" dirty="0"/>
+                    </a:p>
+                  </a:txBody>
+                  <a:tcPr/>
+                </a:tc>
+                <a:extLst>
+                  <a:ext uri="{0D108BD9-81ED-4DB2-BD59-A6C34878D82A}">
+                    <a16:rowId xmlns:a16="http://schemas.microsoft.com/office/drawing/2014/main" val="1211731324"/>
+                  </a:ext>
+                </a:extLst>
+              </a:tr>
+              <a:tr h="370840">
+                <a:tc>
+                  <a:txBody>
+                    <a:bodyPr/>
+                    <a:lstStyle/>
+                    <a:p>
+                      <a:r>
+                        <a:rPr lang="en-US" dirty="0" smtClean="0"/>
+                        <a:t>192.168.1.3</a:t>
+                      </a:r>
+                      <a:endParaRPr lang="ru-RU" dirty="0"/>
+                    </a:p>
+                  </a:txBody>
+                  <a:tcPr/>
+                </a:tc>
+                <a:tc>
+                  <a:txBody>
+                    <a:bodyPr/>
+                    <a:lstStyle/>
+                    <a:p>
+                      <a:r>
+                        <a:rPr lang="en-US" dirty="0" smtClean="0"/>
+                        <a:t>fb.com</a:t>
+                      </a:r>
+                      <a:endParaRPr lang="ru-RU" dirty="0"/>
+                    </a:p>
+                  </a:txBody>
+                  <a:tcPr/>
+                </a:tc>
+                <a:tc>
+                  <a:txBody>
+                    <a:bodyPr/>
+                    <a:lstStyle/>
+                    <a:p>
+                      <a:r>
+                        <a:rPr lang="en-US" dirty="0" smtClean="0"/>
+                        <a:t>7.8.0.2</a:t>
+                      </a:r>
+                      <a:endParaRPr lang="ru-RU" dirty="0"/>
+                    </a:p>
+                  </a:txBody>
+                  <a:tcPr/>
+                </a:tc>
+                <a:tc>
+                  <a:txBody>
+                    <a:bodyPr/>
+                    <a:lstStyle/>
+                    <a:p>
+                      <a:pPr algn="r"/>
+                      <a:r>
+                        <a:rPr lang="en-US" dirty="0" smtClean="0"/>
+                        <a:t>30s</a:t>
+                      </a:r>
+                      <a:endParaRPr lang="ru-RU" dirty="0"/>
+                    </a:p>
+                  </a:txBody>
+                  <a:tcPr/>
+                </a:tc>
+                <a:extLst>
+                  <a:ext uri="{0D108BD9-81ED-4DB2-BD59-A6C34878D82A}">
+                    <a16:rowId xmlns:a16="http://schemas.microsoft.com/office/drawing/2014/main" val="3513920058"/>
+                  </a:ext>
+                </a:extLst>
+              </a:tr>
+              <a:tr h="370840">
+                <a:tc>
+                  <a:txBody>
+                    <a:bodyPr/>
+                    <a:lstStyle/>
+                    <a:p>
+                      <a:r>
+                        <a:rPr lang="en-US" dirty="0" smtClean="0"/>
+                        <a:t>192.168.1.3</a:t>
+                      </a:r>
+                      <a:endParaRPr lang="ru-RU" dirty="0"/>
+                    </a:p>
+                  </a:txBody>
+                  <a:tcPr/>
+                </a:tc>
+                <a:tc>
+                  <a:txBody>
+                    <a:bodyPr/>
+                    <a:lstStyle/>
+                    <a:p>
+                      <a:r>
+                        <a:rPr lang="en-US" dirty="0" smtClean="0"/>
+                        <a:t>urfu.ru</a:t>
+                      </a:r>
+                      <a:endParaRPr lang="ru-RU" dirty="0"/>
+                    </a:p>
+                  </a:txBody>
+                  <a:tcPr/>
+                </a:tc>
+                <a:tc>
+                  <a:txBody>
+                    <a:bodyPr/>
+                    <a:lstStyle/>
+                    <a:p>
+                      <a:r>
+                        <a:rPr lang="en-US" dirty="0" smtClean="0"/>
+                        <a:t>7.8.0.2</a:t>
+                      </a:r>
+                      <a:endParaRPr lang="ru-RU" dirty="0"/>
+                    </a:p>
+                  </a:txBody>
+                  <a:tcPr/>
+                </a:tc>
+                <a:tc>
+                  <a:txBody>
+                    <a:bodyPr/>
+                    <a:lstStyle/>
+                    <a:p>
+                      <a:pPr algn="r"/>
+                      <a:r>
+                        <a:rPr lang="en-US" dirty="0" smtClean="0"/>
+                        <a:t>7s</a:t>
+                      </a:r>
+                      <a:endParaRPr lang="ru-RU" dirty="0"/>
+                    </a:p>
+                  </a:txBody>
+                  <a:tcPr/>
+                </a:tc>
+                <a:extLst>
+                  <a:ext uri="{0D108BD9-81ED-4DB2-BD59-A6C34878D82A}">
+                    <a16:rowId xmlns:a16="http://schemas.microsoft.com/office/drawing/2014/main" val="4210708517"/>
+                  </a:ext>
+                </a:extLst>
+              </a:tr>
+              <a:tr h="370840">
+                <a:tc>
+                  <a:txBody>
+                    <a:bodyPr/>
+                    <a:lstStyle/>
+                    <a:p>
+                      <a:pPr algn="ctr"/>
+                      <a:r>
+                        <a:rPr lang="en-US" dirty="0" smtClean="0"/>
+                        <a:t>…</a:t>
+                      </a:r>
+                      <a:endParaRPr lang="ru-RU" dirty="0"/>
+                    </a:p>
+                  </a:txBody>
+                  <a:tcPr/>
+                </a:tc>
+                <a:tc>
+                  <a:txBody>
+                    <a:bodyPr/>
+                    <a:lstStyle/>
+                    <a:p>
+                      <a:pPr algn="ctr"/>
+                      <a:r>
+                        <a:rPr lang="en-US" dirty="0" smtClean="0"/>
+                        <a:t>…</a:t>
+                      </a:r>
+                      <a:endParaRPr lang="ru-RU" dirty="0"/>
+                    </a:p>
+                  </a:txBody>
+                  <a:tcPr/>
+                </a:tc>
+                <a:tc>
+                  <a:txBody>
+                    <a:bodyPr/>
+                    <a:lstStyle/>
+                    <a:p>
+                      <a:pPr algn="ctr"/>
+                      <a:r>
+                        <a:rPr lang="en-US" dirty="0" smtClean="0"/>
+                        <a:t>…</a:t>
+                      </a:r>
+                      <a:endParaRPr lang="ru-RU" dirty="0"/>
+                    </a:p>
+                  </a:txBody>
+                  <a:tcPr/>
+                </a:tc>
+                <a:tc>
+                  <a:txBody>
+                    <a:bodyPr/>
+                    <a:lstStyle/>
+                    <a:p>
+                      <a:pPr algn="ctr"/>
+                      <a:r>
+                        <a:rPr lang="en-US" dirty="0" smtClean="0"/>
+                        <a:t>…</a:t>
+                      </a:r>
+                      <a:endParaRPr lang="ru-RU" dirty="0"/>
+                    </a:p>
+                  </a:txBody>
+                  <a:tcPr/>
+                </a:tc>
+                <a:extLst>
+                  <a:ext uri="{0D108BD9-81ED-4DB2-BD59-A6C34878D82A}">
+                    <a16:rowId xmlns:a16="http://schemas.microsoft.com/office/drawing/2014/main" val="1506503444"/>
+                  </a:ext>
+                </a:extLst>
+              </a:tr>
+            </a:tbl>
+          </a:graphicData>
+        </a:graphic>
+      </p:graphicFrame>
+      <p:sp>
+        <p:nvSpPr>
+          <p:cNvPr id="13" name="Выгнутая вниз стрелка 12"/>
+          <p:cNvSpPr/>
+          <p:nvPr/>
+        </p:nvSpPr>
+        <p:spPr bwMode="auto">
+          <a:xfrm>
+            <a:off x="4785408" y="3910520"/>
+            <a:ext cx="2592288" cy="576064"/>
+          </a:xfrm>
+          <a:prstGeom prst="curvedUpArrow">
+            <a:avLst/>
+          </a:prstGeom>
+          <a:noFill/>
+          <a:ln w="19050" cap="flat" cmpd="sng" algn="ctr">
+            <a:solidFill>
+              <a:srgbClr val="00B050"/>
+            </a:solidFill>
+            <a:prstDash val="solid"/>
+            <a:round/>
+            <a:headEnd type="none" w="med" len="med"/>
+            <a:tailEnd type="none" w="med" len="med"/>
+          </a:ln>
+          <a:effectLst/>
+          <a:extLst>
+            <a:ext uri="{909E8E84-426E-40DD-AFC4-6F175D3DCCD1}">
+              <a14:hiddenFill xmlns:a14="http://schemas.microsoft.com/office/drawing/2010/main">
+                <a:solidFill>
+                  <a:schemeClr val="accent1"/>
+                </a:solidFill>
+              </a14:hiddenFill>
+            </a:ext>
+            <a:ext uri="{AF507438-7753-43E0-B8FC-AC1667EBCBE1}">
+              <a14:hiddenEffects xmlns:a14="http://schemas.microsoft.com/office/drawing/2010/main">
+                <a:effectLst>
+                  <a:outerShdw dist="35921" dir="2700000" algn="ctr" rotWithShape="0">
+                    <a:schemeClr val="bg2"/>
+                  </a:outerShdw>
+                </a:effectLst>
+              </a14:hiddenEffects>
+            </a:ext>
+          </a:extLst>
+        </p:spPr>
+        <p:txBody>
+          <a:bodyPr vert="horz" wrap="square" lIns="91440" tIns="45720" rIns="91440" bIns="0" numCol="1" rtlCol="0" anchor="t" anchorCtr="0" compatLnSpc="1">
+            <a:prstTxWarp prst="textNoShape">
+              <a:avLst/>
+            </a:prstTxWarp>
+          </a:bodyPr>
+          <a:lstStyle/>
+          <a:p>
+            <a:pPr marL="457200" marR="0" indent="-457200" algn="l" defTabSz="914400" rtl="0" eaLnBrk="1" fontAlgn="base" latinLnBrk="0" hangingPunct="1">
+              <a:lnSpc>
+                <a:spcPct val="100000"/>
+              </a:lnSpc>
+              <a:spcBef>
+                <a:spcPct val="20000"/>
+              </a:spcBef>
+              <a:spcAft>
+                <a:spcPct val="0"/>
+              </a:spcAft>
+              <a:buClr>
+                <a:srgbClr val="A50021"/>
+              </a:buClr>
+              <a:buSzPct val="75000"/>
+              <a:buFont typeface="Wingdings" pitchFamily="2" charset="2"/>
+              <a:buChar char="n"/>
+              <a:tabLst/>
+            </a:pPr>
+            <a:endParaRPr kumimoji="1" lang="ru-RU" sz="2000" b="0" i="0" u="none" strike="noStrike" cap="none" normalizeH="0" baseline="0" smtClean="0">
+              <a:ln>
+                <a:noFill/>
+              </a:ln>
+              <a:solidFill>
+                <a:schemeClr val="tx1"/>
+              </a:solidFill>
+              <a:effectLst/>
+              <a:latin typeface="Times New Roman" pitchFamily="18" charset="0"/>
+              <a:cs typeface="Times New Roman" pitchFamily="18" charset="0"/>
+            </a:endParaRPr>
+          </a:p>
+        </p:txBody>
+      </p:sp>
+      <p:sp>
+        <p:nvSpPr>
+          <p:cNvPr id="15" name="Левая фигурная скобка 14"/>
+          <p:cNvSpPr/>
+          <p:nvPr/>
+        </p:nvSpPr>
+        <p:spPr bwMode="auto">
+          <a:xfrm rot="16200000">
+            <a:off x="6528594" y="4053356"/>
+            <a:ext cx="299370" cy="2340349"/>
+          </a:xfrm>
+          <a:prstGeom prst="leftBrace">
+            <a:avLst>
+              <a:gd name="adj1" fmla="val 8333"/>
+              <a:gd name="adj2" fmla="val 48859"/>
+            </a:avLst>
+          </a:prstGeom>
+          <a:noFill/>
+          <a:ln w="12700" cap="flat" cmpd="sng" algn="ctr">
+            <a:solidFill>
+              <a:srgbClr val="FF0000"/>
+            </a:solidFill>
+            <a:prstDash val="solid"/>
+            <a:round/>
+            <a:headEnd type="none" w="med" len="med"/>
+            <a:tailEnd type="none" w="med" len="med"/>
+          </a:ln>
+          <a:effectLst/>
+          <a:extLst>
+            <a:ext uri="{909E8E84-426E-40DD-AFC4-6F175D3DCCD1}">
+              <a14:hiddenFill xmlns:a14="http://schemas.microsoft.com/office/drawing/2010/main">
+                <a:solidFill>
+                  <a:schemeClr val="accent1"/>
+                </a:solidFill>
+              </a14:hiddenFill>
+            </a:ext>
+            <a:ext uri="{AF507438-7753-43E0-B8FC-AC1667EBCBE1}">
+              <a14:hiddenEffects xmlns:a14="http://schemas.microsoft.com/office/drawing/2010/main">
+                <a:effectLst>
+                  <a:outerShdw dist="35921" dir="2700000" algn="ctr" rotWithShape="0">
+                    <a:schemeClr val="bg2"/>
+                  </a:outerShdw>
+                </a:effectLst>
+              </a14:hiddenEffects>
+            </a:ext>
+          </a:extLst>
+        </p:spPr>
+        <p:txBody>
+          <a:bodyPr vert="horz" wrap="square" lIns="91440" tIns="45720" rIns="91440" bIns="0" numCol="1" rtlCol="0" anchor="t" anchorCtr="0" compatLnSpc="1">
+            <a:prstTxWarp prst="textNoShape">
+              <a:avLst/>
+            </a:prstTxWarp>
+          </a:bodyPr>
+          <a:lstStyle/>
+          <a:p>
+            <a:pPr marL="457200" marR="0" indent="-457200" algn="l" defTabSz="914400" rtl="0" eaLnBrk="1" fontAlgn="base" latinLnBrk="0" hangingPunct="1">
+              <a:lnSpc>
+                <a:spcPct val="100000"/>
+              </a:lnSpc>
+              <a:spcBef>
+                <a:spcPct val="20000"/>
+              </a:spcBef>
+              <a:spcAft>
+                <a:spcPct val="0"/>
+              </a:spcAft>
+              <a:buClr>
+                <a:srgbClr val="A50021"/>
+              </a:buClr>
+              <a:buSzPct val="75000"/>
+              <a:buFont typeface="Wingdings" pitchFamily="2" charset="2"/>
+              <a:buChar char="n"/>
+              <a:tabLst/>
+            </a:pPr>
+            <a:endParaRPr kumimoji="1" lang="ru-RU" sz="2000" b="0" i="0" u="none" strike="noStrike" cap="none" normalizeH="0" baseline="0" smtClean="0">
+              <a:ln>
+                <a:noFill/>
+              </a:ln>
+              <a:solidFill>
+                <a:schemeClr val="tx1"/>
+              </a:solidFill>
+              <a:effectLst/>
+              <a:latin typeface="Times New Roman" pitchFamily="18" charset="0"/>
+              <a:cs typeface="Times New Roman" pitchFamily="18" charset="0"/>
+            </a:endParaRPr>
+          </a:p>
+        </p:txBody>
+      </p:sp>
+      <p:sp>
+        <p:nvSpPr>
+          <p:cNvPr id="22" name="Выгнутая вниз стрелка 21"/>
+          <p:cNvSpPr/>
+          <p:nvPr/>
+        </p:nvSpPr>
+        <p:spPr bwMode="auto">
+          <a:xfrm flipH="1">
+            <a:off x="4872295" y="5419690"/>
+            <a:ext cx="1837353" cy="316424"/>
+          </a:xfrm>
+          <a:prstGeom prst="curvedUpArrow">
+            <a:avLst>
+              <a:gd name="adj1" fmla="val 25000"/>
+              <a:gd name="adj2" fmla="val 99465"/>
+              <a:gd name="adj3" fmla="val 25000"/>
+            </a:avLst>
+          </a:prstGeom>
+          <a:noFill/>
+          <a:ln w="19050" cap="flat" cmpd="sng" algn="ctr">
+            <a:solidFill>
+              <a:srgbClr val="FF0000"/>
+            </a:solidFill>
+            <a:prstDash val="solid"/>
+            <a:round/>
+            <a:headEnd type="none" w="med" len="med"/>
+            <a:tailEnd type="none" w="med" len="med"/>
+          </a:ln>
+          <a:effectLst/>
+          <a:extLst>
+            <a:ext uri="{909E8E84-426E-40DD-AFC4-6F175D3DCCD1}">
+              <a14:hiddenFill xmlns:a14="http://schemas.microsoft.com/office/drawing/2010/main">
+                <a:solidFill>
+                  <a:schemeClr val="accent1"/>
+                </a:solidFill>
+              </a14:hiddenFill>
+            </a:ext>
+            <a:ext uri="{AF507438-7753-43E0-B8FC-AC1667EBCBE1}">
+              <a14:hiddenEffects xmlns:a14="http://schemas.microsoft.com/office/drawing/2010/main">
+                <a:effectLst>
+                  <a:outerShdw dist="35921" dir="2700000" algn="ctr" rotWithShape="0">
+                    <a:schemeClr val="bg2"/>
+                  </a:outerShdw>
+                </a:effectLst>
+              </a14:hiddenEffects>
+            </a:ext>
+          </a:extLst>
+        </p:spPr>
+        <p:txBody>
+          <a:bodyPr vert="horz" wrap="square" lIns="91440" tIns="45720" rIns="91440" bIns="0" numCol="1" rtlCol="0" anchor="t" anchorCtr="0" compatLnSpc="1">
+            <a:prstTxWarp prst="textNoShape">
+              <a:avLst/>
+            </a:prstTxWarp>
+          </a:bodyPr>
+          <a:lstStyle/>
+          <a:p>
+            <a:pPr marL="457200" marR="0" indent="-457200" algn="l" defTabSz="914400" rtl="0" eaLnBrk="1" fontAlgn="base" latinLnBrk="0" hangingPunct="1">
+              <a:lnSpc>
+                <a:spcPct val="100000"/>
+              </a:lnSpc>
+              <a:spcBef>
+                <a:spcPct val="20000"/>
+              </a:spcBef>
+              <a:spcAft>
+                <a:spcPct val="0"/>
+              </a:spcAft>
+              <a:buClr>
+                <a:srgbClr val="A50021"/>
+              </a:buClr>
+              <a:buSzPct val="75000"/>
+              <a:buFont typeface="Wingdings" pitchFamily="2" charset="2"/>
+              <a:buChar char="n"/>
+              <a:tabLst/>
+            </a:pPr>
+            <a:endParaRPr kumimoji="1" lang="ru-RU" sz="2000" b="0" i="0" u="none" strike="noStrike" cap="none" normalizeH="0" baseline="0" smtClean="0">
+              <a:ln>
+                <a:noFill/>
+              </a:ln>
+              <a:solidFill>
+                <a:schemeClr val="tx1"/>
+              </a:solidFill>
+              <a:effectLst/>
+              <a:latin typeface="Times New Roman" pitchFamily="18" charset="0"/>
+              <a:cs typeface="Times New Roman" pitchFamily="18" charset="0"/>
+            </a:endParaRPr>
+          </a:p>
+        </p:txBody>
+      </p:sp>
+    </p:spTree>
+    <p:extLst>
+      <p:ext uri="{BB962C8B-B14F-4D97-AF65-F5344CB8AC3E}">
+        <p14:creationId xmlns:p14="http://schemas.microsoft.com/office/powerpoint/2010/main" val="4057042993"/>
+      </p:ext>
+    </p:extLst>
+  </p:cSld>
+  <p:clrMapOvr>
+    <a:masterClrMapping/>
+  </p:clrMapOvr>
+  <p:timing>
+    <p:tnLst>
+      <p:par>
+        <p:cTn id="1" dur="indefinite" restart="never" nodeType="tmRoot"/>
+      </p:par>
+    </p:tnLst>
+  </p:timing>
+</p:sld>
+</file>
+
+<file path=ppt/slides/slide9.xml><?xml version="1.0" encoding="utf-8"?>
+<p:sld xmlns:a="http://schemas.openxmlformats.org/drawingml/2006/main" xmlns:r="http://schemas.openxmlformats.org/officeDocument/2006/relationships" xmlns:p="http://schemas.openxmlformats.org/presentationml/2006/main">
+  <p:cSld>
+    <p:spTree>
+      <p:nvGrpSpPr>
+        <p:cNvPr id="1" name=""/>
+        <p:cNvGrpSpPr/>
+        <p:nvPr/>
+      </p:nvGrpSpPr>
+      <p:grpSpPr>
+        <a:xfrm>
+          <a:off x="0" y="0"/>
+          <a:ext cx="0" cy="0"/>
+          <a:chOff x="0" y="0"/>
+          <a:chExt cx="0" cy="0"/>
+        </a:xfrm>
+      </p:grpSpPr>
+      <p:sp>
+        <p:nvSpPr>
+          <p:cNvPr id="19" name="Заголовок 1"/>
+          <p:cNvSpPr txBox="1">
+            <a:spLocks/>
+          </p:cNvSpPr>
+          <p:nvPr/>
+        </p:nvSpPr>
+        <p:spPr>
+          <a:xfrm>
+            <a:off x="0" y="701874"/>
+            <a:ext cx="9144000" cy="1008112"/>
+          </a:xfrm>
+          <a:prstGeom prst="rect">
+            <a:avLst/>
+          </a:prstGeom>
+        </p:spPr>
+        <p:txBody>
+          <a:bodyPr/>
+          <a:lstStyle>
+            <a:lvl1pPr algn="l" rtl="0" fontAlgn="base">
+              <a:spcBef>
+                <a:spcPct val="0"/>
+              </a:spcBef>
+              <a:spcAft>
+                <a:spcPct val="0"/>
+              </a:spcAft>
+              <a:defRPr sz="4400">
+                <a:solidFill>
+                  <a:schemeClr val="tx2"/>
+                </a:solidFill>
+                <a:latin typeface="+mj-lt"/>
+                <a:ea typeface="+mj-ea"/>
+                <a:cs typeface="+mj-cs"/>
+              </a:defRPr>
+            </a:lvl1pPr>
+            <a:lvl2pPr algn="l" rtl="0" fontAlgn="base">
+              <a:spcBef>
+                <a:spcPct val="0"/>
+              </a:spcBef>
+              <a:spcAft>
+                <a:spcPct val="0"/>
+              </a:spcAft>
+              <a:defRPr sz="4400">
+                <a:solidFill>
+                  <a:schemeClr val="tx2"/>
+                </a:solidFill>
+                <a:latin typeface="Times New Roman" pitchFamily="18" charset="0"/>
+              </a:defRPr>
+            </a:lvl2pPr>
+            <a:lvl3pPr algn="l" rtl="0" fontAlgn="base">
+              <a:spcBef>
+                <a:spcPct val="0"/>
+              </a:spcBef>
+              <a:spcAft>
+                <a:spcPct val="0"/>
+              </a:spcAft>
+              <a:defRPr sz="4400">
+                <a:solidFill>
+                  <a:schemeClr val="tx2"/>
+                </a:solidFill>
+                <a:latin typeface="Times New Roman" pitchFamily="18" charset="0"/>
+              </a:defRPr>
+            </a:lvl3pPr>
+            <a:lvl4pPr algn="l" rtl="0" fontAlgn="base">
+              <a:spcBef>
+                <a:spcPct val="0"/>
+              </a:spcBef>
+              <a:spcAft>
+                <a:spcPct val="0"/>
+              </a:spcAft>
+              <a:defRPr sz="4400">
+                <a:solidFill>
+                  <a:schemeClr val="tx2"/>
+                </a:solidFill>
+                <a:latin typeface="Times New Roman" pitchFamily="18" charset="0"/>
+              </a:defRPr>
+            </a:lvl4pPr>
+            <a:lvl5pPr algn="l" rtl="0" fontAlgn="base">
+              <a:spcBef>
+                <a:spcPct val="0"/>
+              </a:spcBef>
+              <a:spcAft>
+                <a:spcPct val="0"/>
+              </a:spcAft>
+              <a:defRPr sz="4400">
+                <a:solidFill>
+                  <a:schemeClr val="tx2"/>
+                </a:solidFill>
+                <a:latin typeface="Times New Roman" pitchFamily="18" charset="0"/>
+              </a:defRPr>
+            </a:lvl5pPr>
+            <a:lvl6pPr marL="457200" algn="l" rtl="0" fontAlgn="base">
+              <a:spcBef>
+                <a:spcPct val="0"/>
+              </a:spcBef>
+              <a:spcAft>
+                <a:spcPct val="0"/>
+              </a:spcAft>
+              <a:defRPr sz="4400">
+                <a:solidFill>
+                  <a:schemeClr val="tx2"/>
+                </a:solidFill>
+                <a:latin typeface="Times New Roman" pitchFamily="18" charset="0"/>
+              </a:defRPr>
+            </a:lvl6pPr>
+            <a:lvl7pPr marL="914400" algn="l" rtl="0" fontAlgn="base">
+              <a:spcBef>
+                <a:spcPct val="0"/>
+              </a:spcBef>
+              <a:spcAft>
+                <a:spcPct val="0"/>
+              </a:spcAft>
+              <a:defRPr sz="4400">
+                <a:solidFill>
+                  <a:schemeClr val="tx2"/>
+                </a:solidFill>
+                <a:latin typeface="Times New Roman" pitchFamily="18" charset="0"/>
+              </a:defRPr>
+            </a:lvl7pPr>
+            <a:lvl8pPr marL="1371600" algn="l" rtl="0" fontAlgn="base">
+              <a:spcBef>
+                <a:spcPct val="0"/>
+              </a:spcBef>
+              <a:spcAft>
+                <a:spcPct val="0"/>
+              </a:spcAft>
+              <a:defRPr sz="4400">
+                <a:solidFill>
+                  <a:schemeClr val="tx2"/>
+                </a:solidFill>
+                <a:latin typeface="Times New Roman" pitchFamily="18" charset="0"/>
+              </a:defRPr>
+            </a:lvl8pPr>
+            <a:lvl9pPr marL="1828800" algn="l" rtl="0" fontAlgn="base">
+              <a:spcBef>
+                <a:spcPct val="0"/>
+              </a:spcBef>
+              <a:spcAft>
+                <a:spcPct val="0"/>
+              </a:spcAft>
+              <a:defRPr sz="4400">
+                <a:solidFill>
+                  <a:schemeClr val="tx2"/>
+                </a:solidFill>
+                <a:latin typeface="Times New Roman" pitchFamily="18" charset="0"/>
+              </a:defRPr>
+            </a:lvl9pPr>
+          </a:lstStyle>
+          <a:p>
+            <a:pPr algn="ctr">
+              <a:buClrTx/>
+              <a:buSzTx/>
+              <a:buFontTx/>
+              <a:buNone/>
+            </a:pPr>
+            <a:r>
+              <a:rPr kumimoji="0" lang="en-US" altLang="ru-RU" b="1" kern="0" dirty="0" smtClean="0"/>
+              <a:t>PNAT (Port + NAT)</a:t>
+            </a:r>
+            <a:endParaRPr kumimoji="0" lang="en-US" altLang="ru-RU" b="1" kern="0" dirty="0" smtClean="0"/>
+          </a:p>
+        </p:txBody>
+      </p:sp>
+      <p:sp>
+        <p:nvSpPr>
+          <p:cNvPr id="2" name="AutoShape 4" descr="Router | Cisco Network Topology Icons 3015"/>
+          <p:cNvSpPr>
+            <a:spLocks noChangeAspect="1" noChangeArrowheads="1"/>
+          </p:cNvSpPr>
+          <p:nvPr/>
+        </p:nvSpPr>
+        <p:spPr bwMode="auto">
+          <a:xfrm>
+            <a:off x="155575" y="-144463"/>
+            <a:ext cx="304800" cy="304801"/>
+          </a:xfrm>
+          <a:prstGeom prst="rect">
+            <a:avLst/>
+          </a:prstGeom>
+          <a:noFill/>
+          <a:extLst>
+            <a:ext uri="{909E8E84-426E-40DD-AFC4-6F175D3DCCD1}">
+              <a14:hiddenFill xmlns:a14="http://schemas.microsoft.com/office/drawing/2010/main">
+                <a:solidFill>
+                  <a:srgbClr val="FFFFFF"/>
+                </a:solidFill>
+              </a14:hiddenFill>
+            </a:ext>
+          </a:extLst>
+        </p:spPr>
+        <p:txBody>
+          <a:bodyPr vert="horz" wrap="square" lIns="91440" tIns="45720" rIns="91440" bIns="45720" numCol="1" anchor="t" anchorCtr="0" compatLnSpc="1">
+            <a:prstTxWarp prst="textNoShape">
+              <a:avLst/>
+            </a:prstTxWarp>
+          </a:bodyPr>
+          <a:lstStyle/>
+          <a:p>
+            <a:endParaRPr lang="ru-RU"/>
+          </a:p>
+        </p:txBody>
+      </p:sp>
+      <p:sp>
+        <p:nvSpPr>
+          <p:cNvPr id="3" name="AutoShape 6" descr="Router | Cisco Network Topology Icons 3015"/>
+          <p:cNvSpPr>
+            <a:spLocks noChangeAspect="1" noChangeArrowheads="1"/>
+          </p:cNvSpPr>
+          <p:nvPr/>
+        </p:nvSpPr>
+        <p:spPr bwMode="auto">
+          <a:xfrm>
+            <a:off x="307975" y="7937"/>
+            <a:ext cx="304800" cy="304801"/>
+          </a:xfrm>
+          <a:prstGeom prst="rect">
+            <a:avLst/>
+          </a:prstGeom>
+          <a:noFill/>
+          <a:extLst>
+            <a:ext uri="{909E8E84-426E-40DD-AFC4-6F175D3DCCD1}">
+              <a14:hiddenFill xmlns:a14="http://schemas.microsoft.com/office/drawing/2010/main">
+                <a:solidFill>
+                  <a:srgbClr val="FFFFFF"/>
+                </a:solidFill>
+              </a14:hiddenFill>
+            </a:ext>
+          </a:extLst>
+        </p:spPr>
+        <p:txBody>
+          <a:bodyPr vert="horz" wrap="square" lIns="91440" tIns="45720" rIns="91440" bIns="45720" numCol="1" anchor="t" anchorCtr="0" compatLnSpc="1">
+            <a:prstTxWarp prst="textNoShape">
+              <a:avLst/>
+            </a:prstTxWarp>
+          </a:bodyPr>
+          <a:lstStyle/>
+          <a:p>
+            <a:endParaRPr lang="ru-RU"/>
+          </a:p>
+        </p:txBody>
+      </p:sp>
+      <p:sp>
+        <p:nvSpPr>
+          <p:cNvPr id="5" name="AutoShape 16" descr="Internet Cloud icon PNG and SVG Vector Free Download"/>
+          <p:cNvSpPr>
+            <a:spLocks noChangeAspect="1" noChangeArrowheads="1"/>
+          </p:cNvSpPr>
+          <p:nvPr/>
+        </p:nvSpPr>
+        <p:spPr bwMode="auto">
+          <a:xfrm>
+            <a:off x="155575" y="-822325"/>
+            <a:ext cx="1943100" cy="1714500"/>
+          </a:xfrm>
+          <a:prstGeom prst="rect">
+            <a:avLst/>
+          </a:prstGeom>
+          <a:noFill/>
+          <a:extLst>
+            <a:ext uri="{909E8E84-426E-40DD-AFC4-6F175D3DCCD1}">
+              <a14:hiddenFill xmlns:a14="http://schemas.microsoft.com/office/drawing/2010/main">
+                <a:solidFill>
+                  <a:srgbClr val="FFFFFF"/>
+                </a:solidFill>
+              </a14:hiddenFill>
+            </a:ext>
+          </a:extLst>
+        </p:spPr>
+        <p:txBody>
+          <a:bodyPr vert="horz" wrap="square" lIns="91440" tIns="45720" rIns="91440" bIns="45720" numCol="1" anchor="t" anchorCtr="0" compatLnSpc="1">
+            <a:prstTxWarp prst="textNoShape">
+              <a:avLst/>
+            </a:prstTxWarp>
+          </a:bodyPr>
+          <a:lstStyle/>
+          <a:p>
+            <a:endParaRPr lang="ru-RU"/>
+          </a:p>
+        </p:txBody>
+      </p:sp>
+      <p:sp>
+        <p:nvSpPr>
+          <p:cNvPr id="10" name="AutoShape 4" descr="Достаточно одной таблетки», или фармакология конца света"/>
+          <p:cNvSpPr>
+            <a:spLocks noChangeAspect="1" noChangeArrowheads="1"/>
+          </p:cNvSpPr>
+          <p:nvPr/>
+        </p:nvSpPr>
+        <p:spPr bwMode="auto">
+          <a:xfrm>
+            <a:off x="460375" y="160337"/>
+            <a:ext cx="304800" cy="304801"/>
+          </a:xfrm>
+          <a:prstGeom prst="rect">
+            <a:avLst/>
+          </a:prstGeom>
+          <a:noFill/>
+          <a:extLst>
+            <a:ext uri="{909E8E84-426E-40DD-AFC4-6F175D3DCCD1}">
+              <a14:hiddenFill xmlns:a14="http://schemas.microsoft.com/office/drawing/2010/main">
+                <a:solidFill>
+                  <a:srgbClr val="FFFFFF"/>
+                </a:solidFill>
+              </a14:hiddenFill>
+            </a:ext>
+          </a:extLst>
+        </p:spPr>
+        <p:txBody>
+          <a:bodyPr vert="horz" wrap="square" lIns="91440" tIns="45720" rIns="91440" bIns="45720" numCol="1" anchor="t" anchorCtr="0" compatLnSpc="1">
+            <a:prstTxWarp prst="textNoShape">
+              <a:avLst/>
+            </a:prstTxWarp>
+          </a:bodyPr>
+          <a:lstStyle/>
+          <a:p>
+            <a:endParaRPr lang="ru-RU"/>
+          </a:p>
+        </p:txBody>
+      </p:sp>
+      <p:pic>
+        <p:nvPicPr>
+          <p:cNvPr id="2056" name="Picture 8" descr="Фото в бортжурнале BMW X5 (E53)"/>
+          <p:cNvPicPr>
+            <a:picLocks noChangeAspect="1" noChangeArrowheads="1"/>
+          </p:cNvPicPr>
+          <p:nvPr/>
+        </p:nvPicPr>
+        <p:blipFill>
+          <a:blip r:embed="rId2">
+            <a:extLst>
+              <a:ext uri="{28A0092B-C50C-407E-A947-70E740481C1C}">
+                <a14:useLocalDpi xmlns:a14="http://schemas.microsoft.com/office/drawing/2010/main" val="0"/>
+              </a:ext>
+            </a:extLst>
+          </a:blip>
+          <a:srcRect/>
+          <a:stretch>
+            <a:fillRect/>
+          </a:stretch>
+        </p:blipFill>
+        <p:spPr bwMode="auto">
+          <a:xfrm>
+            <a:off x="765175" y="1916617"/>
+            <a:ext cx="7958540" cy="4815358"/>
+          </a:xfrm>
+          <a:prstGeom prst="rect">
+            <a:avLst/>
+          </a:prstGeom>
+          <a:noFill/>
+          <a:extLst>
+            <a:ext uri="{909E8E84-426E-40DD-AFC4-6F175D3DCCD1}">
+              <a14:hiddenFill xmlns:a14="http://schemas.microsoft.com/office/drawing/2010/main">
+                <a:solidFill>
+                  <a:srgbClr val="FFFFFF"/>
+                </a:solidFill>
+              </a14:hiddenFill>
+            </a:ext>
+          </a:extLst>
+        </p:spPr>
+      </p:pic>
+      <p:sp>
+        <p:nvSpPr>
+          <p:cNvPr id="14" name="TextBox 13"/>
+          <p:cNvSpPr txBox="1"/>
+          <p:nvPr/>
+        </p:nvSpPr>
+        <p:spPr>
+          <a:xfrm>
+            <a:off x="2174292" y="1364532"/>
+            <a:ext cx="4795415" cy="338554"/>
+          </a:xfrm>
+          <a:prstGeom prst="rect">
+            <a:avLst/>
+          </a:prstGeom>
+          <a:noFill/>
+        </p:spPr>
+        <p:txBody>
+          <a:bodyPr wrap="none" rtlCol="0">
+            <a:spAutoFit/>
+          </a:bodyPr>
+          <a:lstStyle/>
+          <a:p>
+            <a:pPr>
+              <a:buNone/>
+            </a:pPr>
+            <a:r>
+              <a:rPr lang="ru-RU" sz="1600" dirty="0" smtClean="0"/>
+              <a:t>Он же: </a:t>
+            </a:r>
+            <a:r>
+              <a:rPr lang="en-US" sz="1600" dirty="0" smtClean="0"/>
+              <a:t>NAPT, PAT, NAT overload, PAT, Masquerade…</a:t>
+            </a:r>
+            <a:endParaRPr lang="ru-RU" sz="1600" dirty="0"/>
+          </a:p>
+        </p:txBody>
+      </p:sp>
+    </p:spTree>
+    <p:extLst>
+      <p:ext uri="{BB962C8B-B14F-4D97-AF65-F5344CB8AC3E}">
+        <p14:creationId xmlns:p14="http://schemas.microsoft.com/office/powerpoint/2010/main" val="3220814308"/>
       </p:ext>
     </p:extLst>
   </p:cSld>

--- a/lecture/nat.pptx
+++ b/lecture/nat.pptx
@@ -5,7 +5,7 @@
     <p:sldMasterId id="2147483649" r:id="rId1"/>
   </p:sldMasterIdLst>
   <p:notesMasterIdLst>
-    <p:notesMasterId r:id="rId12"/>
+    <p:notesMasterId r:id="rId19"/>
   </p:notesMasterIdLst>
   <p:sldIdLst>
     <p:sldId id="312" r:id="rId2"/>
@@ -18,6 +18,13 @@
     <p:sldId id="319" r:id="rId9"/>
     <p:sldId id="320" r:id="rId10"/>
     <p:sldId id="321" r:id="rId11"/>
+    <p:sldId id="322" r:id="rId12"/>
+    <p:sldId id="323" r:id="rId13"/>
+    <p:sldId id="324" r:id="rId14"/>
+    <p:sldId id="325" r:id="rId15"/>
+    <p:sldId id="326" r:id="rId16"/>
+    <p:sldId id="327" r:id="rId17"/>
+    <p:sldId id="328" r:id="rId18"/>
   </p:sldIdLst>
   <p:sldSz cx="9144000" cy="6858000" type="screen4x3"/>
   <p:notesSz cx="6858000" cy="9144000"/>
@@ -5472,7 +5479,6 @@
               <a:rPr kumimoji="0" lang="en-US" altLang="ru-RU" b="1" kern="0" dirty="0" smtClean="0"/>
               <a:t>PNAT (Port + NAT)</a:t>
             </a:r>
-            <a:endParaRPr kumimoji="0" lang="en-US" altLang="ru-RU" b="1" kern="0" dirty="0" smtClean="0"/>
           </a:p>
         </p:txBody>
       </p:sp>
@@ -6798,6 +6804,6033 @@
 </p:sld>
 </file>
 
+<file path=ppt/slides/slide11.xml><?xml version="1.0" encoding="utf-8"?>
+<p:sld xmlns:a="http://schemas.openxmlformats.org/drawingml/2006/main" xmlns:r="http://schemas.openxmlformats.org/officeDocument/2006/relationships" xmlns:p="http://schemas.openxmlformats.org/presentationml/2006/main">
+  <p:cSld>
+    <p:spTree>
+      <p:nvGrpSpPr>
+        <p:cNvPr id="1" name=""/>
+        <p:cNvGrpSpPr/>
+        <p:nvPr/>
+      </p:nvGrpSpPr>
+      <p:grpSpPr>
+        <a:xfrm>
+          <a:off x="0" y="0"/>
+          <a:ext cx="0" cy="0"/>
+          <a:chOff x="0" y="0"/>
+          <a:chExt cx="0" cy="0"/>
+        </a:xfrm>
+      </p:grpSpPr>
+      <p:sp>
+        <p:nvSpPr>
+          <p:cNvPr id="19" name="Заголовок 1"/>
+          <p:cNvSpPr txBox="1">
+            <a:spLocks/>
+          </p:cNvSpPr>
+          <p:nvPr/>
+        </p:nvSpPr>
+        <p:spPr>
+          <a:xfrm>
+            <a:off x="0" y="701874"/>
+            <a:ext cx="9144000" cy="1008112"/>
+          </a:xfrm>
+          <a:prstGeom prst="rect">
+            <a:avLst/>
+          </a:prstGeom>
+        </p:spPr>
+        <p:txBody>
+          <a:bodyPr/>
+          <a:lstStyle>
+            <a:lvl1pPr algn="l" rtl="0" fontAlgn="base">
+              <a:spcBef>
+                <a:spcPct val="0"/>
+              </a:spcBef>
+              <a:spcAft>
+                <a:spcPct val="0"/>
+              </a:spcAft>
+              <a:defRPr sz="4400">
+                <a:solidFill>
+                  <a:schemeClr val="tx2"/>
+                </a:solidFill>
+                <a:latin typeface="+mj-lt"/>
+                <a:ea typeface="+mj-ea"/>
+                <a:cs typeface="+mj-cs"/>
+              </a:defRPr>
+            </a:lvl1pPr>
+            <a:lvl2pPr algn="l" rtl="0" fontAlgn="base">
+              <a:spcBef>
+                <a:spcPct val="0"/>
+              </a:spcBef>
+              <a:spcAft>
+                <a:spcPct val="0"/>
+              </a:spcAft>
+              <a:defRPr sz="4400">
+                <a:solidFill>
+                  <a:schemeClr val="tx2"/>
+                </a:solidFill>
+                <a:latin typeface="Times New Roman" pitchFamily="18" charset="0"/>
+              </a:defRPr>
+            </a:lvl2pPr>
+            <a:lvl3pPr algn="l" rtl="0" fontAlgn="base">
+              <a:spcBef>
+                <a:spcPct val="0"/>
+              </a:spcBef>
+              <a:spcAft>
+                <a:spcPct val="0"/>
+              </a:spcAft>
+              <a:defRPr sz="4400">
+                <a:solidFill>
+                  <a:schemeClr val="tx2"/>
+                </a:solidFill>
+                <a:latin typeface="Times New Roman" pitchFamily="18" charset="0"/>
+              </a:defRPr>
+            </a:lvl3pPr>
+            <a:lvl4pPr algn="l" rtl="0" fontAlgn="base">
+              <a:spcBef>
+                <a:spcPct val="0"/>
+              </a:spcBef>
+              <a:spcAft>
+                <a:spcPct val="0"/>
+              </a:spcAft>
+              <a:defRPr sz="4400">
+                <a:solidFill>
+                  <a:schemeClr val="tx2"/>
+                </a:solidFill>
+                <a:latin typeface="Times New Roman" pitchFamily="18" charset="0"/>
+              </a:defRPr>
+            </a:lvl4pPr>
+            <a:lvl5pPr algn="l" rtl="0" fontAlgn="base">
+              <a:spcBef>
+                <a:spcPct val="0"/>
+              </a:spcBef>
+              <a:spcAft>
+                <a:spcPct val="0"/>
+              </a:spcAft>
+              <a:defRPr sz="4400">
+                <a:solidFill>
+                  <a:schemeClr val="tx2"/>
+                </a:solidFill>
+                <a:latin typeface="Times New Roman" pitchFamily="18" charset="0"/>
+              </a:defRPr>
+            </a:lvl5pPr>
+            <a:lvl6pPr marL="457200" algn="l" rtl="0" fontAlgn="base">
+              <a:spcBef>
+                <a:spcPct val="0"/>
+              </a:spcBef>
+              <a:spcAft>
+                <a:spcPct val="0"/>
+              </a:spcAft>
+              <a:defRPr sz="4400">
+                <a:solidFill>
+                  <a:schemeClr val="tx2"/>
+                </a:solidFill>
+                <a:latin typeface="Times New Roman" pitchFamily="18" charset="0"/>
+              </a:defRPr>
+            </a:lvl6pPr>
+            <a:lvl7pPr marL="914400" algn="l" rtl="0" fontAlgn="base">
+              <a:spcBef>
+                <a:spcPct val="0"/>
+              </a:spcBef>
+              <a:spcAft>
+                <a:spcPct val="0"/>
+              </a:spcAft>
+              <a:defRPr sz="4400">
+                <a:solidFill>
+                  <a:schemeClr val="tx2"/>
+                </a:solidFill>
+                <a:latin typeface="Times New Roman" pitchFamily="18" charset="0"/>
+              </a:defRPr>
+            </a:lvl7pPr>
+            <a:lvl8pPr marL="1371600" algn="l" rtl="0" fontAlgn="base">
+              <a:spcBef>
+                <a:spcPct val="0"/>
+              </a:spcBef>
+              <a:spcAft>
+                <a:spcPct val="0"/>
+              </a:spcAft>
+              <a:defRPr sz="4400">
+                <a:solidFill>
+                  <a:schemeClr val="tx2"/>
+                </a:solidFill>
+                <a:latin typeface="Times New Roman" pitchFamily="18" charset="0"/>
+              </a:defRPr>
+            </a:lvl8pPr>
+            <a:lvl9pPr marL="1828800" algn="l" rtl="0" fontAlgn="base">
+              <a:spcBef>
+                <a:spcPct val="0"/>
+              </a:spcBef>
+              <a:spcAft>
+                <a:spcPct val="0"/>
+              </a:spcAft>
+              <a:defRPr sz="4400">
+                <a:solidFill>
+                  <a:schemeClr val="tx2"/>
+                </a:solidFill>
+                <a:latin typeface="Times New Roman" pitchFamily="18" charset="0"/>
+              </a:defRPr>
+            </a:lvl9pPr>
+          </a:lstStyle>
+          <a:p>
+            <a:pPr algn="ctr">
+              <a:buClrTx/>
+              <a:buSzTx/>
+              <a:buFontTx/>
+              <a:buNone/>
+            </a:pPr>
+            <a:r>
+              <a:rPr kumimoji="0" lang="en-US" altLang="ru-RU" b="1" kern="0" dirty="0" smtClean="0"/>
+              <a:t>NAT </a:t>
+            </a:r>
+            <a:r>
+              <a:rPr kumimoji="0" lang="en-US" altLang="ru-RU" b="1" kern="0" dirty="0" err="1" smtClean="0"/>
+              <a:t>Flavours</a:t>
+            </a:r>
+            <a:endParaRPr kumimoji="0" lang="en-US" altLang="ru-RU" b="1" kern="0" dirty="0" smtClean="0"/>
+          </a:p>
+        </p:txBody>
+      </p:sp>
+      <p:sp>
+        <p:nvSpPr>
+          <p:cNvPr id="2" name="AutoShape 4" descr="Router | Cisco Network Topology Icons 3015"/>
+          <p:cNvSpPr>
+            <a:spLocks noChangeAspect="1" noChangeArrowheads="1"/>
+          </p:cNvSpPr>
+          <p:nvPr/>
+        </p:nvSpPr>
+        <p:spPr bwMode="auto">
+          <a:xfrm>
+            <a:off x="155575" y="-144463"/>
+            <a:ext cx="304800" cy="304801"/>
+          </a:xfrm>
+          <a:prstGeom prst="rect">
+            <a:avLst/>
+          </a:prstGeom>
+          <a:noFill/>
+          <a:extLst>
+            <a:ext uri="{909E8E84-426E-40DD-AFC4-6F175D3DCCD1}">
+              <a14:hiddenFill xmlns:a14="http://schemas.microsoft.com/office/drawing/2010/main">
+                <a:solidFill>
+                  <a:srgbClr val="FFFFFF"/>
+                </a:solidFill>
+              </a14:hiddenFill>
+            </a:ext>
+          </a:extLst>
+        </p:spPr>
+        <p:txBody>
+          <a:bodyPr vert="horz" wrap="square" lIns="91440" tIns="45720" rIns="91440" bIns="45720" numCol="1" anchor="t" anchorCtr="0" compatLnSpc="1">
+            <a:prstTxWarp prst="textNoShape">
+              <a:avLst/>
+            </a:prstTxWarp>
+          </a:bodyPr>
+          <a:lstStyle/>
+          <a:p>
+            <a:endParaRPr lang="ru-RU"/>
+          </a:p>
+        </p:txBody>
+      </p:sp>
+      <p:sp>
+        <p:nvSpPr>
+          <p:cNvPr id="3" name="AutoShape 6" descr="Router | Cisco Network Topology Icons 3015"/>
+          <p:cNvSpPr>
+            <a:spLocks noChangeAspect="1" noChangeArrowheads="1"/>
+          </p:cNvSpPr>
+          <p:nvPr/>
+        </p:nvSpPr>
+        <p:spPr bwMode="auto">
+          <a:xfrm>
+            <a:off x="307975" y="7937"/>
+            <a:ext cx="304800" cy="304801"/>
+          </a:xfrm>
+          <a:prstGeom prst="rect">
+            <a:avLst/>
+          </a:prstGeom>
+          <a:noFill/>
+          <a:extLst>
+            <a:ext uri="{909E8E84-426E-40DD-AFC4-6F175D3DCCD1}">
+              <a14:hiddenFill xmlns:a14="http://schemas.microsoft.com/office/drawing/2010/main">
+                <a:solidFill>
+                  <a:srgbClr val="FFFFFF"/>
+                </a:solidFill>
+              </a14:hiddenFill>
+            </a:ext>
+          </a:extLst>
+        </p:spPr>
+        <p:txBody>
+          <a:bodyPr vert="horz" wrap="square" lIns="91440" tIns="45720" rIns="91440" bIns="45720" numCol="1" anchor="t" anchorCtr="0" compatLnSpc="1">
+            <a:prstTxWarp prst="textNoShape">
+              <a:avLst/>
+            </a:prstTxWarp>
+          </a:bodyPr>
+          <a:lstStyle/>
+          <a:p>
+            <a:endParaRPr lang="ru-RU"/>
+          </a:p>
+        </p:txBody>
+      </p:sp>
+      <p:sp>
+        <p:nvSpPr>
+          <p:cNvPr id="5" name="AutoShape 16" descr="Internet Cloud icon PNG and SVG Vector Free Download"/>
+          <p:cNvSpPr>
+            <a:spLocks noChangeAspect="1" noChangeArrowheads="1"/>
+          </p:cNvSpPr>
+          <p:nvPr/>
+        </p:nvSpPr>
+        <p:spPr bwMode="auto">
+          <a:xfrm>
+            <a:off x="155575" y="-822325"/>
+            <a:ext cx="1943100" cy="1714500"/>
+          </a:xfrm>
+          <a:prstGeom prst="rect">
+            <a:avLst/>
+          </a:prstGeom>
+          <a:noFill/>
+          <a:extLst>
+            <a:ext uri="{909E8E84-426E-40DD-AFC4-6F175D3DCCD1}">
+              <a14:hiddenFill xmlns:a14="http://schemas.microsoft.com/office/drawing/2010/main">
+                <a:solidFill>
+                  <a:srgbClr val="FFFFFF"/>
+                </a:solidFill>
+              </a14:hiddenFill>
+            </a:ext>
+          </a:extLst>
+        </p:spPr>
+        <p:txBody>
+          <a:bodyPr vert="horz" wrap="square" lIns="91440" tIns="45720" rIns="91440" bIns="45720" numCol="1" anchor="t" anchorCtr="0" compatLnSpc="1">
+            <a:prstTxWarp prst="textNoShape">
+              <a:avLst/>
+            </a:prstTxWarp>
+          </a:bodyPr>
+          <a:lstStyle/>
+          <a:p>
+            <a:endParaRPr lang="ru-RU"/>
+          </a:p>
+        </p:txBody>
+      </p:sp>
+      <p:sp>
+        <p:nvSpPr>
+          <p:cNvPr id="10" name="AutoShape 4" descr="Достаточно одной таблетки», или фармакология конца света"/>
+          <p:cNvSpPr>
+            <a:spLocks noChangeAspect="1" noChangeArrowheads="1"/>
+          </p:cNvSpPr>
+          <p:nvPr/>
+        </p:nvSpPr>
+        <p:spPr bwMode="auto">
+          <a:xfrm>
+            <a:off x="460375" y="160337"/>
+            <a:ext cx="304800" cy="304801"/>
+          </a:xfrm>
+          <a:prstGeom prst="rect">
+            <a:avLst/>
+          </a:prstGeom>
+          <a:noFill/>
+          <a:extLst>
+            <a:ext uri="{909E8E84-426E-40DD-AFC4-6F175D3DCCD1}">
+              <a14:hiddenFill xmlns:a14="http://schemas.microsoft.com/office/drawing/2010/main">
+                <a:solidFill>
+                  <a:srgbClr val="FFFFFF"/>
+                </a:solidFill>
+              </a14:hiddenFill>
+            </a:ext>
+          </a:extLst>
+        </p:spPr>
+        <p:txBody>
+          <a:bodyPr vert="horz" wrap="square" lIns="91440" tIns="45720" rIns="91440" bIns="45720" numCol="1" anchor="t" anchorCtr="0" compatLnSpc="1">
+            <a:prstTxWarp prst="textNoShape">
+              <a:avLst/>
+            </a:prstTxWarp>
+          </a:bodyPr>
+          <a:lstStyle/>
+          <a:p>
+            <a:endParaRPr lang="ru-RU"/>
+          </a:p>
+        </p:txBody>
+      </p:sp>
+      <p:sp>
+        <p:nvSpPr>
+          <p:cNvPr id="6" name="TextBox 5"/>
+          <p:cNvSpPr txBox="1"/>
+          <p:nvPr/>
+        </p:nvSpPr>
+        <p:spPr>
+          <a:xfrm>
+            <a:off x="539552" y="1459338"/>
+            <a:ext cx="8496944" cy="830997"/>
+          </a:xfrm>
+          <a:prstGeom prst="rect">
+            <a:avLst/>
+          </a:prstGeom>
+          <a:noFill/>
+        </p:spPr>
+        <p:txBody>
+          <a:bodyPr wrap="square" rtlCol="0">
+            <a:spAutoFit/>
+          </a:bodyPr>
+          <a:lstStyle/>
+          <a:p>
+            <a:pPr algn="just">
+              <a:buNone/>
+            </a:pPr>
+            <a:r>
+              <a:rPr lang="en-US" sz="1600" dirty="0"/>
+              <a:t>NAT (</a:t>
+            </a:r>
+            <a:r>
+              <a:rPr lang="ru-RU" sz="1600" dirty="0"/>
+              <a:t>от англ. </a:t>
+            </a:r>
+            <a:r>
+              <a:rPr lang="en-US" sz="1600" dirty="0"/>
+              <a:t>Network Address Translation — «</a:t>
+            </a:r>
+            <a:r>
+              <a:rPr lang="ru-RU" sz="1600" dirty="0"/>
+              <a:t>преобразование сетевых адресов») — это механизм в сетях </a:t>
+            </a:r>
+            <a:r>
+              <a:rPr lang="en-US" sz="1600" dirty="0"/>
+              <a:t>TCP/IP, </a:t>
+            </a:r>
+            <a:r>
+              <a:rPr lang="ru-RU" sz="1600" dirty="0"/>
+              <a:t>позволяющий преобразовывать </a:t>
+            </a:r>
+            <a:r>
+              <a:rPr lang="en-US" sz="1600" dirty="0"/>
+              <a:t>IP-</a:t>
+            </a:r>
+            <a:r>
+              <a:rPr lang="ru-RU" sz="1600" dirty="0"/>
+              <a:t>адреса транзитных пакетов. Также имеет названия </a:t>
+            </a:r>
+            <a:r>
+              <a:rPr lang="en-US" sz="1600" dirty="0"/>
+              <a:t>IP Masquerading, Network Masquerading </a:t>
+            </a:r>
+            <a:r>
+              <a:rPr lang="ru-RU" sz="1600" dirty="0"/>
+              <a:t>и </a:t>
+            </a:r>
+            <a:r>
+              <a:rPr lang="en-US" sz="1600" dirty="0"/>
+              <a:t>Native Address Translation.</a:t>
+            </a:r>
+            <a:endParaRPr lang="ru-RU" sz="1600" dirty="0"/>
+          </a:p>
+        </p:txBody>
+      </p:sp>
+      <p:graphicFrame>
+        <p:nvGraphicFramePr>
+          <p:cNvPr id="7" name="Таблица 6"/>
+          <p:cNvGraphicFramePr>
+            <a:graphicFrameLocks noGrp="1"/>
+          </p:cNvGraphicFramePr>
+          <p:nvPr>
+            <p:extLst>
+              <p:ext uri="{D42A27DB-BD31-4B8C-83A1-F6EECF244321}">
+                <p14:modId xmlns:p14="http://schemas.microsoft.com/office/powerpoint/2010/main" val="3685539408"/>
+              </p:ext>
+            </p:extLst>
+          </p:nvPr>
+        </p:nvGraphicFramePr>
+        <p:xfrm>
+          <a:off x="2627784" y="3789040"/>
+          <a:ext cx="4507230" cy="1188720"/>
+        </p:xfrm>
+        <a:graphic>
+          <a:graphicData uri="http://schemas.openxmlformats.org/drawingml/2006/table">
+            <a:tbl>
+              <a:tblPr bandRow="1">
+                <a:tableStyleId>{AF606853-7671-496A-8E4F-DF71F8EC918B}</a:tableStyleId>
+              </a:tblPr>
+              <a:tblGrid>
+                <a:gridCol w="2032000">
+                  <a:extLst>
+                    <a:ext uri="{9D8B030D-6E8A-4147-A177-3AD203B41FA5}">
+                      <a16:colId xmlns:a16="http://schemas.microsoft.com/office/drawing/2014/main" val="407044065"/>
+                    </a:ext>
+                  </a:extLst>
+                </a:gridCol>
+                <a:gridCol w="443230">
+                  <a:extLst>
+                    <a:ext uri="{9D8B030D-6E8A-4147-A177-3AD203B41FA5}">
+                      <a16:colId xmlns:a16="http://schemas.microsoft.com/office/drawing/2014/main" val="8838960"/>
+                    </a:ext>
+                  </a:extLst>
+                </a:gridCol>
+                <a:gridCol w="2032000">
+                  <a:extLst>
+                    <a:ext uri="{9D8B030D-6E8A-4147-A177-3AD203B41FA5}">
+                      <a16:colId xmlns:a16="http://schemas.microsoft.com/office/drawing/2014/main" val="378405755"/>
+                    </a:ext>
+                  </a:extLst>
+                </a:gridCol>
+              </a:tblGrid>
+              <a:tr h="370840">
+                <a:tc>
+                  <a:txBody>
+                    <a:bodyPr/>
+                    <a:lstStyle/>
+                    <a:p>
+                      <a:pPr algn="r"/>
+                      <a:r>
+                        <a:rPr lang="en-US" sz="2000" u="sng" dirty="0" smtClean="0"/>
+                        <a:t>S</a:t>
+                      </a:r>
+                      <a:r>
+                        <a:rPr lang="en-US" sz="2000" dirty="0" smtClean="0"/>
+                        <a:t>ymmetric</a:t>
+                      </a:r>
+                      <a:endParaRPr lang="ru-RU" sz="2000" dirty="0"/>
+                    </a:p>
+                  </a:txBody>
+                  <a:tcPr/>
+                </a:tc>
+                <a:tc>
+                  <a:txBody>
+                    <a:bodyPr/>
+                    <a:lstStyle/>
+                    <a:p>
+                      <a:pPr algn="ctr"/>
+                      <a:r>
+                        <a:rPr lang="en-US" sz="2000" dirty="0" smtClean="0"/>
+                        <a:t>vs</a:t>
+                      </a:r>
+                      <a:endParaRPr lang="ru-RU" sz="2000" dirty="0"/>
+                    </a:p>
+                  </a:txBody>
+                  <a:tcPr/>
+                </a:tc>
+                <a:tc>
+                  <a:txBody>
+                    <a:bodyPr/>
+                    <a:lstStyle/>
+                    <a:p>
+                      <a:r>
+                        <a:rPr lang="en-US" sz="2000" u="sng" dirty="0" smtClean="0"/>
+                        <a:t>D</a:t>
+                      </a:r>
+                      <a:r>
+                        <a:rPr lang="en-US" sz="2000" dirty="0" smtClean="0"/>
+                        <a:t>irected</a:t>
+                      </a:r>
+                      <a:endParaRPr lang="ru-RU" sz="2000" dirty="0"/>
+                    </a:p>
+                  </a:txBody>
+                  <a:tcPr/>
+                </a:tc>
+                <a:extLst>
+                  <a:ext uri="{0D108BD9-81ED-4DB2-BD59-A6C34878D82A}">
+                    <a16:rowId xmlns:a16="http://schemas.microsoft.com/office/drawing/2014/main" val="3702299775"/>
+                  </a:ext>
+                </a:extLst>
+              </a:tr>
+              <a:tr h="370840">
+                <a:tc>
+                  <a:txBody>
+                    <a:bodyPr/>
+                    <a:lstStyle/>
+                    <a:p>
+                      <a:pPr algn="r"/>
+                      <a:r>
+                        <a:rPr lang="en-US" sz="2000" u="sng" dirty="0" smtClean="0"/>
+                        <a:t>S</a:t>
+                      </a:r>
+                      <a:r>
+                        <a:rPr lang="en-US" sz="2000" dirty="0" smtClean="0"/>
+                        <a:t>ource</a:t>
+                      </a:r>
+                      <a:endParaRPr lang="ru-RU" sz="2000" dirty="0"/>
+                    </a:p>
+                  </a:txBody>
+                  <a:tcPr/>
+                </a:tc>
+                <a:tc>
+                  <a:txBody>
+                    <a:bodyPr/>
+                    <a:lstStyle/>
+                    <a:p>
+                      <a:pPr algn="ctr"/>
+                      <a:r>
+                        <a:rPr lang="en-US" sz="2000" dirty="0" smtClean="0"/>
+                        <a:t>vs</a:t>
+                      </a:r>
+                      <a:endParaRPr lang="ru-RU" sz="2000" dirty="0"/>
+                    </a:p>
+                  </a:txBody>
+                  <a:tcPr/>
+                </a:tc>
+                <a:tc>
+                  <a:txBody>
+                    <a:bodyPr/>
+                    <a:lstStyle/>
+                    <a:p>
+                      <a:r>
+                        <a:rPr lang="en-US" sz="2000" u="sng" dirty="0" smtClean="0"/>
+                        <a:t>D</a:t>
+                      </a:r>
+                      <a:r>
+                        <a:rPr lang="en-US" sz="2000" dirty="0" smtClean="0"/>
+                        <a:t>estination</a:t>
+                      </a:r>
+                      <a:endParaRPr lang="ru-RU" sz="2000" dirty="0"/>
+                    </a:p>
+                  </a:txBody>
+                  <a:tcPr/>
+                </a:tc>
+                <a:extLst>
+                  <a:ext uri="{0D108BD9-81ED-4DB2-BD59-A6C34878D82A}">
+                    <a16:rowId xmlns:a16="http://schemas.microsoft.com/office/drawing/2014/main" val="1379097494"/>
+                  </a:ext>
+                </a:extLst>
+              </a:tr>
+              <a:tr h="370840">
+                <a:tc>
+                  <a:txBody>
+                    <a:bodyPr/>
+                    <a:lstStyle/>
+                    <a:p>
+                      <a:pPr algn="r"/>
+                      <a:r>
+                        <a:rPr lang="en-US" sz="2000" u="sng" dirty="0" smtClean="0"/>
+                        <a:t>S</a:t>
+                      </a:r>
+                      <a:r>
+                        <a:rPr lang="en-US" sz="2000" dirty="0" smtClean="0"/>
+                        <a:t>tatic</a:t>
+                      </a:r>
+                      <a:endParaRPr lang="ru-RU" sz="2000" dirty="0"/>
+                    </a:p>
+                  </a:txBody>
+                  <a:tcPr/>
+                </a:tc>
+                <a:tc>
+                  <a:txBody>
+                    <a:bodyPr/>
+                    <a:lstStyle/>
+                    <a:p>
+                      <a:pPr algn="ctr"/>
+                      <a:r>
+                        <a:rPr lang="en-US" sz="2000" dirty="0" smtClean="0"/>
+                        <a:t>vs</a:t>
+                      </a:r>
+                      <a:endParaRPr lang="ru-RU" sz="2000" dirty="0"/>
+                    </a:p>
+                  </a:txBody>
+                  <a:tcPr/>
+                </a:tc>
+                <a:tc>
+                  <a:txBody>
+                    <a:bodyPr/>
+                    <a:lstStyle/>
+                    <a:p>
+                      <a:r>
+                        <a:rPr lang="en-US" sz="2000" u="sng" dirty="0" smtClean="0"/>
+                        <a:t>D</a:t>
+                      </a:r>
+                      <a:r>
+                        <a:rPr lang="en-US" sz="2000" dirty="0" smtClean="0"/>
+                        <a:t>ynamic</a:t>
+                      </a:r>
+                      <a:endParaRPr lang="ru-RU" sz="2000" dirty="0"/>
+                    </a:p>
+                  </a:txBody>
+                  <a:tcPr/>
+                </a:tc>
+                <a:extLst>
+                  <a:ext uri="{0D108BD9-81ED-4DB2-BD59-A6C34878D82A}">
+                    <a16:rowId xmlns:a16="http://schemas.microsoft.com/office/drawing/2014/main" val="1373108550"/>
+                  </a:ext>
+                </a:extLst>
+              </a:tr>
+            </a:tbl>
+          </a:graphicData>
+        </a:graphic>
+      </p:graphicFrame>
+    </p:spTree>
+    <p:extLst>
+      <p:ext uri="{BB962C8B-B14F-4D97-AF65-F5344CB8AC3E}">
+        <p14:creationId xmlns:p14="http://schemas.microsoft.com/office/powerpoint/2010/main" val="2888087579"/>
+      </p:ext>
+    </p:extLst>
+  </p:cSld>
+  <p:clrMapOvr>
+    <a:masterClrMapping/>
+  </p:clrMapOvr>
+  <p:timing>
+    <p:tnLst>
+      <p:par>
+        <p:cTn id="1" dur="indefinite" restart="never" nodeType="tmRoot"/>
+      </p:par>
+    </p:tnLst>
+  </p:timing>
+</p:sld>
+</file>
+
+<file path=ppt/slides/slide12.xml><?xml version="1.0" encoding="utf-8"?>
+<p:sld xmlns:a="http://schemas.openxmlformats.org/drawingml/2006/main" xmlns:r="http://schemas.openxmlformats.org/officeDocument/2006/relationships" xmlns:p="http://schemas.openxmlformats.org/presentationml/2006/main">
+  <p:cSld>
+    <p:spTree>
+      <p:nvGrpSpPr>
+        <p:cNvPr id="1" name=""/>
+        <p:cNvGrpSpPr/>
+        <p:nvPr/>
+      </p:nvGrpSpPr>
+      <p:grpSpPr>
+        <a:xfrm>
+          <a:off x="0" y="0"/>
+          <a:ext cx="0" cy="0"/>
+          <a:chOff x="0" y="0"/>
+          <a:chExt cx="0" cy="0"/>
+        </a:xfrm>
+      </p:grpSpPr>
+      <p:sp>
+        <p:nvSpPr>
+          <p:cNvPr id="19" name="Заголовок 1"/>
+          <p:cNvSpPr txBox="1">
+            <a:spLocks/>
+          </p:cNvSpPr>
+          <p:nvPr/>
+        </p:nvSpPr>
+        <p:spPr>
+          <a:xfrm>
+            <a:off x="0" y="701874"/>
+            <a:ext cx="9144000" cy="1008112"/>
+          </a:xfrm>
+          <a:prstGeom prst="rect">
+            <a:avLst/>
+          </a:prstGeom>
+        </p:spPr>
+        <p:txBody>
+          <a:bodyPr/>
+          <a:lstStyle>
+            <a:lvl1pPr algn="l" rtl="0" fontAlgn="base">
+              <a:spcBef>
+                <a:spcPct val="0"/>
+              </a:spcBef>
+              <a:spcAft>
+                <a:spcPct val="0"/>
+              </a:spcAft>
+              <a:defRPr sz="4400">
+                <a:solidFill>
+                  <a:schemeClr val="tx2"/>
+                </a:solidFill>
+                <a:latin typeface="+mj-lt"/>
+                <a:ea typeface="+mj-ea"/>
+                <a:cs typeface="+mj-cs"/>
+              </a:defRPr>
+            </a:lvl1pPr>
+            <a:lvl2pPr algn="l" rtl="0" fontAlgn="base">
+              <a:spcBef>
+                <a:spcPct val="0"/>
+              </a:spcBef>
+              <a:spcAft>
+                <a:spcPct val="0"/>
+              </a:spcAft>
+              <a:defRPr sz="4400">
+                <a:solidFill>
+                  <a:schemeClr val="tx2"/>
+                </a:solidFill>
+                <a:latin typeface="Times New Roman" pitchFamily="18" charset="0"/>
+              </a:defRPr>
+            </a:lvl2pPr>
+            <a:lvl3pPr algn="l" rtl="0" fontAlgn="base">
+              <a:spcBef>
+                <a:spcPct val="0"/>
+              </a:spcBef>
+              <a:spcAft>
+                <a:spcPct val="0"/>
+              </a:spcAft>
+              <a:defRPr sz="4400">
+                <a:solidFill>
+                  <a:schemeClr val="tx2"/>
+                </a:solidFill>
+                <a:latin typeface="Times New Roman" pitchFamily="18" charset="0"/>
+              </a:defRPr>
+            </a:lvl3pPr>
+            <a:lvl4pPr algn="l" rtl="0" fontAlgn="base">
+              <a:spcBef>
+                <a:spcPct val="0"/>
+              </a:spcBef>
+              <a:spcAft>
+                <a:spcPct val="0"/>
+              </a:spcAft>
+              <a:defRPr sz="4400">
+                <a:solidFill>
+                  <a:schemeClr val="tx2"/>
+                </a:solidFill>
+                <a:latin typeface="Times New Roman" pitchFamily="18" charset="0"/>
+              </a:defRPr>
+            </a:lvl4pPr>
+            <a:lvl5pPr algn="l" rtl="0" fontAlgn="base">
+              <a:spcBef>
+                <a:spcPct val="0"/>
+              </a:spcBef>
+              <a:spcAft>
+                <a:spcPct val="0"/>
+              </a:spcAft>
+              <a:defRPr sz="4400">
+                <a:solidFill>
+                  <a:schemeClr val="tx2"/>
+                </a:solidFill>
+                <a:latin typeface="Times New Roman" pitchFamily="18" charset="0"/>
+              </a:defRPr>
+            </a:lvl5pPr>
+            <a:lvl6pPr marL="457200" algn="l" rtl="0" fontAlgn="base">
+              <a:spcBef>
+                <a:spcPct val="0"/>
+              </a:spcBef>
+              <a:spcAft>
+                <a:spcPct val="0"/>
+              </a:spcAft>
+              <a:defRPr sz="4400">
+                <a:solidFill>
+                  <a:schemeClr val="tx2"/>
+                </a:solidFill>
+                <a:latin typeface="Times New Roman" pitchFamily="18" charset="0"/>
+              </a:defRPr>
+            </a:lvl6pPr>
+            <a:lvl7pPr marL="914400" algn="l" rtl="0" fontAlgn="base">
+              <a:spcBef>
+                <a:spcPct val="0"/>
+              </a:spcBef>
+              <a:spcAft>
+                <a:spcPct val="0"/>
+              </a:spcAft>
+              <a:defRPr sz="4400">
+                <a:solidFill>
+                  <a:schemeClr val="tx2"/>
+                </a:solidFill>
+                <a:latin typeface="Times New Roman" pitchFamily="18" charset="0"/>
+              </a:defRPr>
+            </a:lvl7pPr>
+            <a:lvl8pPr marL="1371600" algn="l" rtl="0" fontAlgn="base">
+              <a:spcBef>
+                <a:spcPct val="0"/>
+              </a:spcBef>
+              <a:spcAft>
+                <a:spcPct val="0"/>
+              </a:spcAft>
+              <a:defRPr sz="4400">
+                <a:solidFill>
+                  <a:schemeClr val="tx2"/>
+                </a:solidFill>
+                <a:latin typeface="Times New Roman" pitchFamily="18" charset="0"/>
+              </a:defRPr>
+            </a:lvl8pPr>
+            <a:lvl9pPr marL="1828800" algn="l" rtl="0" fontAlgn="base">
+              <a:spcBef>
+                <a:spcPct val="0"/>
+              </a:spcBef>
+              <a:spcAft>
+                <a:spcPct val="0"/>
+              </a:spcAft>
+              <a:defRPr sz="4400">
+                <a:solidFill>
+                  <a:schemeClr val="tx2"/>
+                </a:solidFill>
+                <a:latin typeface="Times New Roman" pitchFamily="18" charset="0"/>
+              </a:defRPr>
+            </a:lvl9pPr>
+          </a:lstStyle>
+          <a:p>
+            <a:pPr algn="ctr">
+              <a:buClrTx/>
+              <a:buSzTx/>
+              <a:buFontTx/>
+              <a:buNone/>
+            </a:pPr>
+            <a:r>
+              <a:rPr kumimoji="0" lang="en-US" altLang="ru-RU" b="1" kern="0" dirty="0" smtClean="0"/>
+              <a:t>DNAT</a:t>
+            </a:r>
+            <a:endParaRPr kumimoji="0" lang="en-US" altLang="ru-RU" b="1" kern="0" dirty="0" smtClean="0"/>
+          </a:p>
+        </p:txBody>
+      </p:sp>
+      <p:sp>
+        <p:nvSpPr>
+          <p:cNvPr id="2" name="AutoShape 4" descr="Router | Cisco Network Topology Icons 3015"/>
+          <p:cNvSpPr>
+            <a:spLocks noChangeAspect="1" noChangeArrowheads="1"/>
+          </p:cNvSpPr>
+          <p:nvPr/>
+        </p:nvSpPr>
+        <p:spPr bwMode="auto">
+          <a:xfrm>
+            <a:off x="155575" y="-144463"/>
+            <a:ext cx="304800" cy="304801"/>
+          </a:xfrm>
+          <a:prstGeom prst="rect">
+            <a:avLst/>
+          </a:prstGeom>
+          <a:noFill/>
+          <a:extLst>
+            <a:ext uri="{909E8E84-426E-40DD-AFC4-6F175D3DCCD1}">
+              <a14:hiddenFill xmlns:a14="http://schemas.microsoft.com/office/drawing/2010/main">
+                <a:solidFill>
+                  <a:srgbClr val="FFFFFF"/>
+                </a:solidFill>
+              </a14:hiddenFill>
+            </a:ext>
+          </a:extLst>
+        </p:spPr>
+        <p:txBody>
+          <a:bodyPr vert="horz" wrap="square" lIns="91440" tIns="45720" rIns="91440" bIns="45720" numCol="1" anchor="t" anchorCtr="0" compatLnSpc="1">
+            <a:prstTxWarp prst="textNoShape">
+              <a:avLst/>
+            </a:prstTxWarp>
+          </a:bodyPr>
+          <a:lstStyle/>
+          <a:p>
+            <a:endParaRPr lang="ru-RU"/>
+          </a:p>
+        </p:txBody>
+      </p:sp>
+      <p:sp>
+        <p:nvSpPr>
+          <p:cNvPr id="3" name="AutoShape 6" descr="Router | Cisco Network Topology Icons 3015"/>
+          <p:cNvSpPr>
+            <a:spLocks noChangeAspect="1" noChangeArrowheads="1"/>
+          </p:cNvSpPr>
+          <p:nvPr/>
+        </p:nvSpPr>
+        <p:spPr bwMode="auto">
+          <a:xfrm>
+            <a:off x="307975" y="7937"/>
+            <a:ext cx="304800" cy="304801"/>
+          </a:xfrm>
+          <a:prstGeom prst="rect">
+            <a:avLst/>
+          </a:prstGeom>
+          <a:noFill/>
+          <a:extLst>
+            <a:ext uri="{909E8E84-426E-40DD-AFC4-6F175D3DCCD1}">
+              <a14:hiddenFill xmlns:a14="http://schemas.microsoft.com/office/drawing/2010/main">
+                <a:solidFill>
+                  <a:srgbClr val="FFFFFF"/>
+                </a:solidFill>
+              </a14:hiddenFill>
+            </a:ext>
+          </a:extLst>
+        </p:spPr>
+        <p:txBody>
+          <a:bodyPr vert="horz" wrap="square" lIns="91440" tIns="45720" rIns="91440" bIns="45720" numCol="1" anchor="t" anchorCtr="0" compatLnSpc="1">
+            <a:prstTxWarp prst="textNoShape">
+              <a:avLst/>
+            </a:prstTxWarp>
+          </a:bodyPr>
+          <a:lstStyle/>
+          <a:p>
+            <a:endParaRPr lang="ru-RU"/>
+          </a:p>
+        </p:txBody>
+      </p:sp>
+      <p:sp>
+        <p:nvSpPr>
+          <p:cNvPr id="5" name="AutoShape 16" descr="Internet Cloud icon PNG and SVG Vector Free Download"/>
+          <p:cNvSpPr>
+            <a:spLocks noChangeAspect="1" noChangeArrowheads="1"/>
+          </p:cNvSpPr>
+          <p:nvPr/>
+        </p:nvSpPr>
+        <p:spPr bwMode="auto">
+          <a:xfrm>
+            <a:off x="155575" y="-822325"/>
+            <a:ext cx="1943100" cy="1714500"/>
+          </a:xfrm>
+          <a:prstGeom prst="rect">
+            <a:avLst/>
+          </a:prstGeom>
+          <a:noFill/>
+          <a:extLst>
+            <a:ext uri="{909E8E84-426E-40DD-AFC4-6F175D3DCCD1}">
+              <a14:hiddenFill xmlns:a14="http://schemas.microsoft.com/office/drawing/2010/main">
+                <a:solidFill>
+                  <a:srgbClr val="FFFFFF"/>
+                </a:solidFill>
+              </a14:hiddenFill>
+            </a:ext>
+          </a:extLst>
+        </p:spPr>
+        <p:txBody>
+          <a:bodyPr vert="horz" wrap="square" lIns="91440" tIns="45720" rIns="91440" bIns="45720" numCol="1" anchor="t" anchorCtr="0" compatLnSpc="1">
+            <a:prstTxWarp prst="textNoShape">
+              <a:avLst/>
+            </a:prstTxWarp>
+          </a:bodyPr>
+          <a:lstStyle/>
+          <a:p>
+            <a:endParaRPr lang="ru-RU"/>
+          </a:p>
+        </p:txBody>
+      </p:sp>
+      <p:sp>
+        <p:nvSpPr>
+          <p:cNvPr id="10" name="AutoShape 4" descr="Достаточно одной таблетки», или фармакология конца света"/>
+          <p:cNvSpPr>
+            <a:spLocks noChangeAspect="1" noChangeArrowheads="1"/>
+          </p:cNvSpPr>
+          <p:nvPr/>
+        </p:nvSpPr>
+        <p:spPr bwMode="auto">
+          <a:xfrm>
+            <a:off x="460375" y="160337"/>
+            <a:ext cx="304800" cy="304801"/>
+          </a:xfrm>
+          <a:prstGeom prst="rect">
+            <a:avLst/>
+          </a:prstGeom>
+          <a:noFill/>
+          <a:extLst>
+            <a:ext uri="{909E8E84-426E-40DD-AFC4-6F175D3DCCD1}">
+              <a14:hiddenFill xmlns:a14="http://schemas.microsoft.com/office/drawing/2010/main">
+                <a:solidFill>
+                  <a:srgbClr val="FFFFFF"/>
+                </a:solidFill>
+              </a14:hiddenFill>
+            </a:ext>
+          </a:extLst>
+        </p:spPr>
+        <p:txBody>
+          <a:bodyPr vert="horz" wrap="square" lIns="91440" tIns="45720" rIns="91440" bIns="45720" numCol="1" anchor="t" anchorCtr="0" compatLnSpc="1">
+            <a:prstTxWarp prst="textNoShape">
+              <a:avLst/>
+            </a:prstTxWarp>
+          </a:bodyPr>
+          <a:lstStyle/>
+          <a:p>
+            <a:endParaRPr lang="ru-RU"/>
+          </a:p>
+        </p:txBody>
+      </p:sp>
+      <p:sp>
+        <p:nvSpPr>
+          <p:cNvPr id="4" name="TextBox 3"/>
+          <p:cNvSpPr txBox="1"/>
+          <p:nvPr/>
+        </p:nvSpPr>
+        <p:spPr>
+          <a:xfrm>
+            <a:off x="899592" y="1433711"/>
+            <a:ext cx="5921044" cy="1698927"/>
+          </a:xfrm>
+          <a:prstGeom prst="rect">
+            <a:avLst/>
+          </a:prstGeom>
+          <a:noFill/>
+        </p:spPr>
+        <p:txBody>
+          <a:bodyPr wrap="none" rtlCol="0">
+            <a:spAutoFit/>
+          </a:bodyPr>
+          <a:lstStyle/>
+          <a:p>
+            <a:r>
+              <a:rPr lang="en-US" sz="1800" dirty="0" smtClean="0"/>
+              <a:t>SNAT (Source) – </a:t>
+            </a:r>
+            <a:r>
+              <a:rPr lang="ru-RU" sz="1800" dirty="0" smtClean="0"/>
+              <a:t>изнутри наружу (многие-ко-многим)</a:t>
+            </a:r>
+          </a:p>
+          <a:p>
+            <a:pPr lvl="1"/>
+            <a:r>
+              <a:rPr lang="ru-RU" sz="1800" dirty="0" smtClean="0"/>
+              <a:t>Доступ в Интернет</a:t>
+            </a:r>
+          </a:p>
+          <a:p>
+            <a:r>
+              <a:rPr lang="en-US" sz="1800" dirty="0" smtClean="0"/>
+              <a:t>DNAT (Destination) – </a:t>
+            </a:r>
+            <a:r>
+              <a:rPr lang="ru-RU" sz="1800" dirty="0" smtClean="0"/>
+              <a:t>снаружи внутри (многие-к-одному)</a:t>
+            </a:r>
+          </a:p>
+          <a:p>
+            <a:pPr lvl="1"/>
+            <a:r>
+              <a:rPr lang="ru-RU" sz="1800" dirty="0" smtClean="0"/>
+              <a:t>Доступ к сетевым службам</a:t>
+            </a:r>
+          </a:p>
+          <a:p>
+            <a:pPr lvl="1"/>
+            <a:r>
+              <a:rPr lang="ru-RU" sz="1800" dirty="0" smtClean="0"/>
+              <a:t>«Прокол»</a:t>
+            </a:r>
+            <a:endParaRPr lang="ru-RU" sz="1800" dirty="0"/>
+          </a:p>
+        </p:txBody>
+      </p:sp>
+      <p:pic>
+        <p:nvPicPr>
+          <p:cNvPr id="11" name="Picture 14" descr="Router Icon Transparent #396425 - Free Icons Library"/>
+          <p:cNvPicPr>
+            <a:picLocks noChangeAspect="1" noChangeArrowheads="1"/>
+          </p:cNvPicPr>
+          <p:nvPr/>
+        </p:nvPicPr>
+        <p:blipFill>
+          <a:blip r:embed="rId2" cstate="print">
+            <a:extLst>
+              <a:ext uri="{28A0092B-C50C-407E-A947-70E740481C1C}">
+                <a14:useLocalDpi xmlns:a14="http://schemas.microsoft.com/office/drawing/2010/main" val="0"/>
+              </a:ext>
+            </a:extLst>
+          </a:blip>
+          <a:srcRect/>
+          <a:stretch>
+            <a:fillRect/>
+          </a:stretch>
+        </p:blipFill>
+        <p:spPr bwMode="auto">
+          <a:xfrm>
+            <a:off x="3849582" y="5373216"/>
+            <a:ext cx="1764196" cy="1162164"/>
+          </a:xfrm>
+          <a:prstGeom prst="rect">
+            <a:avLst/>
+          </a:prstGeom>
+          <a:noFill/>
+          <a:extLst>
+            <a:ext uri="{909E8E84-426E-40DD-AFC4-6F175D3DCCD1}">
+              <a14:hiddenFill xmlns:a14="http://schemas.microsoft.com/office/drawing/2010/main">
+                <a:solidFill>
+                  <a:srgbClr val="FFFFFF"/>
+                </a:solidFill>
+              </a14:hiddenFill>
+            </a:ext>
+          </a:extLst>
+        </p:spPr>
+      </p:pic>
+      <p:pic>
+        <p:nvPicPr>
+          <p:cNvPr id="12" name="Picture 20" descr="Internet Cloud Icons - Free SVG &amp; PNG Internet Cloud Images - Noun Project"/>
+          <p:cNvPicPr>
+            <a:picLocks noChangeAspect="1" noChangeArrowheads="1"/>
+          </p:cNvPicPr>
+          <p:nvPr/>
+        </p:nvPicPr>
+        <p:blipFill>
+          <a:blip r:embed="rId3">
+            <a:extLst>
+              <a:ext uri="{28A0092B-C50C-407E-A947-70E740481C1C}">
+                <a14:useLocalDpi xmlns:a14="http://schemas.microsoft.com/office/drawing/2010/main" val="0"/>
+              </a:ext>
+            </a:extLst>
+          </a:blip>
+          <a:srcRect/>
+          <a:stretch>
+            <a:fillRect/>
+          </a:stretch>
+        </p:blipFill>
+        <p:spPr bwMode="auto">
+          <a:xfrm>
+            <a:off x="6355955" y="2370814"/>
+            <a:ext cx="2606720" cy="2606720"/>
+          </a:xfrm>
+          <a:prstGeom prst="rect">
+            <a:avLst/>
+          </a:prstGeom>
+          <a:noFill/>
+          <a:extLst>
+            <a:ext uri="{909E8E84-426E-40DD-AFC4-6F175D3DCCD1}">
+              <a14:hiddenFill xmlns:a14="http://schemas.microsoft.com/office/drawing/2010/main">
+                <a:solidFill>
+                  <a:srgbClr val="FFFFFF"/>
+                </a:solidFill>
+              </a14:hiddenFill>
+            </a:ext>
+          </a:extLst>
+        </p:spPr>
+      </p:pic>
+      <p:pic>
+        <p:nvPicPr>
+          <p:cNvPr id="1026" name="Picture 2" descr="Server Icon, Transparent Server.PNG Images &amp; Vector - FreeIconsPNG"/>
+          <p:cNvPicPr>
+            <a:picLocks noChangeAspect="1" noChangeArrowheads="1"/>
+          </p:cNvPicPr>
+          <p:nvPr/>
+        </p:nvPicPr>
+        <p:blipFill>
+          <a:blip r:embed="rId4">
+            <a:extLst>
+              <a:ext uri="{28A0092B-C50C-407E-A947-70E740481C1C}">
+                <a14:useLocalDpi xmlns:a14="http://schemas.microsoft.com/office/drawing/2010/main" val="0"/>
+              </a:ext>
+            </a:extLst>
+          </a:blip>
+          <a:srcRect/>
+          <a:stretch>
+            <a:fillRect/>
+          </a:stretch>
+        </p:blipFill>
+        <p:spPr bwMode="auto">
+          <a:xfrm>
+            <a:off x="460375" y="3234185"/>
+            <a:ext cx="2315425" cy="2315426"/>
+          </a:xfrm>
+          <a:prstGeom prst="rect">
+            <a:avLst/>
+          </a:prstGeom>
+          <a:noFill/>
+          <a:extLst>
+            <a:ext uri="{909E8E84-426E-40DD-AFC4-6F175D3DCCD1}">
+              <a14:hiddenFill xmlns:a14="http://schemas.microsoft.com/office/drawing/2010/main">
+                <a:solidFill>
+                  <a:srgbClr val="FFFFFF"/>
+                </a:solidFill>
+              </a14:hiddenFill>
+            </a:ext>
+          </a:extLst>
+        </p:spPr>
+      </p:pic>
+      <p:cxnSp>
+        <p:nvCxnSpPr>
+          <p:cNvPr id="9" name="Прямая соединительная линия 8"/>
+          <p:cNvCxnSpPr/>
+          <p:nvPr/>
+        </p:nvCxnSpPr>
+        <p:spPr bwMode="auto">
+          <a:xfrm>
+            <a:off x="4697174" y="2852936"/>
+            <a:ext cx="0" cy="2390696"/>
+          </a:xfrm>
+          <a:prstGeom prst="line">
+            <a:avLst/>
+          </a:prstGeom>
+          <a:noFill/>
+          <a:ln w="28575" cap="flat" cmpd="sng" algn="ctr">
+            <a:solidFill>
+              <a:srgbClr val="F40426"/>
+            </a:solidFill>
+            <a:prstDash val="dash"/>
+            <a:round/>
+            <a:headEnd type="none" w="med" len="med"/>
+            <a:tailEnd type="none" w="med" len="med"/>
+          </a:ln>
+          <a:effectLst/>
+          <a:extLst>
+            <a:ext uri="{909E8E84-426E-40DD-AFC4-6F175D3DCCD1}">
+              <a14:hiddenFill xmlns:a14="http://schemas.microsoft.com/office/drawing/2010/main">
+                <a:solidFill>
+                  <a:schemeClr val="accent1"/>
+                </a:solidFill>
+              </a14:hiddenFill>
+            </a:ext>
+            <a:ext uri="{AF507438-7753-43E0-B8FC-AC1667EBCBE1}">
+              <a14:hiddenEffects xmlns:a14="http://schemas.microsoft.com/office/drawing/2010/main">
+                <a:effectLst>
+                  <a:outerShdw dist="35921" dir="2700000" algn="ctr" rotWithShape="0">
+                    <a:schemeClr val="bg2"/>
+                  </a:outerShdw>
+                </a:effectLst>
+              </a14:hiddenEffects>
+            </a:ext>
+          </a:extLst>
+        </p:spPr>
+      </p:cxnSp>
+      <p:sp>
+        <p:nvSpPr>
+          <p:cNvPr id="13" name="Стрелка вправо 12"/>
+          <p:cNvSpPr/>
+          <p:nvPr/>
+        </p:nvSpPr>
+        <p:spPr bwMode="auto">
+          <a:xfrm rot="8317713">
+            <a:off x="5585839" y="4891094"/>
+            <a:ext cx="1368152" cy="432048"/>
+          </a:xfrm>
+          <a:prstGeom prst="rightArrow">
+            <a:avLst/>
+          </a:prstGeom>
+          <a:noFill/>
+          <a:ln w="28575" cap="flat" cmpd="sng" algn="ctr">
+            <a:solidFill>
+              <a:srgbClr val="92D050"/>
+            </a:solidFill>
+            <a:prstDash val="solid"/>
+            <a:round/>
+            <a:headEnd type="none" w="med" len="med"/>
+            <a:tailEnd type="none" w="med" len="med"/>
+          </a:ln>
+          <a:effectLst/>
+          <a:extLst>
+            <a:ext uri="{909E8E84-426E-40DD-AFC4-6F175D3DCCD1}">
+              <a14:hiddenFill xmlns:a14="http://schemas.microsoft.com/office/drawing/2010/main">
+                <a:solidFill>
+                  <a:schemeClr val="accent1"/>
+                </a:solidFill>
+              </a14:hiddenFill>
+            </a:ext>
+            <a:ext uri="{AF507438-7753-43E0-B8FC-AC1667EBCBE1}">
+              <a14:hiddenEffects xmlns:a14="http://schemas.microsoft.com/office/drawing/2010/main">
+                <a:effectLst>
+                  <a:outerShdw dist="35921" dir="2700000" algn="ctr" rotWithShape="0">
+                    <a:schemeClr val="bg2"/>
+                  </a:outerShdw>
+                </a:effectLst>
+              </a14:hiddenEffects>
+            </a:ext>
+          </a:extLst>
+        </p:spPr>
+        <p:txBody>
+          <a:bodyPr vert="horz" wrap="square" lIns="91440" tIns="45720" rIns="91440" bIns="0" numCol="1" rtlCol="0" anchor="t" anchorCtr="0" compatLnSpc="1">
+            <a:prstTxWarp prst="textNoShape">
+              <a:avLst/>
+            </a:prstTxWarp>
+          </a:bodyPr>
+          <a:lstStyle/>
+          <a:p>
+            <a:pPr marL="457200" marR="0" indent="-457200" algn="l" defTabSz="914400" rtl="0" eaLnBrk="1" fontAlgn="base" latinLnBrk="0" hangingPunct="1">
+              <a:lnSpc>
+                <a:spcPct val="100000"/>
+              </a:lnSpc>
+              <a:spcBef>
+                <a:spcPct val="20000"/>
+              </a:spcBef>
+              <a:spcAft>
+                <a:spcPct val="0"/>
+              </a:spcAft>
+              <a:buClr>
+                <a:srgbClr val="A50021"/>
+              </a:buClr>
+              <a:buSzPct val="75000"/>
+              <a:buFont typeface="Wingdings" pitchFamily="2" charset="2"/>
+              <a:buChar char="n"/>
+              <a:tabLst/>
+            </a:pPr>
+            <a:endParaRPr kumimoji="1" lang="ru-RU" sz="2000" b="0" i="0" u="none" strike="noStrike" cap="none" normalizeH="0" baseline="0" smtClean="0">
+              <a:ln>
+                <a:noFill/>
+              </a:ln>
+              <a:solidFill>
+                <a:schemeClr val="tx1"/>
+              </a:solidFill>
+              <a:effectLst/>
+              <a:latin typeface="Times New Roman" pitchFamily="18" charset="0"/>
+              <a:cs typeface="Times New Roman" pitchFamily="18" charset="0"/>
+            </a:endParaRPr>
+          </a:p>
+        </p:txBody>
+      </p:sp>
+      <p:sp>
+        <p:nvSpPr>
+          <p:cNvPr id="16" name="Стрелка вправо 15"/>
+          <p:cNvSpPr/>
+          <p:nvPr/>
+        </p:nvSpPr>
+        <p:spPr bwMode="auto">
+          <a:xfrm rot="12621397">
+            <a:off x="2628616" y="4817881"/>
+            <a:ext cx="1368152" cy="432048"/>
+          </a:xfrm>
+          <a:prstGeom prst="rightArrow">
+            <a:avLst/>
+          </a:prstGeom>
+          <a:noFill/>
+          <a:ln w="28575" cap="flat" cmpd="sng" algn="ctr">
+            <a:solidFill>
+              <a:srgbClr val="92D050"/>
+            </a:solidFill>
+            <a:prstDash val="solid"/>
+            <a:round/>
+            <a:headEnd type="none" w="med" len="med"/>
+            <a:tailEnd type="none" w="med" len="med"/>
+          </a:ln>
+          <a:effectLst/>
+          <a:extLst>
+            <a:ext uri="{909E8E84-426E-40DD-AFC4-6F175D3DCCD1}">
+              <a14:hiddenFill xmlns:a14="http://schemas.microsoft.com/office/drawing/2010/main">
+                <a:solidFill>
+                  <a:schemeClr val="accent1"/>
+                </a:solidFill>
+              </a14:hiddenFill>
+            </a:ext>
+            <a:ext uri="{AF507438-7753-43E0-B8FC-AC1667EBCBE1}">
+              <a14:hiddenEffects xmlns:a14="http://schemas.microsoft.com/office/drawing/2010/main">
+                <a:effectLst>
+                  <a:outerShdw dist="35921" dir="2700000" algn="ctr" rotWithShape="0">
+                    <a:schemeClr val="bg2"/>
+                  </a:outerShdw>
+                </a:effectLst>
+              </a14:hiddenEffects>
+            </a:ext>
+          </a:extLst>
+        </p:spPr>
+        <p:txBody>
+          <a:bodyPr vert="horz" wrap="square" lIns="91440" tIns="45720" rIns="91440" bIns="0" numCol="1" rtlCol="0" anchor="t" anchorCtr="0" compatLnSpc="1">
+            <a:prstTxWarp prst="textNoShape">
+              <a:avLst/>
+            </a:prstTxWarp>
+          </a:bodyPr>
+          <a:lstStyle/>
+          <a:p>
+            <a:pPr marL="457200" marR="0" indent="-457200" algn="l" defTabSz="914400" rtl="0" eaLnBrk="1" fontAlgn="base" latinLnBrk="0" hangingPunct="1">
+              <a:lnSpc>
+                <a:spcPct val="100000"/>
+              </a:lnSpc>
+              <a:spcBef>
+                <a:spcPct val="20000"/>
+              </a:spcBef>
+              <a:spcAft>
+                <a:spcPct val="0"/>
+              </a:spcAft>
+              <a:buClr>
+                <a:srgbClr val="A50021"/>
+              </a:buClr>
+              <a:buSzPct val="75000"/>
+              <a:buFont typeface="Wingdings" pitchFamily="2" charset="2"/>
+              <a:buChar char="n"/>
+              <a:tabLst/>
+            </a:pPr>
+            <a:endParaRPr kumimoji="1" lang="ru-RU" sz="2000" b="0" i="0" u="none" strike="noStrike" cap="none" normalizeH="0" baseline="0" smtClean="0">
+              <a:ln>
+                <a:noFill/>
+              </a:ln>
+              <a:solidFill>
+                <a:schemeClr val="tx1"/>
+              </a:solidFill>
+              <a:effectLst/>
+              <a:latin typeface="Times New Roman" pitchFamily="18" charset="0"/>
+              <a:cs typeface="Times New Roman" pitchFamily="18" charset="0"/>
+            </a:endParaRPr>
+          </a:p>
+        </p:txBody>
+      </p:sp>
+      <p:sp>
+        <p:nvSpPr>
+          <p:cNvPr id="14" name="TextBox 13"/>
+          <p:cNvSpPr txBox="1"/>
+          <p:nvPr/>
+        </p:nvSpPr>
+        <p:spPr>
+          <a:xfrm>
+            <a:off x="2926721" y="3854355"/>
+            <a:ext cx="3569632" cy="634020"/>
+          </a:xfrm>
+          <a:prstGeom prst="rect">
+            <a:avLst/>
+          </a:prstGeom>
+          <a:solidFill>
+            <a:schemeClr val="bg1"/>
+          </a:solidFill>
+          <a:ln>
+            <a:solidFill>
+              <a:srgbClr val="7030A0"/>
+            </a:solidFill>
+          </a:ln>
+          <a:effectLst>
+            <a:outerShdw blurRad="50800" dist="38100" dir="2700000" algn="tl" rotWithShape="0">
+              <a:prstClr val="black">
+                <a:alpha val="40000"/>
+              </a:prstClr>
+            </a:outerShdw>
+          </a:effectLst>
+        </p:spPr>
+        <p:txBody>
+          <a:bodyPr wrap="none" rtlCol="0">
+            <a:spAutoFit/>
+          </a:bodyPr>
+          <a:lstStyle/>
+          <a:p>
+            <a:r>
+              <a:rPr lang="ru-RU" sz="1600" dirty="0" smtClean="0"/>
+              <a:t>Правило</a:t>
+            </a:r>
+            <a:r>
+              <a:rPr lang="en-US" sz="1600" dirty="0" smtClean="0"/>
+              <a:t> NAT</a:t>
+            </a:r>
+            <a:r>
+              <a:rPr lang="ru-RU" sz="1600" dirty="0" smtClean="0"/>
+              <a:t>:</a:t>
+            </a:r>
+          </a:p>
+          <a:p>
+            <a:pPr>
+              <a:buNone/>
+            </a:pPr>
+            <a:r>
+              <a:rPr lang="en-US" sz="1600" dirty="0" smtClean="0"/>
+              <a:t>&lt;My IP&gt;:&lt;</a:t>
+            </a:r>
+            <a:r>
+              <a:rPr lang="ru-RU" sz="1600" dirty="0" smtClean="0"/>
+              <a:t>Порт</a:t>
+            </a:r>
+            <a:r>
+              <a:rPr lang="en-US" sz="1600" dirty="0" smtClean="0"/>
+              <a:t>&gt;</a:t>
+            </a:r>
+            <a:r>
+              <a:rPr lang="ru-RU" sz="1600" dirty="0" smtClean="0"/>
+              <a:t> </a:t>
+            </a:r>
+            <a:r>
+              <a:rPr lang="ru-RU" sz="1600" dirty="0" smtClean="0">
+                <a:sym typeface="Wingdings" panose="05000000000000000000" pitchFamily="2" charset="2"/>
+              </a:rPr>
+              <a:t></a:t>
+            </a:r>
+            <a:r>
+              <a:rPr lang="en-US" sz="1600" dirty="0" smtClean="0">
+                <a:sym typeface="Wingdings" panose="05000000000000000000" pitchFamily="2" charset="2"/>
+              </a:rPr>
+              <a:t>&lt;Local IP&gt;&lt;</a:t>
+            </a:r>
+            <a:r>
+              <a:rPr lang="ru-RU" sz="1600" dirty="0" smtClean="0">
+                <a:sym typeface="Wingdings" panose="05000000000000000000" pitchFamily="2" charset="2"/>
+              </a:rPr>
+              <a:t>Порт</a:t>
+            </a:r>
+            <a:r>
+              <a:rPr lang="en-US" sz="1600" dirty="0" smtClean="0">
+                <a:sym typeface="Wingdings" panose="05000000000000000000" pitchFamily="2" charset="2"/>
+              </a:rPr>
+              <a:t>’&gt;</a:t>
+            </a:r>
+            <a:endParaRPr lang="ru-RU" sz="1600" dirty="0"/>
+          </a:p>
+        </p:txBody>
+      </p:sp>
+    </p:spTree>
+    <p:extLst>
+      <p:ext uri="{BB962C8B-B14F-4D97-AF65-F5344CB8AC3E}">
+        <p14:creationId xmlns:p14="http://schemas.microsoft.com/office/powerpoint/2010/main" val="3954329501"/>
+      </p:ext>
+    </p:extLst>
+  </p:cSld>
+  <p:clrMapOvr>
+    <a:masterClrMapping/>
+  </p:clrMapOvr>
+  <p:timing>
+    <p:tnLst>
+      <p:par>
+        <p:cTn id="1" dur="indefinite" restart="never" nodeType="tmRoot"/>
+      </p:par>
+    </p:tnLst>
+  </p:timing>
+</p:sld>
+</file>
+
+<file path=ppt/slides/slide13.xml><?xml version="1.0" encoding="utf-8"?>
+<p:sld xmlns:a="http://schemas.openxmlformats.org/drawingml/2006/main" xmlns:r="http://schemas.openxmlformats.org/officeDocument/2006/relationships" xmlns:p="http://schemas.openxmlformats.org/presentationml/2006/main">
+  <p:cSld>
+    <p:spTree>
+      <p:nvGrpSpPr>
+        <p:cNvPr id="1" name=""/>
+        <p:cNvGrpSpPr/>
+        <p:nvPr/>
+      </p:nvGrpSpPr>
+      <p:grpSpPr>
+        <a:xfrm>
+          <a:off x="0" y="0"/>
+          <a:ext cx="0" cy="0"/>
+          <a:chOff x="0" y="0"/>
+          <a:chExt cx="0" cy="0"/>
+        </a:xfrm>
+      </p:grpSpPr>
+      <p:sp>
+        <p:nvSpPr>
+          <p:cNvPr id="19" name="Заголовок 1"/>
+          <p:cNvSpPr txBox="1">
+            <a:spLocks/>
+          </p:cNvSpPr>
+          <p:nvPr/>
+        </p:nvSpPr>
+        <p:spPr>
+          <a:xfrm>
+            <a:off x="0" y="701874"/>
+            <a:ext cx="9144000" cy="1008112"/>
+          </a:xfrm>
+          <a:prstGeom prst="rect">
+            <a:avLst/>
+          </a:prstGeom>
+        </p:spPr>
+        <p:txBody>
+          <a:bodyPr/>
+          <a:lstStyle>
+            <a:lvl1pPr algn="l" rtl="0" fontAlgn="base">
+              <a:spcBef>
+                <a:spcPct val="0"/>
+              </a:spcBef>
+              <a:spcAft>
+                <a:spcPct val="0"/>
+              </a:spcAft>
+              <a:defRPr sz="4400">
+                <a:solidFill>
+                  <a:schemeClr val="tx2"/>
+                </a:solidFill>
+                <a:latin typeface="+mj-lt"/>
+                <a:ea typeface="+mj-ea"/>
+                <a:cs typeface="+mj-cs"/>
+              </a:defRPr>
+            </a:lvl1pPr>
+            <a:lvl2pPr algn="l" rtl="0" fontAlgn="base">
+              <a:spcBef>
+                <a:spcPct val="0"/>
+              </a:spcBef>
+              <a:spcAft>
+                <a:spcPct val="0"/>
+              </a:spcAft>
+              <a:defRPr sz="4400">
+                <a:solidFill>
+                  <a:schemeClr val="tx2"/>
+                </a:solidFill>
+                <a:latin typeface="Times New Roman" pitchFamily="18" charset="0"/>
+              </a:defRPr>
+            </a:lvl2pPr>
+            <a:lvl3pPr algn="l" rtl="0" fontAlgn="base">
+              <a:spcBef>
+                <a:spcPct val="0"/>
+              </a:spcBef>
+              <a:spcAft>
+                <a:spcPct val="0"/>
+              </a:spcAft>
+              <a:defRPr sz="4400">
+                <a:solidFill>
+                  <a:schemeClr val="tx2"/>
+                </a:solidFill>
+                <a:latin typeface="Times New Roman" pitchFamily="18" charset="0"/>
+              </a:defRPr>
+            </a:lvl3pPr>
+            <a:lvl4pPr algn="l" rtl="0" fontAlgn="base">
+              <a:spcBef>
+                <a:spcPct val="0"/>
+              </a:spcBef>
+              <a:spcAft>
+                <a:spcPct val="0"/>
+              </a:spcAft>
+              <a:defRPr sz="4400">
+                <a:solidFill>
+                  <a:schemeClr val="tx2"/>
+                </a:solidFill>
+                <a:latin typeface="Times New Roman" pitchFamily="18" charset="0"/>
+              </a:defRPr>
+            </a:lvl4pPr>
+            <a:lvl5pPr algn="l" rtl="0" fontAlgn="base">
+              <a:spcBef>
+                <a:spcPct val="0"/>
+              </a:spcBef>
+              <a:spcAft>
+                <a:spcPct val="0"/>
+              </a:spcAft>
+              <a:defRPr sz="4400">
+                <a:solidFill>
+                  <a:schemeClr val="tx2"/>
+                </a:solidFill>
+                <a:latin typeface="Times New Roman" pitchFamily="18" charset="0"/>
+              </a:defRPr>
+            </a:lvl5pPr>
+            <a:lvl6pPr marL="457200" algn="l" rtl="0" fontAlgn="base">
+              <a:spcBef>
+                <a:spcPct val="0"/>
+              </a:spcBef>
+              <a:spcAft>
+                <a:spcPct val="0"/>
+              </a:spcAft>
+              <a:defRPr sz="4400">
+                <a:solidFill>
+                  <a:schemeClr val="tx2"/>
+                </a:solidFill>
+                <a:latin typeface="Times New Roman" pitchFamily="18" charset="0"/>
+              </a:defRPr>
+            </a:lvl6pPr>
+            <a:lvl7pPr marL="914400" algn="l" rtl="0" fontAlgn="base">
+              <a:spcBef>
+                <a:spcPct val="0"/>
+              </a:spcBef>
+              <a:spcAft>
+                <a:spcPct val="0"/>
+              </a:spcAft>
+              <a:defRPr sz="4400">
+                <a:solidFill>
+                  <a:schemeClr val="tx2"/>
+                </a:solidFill>
+                <a:latin typeface="Times New Roman" pitchFamily="18" charset="0"/>
+              </a:defRPr>
+            </a:lvl7pPr>
+            <a:lvl8pPr marL="1371600" algn="l" rtl="0" fontAlgn="base">
+              <a:spcBef>
+                <a:spcPct val="0"/>
+              </a:spcBef>
+              <a:spcAft>
+                <a:spcPct val="0"/>
+              </a:spcAft>
+              <a:defRPr sz="4400">
+                <a:solidFill>
+                  <a:schemeClr val="tx2"/>
+                </a:solidFill>
+                <a:latin typeface="Times New Roman" pitchFamily="18" charset="0"/>
+              </a:defRPr>
+            </a:lvl8pPr>
+            <a:lvl9pPr marL="1828800" algn="l" rtl="0" fontAlgn="base">
+              <a:spcBef>
+                <a:spcPct val="0"/>
+              </a:spcBef>
+              <a:spcAft>
+                <a:spcPct val="0"/>
+              </a:spcAft>
+              <a:defRPr sz="4400">
+                <a:solidFill>
+                  <a:schemeClr val="tx2"/>
+                </a:solidFill>
+                <a:latin typeface="Times New Roman" pitchFamily="18" charset="0"/>
+              </a:defRPr>
+            </a:lvl9pPr>
+          </a:lstStyle>
+          <a:p>
+            <a:pPr algn="ctr">
+              <a:buClrTx/>
+              <a:buSzTx/>
+              <a:buFontTx/>
+              <a:buNone/>
+            </a:pPr>
+            <a:r>
+              <a:rPr kumimoji="0" lang="ru-RU" altLang="ru-RU" b="1" kern="0" dirty="0" smtClean="0"/>
+              <a:t>Соединения </a:t>
+            </a:r>
+            <a:r>
+              <a:rPr kumimoji="0" lang="en-US" altLang="ru-RU" b="1" kern="0" dirty="0" smtClean="0"/>
+              <a:t>DNAT</a:t>
+            </a:r>
+            <a:endParaRPr kumimoji="0" lang="en-US" altLang="ru-RU" b="1" kern="0" dirty="0" smtClean="0"/>
+          </a:p>
+        </p:txBody>
+      </p:sp>
+      <p:sp>
+        <p:nvSpPr>
+          <p:cNvPr id="2" name="AutoShape 4" descr="Router | Cisco Network Topology Icons 3015"/>
+          <p:cNvSpPr>
+            <a:spLocks noChangeAspect="1" noChangeArrowheads="1"/>
+          </p:cNvSpPr>
+          <p:nvPr/>
+        </p:nvSpPr>
+        <p:spPr bwMode="auto">
+          <a:xfrm>
+            <a:off x="155575" y="-144463"/>
+            <a:ext cx="304800" cy="304801"/>
+          </a:xfrm>
+          <a:prstGeom prst="rect">
+            <a:avLst/>
+          </a:prstGeom>
+          <a:noFill/>
+          <a:extLst>
+            <a:ext uri="{909E8E84-426E-40DD-AFC4-6F175D3DCCD1}">
+              <a14:hiddenFill xmlns:a14="http://schemas.microsoft.com/office/drawing/2010/main">
+                <a:solidFill>
+                  <a:srgbClr val="FFFFFF"/>
+                </a:solidFill>
+              </a14:hiddenFill>
+            </a:ext>
+          </a:extLst>
+        </p:spPr>
+        <p:txBody>
+          <a:bodyPr vert="horz" wrap="square" lIns="91440" tIns="45720" rIns="91440" bIns="45720" numCol="1" anchor="t" anchorCtr="0" compatLnSpc="1">
+            <a:prstTxWarp prst="textNoShape">
+              <a:avLst/>
+            </a:prstTxWarp>
+          </a:bodyPr>
+          <a:lstStyle/>
+          <a:p>
+            <a:endParaRPr lang="ru-RU"/>
+          </a:p>
+        </p:txBody>
+      </p:sp>
+      <p:sp>
+        <p:nvSpPr>
+          <p:cNvPr id="3" name="AutoShape 6" descr="Router | Cisco Network Topology Icons 3015"/>
+          <p:cNvSpPr>
+            <a:spLocks noChangeAspect="1" noChangeArrowheads="1"/>
+          </p:cNvSpPr>
+          <p:nvPr/>
+        </p:nvSpPr>
+        <p:spPr bwMode="auto">
+          <a:xfrm>
+            <a:off x="307975" y="7937"/>
+            <a:ext cx="304800" cy="304801"/>
+          </a:xfrm>
+          <a:prstGeom prst="rect">
+            <a:avLst/>
+          </a:prstGeom>
+          <a:noFill/>
+          <a:extLst>
+            <a:ext uri="{909E8E84-426E-40DD-AFC4-6F175D3DCCD1}">
+              <a14:hiddenFill xmlns:a14="http://schemas.microsoft.com/office/drawing/2010/main">
+                <a:solidFill>
+                  <a:srgbClr val="FFFFFF"/>
+                </a:solidFill>
+              </a14:hiddenFill>
+            </a:ext>
+          </a:extLst>
+        </p:spPr>
+        <p:txBody>
+          <a:bodyPr vert="horz" wrap="square" lIns="91440" tIns="45720" rIns="91440" bIns="45720" numCol="1" anchor="t" anchorCtr="0" compatLnSpc="1">
+            <a:prstTxWarp prst="textNoShape">
+              <a:avLst/>
+            </a:prstTxWarp>
+          </a:bodyPr>
+          <a:lstStyle/>
+          <a:p>
+            <a:endParaRPr lang="ru-RU"/>
+          </a:p>
+        </p:txBody>
+      </p:sp>
+      <p:sp>
+        <p:nvSpPr>
+          <p:cNvPr id="5" name="AutoShape 16" descr="Internet Cloud icon PNG and SVG Vector Free Download"/>
+          <p:cNvSpPr>
+            <a:spLocks noChangeAspect="1" noChangeArrowheads="1"/>
+          </p:cNvSpPr>
+          <p:nvPr/>
+        </p:nvSpPr>
+        <p:spPr bwMode="auto">
+          <a:xfrm>
+            <a:off x="155575" y="-822325"/>
+            <a:ext cx="1943100" cy="1714500"/>
+          </a:xfrm>
+          <a:prstGeom prst="rect">
+            <a:avLst/>
+          </a:prstGeom>
+          <a:noFill/>
+          <a:extLst>
+            <a:ext uri="{909E8E84-426E-40DD-AFC4-6F175D3DCCD1}">
+              <a14:hiddenFill xmlns:a14="http://schemas.microsoft.com/office/drawing/2010/main">
+                <a:solidFill>
+                  <a:srgbClr val="FFFFFF"/>
+                </a:solidFill>
+              </a14:hiddenFill>
+            </a:ext>
+          </a:extLst>
+        </p:spPr>
+        <p:txBody>
+          <a:bodyPr vert="horz" wrap="square" lIns="91440" tIns="45720" rIns="91440" bIns="45720" numCol="1" anchor="t" anchorCtr="0" compatLnSpc="1">
+            <a:prstTxWarp prst="textNoShape">
+              <a:avLst/>
+            </a:prstTxWarp>
+          </a:bodyPr>
+          <a:lstStyle/>
+          <a:p>
+            <a:endParaRPr lang="ru-RU"/>
+          </a:p>
+        </p:txBody>
+      </p:sp>
+      <p:sp>
+        <p:nvSpPr>
+          <p:cNvPr id="10" name="AutoShape 4" descr="Достаточно одной таблетки», или фармакология конца света"/>
+          <p:cNvSpPr>
+            <a:spLocks noChangeAspect="1" noChangeArrowheads="1"/>
+          </p:cNvSpPr>
+          <p:nvPr/>
+        </p:nvSpPr>
+        <p:spPr bwMode="auto">
+          <a:xfrm>
+            <a:off x="460375" y="160337"/>
+            <a:ext cx="304800" cy="304801"/>
+          </a:xfrm>
+          <a:prstGeom prst="rect">
+            <a:avLst/>
+          </a:prstGeom>
+          <a:noFill/>
+          <a:extLst>
+            <a:ext uri="{909E8E84-426E-40DD-AFC4-6F175D3DCCD1}">
+              <a14:hiddenFill xmlns:a14="http://schemas.microsoft.com/office/drawing/2010/main">
+                <a:solidFill>
+                  <a:srgbClr val="FFFFFF"/>
+                </a:solidFill>
+              </a14:hiddenFill>
+            </a:ext>
+          </a:extLst>
+        </p:spPr>
+        <p:txBody>
+          <a:bodyPr vert="horz" wrap="square" lIns="91440" tIns="45720" rIns="91440" bIns="45720" numCol="1" anchor="t" anchorCtr="0" compatLnSpc="1">
+            <a:prstTxWarp prst="textNoShape">
+              <a:avLst/>
+            </a:prstTxWarp>
+          </a:bodyPr>
+          <a:lstStyle/>
+          <a:p>
+            <a:endParaRPr lang="ru-RU"/>
+          </a:p>
+        </p:txBody>
+      </p:sp>
+      <p:graphicFrame>
+        <p:nvGraphicFramePr>
+          <p:cNvPr id="4" name="Таблица 3"/>
+          <p:cNvGraphicFramePr>
+            <a:graphicFrameLocks noGrp="1"/>
+          </p:cNvGraphicFramePr>
+          <p:nvPr>
+            <p:extLst>
+              <p:ext uri="{D42A27DB-BD31-4B8C-83A1-F6EECF244321}">
+                <p14:modId xmlns:p14="http://schemas.microsoft.com/office/powerpoint/2010/main" val="3790047218"/>
+              </p:ext>
+            </p:extLst>
+          </p:nvPr>
+        </p:nvGraphicFramePr>
+        <p:xfrm>
+          <a:off x="799229" y="2708919"/>
+          <a:ext cx="8122073" cy="2123440"/>
+        </p:xfrm>
+        <a:graphic>
+          <a:graphicData uri="http://schemas.openxmlformats.org/drawingml/2006/table">
+            <a:tbl>
+              <a:tblPr firstRow="1" bandRow="1">
+                <a:tableStyleId>{073A0DAA-6AF3-43AB-8588-CEC1D06C72B9}</a:tableStyleId>
+              </a:tblPr>
+              <a:tblGrid>
+                <a:gridCol w="1325880">
+                  <a:extLst>
+                    <a:ext uri="{9D8B030D-6E8A-4147-A177-3AD203B41FA5}">
+                      <a16:colId xmlns:a16="http://schemas.microsoft.com/office/drawing/2014/main" val="554582378"/>
+                    </a:ext>
+                  </a:extLst>
+                </a:gridCol>
+                <a:gridCol w="811530">
+                  <a:extLst>
+                    <a:ext uri="{9D8B030D-6E8A-4147-A177-3AD203B41FA5}">
+                      <a16:colId xmlns:a16="http://schemas.microsoft.com/office/drawing/2014/main" val="4278251217"/>
+                    </a:ext>
+                  </a:extLst>
+                </a:gridCol>
+                <a:gridCol w="881380">
+                  <a:extLst>
+                    <a:ext uri="{9D8B030D-6E8A-4147-A177-3AD203B41FA5}">
+                      <a16:colId xmlns:a16="http://schemas.microsoft.com/office/drawing/2014/main" val="1037434188"/>
+                    </a:ext>
+                  </a:extLst>
+                </a:gridCol>
+                <a:gridCol w="671830">
+                  <a:extLst>
+                    <a:ext uri="{9D8B030D-6E8A-4147-A177-3AD203B41FA5}">
+                      <a16:colId xmlns:a16="http://schemas.microsoft.com/office/drawing/2014/main" val="3641121446"/>
+                    </a:ext>
+                  </a:extLst>
+                </a:gridCol>
+                <a:gridCol w="868680">
+                  <a:extLst>
+                    <a:ext uri="{9D8B030D-6E8A-4147-A177-3AD203B41FA5}">
+                      <a16:colId xmlns:a16="http://schemas.microsoft.com/office/drawing/2014/main" val="740739280"/>
+                    </a:ext>
+                  </a:extLst>
+                </a:gridCol>
+                <a:gridCol w="811530">
+                  <a:extLst>
+                    <a:ext uri="{9D8B030D-6E8A-4147-A177-3AD203B41FA5}">
+                      <a16:colId xmlns:a16="http://schemas.microsoft.com/office/drawing/2014/main" val="654793084"/>
+                    </a:ext>
+                  </a:extLst>
+                </a:gridCol>
+                <a:gridCol w="1325880">
+                  <a:extLst>
+                    <a:ext uri="{9D8B030D-6E8A-4147-A177-3AD203B41FA5}">
+                      <a16:colId xmlns:a16="http://schemas.microsoft.com/office/drawing/2014/main" val="2092950617"/>
+                    </a:ext>
+                  </a:extLst>
+                </a:gridCol>
+                <a:gridCol w="748030">
+                  <a:extLst>
+                    <a:ext uri="{9D8B030D-6E8A-4147-A177-3AD203B41FA5}">
+                      <a16:colId xmlns:a16="http://schemas.microsoft.com/office/drawing/2014/main" val="3675539144"/>
+                    </a:ext>
+                  </a:extLst>
+                </a:gridCol>
+                <a:gridCol w="677333">
+                  <a:extLst>
+                    <a:ext uri="{9D8B030D-6E8A-4147-A177-3AD203B41FA5}">
+                      <a16:colId xmlns:a16="http://schemas.microsoft.com/office/drawing/2014/main" val="3955364397"/>
+                    </a:ext>
+                  </a:extLst>
+                </a:gridCol>
+              </a:tblGrid>
+              <a:tr h="370840">
+                <a:tc>
+                  <a:txBody>
+                    <a:bodyPr/>
+                    <a:lstStyle/>
+                    <a:p>
+                      <a:pPr algn="ctr"/>
+                      <a:r>
+                        <a:rPr lang="en-US" dirty="0" err="1" smtClean="0"/>
+                        <a:t>Src</a:t>
+                      </a:r>
+                      <a:r>
+                        <a:rPr lang="en-US" dirty="0" smtClean="0"/>
+                        <a:t/>
+                      </a:r>
+                      <a:br>
+                        <a:rPr lang="en-US" dirty="0" smtClean="0"/>
+                      </a:br>
+                      <a:r>
+                        <a:rPr lang="en-US" dirty="0" smtClean="0"/>
+                        <a:t>IP</a:t>
+                      </a:r>
+                      <a:endParaRPr lang="ru-RU" dirty="0"/>
+                    </a:p>
+                  </a:txBody>
+                  <a:tcPr/>
+                </a:tc>
+                <a:tc>
+                  <a:txBody>
+                    <a:bodyPr/>
+                    <a:lstStyle/>
+                    <a:p>
+                      <a:pPr algn="ctr"/>
+                      <a:r>
+                        <a:rPr lang="en-US" dirty="0" err="1" smtClean="0"/>
+                        <a:t>Src</a:t>
+                      </a:r>
+                      <a:r>
+                        <a:rPr lang="en-US" dirty="0" smtClean="0"/>
+                        <a:t/>
+                      </a:r>
+                      <a:br>
+                        <a:rPr lang="en-US" dirty="0" smtClean="0"/>
+                      </a:br>
+                      <a:r>
+                        <a:rPr lang="en-US" dirty="0" smtClean="0"/>
+                        <a:t>Port</a:t>
+                      </a:r>
+                      <a:endParaRPr lang="ru-RU" dirty="0"/>
+                    </a:p>
+                  </a:txBody>
+                  <a:tcPr/>
+                </a:tc>
+                <a:tc>
+                  <a:txBody>
+                    <a:bodyPr/>
+                    <a:lstStyle/>
+                    <a:p>
+                      <a:pPr algn="ctr"/>
+                      <a:r>
+                        <a:rPr lang="en-US" dirty="0" err="1" smtClean="0"/>
+                        <a:t>Dst</a:t>
+                      </a:r>
+                      <a:r>
+                        <a:rPr lang="en-US" baseline="0" dirty="0" smtClean="0"/>
+                        <a:t/>
+                      </a:r>
+                      <a:br>
+                        <a:rPr lang="en-US" baseline="0" dirty="0" smtClean="0"/>
+                      </a:br>
+                      <a:r>
+                        <a:rPr lang="en-US" baseline="0" dirty="0" smtClean="0"/>
+                        <a:t>IP</a:t>
+                      </a:r>
+                      <a:endParaRPr lang="ru-RU" dirty="0"/>
+                    </a:p>
+                  </a:txBody>
+                  <a:tcPr/>
+                </a:tc>
+                <a:tc>
+                  <a:txBody>
+                    <a:bodyPr/>
+                    <a:lstStyle/>
+                    <a:p>
+                      <a:pPr algn="ctr"/>
+                      <a:r>
+                        <a:rPr lang="en-US" dirty="0" err="1" smtClean="0"/>
+                        <a:t>Dst</a:t>
+                      </a:r>
+                      <a:r>
+                        <a:rPr lang="en-US" dirty="0" smtClean="0"/>
+                        <a:t/>
+                      </a:r>
+                      <a:br>
+                        <a:rPr lang="en-US" dirty="0" smtClean="0"/>
+                      </a:br>
+                      <a:r>
+                        <a:rPr lang="en-US" dirty="0" smtClean="0"/>
+                        <a:t>Port</a:t>
+                      </a:r>
+                      <a:endParaRPr lang="ru-RU" dirty="0"/>
+                    </a:p>
+                  </a:txBody>
+                  <a:tcPr/>
+                </a:tc>
+                <a:tc>
+                  <a:txBody>
+                    <a:bodyPr/>
+                    <a:lstStyle/>
+                    <a:p>
+                      <a:pPr algn="ctr"/>
+                      <a:r>
+                        <a:rPr lang="en-US" dirty="0" err="1" smtClean="0"/>
+                        <a:t>Src</a:t>
+                      </a:r>
+                      <a:endParaRPr lang="en-US" dirty="0" smtClean="0"/>
+                    </a:p>
+                    <a:p>
+                      <a:pPr algn="ctr"/>
+                      <a:r>
+                        <a:rPr lang="en-US" dirty="0" smtClean="0"/>
+                        <a:t>IP’</a:t>
+                      </a:r>
+                      <a:endParaRPr lang="ru-RU" dirty="0"/>
+                    </a:p>
+                  </a:txBody>
+                  <a:tcPr/>
+                </a:tc>
+                <a:tc>
+                  <a:txBody>
+                    <a:bodyPr/>
+                    <a:lstStyle/>
+                    <a:p>
+                      <a:pPr algn="ctr"/>
+                      <a:r>
+                        <a:rPr lang="en-US" dirty="0" err="1" smtClean="0"/>
+                        <a:t>Src</a:t>
+                      </a:r>
+                      <a:endParaRPr lang="en-US" dirty="0" smtClean="0"/>
+                    </a:p>
+                    <a:p>
+                      <a:pPr algn="ctr"/>
+                      <a:r>
+                        <a:rPr lang="en-US" dirty="0" smtClean="0"/>
+                        <a:t>Port’</a:t>
+                      </a:r>
+                      <a:endParaRPr lang="ru-RU" dirty="0"/>
+                    </a:p>
+                  </a:txBody>
+                  <a:tcPr/>
+                </a:tc>
+                <a:tc>
+                  <a:txBody>
+                    <a:bodyPr/>
+                    <a:lstStyle/>
+                    <a:p>
+                      <a:pPr algn="ctr"/>
+                      <a:r>
+                        <a:rPr lang="en-US" dirty="0" err="1" smtClean="0"/>
+                        <a:t>Dst</a:t>
+                      </a:r>
+                      <a:endParaRPr lang="en-US" dirty="0" smtClean="0"/>
+                    </a:p>
+                    <a:p>
+                      <a:pPr algn="ctr"/>
+                      <a:r>
+                        <a:rPr lang="en-US" dirty="0" smtClean="0"/>
+                        <a:t>IP’</a:t>
+                      </a:r>
+                      <a:endParaRPr lang="ru-RU" dirty="0"/>
+                    </a:p>
+                  </a:txBody>
+                  <a:tcPr/>
+                </a:tc>
+                <a:tc>
+                  <a:txBody>
+                    <a:bodyPr/>
+                    <a:lstStyle/>
+                    <a:p>
+                      <a:pPr algn="ctr"/>
+                      <a:r>
+                        <a:rPr lang="en-US" dirty="0" err="1" smtClean="0"/>
+                        <a:t>Dst</a:t>
+                      </a:r>
+                      <a:r>
+                        <a:rPr lang="en-US" dirty="0" smtClean="0"/>
+                        <a:t/>
+                      </a:r>
+                      <a:br>
+                        <a:rPr lang="en-US" dirty="0" smtClean="0"/>
+                      </a:br>
+                      <a:r>
+                        <a:rPr lang="en-US" dirty="0" smtClean="0"/>
+                        <a:t>Port’</a:t>
+                      </a:r>
+                      <a:endParaRPr lang="ru-RU" dirty="0"/>
+                    </a:p>
+                  </a:txBody>
+                  <a:tcPr/>
+                </a:tc>
+                <a:tc>
+                  <a:txBody>
+                    <a:bodyPr/>
+                    <a:lstStyle/>
+                    <a:p>
+                      <a:r>
+                        <a:rPr lang="en-US" dirty="0" smtClean="0"/>
+                        <a:t>TTL</a:t>
+                      </a:r>
+                      <a:endParaRPr lang="ru-RU" dirty="0"/>
+                    </a:p>
+                  </a:txBody>
+                  <a:tcPr/>
+                </a:tc>
+                <a:extLst>
+                  <a:ext uri="{0D108BD9-81ED-4DB2-BD59-A6C34878D82A}">
+                    <a16:rowId xmlns:a16="http://schemas.microsoft.com/office/drawing/2014/main" val="378008609"/>
+                  </a:ext>
+                </a:extLst>
+              </a:tr>
+              <a:tr h="370840">
+                <a:tc>
+                  <a:txBody>
+                    <a:bodyPr/>
+                    <a:lstStyle/>
+                    <a:p>
+                      <a:r>
+                        <a:rPr lang="en-US" dirty="0" smtClean="0"/>
+                        <a:t>1.2.3.4</a:t>
+                      </a:r>
+                      <a:endParaRPr lang="ru-RU" dirty="0"/>
+                    </a:p>
+                  </a:txBody>
+                  <a:tcPr/>
+                </a:tc>
+                <a:tc>
+                  <a:txBody>
+                    <a:bodyPr/>
+                    <a:lstStyle/>
+                    <a:p>
+                      <a:r>
+                        <a:rPr lang="en-US" dirty="0" smtClean="0"/>
+                        <a:t>56401</a:t>
+                      </a:r>
+                      <a:endParaRPr lang="ru-RU" dirty="0"/>
+                    </a:p>
+                  </a:txBody>
+                  <a:tcPr/>
+                </a:tc>
+                <a:tc>
+                  <a:txBody>
+                    <a:bodyPr/>
+                    <a:lstStyle/>
+                    <a:p>
+                      <a:pPr marL="0" marR="0" indent="0" algn="l" defTabSz="914400" rtl="0" eaLnBrk="1" fontAlgn="auto" latinLnBrk="0" hangingPunct="1">
+                        <a:lnSpc>
+                          <a:spcPct val="100000"/>
+                        </a:lnSpc>
+                        <a:spcBef>
+                          <a:spcPts val="0"/>
+                        </a:spcBef>
+                        <a:spcAft>
+                          <a:spcPts val="0"/>
+                        </a:spcAft>
+                        <a:buClrTx/>
+                        <a:buSzTx/>
+                        <a:buFontTx/>
+                        <a:buNone/>
+                        <a:tabLst/>
+                        <a:defRPr/>
+                      </a:pPr>
+                      <a:r>
+                        <a:rPr lang="en-US" dirty="0" smtClean="0"/>
+                        <a:t>7.8.0.1</a:t>
+                      </a:r>
+                      <a:endParaRPr lang="ru-RU" dirty="0" smtClean="0"/>
+                    </a:p>
+                  </a:txBody>
+                  <a:tcPr/>
+                </a:tc>
+                <a:tc>
+                  <a:txBody>
+                    <a:bodyPr/>
+                    <a:lstStyle/>
+                    <a:p>
+                      <a:r>
+                        <a:rPr lang="en-US" dirty="0" smtClean="0"/>
+                        <a:t>80</a:t>
+                      </a:r>
+                      <a:endParaRPr lang="ru-RU" dirty="0"/>
+                    </a:p>
+                  </a:txBody>
+                  <a:tcPr/>
+                </a:tc>
+                <a:tc>
+                  <a:txBody>
+                    <a:bodyPr/>
+                    <a:lstStyle/>
+                    <a:p>
+                      <a:r>
+                        <a:rPr lang="en-US" dirty="0" smtClean="0"/>
+                        <a:t>1.2.3.4</a:t>
+                      </a:r>
+                      <a:endParaRPr lang="ru-RU" dirty="0"/>
+                    </a:p>
+                  </a:txBody>
+                  <a:tcPr/>
+                </a:tc>
+                <a:tc>
+                  <a:txBody>
+                    <a:bodyPr/>
+                    <a:lstStyle/>
+                    <a:p>
+                      <a:r>
+                        <a:rPr lang="en-US" dirty="0" smtClean="0"/>
+                        <a:t>37453</a:t>
+                      </a:r>
+                      <a:endParaRPr lang="ru-RU" dirty="0"/>
+                    </a:p>
+                  </a:txBody>
+                  <a:tcPr/>
+                </a:tc>
+                <a:tc>
+                  <a:txBody>
+                    <a:bodyPr/>
+                    <a:lstStyle/>
+                    <a:p>
+                      <a:r>
+                        <a:rPr lang="en-US" dirty="0" smtClean="0"/>
+                        <a:t>192.168.1.5</a:t>
+                      </a:r>
+                      <a:endParaRPr lang="ru-RU" dirty="0"/>
+                    </a:p>
+                  </a:txBody>
+                  <a:tcPr/>
+                </a:tc>
+                <a:tc>
+                  <a:txBody>
+                    <a:bodyPr/>
+                    <a:lstStyle/>
+                    <a:p>
+                      <a:r>
+                        <a:rPr lang="en-US" dirty="0" smtClean="0"/>
+                        <a:t>80</a:t>
+                      </a:r>
+                      <a:endParaRPr lang="ru-RU" dirty="0"/>
+                    </a:p>
+                  </a:txBody>
+                  <a:tcPr/>
+                </a:tc>
+                <a:tc>
+                  <a:txBody>
+                    <a:bodyPr/>
+                    <a:lstStyle/>
+                    <a:p>
+                      <a:r>
+                        <a:rPr lang="en-US" dirty="0" smtClean="0"/>
+                        <a:t>60</a:t>
+                      </a:r>
+                      <a:endParaRPr lang="ru-RU" dirty="0"/>
+                    </a:p>
+                  </a:txBody>
+                  <a:tcPr/>
+                </a:tc>
+                <a:extLst>
+                  <a:ext uri="{0D108BD9-81ED-4DB2-BD59-A6C34878D82A}">
+                    <a16:rowId xmlns:a16="http://schemas.microsoft.com/office/drawing/2014/main" val="915896166"/>
+                  </a:ext>
+                </a:extLst>
+              </a:tr>
+              <a:tr h="370840">
+                <a:tc>
+                  <a:txBody>
+                    <a:bodyPr/>
+                    <a:lstStyle/>
+                    <a:p>
+                      <a:r>
+                        <a:rPr lang="en-US" dirty="0" smtClean="0"/>
+                        <a:t>8.7.6.5</a:t>
+                      </a:r>
+                      <a:endParaRPr lang="ru-RU" dirty="0"/>
+                    </a:p>
+                  </a:txBody>
+                  <a:tcPr/>
+                </a:tc>
+                <a:tc>
+                  <a:txBody>
+                    <a:bodyPr/>
+                    <a:lstStyle/>
+                    <a:p>
+                      <a:r>
+                        <a:rPr lang="en-US" dirty="0" smtClean="0"/>
+                        <a:t>46804</a:t>
+                      </a:r>
+                      <a:endParaRPr lang="ru-RU" dirty="0"/>
+                    </a:p>
+                  </a:txBody>
+                  <a:tcPr/>
+                </a:tc>
+                <a:tc>
+                  <a:txBody>
+                    <a:bodyPr/>
+                    <a:lstStyle/>
+                    <a:p>
+                      <a:pPr marL="0" marR="0" indent="0" algn="l" defTabSz="914400" rtl="0" eaLnBrk="1" fontAlgn="auto" latinLnBrk="0" hangingPunct="1">
+                        <a:lnSpc>
+                          <a:spcPct val="100000"/>
+                        </a:lnSpc>
+                        <a:spcBef>
+                          <a:spcPts val="0"/>
+                        </a:spcBef>
+                        <a:spcAft>
+                          <a:spcPts val="0"/>
+                        </a:spcAft>
+                        <a:buClrTx/>
+                        <a:buSzTx/>
+                        <a:buFontTx/>
+                        <a:buNone/>
+                        <a:tabLst/>
+                        <a:defRPr/>
+                      </a:pPr>
+                      <a:r>
+                        <a:rPr lang="en-US" dirty="0" smtClean="0"/>
+                        <a:t>7.8.0.1</a:t>
+                      </a:r>
+                      <a:endParaRPr lang="ru-RU" dirty="0" smtClean="0"/>
+                    </a:p>
+                  </a:txBody>
+                  <a:tcPr/>
+                </a:tc>
+                <a:tc>
+                  <a:txBody>
+                    <a:bodyPr/>
+                    <a:lstStyle/>
+                    <a:p>
+                      <a:r>
+                        <a:rPr lang="en-US" dirty="0" smtClean="0"/>
+                        <a:t>443</a:t>
+                      </a:r>
+                      <a:endParaRPr lang="ru-RU" dirty="0"/>
+                    </a:p>
+                  </a:txBody>
+                  <a:tcPr/>
+                </a:tc>
+                <a:tc>
+                  <a:txBody>
+                    <a:bodyPr/>
+                    <a:lstStyle/>
+                    <a:p>
+                      <a:r>
+                        <a:rPr lang="en-US" dirty="0" smtClean="0"/>
+                        <a:t>8.7.6.5</a:t>
+                      </a:r>
+                      <a:endParaRPr lang="ru-RU" dirty="0"/>
+                    </a:p>
+                  </a:txBody>
+                  <a:tcPr/>
+                </a:tc>
+                <a:tc>
+                  <a:txBody>
+                    <a:bodyPr/>
+                    <a:lstStyle/>
+                    <a:p>
+                      <a:r>
+                        <a:rPr lang="en-US" dirty="0" smtClean="0"/>
+                        <a:t>37454</a:t>
+                      </a:r>
+                      <a:endParaRPr lang="ru-RU" dirty="0"/>
+                    </a:p>
+                  </a:txBody>
+                  <a:tcPr/>
+                </a:tc>
+                <a:tc>
+                  <a:txBody>
+                    <a:bodyPr/>
+                    <a:lstStyle/>
+                    <a:p>
+                      <a:r>
+                        <a:rPr lang="en-US" dirty="0" smtClean="0"/>
+                        <a:t>192.168.1.5</a:t>
+                      </a:r>
+                      <a:endParaRPr lang="ru-RU" dirty="0"/>
+                    </a:p>
+                  </a:txBody>
+                  <a:tcPr/>
+                </a:tc>
+                <a:tc>
+                  <a:txBody>
+                    <a:bodyPr/>
+                    <a:lstStyle/>
+                    <a:p>
+                      <a:r>
+                        <a:rPr lang="en-US" dirty="0" smtClean="0"/>
+                        <a:t>443</a:t>
+                      </a:r>
+                      <a:endParaRPr lang="ru-RU" dirty="0"/>
+                    </a:p>
+                  </a:txBody>
+                  <a:tcPr/>
+                </a:tc>
+                <a:tc>
+                  <a:txBody>
+                    <a:bodyPr/>
+                    <a:lstStyle/>
+                    <a:p>
+                      <a:r>
+                        <a:rPr lang="en-US" dirty="0" smtClean="0"/>
+                        <a:t>58</a:t>
+                      </a:r>
+                      <a:endParaRPr lang="ru-RU" dirty="0"/>
+                    </a:p>
+                  </a:txBody>
+                  <a:tcPr/>
+                </a:tc>
+                <a:extLst>
+                  <a:ext uri="{0D108BD9-81ED-4DB2-BD59-A6C34878D82A}">
+                    <a16:rowId xmlns:a16="http://schemas.microsoft.com/office/drawing/2014/main" val="3219675515"/>
+                  </a:ext>
+                </a:extLst>
+              </a:tr>
+              <a:tr h="370840">
+                <a:tc>
+                  <a:txBody>
+                    <a:bodyPr/>
+                    <a:lstStyle/>
+                    <a:p>
+                      <a:r>
+                        <a:rPr lang="en-US" dirty="0" smtClean="0"/>
+                        <a:t>1.2.3.4</a:t>
+                      </a:r>
+                      <a:endParaRPr lang="ru-RU" dirty="0"/>
+                    </a:p>
+                  </a:txBody>
+                  <a:tcPr/>
+                </a:tc>
+                <a:tc>
+                  <a:txBody>
+                    <a:bodyPr/>
+                    <a:lstStyle/>
+                    <a:p>
+                      <a:r>
+                        <a:rPr lang="en-US" dirty="0" smtClean="0"/>
+                        <a:t>56402</a:t>
+                      </a:r>
+                      <a:endParaRPr lang="ru-RU" dirty="0"/>
+                    </a:p>
+                  </a:txBody>
+                  <a:tcPr/>
+                </a:tc>
+                <a:tc>
+                  <a:txBody>
+                    <a:bodyPr/>
+                    <a:lstStyle/>
+                    <a:p>
+                      <a:pPr marL="0" marR="0" indent="0" algn="l" defTabSz="914400" rtl="0" eaLnBrk="1" fontAlgn="auto" latinLnBrk="0" hangingPunct="1">
+                        <a:lnSpc>
+                          <a:spcPct val="100000"/>
+                        </a:lnSpc>
+                        <a:spcBef>
+                          <a:spcPts val="0"/>
+                        </a:spcBef>
+                        <a:spcAft>
+                          <a:spcPts val="0"/>
+                        </a:spcAft>
+                        <a:buClrTx/>
+                        <a:buSzTx/>
+                        <a:buFontTx/>
+                        <a:buNone/>
+                        <a:tabLst/>
+                        <a:defRPr/>
+                      </a:pPr>
+                      <a:r>
+                        <a:rPr lang="en-US" dirty="0" smtClean="0"/>
+                        <a:t>7.8.0.1</a:t>
+                      </a:r>
+                      <a:endParaRPr lang="ru-RU" dirty="0" smtClean="0"/>
+                    </a:p>
+                  </a:txBody>
+                  <a:tcPr/>
+                </a:tc>
+                <a:tc>
+                  <a:txBody>
+                    <a:bodyPr/>
+                    <a:lstStyle/>
+                    <a:p>
+                      <a:r>
+                        <a:rPr lang="en-US" dirty="0" smtClean="0"/>
+                        <a:t>80</a:t>
+                      </a:r>
+                      <a:endParaRPr lang="ru-RU" dirty="0"/>
+                    </a:p>
+                  </a:txBody>
+                  <a:tcPr/>
+                </a:tc>
+                <a:tc>
+                  <a:txBody>
+                    <a:bodyPr/>
+                    <a:lstStyle/>
+                    <a:p>
+                      <a:r>
+                        <a:rPr lang="en-US" dirty="0" smtClean="0"/>
+                        <a:t>1.2.3.4</a:t>
+                      </a:r>
+                      <a:endParaRPr lang="ru-RU" dirty="0"/>
+                    </a:p>
+                  </a:txBody>
+                  <a:tcPr/>
+                </a:tc>
+                <a:tc>
+                  <a:txBody>
+                    <a:bodyPr/>
+                    <a:lstStyle/>
+                    <a:p>
+                      <a:r>
+                        <a:rPr lang="en-US" dirty="0" smtClean="0"/>
+                        <a:t>37455</a:t>
+                      </a:r>
+                      <a:endParaRPr lang="ru-RU" dirty="0"/>
+                    </a:p>
+                  </a:txBody>
+                  <a:tcPr/>
+                </a:tc>
+                <a:tc>
+                  <a:txBody>
+                    <a:bodyPr/>
+                    <a:lstStyle/>
+                    <a:p>
+                      <a:r>
+                        <a:rPr lang="en-US" dirty="0" smtClean="0"/>
+                        <a:t>192.168.1.5</a:t>
+                      </a:r>
+                      <a:endParaRPr lang="ru-RU" dirty="0"/>
+                    </a:p>
+                  </a:txBody>
+                  <a:tcPr/>
+                </a:tc>
+                <a:tc>
+                  <a:txBody>
+                    <a:bodyPr/>
+                    <a:lstStyle/>
+                    <a:p>
+                      <a:r>
+                        <a:rPr lang="en-US" dirty="0" smtClean="0"/>
+                        <a:t>80</a:t>
+                      </a:r>
+                      <a:endParaRPr lang="ru-RU" dirty="0"/>
+                    </a:p>
+                  </a:txBody>
+                  <a:tcPr/>
+                </a:tc>
+                <a:tc>
+                  <a:txBody>
+                    <a:bodyPr/>
+                    <a:lstStyle/>
+                    <a:p>
+                      <a:r>
+                        <a:rPr lang="en-US" dirty="0" smtClean="0"/>
+                        <a:t>53</a:t>
+                      </a:r>
+                      <a:endParaRPr lang="ru-RU" dirty="0"/>
+                    </a:p>
+                  </a:txBody>
+                  <a:tcPr/>
+                </a:tc>
+                <a:extLst>
+                  <a:ext uri="{0D108BD9-81ED-4DB2-BD59-A6C34878D82A}">
+                    <a16:rowId xmlns:a16="http://schemas.microsoft.com/office/drawing/2014/main" val="1316994205"/>
+                  </a:ext>
+                </a:extLst>
+              </a:tr>
+              <a:tr h="370840">
+                <a:tc>
+                  <a:txBody>
+                    <a:bodyPr/>
+                    <a:lstStyle/>
+                    <a:p>
+                      <a:pPr algn="ctr"/>
+                      <a:r>
+                        <a:rPr lang="en-US" dirty="0" smtClean="0"/>
+                        <a:t>…</a:t>
+                      </a:r>
+                      <a:endParaRPr lang="ru-RU" dirty="0"/>
+                    </a:p>
+                  </a:txBody>
+                  <a:tcPr/>
+                </a:tc>
+                <a:tc>
+                  <a:txBody>
+                    <a:bodyPr/>
+                    <a:lstStyle/>
+                    <a:p>
+                      <a:pPr algn="ctr"/>
+                      <a:r>
+                        <a:rPr lang="en-US" dirty="0" smtClean="0"/>
+                        <a:t>…</a:t>
+                      </a:r>
+                      <a:endParaRPr lang="ru-RU" dirty="0"/>
+                    </a:p>
+                  </a:txBody>
+                  <a:tcPr/>
+                </a:tc>
+                <a:tc>
+                  <a:txBody>
+                    <a:bodyPr/>
+                    <a:lstStyle/>
+                    <a:p>
+                      <a:pPr algn="ctr"/>
+                      <a:r>
+                        <a:rPr lang="en-US" dirty="0" smtClean="0"/>
+                        <a:t>…</a:t>
+                      </a:r>
+                      <a:endParaRPr lang="ru-RU" dirty="0"/>
+                    </a:p>
+                  </a:txBody>
+                  <a:tcPr/>
+                </a:tc>
+                <a:tc>
+                  <a:txBody>
+                    <a:bodyPr/>
+                    <a:lstStyle/>
+                    <a:p>
+                      <a:pPr algn="ctr"/>
+                      <a:r>
+                        <a:rPr lang="en-US" dirty="0" smtClean="0"/>
+                        <a:t>…</a:t>
+                      </a:r>
+                      <a:endParaRPr lang="ru-RU" dirty="0"/>
+                    </a:p>
+                  </a:txBody>
+                  <a:tcPr/>
+                </a:tc>
+                <a:tc>
+                  <a:txBody>
+                    <a:bodyPr/>
+                    <a:lstStyle/>
+                    <a:p>
+                      <a:pPr algn="ctr"/>
+                      <a:r>
+                        <a:rPr lang="en-US" dirty="0" smtClean="0"/>
+                        <a:t>…</a:t>
+                      </a:r>
+                      <a:endParaRPr lang="ru-RU" dirty="0"/>
+                    </a:p>
+                  </a:txBody>
+                  <a:tcPr/>
+                </a:tc>
+                <a:tc>
+                  <a:txBody>
+                    <a:bodyPr/>
+                    <a:lstStyle/>
+                    <a:p>
+                      <a:pPr algn="ctr"/>
+                      <a:r>
+                        <a:rPr lang="en-US" dirty="0" smtClean="0"/>
+                        <a:t>…</a:t>
+                      </a:r>
+                      <a:endParaRPr lang="ru-RU" dirty="0"/>
+                    </a:p>
+                  </a:txBody>
+                  <a:tcPr/>
+                </a:tc>
+                <a:tc>
+                  <a:txBody>
+                    <a:bodyPr/>
+                    <a:lstStyle/>
+                    <a:p>
+                      <a:pPr algn="ctr"/>
+                      <a:r>
+                        <a:rPr lang="en-US" dirty="0" smtClean="0"/>
+                        <a:t>…</a:t>
+                      </a:r>
+                      <a:endParaRPr lang="ru-RU" dirty="0"/>
+                    </a:p>
+                  </a:txBody>
+                  <a:tcPr/>
+                </a:tc>
+                <a:tc>
+                  <a:txBody>
+                    <a:bodyPr/>
+                    <a:lstStyle/>
+                    <a:p>
+                      <a:pPr algn="ctr"/>
+                      <a:r>
+                        <a:rPr lang="en-US" dirty="0" smtClean="0"/>
+                        <a:t>…</a:t>
+                      </a:r>
+                      <a:endParaRPr lang="ru-RU" dirty="0"/>
+                    </a:p>
+                  </a:txBody>
+                  <a:tcPr/>
+                </a:tc>
+                <a:tc>
+                  <a:txBody>
+                    <a:bodyPr/>
+                    <a:lstStyle/>
+                    <a:p>
+                      <a:pPr algn="ctr"/>
+                      <a:r>
+                        <a:rPr lang="en-US" dirty="0" smtClean="0"/>
+                        <a:t>…</a:t>
+                      </a:r>
+                      <a:endParaRPr lang="ru-RU" dirty="0"/>
+                    </a:p>
+                  </a:txBody>
+                  <a:tcPr/>
+                </a:tc>
+                <a:extLst>
+                  <a:ext uri="{0D108BD9-81ED-4DB2-BD59-A6C34878D82A}">
+                    <a16:rowId xmlns:a16="http://schemas.microsoft.com/office/drawing/2014/main" val="268427842"/>
+                  </a:ext>
+                </a:extLst>
+              </a:tr>
+            </a:tbl>
+          </a:graphicData>
+        </a:graphic>
+      </p:graphicFrame>
+      <p:sp>
+        <p:nvSpPr>
+          <p:cNvPr id="11" name="Выгнутая вниз стрелка 10"/>
+          <p:cNvSpPr/>
+          <p:nvPr/>
+        </p:nvSpPr>
+        <p:spPr bwMode="auto">
+          <a:xfrm flipV="1">
+            <a:off x="3347864" y="2227399"/>
+            <a:ext cx="3456384" cy="481520"/>
+          </a:xfrm>
+          <a:prstGeom prst="curvedUpArrow">
+            <a:avLst/>
+          </a:prstGeom>
+          <a:noFill/>
+          <a:ln w="19050" cap="flat" cmpd="sng" algn="ctr">
+            <a:solidFill>
+              <a:srgbClr val="00B050"/>
+            </a:solidFill>
+            <a:prstDash val="solid"/>
+            <a:round/>
+            <a:headEnd type="none" w="med" len="med"/>
+            <a:tailEnd type="none" w="med" len="med"/>
+          </a:ln>
+          <a:effectLst/>
+          <a:extLst>
+            <a:ext uri="{909E8E84-426E-40DD-AFC4-6F175D3DCCD1}">
+              <a14:hiddenFill xmlns:a14="http://schemas.microsoft.com/office/drawing/2010/main">
+                <a:solidFill>
+                  <a:schemeClr val="accent1"/>
+                </a:solidFill>
+              </a14:hiddenFill>
+            </a:ext>
+            <a:ext uri="{AF507438-7753-43E0-B8FC-AC1667EBCBE1}">
+              <a14:hiddenEffects xmlns:a14="http://schemas.microsoft.com/office/drawing/2010/main">
+                <a:effectLst>
+                  <a:outerShdw dist="35921" dir="2700000" algn="ctr" rotWithShape="0">
+                    <a:schemeClr val="bg2"/>
+                  </a:outerShdw>
+                </a:effectLst>
+              </a14:hiddenEffects>
+            </a:ext>
+          </a:extLst>
+        </p:spPr>
+        <p:txBody>
+          <a:bodyPr vert="horz" wrap="square" lIns="91440" tIns="45720" rIns="91440" bIns="0" numCol="1" rtlCol="0" anchor="t" anchorCtr="0" compatLnSpc="1">
+            <a:prstTxWarp prst="textNoShape">
+              <a:avLst/>
+            </a:prstTxWarp>
+          </a:bodyPr>
+          <a:lstStyle/>
+          <a:p>
+            <a:pPr marL="457200" marR="0" indent="-457200" algn="l" defTabSz="914400" rtl="0" eaLnBrk="1" fontAlgn="base" latinLnBrk="0" hangingPunct="1">
+              <a:lnSpc>
+                <a:spcPct val="100000"/>
+              </a:lnSpc>
+              <a:spcBef>
+                <a:spcPct val="20000"/>
+              </a:spcBef>
+              <a:spcAft>
+                <a:spcPct val="0"/>
+              </a:spcAft>
+              <a:buClr>
+                <a:srgbClr val="A50021"/>
+              </a:buClr>
+              <a:buSzPct val="75000"/>
+              <a:buFont typeface="Wingdings" pitchFamily="2" charset="2"/>
+              <a:buChar char="n"/>
+              <a:tabLst/>
+            </a:pPr>
+            <a:endParaRPr kumimoji="1" lang="ru-RU" sz="2000" b="0" i="0" u="none" strike="noStrike" cap="none" normalizeH="0" baseline="0" smtClean="0">
+              <a:ln>
+                <a:noFill/>
+              </a:ln>
+              <a:solidFill>
+                <a:schemeClr val="tx1"/>
+              </a:solidFill>
+              <a:effectLst/>
+              <a:latin typeface="Times New Roman" pitchFamily="18" charset="0"/>
+              <a:cs typeface="Times New Roman" pitchFamily="18" charset="0"/>
+            </a:endParaRPr>
+          </a:p>
+        </p:txBody>
+      </p:sp>
+      <p:sp>
+        <p:nvSpPr>
+          <p:cNvPr id="12" name="Левая фигурная скобка 11"/>
+          <p:cNvSpPr/>
+          <p:nvPr/>
+        </p:nvSpPr>
+        <p:spPr bwMode="auto">
+          <a:xfrm rot="16200000">
+            <a:off x="6294526" y="3325861"/>
+            <a:ext cx="299370" cy="3312368"/>
+          </a:xfrm>
+          <a:prstGeom prst="leftBrace">
+            <a:avLst>
+              <a:gd name="adj1" fmla="val 8333"/>
+              <a:gd name="adj2" fmla="val 48859"/>
+            </a:avLst>
+          </a:prstGeom>
+          <a:noFill/>
+          <a:ln w="12700" cap="flat" cmpd="sng" algn="ctr">
+            <a:solidFill>
+              <a:srgbClr val="FF0000"/>
+            </a:solidFill>
+            <a:prstDash val="solid"/>
+            <a:round/>
+            <a:headEnd type="none" w="med" len="med"/>
+            <a:tailEnd type="none" w="med" len="med"/>
+          </a:ln>
+          <a:effectLst/>
+          <a:extLst>
+            <a:ext uri="{909E8E84-426E-40DD-AFC4-6F175D3DCCD1}">
+              <a14:hiddenFill xmlns:a14="http://schemas.microsoft.com/office/drawing/2010/main">
+                <a:solidFill>
+                  <a:schemeClr val="accent1"/>
+                </a:solidFill>
+              </a14:hiddenFill>
+            </a:ext>
+            <a:ext uri="{AF507438-7753-43E0-B8FC-AC1667EBCBE1}">
+              <a14:hiddenEffects xmlns:a14="http://schemas.microsoft.com/office/drawing/2010/main">
+                <a:effectLst>
+                  <a:outerShdw dist="35921" dir="2700000" algn="ctr" rotWithShape="0">
+                    <a:schemeClr val="bg2"/>
+                  </a:outerShdw>
+                </a:effectLst>
+              </a14:hiddenEffects>
+            </a:ext>
+          </a:extLst>
+        </p:spPr>
+        <p:txBody>
+          <a:bodyPr vert="horz" wrap="square" lIns="91440" tIns="45720" rIns="91440" bIns="0" numCol="1" rtlCol="0" anchor="t" anchorCtr="0" compatLnSpc="1">
+            <a:prstTxWarp prst="textNoShape">
+              <a:avLst/>
+            </a:prstTxWarp>
+          </a:bodyPr>
+          <a:lstStyle/>
+          <a:p>
+            <a:pPr marL="457200" marR="0" indent="-457200" algn="l" defTabSz="914400" rtl="0" eaLnBrk="1" fontAlgn="base" latinLnBrk="0" hangingPunct="1">
+              <a:lnSpc>
+                <a:spcPct val="100000"/>
+              </a:lnSpc>
+              <a:spcBef>
+                <a:spcPct val="20000"/>
+              </a:spcBef>
+              <a:spcAft>
+                <a:spcPct val="0"/>
+              </a:spcAft>
+              <a:buClr>
+                <a:srgbClr val="A50021"/>
+              </a:buClr>
+              <a:buSzPct val="75000"/>
+              <a:buFont typeface="Wingdings" pitchFamily="2" charset="2"/>
+              <a:buChar char="n"/>
+              <a:tabLst/>
+            </a:pPr>
+            <a:endParaRPr kumimoji="1" lang="ru-RU" sz="2000" b="0" i="0" u="none" strike="noStrike" cap="none" normalizeH="0" baseline="0" smtClean="0">
+              <a:ln>
+                <a:noFill/>
+              </a:ln>
+              <a:solidFill>
+                <a:schemeClr val="tx1"/>
+              </a:solidFill>
+              <a:effectLst/>
+              <a:latin typeface="Times New Roman" pitchFamily="18" charset="0"/>
+              <a:cs typeface="Times New Roman" pitchFamily="18" charset="0"/>
+            </a:endParaRPr>
+          </a:p>
+        </p:txBody>
+      </p:sp>
+      <p:sp>
+        <p:nvSpPr>
+          <p:cNvPr id="13" name="Выгнутая вниз стрелка 12"/>
+          <p:cNvSpPr/>
+          <p:nvPr/>
+        </p:nvSpPr>
+        <p:spPr bwMode="auto">
+          <a:xfrm flipH="1">
+            <a:off x="3203848" y="5229200"/>
+            <a:ext cx="3240360" cy="316424"/>
+          </a:xfrm>
+          <a:prstGeom prst="curvedUpArrow">
+            <a:avLst>
+              <a:gd name="adj1" fmla="val 25000"/>
+              <a:gd name="adj2" fmla="val 99465"/>
+              <a:gd name="adj3" fmla="val 25000"/>
+            </a:avLst>
+          </a:prstGeom>
+          <a:noFill/>
+          <a:ln w="19050" cap="flat" cmpd="sng" algn="ctr">
+            <a:solidFill>
+              <a:srgbClr val="FF0000"/>
+            </a:solidFill>
+            <a:prstDash val="solid"/>
+            <a:round/>
+            <a:headEnd type="none" w="med" len="med"/>
+            <a:tailEnd type="none" w="med" len="med"/>
+          </a:ln>
+          <a:effectLst/>
+          <a:extLst>
+            <a:ext uri="{909E8E84-426E-40DD-AFC4-6F175D3DCCD1}">
+              <a14:hiddenFill xmlns:a14="http://schemas.microsoft.com/office/drawing/2010/main">
+                <a:solidFill>
+                  <a:schemeClr val="accent1"/>
+                </a:solidFill>
+              </a14:hiddenFill>
+            </a:ext>
+            <a:ext uri="{AF507438-7753-43E0-B8FC-AC1667EBCBE1}">
+              <a14:hiddenEffects xmlns:a14="http://schemas.microsoft.com/office/drawing/2010/main">
+                <a:effectLst>
+                  <a:outerShdw dist="35921" dir="2700000" algn="ctr" rotWithShape="0">
+                    <a:schemeClr val="bg2"/>
+                  </a:outerShdw>
+                </a:effectLst>
+              </a14:hiddenEffects>
+            </a:ext>
+          </a:extLst>
+        </p:spPr>
+        <p:txBody>
+          <a:bodyPr vert="horz" wrap="square" lIns="91440" tIns="45720" rIns="91440" bIns="0" numCol="1" rtlCol="0" anchor="t" anchorCtr="0" compatLnSpc="1">
+            <a:prstTxWarp prst="textNoShape">
+              <a:avLst/>
+            </a:prstTxWarp>
+          </a:bodyPr>
+          <a:lstStyle/>
+          <a:p>
+            <a:pPr marL="457200" marR="0" indent="-457200" algn="l" defTabSz="914400" rtl="0" eaLnBrk="1" fontAlgn="base" latinLnBrk="0" hangingPunct="1">
+              <a:lnSpc>
+                <a:spcPct val="100000"/>
+              </a:lnSpc>
+              <a:spcBef>
+                <a:spcPct val="20000"/>
+              </a:spcBef>
+              <a:spcAft>
+                <a:spcPct val="0"/>
+              </a:spcAft>
+              <a:buClr>
+                <a:srgbClr val="A50021"/>
+              </a:buClr>
+              <a:buSzPct val="75000"/>
+              <a:buFont typeface="Wingdings" pitchFamily="2" charset="2"/>
+              <a:buChar char="n"/>
+              <a:tabLst/>
+            </a:pPr>
+            <a:endParaRPr kumimoji="1" lang="ru-RU" sz="2000" b="0" i="0" u="none" strike="noStrike" cap="none" normalizeH="0" baseline="0" smtClean="0">
+              <a:ln>
+                <a:noFill/>
+              </a:ln>
+              <a:solidFill>
+                <a:schemeClr val="tx1"/>
+              </a:solidFill>
+              <a:effectLst/>
+              <a:latin typeface="Times New Roman" pitchFamily="18" charset="0"/>
+              <a:cs typeface="Times New Roman" pitchFamily="18" charset="0"/>
+            </a:endParaRPr>
+          </a:p>
+        </p:txBody>
+      </p:sp>
+      <p:sp>
+        <p:nvSpPr>
+          <p:cNvPr id="6" name="TextBox 5"/>
+          <p:cNvSpPr txBox="1"/>
+          <p:nvPr/>
+        </p:nvSpPr>
+        <p:spPr>
+          <a:xfrm>
+            <a:off x="612774" y="5796473"/>
+            <a:ext cx="8308527" cy="978729"/>
+          </a:xfrm>
+          <a:prstGeom prst="rect">
+            <a:avLst/>
+          </a:prstGeom>
+          <a:noFill/>
+        </p:spPr>
+        <p:txBody>
+          <a:bodyPr wrap="square" rtlCol="0">
+            <a:spAutoFit/>
+          </a:bodyPr>
+          <a:lstStyle/>
+          <a:p>
+            <a:r>
+              <a:rPr lang="ru-RU" sz="1800" dirty="0" smtClean="0"/>
+              <a:t>Обычно отдельные таблицы </a:t>
+            </a:r>
+            <a:r>
+              <a:rPr lang="en-US" sz="1800" dirty="0" smtClean="0"/>
+              <a:t>SNAT </a:t>
+            </a:r>
+            <a:r>
+              <a:rPr lang="ru-RU" sz="1800" dirty="0" smtClean="0"/>
+              <a:t>и </a:t>
+            </a:r>
+            <a:r>
+              <a:rPr lang="en-US" sz="1800" dirty="0" smtClean="0"/>
+              <a:t>DNAT</a:t>
+            </a:r>
+            <a:r>
+              <a:rPr lang="ru-RU" sz="1800" dirty="0" smtClean="0"/>
+              <a:t> не выделяются, есть одна общая таблица соединений </a:t>
+            </a:r>
+            <a:r>
+              <a:rPr lang="en-US" sz="1800" dirty="0" smtClean="0"/>
+              <a:t>NAT</a:t>
+            </a:r>
+          </a:p>
+          <a:p>
+            <a:r>
+              <a:rPr lang="ru-RU" sz="1800" dirty="0" smtClean="0"/>
+              <a:t>Иногда используется «двойной» </a:t>
+            </a:r>
+            <a:r>
+              <a:rPr lang="en-US" sz="1800" dirty="0" smtClean="0"/>
+              <a:t>NAT – Source +  Destination</a:t>
+            </a:r>
+            <a:endParaRPr lang="ru-RU" sz="1800" dirty="0"/>
+          </a:p>
+        </p:txBody>
+      </p:sp>
+    </p:spTree>
+    <p:extLst>
+      <p:ext uri="{BB962C8B-B14F-4D97-AF65-F5344CB8AC3E}">
+        <p14:creationId xmlns:p14="http://schemas.microsoft.com/office/powerpoint/2010/main" val="1117914627"/>
+      </p:ext>
+    </p:extLst>
+  </p:cSld>
+  <p:clrMapOvr>
+    <a:masterClrMapping/>
+  </p:clrMapOvr>
+  <p:timing>
+    <p:tnLst>
+      <p:par>
+        <p:cTn id="1" dur="indefinite" restart="never" nodeType="tmRoot"/>
+      </p:par>
+    </p:tnLst>
+  </p:timing>
+</p:sld>
+</file>
+
+<file path=ppt/slides/slide14.xml><?xml version="1.0" encoding="utf-8"?>
+<p:sld xmlns:a="http://schemas.openxmlformats.org/drawingml/2006/main" xmlns:r="http://schemas.openxmlformats.org/officeDocument/2006/relationships" xmlns:p="http://schemas.openxmlformats.org/presentationml/2006/main">
+  <p:cSld>
+    <p:spTree>
+      <p:nvGrpSpPr>
+        <p:cNvPr id="1" name=""/>
+        <p:cNvGrpSpPr/>
+        <p:nvPr/>
+      </p:nvGrpSpPr>
+      <p:grpSpPr>
+        <a:xfrm>
+          <a:off x="0" y="0"/>
+          <a:ext cx="0" cy="0"/>
+          <a:chOff x="0" y="0"/>
+          <a:chExt cx="0" cy="0"/>
+        </a:xfrm>
+      </p:grpSpPr>
+      <p:sp>
+        <p:nvSpPr>
+          <p:cNvPr id="19" name="Заголовок 1"/>
+          <p:cNvSpPr txBox="1">
+            <a:spLocks/>
+          </p:cNvSpPr>
+          <p:nvPr/>
+        </p:nvSpPr>
+        <p:spPr>
+          <a:xfrm>
+            <a:off x="0" y="701874"/>
+            <a:ext cx="9144000" cy="1008112"/>
+          </a:xfrm>
+          <a:prstGeom prst="rect">
+            <a:avLst/>
+          </a:prstGeom>
+        </p:spPr>
+        <p:txBody>
+          <a:bodyPr/>
+          <a:lstStyle>
+            <a:lvl1pPr algn="l" rtl="0" fontAlgn="base">
+              <a:spcBef>
+                <a:spcPct val="0"/>
+              </a:spcBef>
+              <a:spcAft>
+                <a:spcPct val="0"/>
+              </a:spcAft>
+              <a:defRPr sz="4400">
+                <a:solidFill>
+                  <a:schemeClr val="tx2"/>
+                </a:solidFill>
+                <a:latin typeface="+mj-lt"/>
+                <a:ea typeface="+mj-ea"/>
+                <a:cs typeface="+mj-cs"/>
+              </a:defRPr>
+            </a:lvl1pPr>
+            <a:lvl2pPr algn="l" rtl="0" fontAlgn="base">
+              <a:spcBef>
+                <a:spcPct val="0"/>
+              </a:spcBef>
+              <a:spcAft>
+                <a:spcPct val="0"/>
+              </a:spcAft>
+              <a:defRPr sz="4400">
+                <a:solidFill>
+                  <a:schemeClr val="tx2"/>
+                </a:solidFill>
+                <a:latin typeface="Times New Roman" pitchFamily="18" charset="0"/>
+              </a:defRPr>
+            </a:lvl2pPr>
+            <a:lvl3pPr algn="l" rtl="0" fontAlgn="base">
+              <a:spcBef>
+                <a:spcPct val="0"/>
+              </a:spcBef>
+              <a:spcAft>
+                <a:spcPct val="0"/>
+              </a:spcAft>
+              <a:defRPr sz="4400">
+                <a:solidFill>
+                  <a:schemeClr val="tx2"/>
+                </a:solidFill>
+                <a:latin typeface="Times New Roman" pitchFamily="18" charset="0"/>
+              </a:defRPr>
+            </a:lvl3pPr>
+            <a:lvl4pPr algn="l" rtl="0" fontAlgn="base">
+              <a:spcBef>
+                <a:spcPct val="0"/>
+              </a:spcBef>
+              <a:spcAft>
+                <a:spcPct val="0"/>
+              </a:spcAft>
+              <a:defRPr sz="4400">
+                <a:solidFill>
+                  <a:schemeClr val="tx2"/>
+                </a:solidFill>
+                <a:latin typeface="Times New Roman" pitchFamily="18" charset="0"/>
+              </a:defRPr>
+            </a:lvl4pPr>
+            <a:lvl5pPr algn="l" rtl="0" fontAlgn="base">
+              <a:spcBef>
+                <a:spcPct val="0"/>
+              </a:spcBef>
+              <a:spcAft>
+                <a:spcPct val="0"/>
+              </a:spcAft>
+              <a:defRPr sz="4400">
+                <a:solidFill>
+                  <a:schemeClr val="tx2"/>
+                </a:solidFill>
+                <a:latin typeface="Times New Roman" pitchFamily="18" charset="0"/>
+              </a:defRPr>
+            </a:lvl5pPr>
+            <a:lvl6pPr marL="457200" algn="l" rtl="0" fontAlgn="base">
+              <a:spcBef>
+                <a:spcPct val="0"/>
+              </a:spcBef>
+              <a:spcAft>
+                <a:spcPct val="0"/>
+              </a:spcAft>
+              <a:defRPr sz="4400">
+                <a:solidFill>
+                  <a:schemeClr val="tx2"/>
+                </a:solidFill>
+                <a:latin typeface="Times New Roman" pitchFamily="18" charset="0"/>
+              </a:defRPr>
+            </a:lvl6pPr>
+            <a:lvl7pPr marL="914400" algn="l" rtl="0" fontAlgn="base">
+              <a:spcBef>
+                <a:spcPct val="0"/>
+              </a:spcBef>
+              <a:spcAft>
+                <a:spcPct val="0"/>
+              </a:spcAft>
+              <a:defRPr sz="4400">
+                <a:solidFill>
+                  <a:schemeClr val="tx2"/>
+                </a:solidFill>
+                <a:latin typeface="Times New Roman" pitchFamily="18" charset="0"/>
+              </a:defRPr>
+            </a:lvl7pPr>
+            <a:lvl8pPr marL="1371600" algn="l" rtl="0" fontAlgn="base">
+              <a:spcBef>
+                <a:spcPct val="0"/>
+              </a:spcBef>
+              <a:spcAft>
+                <a:spcPct val="0"/>
+              </a:spcAft>
+              <a:defRPr sz="4400">
+                <a:solidFill>
+                  <a:schemeClr val="tx2"/>
+                </a:solidFill>
+                <a:latin typeface="Times New Roman" pitchFamily="18" charset="0"/>
+              </a:defRPr>
+            </a:lvl8pPr>
+            <a:lvl9pPr marL="1828800" algn="l" rtl="0" fontAlgn="base">
+              <a:spcBef>
+                <a:spcPct val="0"/>
+              </a:spcBef>
+              <a:spcAft>
+                <a:spcPct val="0"/>
+              </a:spcAft>
+              <a:defRPr sz="4400">
+                <a:solidFill>
+                  <a:schemeClr val="tx2"/>
+                </a:solidFill>
+                <a:latin typeface="Times New Roman" pitchFamily="18" charset="0"/>
+              </a:defRPr>
+            </a:lvl9pPr>
+          </a:lstStyle>
+          <a:p>
+            <a:pPr algn="ctr">
+              <a:buClrTx/>
+              <a:buSzTx/>
+              <a:buFontTx/>
+              <a:buNone/>
+            </a:pPr>
+            <a:r>
+              <a:rPr kumimoji="0" lang="ru-RU" altLang="ru-RU" b="1" kern="0" dirty="0" smtClean="0"/>
+              <a:t>Недостатки </a:t>
+            </a:r>
+            <a:r>
+              <a:rPr kumimoji="0" lang="en-US" altLang="ru-RU" b="1" kern="0" dirty="0" smtClean="0"/>
+              <a:t>NAT</a:t>
+            </a:r>
+            <a:endParaRPr kumimoji="0" lang="en-US" altLang="ru-RU" b="1" kern="0" dirty="0" smtClean="0"/>
+          </a:p>
+        </p:txBody>
+      </p:sp>
+      <p:sp>
+        <p:nvSpPr>
+          <p:cNvPr id="2" name="AutoShape 4" descr="Router | Cisco Network Topology Icons 3015"/>
+          <p:cNvSpPr>
+            <a:spLocks noChangeAspect="1" noChangeArrowheads="1"/>
+          </p:cNvSpPr>
+          <p:nvPr/>
+        </p:nvSpPr>
+        <p:spPr bwMode="auto">
+          <a:xfrm>
+            <a:off x="155575" y="-144463"/>
+            <a:ext cx="304800" cy="304801"/>
+          </a:xfrm>
+          <a:prstGeom prst="rect">
+            <a:avLst/>
+          </a:prstGeom>
+          <a:noFill/>
+          <a:extLst>
+            <a:ext uri="{909E8E84-426E-40DD-AFC4-6F175D3DCCD1}">
+              <a14:hiddenFill xmlns:a14="http://schemas.microsoft.com/office/drawing/2010/main">
+                <a:solidFill>
+                  <a:srgbClr val="FFFFFF"/>
+                </a:solidFill>
+              </a14:hiddenFill>
+            </a:ext>
+          </a:extLst>
+        </p:spPr>
+        <p:txBody>
+          <a:bodyPr vert="horz" wrap="square" lIns="91440" tIns="45720" rIns="91440" bIns="45720" numCol="1" anchor="t" anchorCtr="0" compatLnSpc="1">
+            <a:prstTxWarp prst="textNoShape">
+              <a:avLst/>
+            </a:prstTxWarp>
+          </a:bodyPr>
+          <a:lstStyle/>
+          <a:p>
+            <a:endParaRPr lang="ru-RU"/>
+          </a:p>
+        </p:txBody>
+      </p:sp>
+      <p:sp>
+        <p:nvSpPr>
+          <p:cNvPr id="3" name="AutoShape 6" descr="Router | Cisco Network Topology Icons 3015"/>
+          <p:cNvSpPr>
+            <a:spLocks noChangeAspect="1" noChangeArrowheads="1"/>
+          </p:cNvSpPr>
+          <p:nvPr/>
+        </p:nvSpPr>
+        <p:spPr bwMode="auto">
+          <a:xfrm>
+            <a:off x="307975" y="7937"/>
+            <a:ext cx="304800" cy="304801"/>
+          </a:xfrm>
+          <a:prstGeom prst="rect">
+            <a:avLst/>
+          </a:prstGeom>
+          <a:noFill/>
+          <a:extLst>
+            <a:ext uri="{909E8E84-426E-40DD-AFC4-6F175D3DCCD1}">
+              <a14:hiddenFill xmlns:a14="http://schemas.microsoft.com/office/drawing/2010/main">
+                <a:solidFill>
+                  <a:srgbClr val="FFFFFF"/>
+                </a:solidFill>
+              </a14:hiddenFill>
+            </a:ext>
+          </a:extLst>
+        </p:spPr>
+        <p:txBody>
+          <a:bodyPr vert="horz" wrap="square" lIns="91440" tIns="45720" rIns="91440" bIns="45720" numCol="1" anchor="t" anchorCtr="0" compatLnSpc="1">
+            <a:prstTxWarp prst="textNoShape">
+              <a:avLst/>
+            </a:prstTxWarp>
+          </a:bodyPr>
+          <a:lstStyle/>
+          <a:p>
+            <a:endParaRPr lang="ru-RU"/>
+          </a:p>
+        </p:txBody>
+      </p:sp>
+      <p:sp>
+        <p:nvSpPr>
+          <p:cNvPr id="5" name="AutoShape 16" descr="Internet Cloud icon PNG and SVG Vector Free Download"/>
+          <p:cNvSpPr>
+            <a:spLocks noChangeAspect="1" noChangeArrowheads="1"/>
+          </p:cNvSpPr>
+          <p:nvPr/>
+        </p:nvSpPr>
+        <p:spPr bwMode="auto">
+          <a:xfrm>
+            <a:off x="155575" y="-822325"/>
+            <a:ext cx="1943100" cy="1714500"/>
+          </a:xfrm>
+          <a:prstGeom prst="rect">
+            <a:avLst/>
+          </a:prstGeom>
+          <a:noFill/>
+          <a:extLst>
+            <a:ext uri="{909E8E84-426E-40DD-AFC4-6F175D3DCCD1}">
+              <a14:hiddenFill xmlns:a14="http://schemas.microsoft.com/office/drawing/2010/main">
+                <a:solidFill>
+                  <a:srgbClr val="FFFFFF"/>
+                </a:solidFill>
+              </a14:hiddenFill>
+            </a:ext>
+          </a:extLst>
+        </p:spPr>
+        <p:txBody>
+          <a:bodyPr vert="horz" wrap="square" lIns="91440" tIns="45720" rIns="91440" bIns="45720" numCol="1" anchor="t" anchorCtr="0" compatLnSpc="1">
+            <a:prstTxWarp prst="textNoShape">
+              <a:avLst/>
+            </a:prstTxWarp>
+          </a:bodyPr>
+          <a:lstStyle/>
+          <a:p>
+            <a:endParaRPr lang="ru-RU"/>
+          </a:p>
+        </p:txBody>
+      </p:sp>
+      <p:sp>
+        <p:nvSpPr>
+          <p:cNvPr id="10" name="AutoShape 4" descr="Достаточно одной таблетки», или фармакология конца света"/>
+          <p:cNvSpPr>
+            <a:spLocks noChangeAspect="1" noChangeArrowheads="1"/>
+          </p:cNvSpPr>
+          <p:nvPr/>
+        </p:nvSpPr>
+        <p:spPr bwMode="auto">
+          <a:xfrm>
+            <a:off x="460375" y="160337"/>
+            <a:ext cx="304800" cy="304801"/>
+          </a:xfrm>
+          <a:prstGeom prst="rect">
+            <a:avLst/>
+          </a:prstGeom>
+          <a:noFill/>
+          <a:extLst>
+            <a:ext uri="{909E8E84-426E-40DD-AFC4-6F175D3DCCD1}">
+              <a14:hiddenFill xmlns:a14="http://schemas.microsoft.com/office/drawing/2010/main">
+                <a:solidFill>
+                  <a:srgbClr val="FFFFFF"/>
+                </a:solidFill>
+              </a14:hiddenFill>
+            </a:ext>
+          </a:extLst>
+        </p:spPr>
+        <p:txBody>
+          <a:bodyPr vert="horz" wrap="square" lIns="91440" tIns="45720" rIns="91440" bIns="45720" numCol="1" anchor="t" anchorCtr="0" compatLnSpc="1">
+            <a:prstTxWarp prst="textNoShape">
+              <a:avLst/>
+            </a:prstTxWarp>
+          </a:bodyPr>
+          <a:lstStyle/>
+          <a:p>
+            <a:endParaRPr lang="ru-RU"/>
+          </a:p>
+        </p:txBody>
+      </p:sp>
+      <p:sp>
+        <p:nvSpPr>
+          <p:cNvPr id="7" name="TextBox 6"/>
+          <p:cNvSpPr txBox="1"/>
+          <p:nvPr/>
+        </p:nvSpPr>
+        <p:spPr>
+          <a:xfrm>
+            <a:off x="467735" y="1399882"/>
+            <a:ext cx="8540349" cy="5509200"/>
+          </a:xfrm>
+          <a:prstGeom prst="rect">
+            <a:avLst/>
+          </a:prstGeom>
+          <a:noFill/>
+        </p:spPr>
+        <p:txBody>
+          <a:bodyPr wrap="square" rtlCol="0">
+            <a:spAutoFit/>
+          </a:bodyPr>
+          <a:lstStyle/>
+          <a:p>
+            <a:r>
+              <a:rPr lang="ru-RU" sz="1600" b="1" dirty="0" smtClean="0"/>
+              <a:t>Сложность</a:t>
+            </a:r>
+            <a:r>
+              <a:rPr lang="ru-RU" sz="1600" dirty="0" smtClean="0"/>
+              <a:t>:</a:t>
+            </a:r>
+          </a:p>
+          <a:p>
+            <a:pPr lvl="1"/>
+            <a:r>
+              <a:rPr lang="ru-RU" sz="1600" dirty="0" smtClean="0"/>
+              <a:t>Много возможностей</a:t>
+            </a:r>
+          </a:p>
+          <a:p>
+            <a:pPr lvl="1"/>
+            <a:r>
+              <a:rPr lang="ru-RU" sz="1600" dirty="0" smtClean="0"/>
+              <a:t>Много понятий</a:t>
+            </a:r>
+          </a:p>
+          <a:p>
+            <a:pPr lvl="1"/>
+            <a:r>
+              <a:rPr lang="ru-RU" sz="1600" dirty="0" smtClean="0"/>
+              <a:t>Много языков и средств конфигурирования</a:t>
+            </a:r>
+          </a:p>
+          <a:p>
+            <a:r>
+              <a:rPr lang="ru-RU" sz="1600" b="1" dirty="0" smtClean="0"/>
+              <a:t>Старые протоколы</a:t>
+            </a:r>
+          </a:p>
+          <a:p>
+            <a:pPr lvl="1" algn="just">
+              <a:buNone/>
+            </a:pPr>
+            <a:r>
+              <a:rPr lang="ru-RU" sz="1600" dirty="0"/>
+              <a:t>Протоколы, разработанные до массового внедрения NAT, не в состоянии работать, если на пути между взаимодействующими хостами есть трансляция адресов. Некоторые межсетевые экраны, осуществляющие трансляцию IP-адресов, могут исправить этот недостаток, соответствующим образом заменяя IP-адреса не только в заголовках IP, но и на более высоких уровнях (например, в командах протокола FTP</a:t>
+            </a:r>
+            <a:r>
+              <a:rPr lang="ru-RU" sz="1600" dirty="0" smtClean="0"/>
+              <a:t>).</a:t>
+            </a:r>
+          </a:p>
+          <a:p>
+            <a:r>
+              <a:rPr lang="ru-RU" sz="1600" b="1" dirty="0"/>
+              <a:t>Идентификация пользователей</a:t>
+            </a:r>
+            <a:r>
+              <a:rPr lang="ru-RU" sz="1600" dirty="0"/>
+              <a:t>. </a:t>
+            </a:r>
+            <a:endParaRPr lang="ru-RU" sz="1600" dirty="0" smtClean="0"/>
+          </a:p>
+          <a:p>
+            <a:pPr lvl="1" algn="just">
+              <a:buNone/>
+            </a:pPr>
+            <a:r>
+              <a:rPr lang="ru-RU" sz="1600" dirty="0" smtClean="0"/>
+              <a:t>Из-за </a:t>
+            </a:r>
+            <a:r>
+              <a:rPr lang="ru-RU" sz="1600" dirty="0"/>
+              <a:t>трансляции адресов «много в один» появляются дополнительные сложности с идентификацией пользователей и необходимость хранить полные </a:t>
+            </a:r>
+            <a:r>
+              <a:rPr lang="ru-RU" sz="1600" dirty="0" err="1"/>
+              <a:t>логи</a:t>
+            </a:r>
+            <a:r>
+              <a:rPr lang="ru-RU" sz="1600" dirty="0"/>
+              <a:t> трансляций</a:t>
+            </a:r>
+            <a:r>
+              <a:rPr lang="ru-RU" sz="1600" dirty="0" smtClean="0"/>
+              <a:t>.</a:t>
+            </a:r>
+          </a:p>
+          <a:p>
+            <a:r>
+              <a:rPr lang="ru-RU" sz="1600" dirty="0" smtClean="0"/>
+              <a:t>Иллюзия </a:t>
+            </a:r>
+            <a:r>
+              <a:rPr lang="en-US" sz="1600" b="1" dirty="0" err="1"/>
+              <a:t>DoS</a:t>
+            </a:r>
+            <a:r>
+              <a:rPr lang="en-US" sz="1600" b="1" dirty="0"/>
+              <a:t>-</a:t>
+            </a:r>
+            <a:r>
+              <a:rPr lang="ru-RU" sz="1600" dirty="0" smtClean="0"/>
+              <a:t>атаки</a:t>
+            </a:r>
+          </a:p>
+          <a:p>
+            <a:r>
+              <a:rPr lang="en-US" sz="1600" b="1" dirty="0" smtClean="0"/>
+              <a:t>NAT Traversal</a:t>
+            </a:r>
+          </a:p>
+          <a:p>
+            <a:pPr lvl="1" algn="just">
+              <a:buNone/>
+            </a:pPr>
+            <a:r>
+              <a:rPr lang="ru-RU" sz="1600" dirty="0"/>
+              <a:t>В NAT-устройствах, не поддерживающих технологию </a:t>
+            </a:r>
+            <a:r>
+              <a:rPr lang="ru-RU" sz="1600" dirty="0" err="1"/>
+              <a:t>Universal</a:t>
+            </a:r>
+            <a:r>
+              <a:rPr lang="ru-RU" sz="1600" dirty="0"/>
+              <a:t> </a:t>
+            </a:r>
+            <a:r>
+              <a:rPr lang="ru-RU" sz="1600" dirty="0" err="1"/>
+              <a:t>Plug</a:t>
+            </a:r>
+            <a:r>
+              <a:rPr lang="ru-RU" sz="1600" dirty="0"/>
+              <a:t> &amp; </a:t>
+            </a:r>
+            <a:r>
+              <a:rPr lang="ru-RU" sz="1600" dirty="0" err="1"/>
+              <a:t>Play</a:t>
+            </a:r>
+            <a:r>
+              <a:rPr lang="ru-RU" sz="1600" dirty="0"/>
+              <a:t>, в некоторых случаях, необходима дополнительная настройка </a:t>
+            </a:r>
+            <a:r>
+              <a:rPr lang="ru-RU" sz="1600" dirty="0" smtClean="0"/>
+              <a:t>при </a:t>
+            </a:r>
+            <a:r>
+              <a:rPr lang="ru-RU" sz="1600" dirty="0"/>
+              <a:t>работе с пиринговыми сетями и некоторыми другими программами, в которых необходимо не только инициировать исходящие соединения, но также принимать </a:t>
+            </a:r>
+            <a:r>
+              <a:rPr lang="ru-RU" sz="1600" dirty="0" smtClean="0"/>
+              <a:t>входящие</a:t>
+            </a:r>
+            <a:r>
+              <a:rPr lang="en-US" sz="1600" dirty="0" smtClean="0"/>
+              <a:t> (</a:t>
+            </a:r>
+            <a:r>
+              <a:rPr lang="en-US" sz="1600" dirty="0" err="1" smtClean="0"/>
+              <a:t>BitTorrent</a:t>
+            </a:r>
+            <a:r>
+              <a:rPr lang="en-US" sz="1600" dirty="0" smtClean="0"/>
+              <a:t>, Audio / Video Conference Call…)</a:t>
+            </a:r>
+            <a:endParaRPr lang="ru-RU" sz="1600" dirty="0"/>
+          </a:p>
+        </p:txBody>
+      </p:sp>
+    </p:spTree>
+    <p:extLst>
+      <p:ext uri="{BB962C8B-B14F-4D97-AF65-F5344CB8AC3E}">
+        <p14:creationId xmlns:p14="http://schemas.microsoft.com/office/powerpoint/2010/main" val="644213120"/>
+      </p:ext>
+    </p:extLst>
+  </p:cSld>
+  <p:clrMapOvr>
+    <a:masterClrMapping/>
+  </p:clrMapOvr>
+  <p:timing>
+    <p:tnLst>
+      <p:par>
+        <p:cTn id="1" dur="indefinite" restart="never" nodeType="tmRoot"/>
+      </p:par>
+    </p:tnLst>
+  </p:timing>
+</p:sld>
+</file>
+
+<file path=ppt/slides/slide15.xml><?xml version="1.0" encoding="utf-8"?>
+<p:sld xmlns:a="http://schemas.openxmlformats.org/drawingml/2006/main" xmlns:r="http://schemas.openxmlformats.org/officeDocument/2006/relationships" xmlns:p="http://schemas.openxmlformats.org/presentationml/2006/main">
+  <p:cSld>
+    <p:spTree>
+      <p:nvGrpSpPr>
+        <p:cNvPr id="1" name=""/>
+        <p:cNvGrpSpPr/>
+        <p:nvPr/>
+      </p:nvGrpSpPr>
+      <p:grpSpPr>
+        <a:xfrm>
+          <a:off x="0" y="0"/>
+          <a:ext cx="0" cy="0"/>
+          <a:chOff x="0" y="0"/>
+          <a:chExt cx="0" cy="0"/>
+        </a:xfrm>
+      </p:grpSpPr>
+      <p:pic>
+        <p:nvPicPr>
+          <p:cNvPr id="31" name="Рисунок 30"/>
+          <p:cNvPicPr>
+            <a:picLocks noChangeAspect="1"/>
+          </p:cNvPicPr>
+          <p:nvPr/>
+        </p:nvPicPr>
+        <p:blipFill rotWithShape="1">
+          <a:blip r:embed="rId2"/>
+          <a:srcRect l="17118" t="30362" r="17280" b="31916"/>
+          <a:stretch/>
+        </p:blipFill>
+        <p:spPr>
+          <a:xfrm>
+            <a:off x="3961686" y="2953016"/>
+            <a:ext cx="1447355" cy="832230"/>
+          </a:xfrm>
+          <a:prstGeom prst="rect">
+            <a:avLst/>
+          </a:prstGeom>
+        </p:spPr>
+      </p:pic>
+      <p:sp>
+        <p:nvSpPr>
+          <p:cNvPr id="19" name="Заголовок 1"/>
+          <p:cNvSpPr txBox="1">
+            <a:spLocks/>
+          </p:cNvSpPr>
+          <p:nvPr/>
+        </p:nvSpPr>
+        <p:spPr>
+          <a:xfrm>
+            <a:off x="0" y="701874"/>
+            <a:ext cx="9144000" cy="1008112"/>
+          </a:xfrm>
+          <a:prstGeom prst="rect">
+            <a:avLst/>
+          </a:prstGeom>
+        </p:spPr>
+        <p:txBody>
+          <a:bodyPr/>
+          <a:lstStyle>
+            <a:lvl1pPr algn="l" rtl="0" fontAlgn="base">
+              <a:spcBef>
+                <a:spcPct val="0"/>
+              </a:spcBef>
+              <a:spcAft>
+                <a:spcPct val="0"/>
+              </a:spcAft>
+              <a:defRPr sz="4400">
+                <a:solidFill>
+                  <a:schemeClr val="tx2"/>
+                </a:solidFill>
+                <a:latin typeface="+mj-lt"/>
+                <a:ea typeface="+mj-ea"/>
+                <a:cs typeface="+mj-cs"/>
+              </a:defRPr>
+            </a:lvl1pPr>
+            <a:lvl2pPr algn="l" rtl="0" fontAlgn="base">
+              <a:spcBef>
+                <a:spcPct val="0"/>
+              </a:spcBef>
+              <a:spcAft>
+                <a:spcPct val="0"/>
+              </a:spcAft>
+              <a:defRPr sz="4400">
+                <a:solidFill>
+                  <a:schemeClr val="tx2"/>
+                </a:solidFill>
+                <a:latin typeface="Times New Roman" pitchFamily="18" charset="0"/>
+              </a:defRPr>
+            </a:lvl2pPr>
+            <a:lvl3pPr algn="l" rtl="0" fontAlgn="base">
+              <a:spcBef>
+                <a:spcPct val="0"/>
+              </a:spcBef>
+              <a:spcAft>
+                <a:spcPct val="0"/>
+              </a:spcAft>
+              <a:defRPr sz="4400">
+                <a:solidFill>
+                  <a:schemeClr val="tx2"/>
+                </a:solidFill>
+                <a:latin typeface="Times New Roman" pitchFamily="18" charset="0"/>
+              </a:defRPr>
+            </a:lvl3pPr>
+            <a:lvl4pPr algn="l" rtl="0" fontAlgn="base">
+              <a:spcBef>
+                <a:spcPct val="0"/>
+              </a:spcBef>
+              <a:spcAft>
+                <a:spcPct val="0"/>
+              </a:spcAft>
+              <a:defRPr sz="4400">
+                <a:solidFill>
+                  <a:schemeClr val="tx2"/>
+                </a:solidFill>
+                <a:latin typeface="Times New Roman" pitchFamily="18" charset="0"/>
+              </a:defRPr>
+            </a:lvl4pPr>
+            <a:lvl5pPr algn="l" rtl="0" fontAlgn="base">
+              <a:spcBef>
+                <a:spcPct val="0"/>
+              </a:spcBef>
+              <a:spcAft>
+                <a:spcPct val="0"/>
+              </a:spcAft>
+              <a:defRPr sz="4400">
+                <a:solidFill>
+                  <a:schemeClr val="tx2"/>
+                </a:solidFill>
+                <a:latin typeface="Times New Roman" pitchFamily="18" charset="0"/>
+              </a:defRPr>
+            </a:lvl5pPr>
+            <a:lvl6pPr marL="457200" algn="l" rtl="0" fontAlgn="base">
+              <a:spcBef>
+                <a:spcPct val="0"/>
+              </a:spcBef>
+              <a:spcAft>
+                <a:spcPct val="0"/>
+              </a:spcAft>
+              <a:defRPr sz="4400">
+                <a:solidFill>
+                  <a:schemeClr val="tx2"/>
+                </a:solidFill>
+                <a:latin typeface="Times New Roman" pitchFamily="18" charset="0"/>
+              </a:defRPr>
+            </a:lvl6pPr>
+            <a:lvl7pPr marL="914400" algn="l" rtl="0" fontAlgn="base">
+              <a:spcBef>
+                <a:spcPct val="0"/>
+              </a:spcBef>
+              <a:spcAft>
+                <a:spcPct val="0"/>
+              </a:spcAft>
+              <a:defRPr sz="4400">
+                <a:solidFill>
+                  <a:schemeClr val="tx2"/>
+                </a:solidFill>
+                <a:latin typeface="Times New Roman" pitchFamily="18" charset="0"/>
+              </a:defRPr>
+            </a:lvl7pPr>
+            <a:lvl8pPr marL="1371600" algn="l" rtl="0" fontAlgn="base">
+              <a:spcBef>
+                <a:spcPct val="0"/>
+              </a:spcBef>
+              <a:spcAft>
+                <a:spcPct val="0"/>
+              </a:spcAft>
+              <a:defRPr sz="4400">
+                <a:solidFill>
+                  <a:schemeClr val="tx2"/>
+                </a:solidFill>
+                <a:latin typeface="Times New Roman" pitchFamily="18" charset="0"/>
+              </a:defRPr>
+            </a:lvl8pPr>
+            <a:lvl9pPr marL="1828800" algn="l" rtl="0" fontAlgn="base">
+              <a:spcBef>
+                <a:spcPct val="0"/>
+              </a:spcBef>
+              <a:spcAft>
+                <a:spcPct val="0"/>
+              </a:spcAft>
+              <a:defRPr sz="4400">
+                <a:solidFill>
+                  <a:schemeClr val="tx2"/>
+                </a:solidFill>
+                <a:latin typeface="Times New Roman" pitchFamily="18" charset="0"/>
+              </a:defRPr>
+            </a:lvl9pPr>
+          </a:lstStyle>
+          <a:p>
+            <a:pPr algn="ctr">
+              <a:buClrTx/>
+              <a:buSzTx/>
+              <a:buFontTx/>
+              <a:buNone/>
+            </a:pPr>
+            <a:r>
+              <a:rPr kumimoji="0" lang="en-US" altLang="ru-RU" b="1" kern="0" dirty="0" smtClean="0"/>
+              <a:t>NAT Traversal</a:t>
+            </a:r>
+            <a:endParaRPr kumimoji="0" lang="en-US" altLang="ru-RU" b="1" kern="0" dirty="0" smtClean="0"/>
+          </a:p>
+        </p:txBody>
+      </p:sp>
+      <p:sp>
+        <p:nvSpPr>
+          <p:cNvPr id="2" name="AutoShape 4" descr="Router | Cisco Network Topology Icons 3015"/>
+          <p:cNvSpPr>
+            <a:spLocks noChangeAspect="1" noChangeArrowheads="1"/>
+          </p:cNvSpPr>
+          <p:nvPr/>
+        </p:nvSpPr>
+        <p:spPr bwMode="auto">
+          <a:xfrm>
+            <a:off x="155575" y="-144463"/>
+            <a:ext cx="304800" cy="304801"/>
+          </a:xfrm>
+          <a:prstGeom prst="rect">
+            <a:avLst/>
+          </a:prstGeom>
+          <a:noFill/>
+          <a:extLst>
+            <a:ext uri="{909E8E84-426E-40DD-AFC4-6F175D3DCCD1}">
+              <a14:hiddenFill xmlns:a14="http://schemas.microsoft.com/office/drawing/2010/main">
+                <a:solidFill>
+                  <a:srgbClr val="FFFFFF"/>
+                </a:solidFill>
+              </a14:hiddenFill>
+            </a:ext>
+          </a:extLst>
+        </p:spPr>
+        <p:txBody>
+          <a:bodyPr vert="horz" wrap="square" lIns="91440" tIns="45720" rIns="91440" bIns="45720" numCol="1" anchor="t" anchorCtr="0" compatLnSpc="1">
+            <a:prstTxWarp prst="textNoShape">
+              <a:avLst/>
+            </a:prstTxWarp>
+          </a:bodyPr>
+          <a:lstStyle/>
+          <a:p>
+            <a:endParaRPr lang="ru-RU"/>
+          </a:p>
+        </p:txBody>
+      </p:sp>
+      <p:sp>
+        <p:nvSpPr>
+          <p:cNvPr id="3" name="AutoShape 6" descr="Router | Cisco Network Topology Icons 3015"/>
+          <p:cNvSpPr>
+            <a:spLocks noChangeAspect="1" noChangeArrowheads="1"/>
+          </p:cNvSpPr>
+          <p:nvPr/>
+        </p:nvSpPr>
+        <p:spPr bwMode="auto">
+          <a:xfrm>
+            <a:off x="307975" y="7937"/>
+            <a:ext cx="304800" cy="304801"/>
+          </a:xfrm>
+          <a:prstGeom prst="rect">
+            <a:avLst/>
+          </a:prstGeom>
+          <a:noFill/>
+          <a:extLst>
+            <a:ext uri="{909E8E84-426E-40DD-AFC4-6F175D3DCCD1}">
+              <a14:hiddenFill xmlns:a14="http://schemas.microsoft.com/office/drawing/2010/main">
+                <a:solidFill>
+                  <a:srgbClr val="FFFFFF"/>
+                </a:solidFill>
+              </a14:hiddenFill>
+            </a:ext>
+          </a:extLst>
+        </p:spPr>
+        <p:txBody>
+          <a:bodyPr vert="horz" wrap="square" lIns="91440" tIns="45720" rIns="91440" bIns="45720" numCol="1" anchor="t" anchorCtr="0" compatLnSpc="1">
+            <a:prstTxWarp prst="textNoShape">
+              <a:avLst/>
+            </a:prstTxWarp>
+          </a:bodyPr>
+          <a:lstStyle/>
+          <a:p>
+            <a:endParaRPr lang="ru-RU"/>
+          </a:p>
+        </p:txBody>
+      </p:sp>
+      <p:sp>
+        <p:nvSpPr>
+          <p:cNvPr id="5" name="AutoShape 16" descr="Internet Cloud icon PNG and SVG Vector Free Download"/>
+          <p:cNvSpPr>
+            <a:spLocks noChangeAspect="1" noChangeArrowheads="1"/>
+          </p:cNvSpPr>
+          <p:nvPr/>
+        </p:nvSpPr>
+        <p:spPr bwMode="auto">
+          <a:xfrm>
+            <a:off x="155575" y="-822325"/>
+            <a:ext cx="1943100" cy="1714500"/>
+          </a:xfrm>
+          <a:prstGeom prst="rect">
+            <a:avLst/>
+          </a:prstGeom>
+          <a:noFill/>
+          <a:extLst>
+            <a:ext uri="{909E8E84-426E-40DD-AFC4-6F175D3DCCD1}">
+              <a14:hiddenFill xmlns:a14="http://schemas.microsoft.com/office/drawing/2010/main">
+                <a:solidFill>
+                  <a:srgbClr val="FFFFFF"/>
+                </a:solidFill>
+              </a14:hiddenFill>
+            </a:ext>
+          </a:extLst>
+        </p:spPr>
+        <p:txBody>
+          <a:bodyPr vert="horz" wrap="square" lIns="91440" tIns="45720" rIns="91440" bIns="45720" numCol="1" anchor="t" anchorCtr="0" compatLnSpc="1">
+            <a:prstTxWarp prst="textNoShape">
+              <a:avLst/>
+            </a:prstTxWarp>
+          </a:bodyPr>
+          <a:lstStyle/>
+          <a:p>
+            <a:endParaRPr lang="ru-RU"/>
+          </a:p>
+        </p:txBody>
+      </p:sp>
+      <p:sp>
+        <p:nvSpPr>
+          <p:cNvPr id="10" name="AutoShape 4" descr="Достаточно одной таблетки», или фармакология конца света"/>
+          <p:cNvSpPr>
+            <a:spLocks noChangeAspect="1" noChangeArrowheads="1"/>
+          </p:cNvSpPr>
+          <p:nvPr/>
+        </p:nvSpPr>
+        <p:spPr bwMode="auto">
+          <a:xfrm>
+            <a:off x="460375" y="160337"/>
+            <a:ext cx="304800" cy="304801"/>
+          </a:xfrm>
+          <a:prstGeom prst="rect">
+            <a:avLst/>
+          </a:prstGeom>
+          <a:noFill/>
+          <a:extLst>
+            <a:ext uri="{909E8E84-426E-40DD-AFC4-6F175D3DCCD1}">
+              <a14:hiddenFill xmlns:a14="http://schemas.microsoft.com/office/drawing/2010/main">
+                <a:solidFill>
+                  <a:srgbClr val="FFFFFF"/>
+                </a:solidFill>
+              </a14:hiddenFill>
+            </a:ext>
+          </a:extLst>
+        </p:spPr>
+        <p:txBody>
+          <a:bodyPr vert="horz" wrap="square" lIns="91440" tIns="45720" rIns="91440" bIns="45720" numCol="1" anchor="t" anchorCtr="0" compatLnSpc="1">
+            <a:prstTxWarp prst="textNoShape">
+              <a:avLst/>
+            </a:prstTxWarp>
+          </a:bodyPr>
+          <a:lstStyle/>
+          <a:p>
+            <a:endParaRPr lang="ru-RU"/>
+          </a:p>
+        </p:txBody>
+      </p:sp>
+      <p:pic>
+        <p:nvPicPr>
+          <p:cNvPr id="9" name="Рисунок 8"/>
+          <p:cNvPicPr>
+            <a:picLocks noChangeAspect="1"/>
+          </p:cNvPicPr>
+          <p:nvPr/>
+        </p:nvPicPr>
+        <p:blipFill rotWithShape="1">
+          <a:blip r:embed="rId3"/>
+          <a:srcRect l="12201" t="23001" r="12201" b="28400"/>
+          <a:stretch/>
+        </p:blipFill>
+        <p:spPr>
+          <a:xfrm>
+            <a:off x="1162571" y="2290862"/>
+            <a:ext cx="1033165" cy="715268"/>
+          </a:xfrm>
+          <a:prstGeom prst="rect">
+            <a:avLst/>
+          </a:prstGeom>
+        </p:spPr>
+      </p:pic>
+      <p:pic>
+        <p:nvPicPr>
+          <p:cNvPr id="12" name="Рисунок 11"/>
+          <p:cNvPicPr>
+            <a:picLocks noChangeAspect="1"/>
+          </p:cNvPicPr>
+          <p:nvPr/>
+        </p:nvPicPr>
+        <p:blipFill rotWithShape="1">
+          <a:blip r:embed="rId4"/>
+          <a:srcRect l="9292" t="23000" r="9294" b="31100"/>
+          <a:stretch/>
+        </p:blipFill>
+        <p:spPr>
+          <a:xfrm>
+            <a:off x="2627784" y="1829838"/>
+            <a:ext cx="887052" cy="538567"/>
+          </a:xfrm>
+          <a:prstGeom prst="rect">
+            <a:avLst/>
+          </a:prstGeom>
+        </p:spPr>
+      </p:pic>
+      <p:pic>
+        <p:nvPicPr>
+          <p:cNvPr id="14" name="Рисунок 13"/>
+          <p:cNvPicPr>
+            <a:picLocks noChangeAspect="1"/>
+          </p:cNvPicPr>
+          <p:nvPr/>
+        </p:nvPicPr>
+        <p:blipFill rotWithShape="1">
+          <a:blip r:embed="rId4"/>
+          <a:srcRect l="9292" t="23000" r="9294" b="31100"/>
+          <a:stretch/>
+        </p:blipFill>
+        <p:spPr>
+          <a:xfrm>
+            <a:off x="2161463" y="3140968"/>
+            <a:ext cx="887052" cy="538567"/>
+          </a:xfrm>
+          <a:prstGeom prst="rect">
+            <a:avLst/>
+          </a:prstGeom>
+        </p:spPr>
+      </p:pic>
+      <p:sp>
+        <p:nvSpPr>
+          <p:cNvPr id="13" name="Овал 12"/>
+          <p:cNvSpPr/>
+          <p:nvPr/>
+        </p:nvSpPr>
+        <p:spPr bwMode="auto">
+          <a:xfrm>
+            <a:off x="2911833" y="4272209"/>
+            <a:ext cx="3240360" cy="2585791"/>
+          </a:xfrm>
+          <a:prstGeom prst="ellipse">
+            <a:avLst/>
+          </a:prstGeom>
+          <a:noFill/>
+          <a:ln w="9525" cap="flat" cmpd="sng" algn="ctr">
+            <a:solidFill>
+              <a:srgbClr val="7030A0"/>
+            </a:solidFill>
+            <a:prstDash val="solid"/>
+            <a:round/>
+            <a:headEnd type="none" w="med" len="med"/>
+            <a:tailEnd type="none" w="med" len="med"/>
+          </a:ln>
+          <a:effectLst/>
+          <a:extLst>
+            <a:ext uri="{909E8E84-426E-40DD-AFC4-6F175D3DCCD1}">
+              <a14:hiddenFill xmlns:a14="http://schemas.microsoft.com/office/drawing/2010/main">
+                <a:solidFill>
+                  <a:schemeClr val="accent1"/>
+                </a:solidFill>
+              </a14:hiddenFill>
+            </a:ext>
+            <a:ext uri="{AF507438-7753-43E0-B8FC-AC1667EBCBE1}">
+              <a14:hiddenEffects xmlns:a14="http://schemas.microsoft.com/office/drawing/2010/main">
+                <a:effectLst>
+                  <a:outerShdw dist="35921" dir="2700000" algn="ctr" rotWithShape="0">
+                    <a:schemeClr val="bg2"/>
+                  </a:outerShdw>
+                </a:effectLst>
+              </a14:hiddenEffects>
+            </a:ext>
+          </a:extLst>
+        </p:spPr>
+        <p:txBody>
+          <a:bodyPr vert="horz" wrap="square" lIns="91440" tIns="45720" rIns="91440" bIns="0" numCol="1" rtlCol="0" anchor="t" anchorCtr="0" compatLnSpc="1">
+            <a:prstTxWarp prst="textNoShape">
+              <a:avLst/>
+            </a:prstTxWarp>
+          </a:bodyPr>
+          <a:lstStyle/>
+          <a:p>
+            <a:pPr marL="457200" marR="0" indent="-457200" algn="l" defTabSz="914400" rtl="0" eaLnBrk="1" fontAlgn="base" latinLnBrk="0" hangingPunct="1">
+              <a:lnSpc>
+                <a:spcPct val="100000"/>
+              </a:lnSpc>
+              <a:spcBef>
+                <a:spcPct val="20000"/>
+              </a:spcBef>
+              <a:spcAft>
+                <a:spcPct val="0"/>
+              </a:spcAft>
+              <a:buClr>
+                <a:srgbClr val="A50021"/>
+              </a:buClr>
+              <a:buSzPct val="75000"/>
+              <a:buFont typeface="Wingdings" pitchFamily="2" charset="2"/>
+              <a:buChar char="n"/>
+              <a:tabLst/>
+            </a:pPr>
+            <a:endParaRPr kumimoji="1" lang="ru-RU" sz="2000" b="0" i="0" u="none" strike="noStrike" cap="none" normalizeH="0" baseline="0" smtClean="0">
+              <a:ln>
+                <a:noFill/>
+              </a:ln>
+              <a:solidFill>
+                <a:schemeClr val="tx1"/>
+              </a:solidFill>
+              <a:effectLst/>
+              <a:latin typeface="Times New Roman" pitchFamily="18" charset="0"/>
+              <a:cs typeface="Times New Roman" pitchFamily="18" charset="0"/>
+            </a:endParaRPr>
+          </a:p>
+        </p:txBody>
+      </p:sp>
+      <p:sp>
+        <p:nvSpPr>
+          <p:cNvPr id="16" name="Овал 15"/>
+          <p:cNvSpPr/>
+          <p:nvPr/>
+        </p:nvSpPr>
+        <p:spPr bwMode="auto">
+          <a:xfrm>
+            <a:off x="5652120" y="1571849"/>
+            <a:ext cx="3240360" cy="2585791"/>
+          </a:xfrm>
+          <a:prstGeom prst="ellipse">
+            <a:avLst/>
+          </a:prstGeom>
+          <a:noFill/>
+          <a:ln w="9525" cap="flat" cmpd="sng" algn="ctr">
+            <a:solidFill>
+              <a:srgbClr val="7030A0"/>
+            </a:solidFill>
+            <a:prstDash val="solid"/>
+            <a:round/>
+            <a:headEnd type="none" w="med" len="med"/>
+            <a:tailEnd type="none" w="med" len="med"/>
+          </a:ln>
+          <a:effectLst/>
+          <a:extLst>
+            <a:ext uri="{909E8E84-426E-40DD-AFC4-6F175D3DCCD1}">
+              <a14:hiddenFill xmlns:a14="http://schemas.microsoft.com/office/drawing/2010/main">
+                <a:solidFill>
+                  <a:schemeClr val="accent1"/>
+                </a:solidFill>
+              </a14:hiddenFill>
+            </a:ext>
+            <a:ext uri="{AF507438-7753-43E0-B8FC-AC1667EBCBE1}">
+              <a14:hiddenEffects xmlns:a14="http://schemas.microsoft.com/office/drawing/2010/main">
+                <a:effectLst>
+                  <a:outerShdw dist="35921" dir="2700000" algn="ctr" rotWithShape="0">
+                    <a:schemeClr val="bg2"/>
+                  </a:outerShdw>
+                </a:effectLst>
+              </a14:hiddenEffects>
+            </a:ext>
+          </a:extLst>
+        </p:spPr>
+        <p:txBody>
+          <a:bodyPr vert="horz" wrap="square" lIns="91440" tIns="45720" rIns="91440" bIns="0" numCol="1" rtlCol="0" anchor="t" anchorCtr="0" compatLnSpc="1">
+            <a:prstTxWarp prst="textNoShape">
+              <a:avLst/>
+            </a:prstTxWarp>
+          </a:bodyPr>
+          <a:lstStyle/>
+          <a:p>
+            <a:pPr marL="457200" marR="0" indent="-457200" algn="l" defTabSz="914400" rtl="0" eaLnBrk="1" fontAlgn="base" latinLnBrk="0" hangingPunct="1">
+              <a:lnSpc>
+                <a:spcPct val="100000"/>
+              </a:lnSpc>
+              <a:spcBef>
+                <a:spcPct val="20000"/>
+              </a:spcBef>
+              <a:spcAft>
+                <a:spcPct val="0"/>
+              </a:spcAft>
+              <a:buClr>
+                <a:srgbClr val="A50021"/>
+              </a:buClr>
+              <a:buSzPct val="75000"/>
+              <a:buFont typeface="Wingdings" pitchFamily="2" charset="2"/>
+              <a:buChar char="n"/>
+              <a:tabLst/>
+            </a:pPr>
+            <a:endParaRPr kumimoji="1" lang="ru-RU" sz="2000" b="0" i="0" u="none" strike="noStrike" cap="none" normalizeH="0" baseline="0" smtClean="0">
+              <a:ln>
+                <a:noFill/>
+              </a:ln>
+              <a:solidFill>
+                <a:schemeClr val="tx1"/>
+              </a:solidFill>
+              <a:effectLst/>
+              <a:latin typeface="Times New Roman" pitchFamily="18" charset="0"/>
+              <a:cs typeface="Times New Roman" pitchFamily="18" charset="0"/>
+            </a:endParaRPr>
+          </a:p>
+        </p:txBody>
+      </p:sp>
+      <p:pic>
+        <p:nvPicPr>
+          <p:cNvPr id="17" name="Рисунок 16"/>
+          <p:cNvPicPr>
+            <a:picLocks noChangeAspect="1"/>
+          </p:cNvPicPr>
+          <p:nvPr/>
+        </p:nvPicPr>
+        <p:blipFill rotWithShape="1">
+          <a:blip r:embed="rId4"/>
+          <a:srcRect l="9292" t="23000" r="9294" b="31100"/>
+          <a:stretch/>
+        </p:blipFill>
+        <p:spPr>
+          <a:xfrm>
+            <a:off x="3275856" y="4797152"/>
+            <a:ext cx="887052" cy="538567"/>
+          </a:xfrm>
+          <a:prstGeom prst="rect">
+            <a:avLst/>
+          </a:prstGeom>
+        </p:spPr>
+      </p:pic>
+      <p:pic>
+        <p:nvPicPr>
+          <p:cNvPr id="21" name="Рисунок 20"/>
+          <p:cNvPicPr>
+            <a:picLocks noChangeAspect="1"/>
+          </p:cNvPicPr>
+          <p:nvPr/>
+        </p:nvPicPr>
+        <p:blipFill rotWithShape="1">
+          <a:blip r:embed="rId3"/>
+          <a:srcRect l="12201" t="23001" r="12201" b="28400"/>
+          <a:stretch/>
+        </p:blipFill>
+        <p:spPr>
+          <a:xfrm>
+            <a:off x="4355976" y="4612050"/>
+            <a:ext cx="1033165" cy="715268"/>
+          </a:xfrm>
+          <a:prstGeom prst="rect">
+            <a:avLst/>
+          </a:prstGeom>
+        </p:spPr>
+      </p:pic>
+      <p:pic>
+        <p:nvPicPr>
+          <p:cNvPr id="22" name="Рисунок 21"/>
+          <p:cNvPicPr>
+            <a:picLocks noChangeAspect="1"/>
+          </p:cNvPicPr>
+          <p:nvPr/>
+        </p:nvPicPr>
+        <p:blipFill rotWithShape="1">
+          <a:blip r:embed="rId3"/>
+          <a:srcRect l="12201" t="23001" r="12201" b="28400"/>
+          <a:stretch/>
+        </p:blipFill>
+        <p:spPr>
+          <a:xfrm>
+            <a:off x="3494585" y="5676900"/>
+            <a:ext cx="1033165" cy="715268"/>
+          </a:xfrm>
+          <a:prstGeom prst="rect">
+            <a:avLst/>
+          </a:prstGeom>
+        </p:spPr>
+      </p:pic>
+      <p:pic>
+        <p:nvPicPr>
+          <p:cNvPr id="23" name="Рисунок 22"/>
+          <p:cNvPicPr>
+            <a:picLocks noChangeAspect="1"/>
+          </p:cNvPicPr>
+          <p:nvPr/>
+        </p:nvPicPr>
+        <p:blipFill rotWithShape="1">
+          <a:blip r:embed="rId4"/>
+          <a:srcRect l="9292" t="23000" r="9294" b="31100"/>
+          <a:stretch/>
+        </p:blipFill>
+        <p:spPr>
+          <a:xfrm>
+            <a:off x="4916439" y="5623901"/>
+            <a:ext cx="887052" cy="538567"/>
+          </a:xfrm>
+          <a:prstGeom prst="rect">
+            <a:avLst/>
+          </a:prstGeom>
+        </p:spPr>
+      </p:pic>
+      <p:pic>
+        <p:nvPicPr>
+          <p:cNvPr id="24" name="Рисунок 23"/>
+          <p:cNvPicPr>
+            <a:picLocks noChangeAspect="1"/>
+          </p:cNvPicPr>
+          <p:nvPr/>
+        </p:nvPicPr>
+        <p:blipFill rotWithShape="1">
+          <a:blip r:embed="rId4"/>
+          <a:srcRect l="9292" t="23000" r="9294" b="31100"/>
+          <a:stretch/>
+        </p:blipFill>
+        <p:spPr>
+          <a:xfrm>
+            <a:off x="6012160" y="2379212"/>
+            <a:ext cx="887052" cy="538567"/>
+          </a:xfrm>
+          <a:prstGeom prst="rect">
+            <a:avLst/>
+          </a:prstGeom>
+        </p:spPr>
+      </p:pic>
+      <p:pic>
+        <p:nvPicPr>
+          <p:cNvPr id="27" name="Рисунок 26"/>
+          <p:cNvPicPr>
+            <a:picLocks noChangeAspect="1"/>
+          </p:cNvPicPr>
+          <p:nvPr/>
+        </p:nvPicPr>
+        <p:blipFill rotWithShape="1">
+          <a:blip r:embed="rId4"/>
+          <a:srcRect l="9292" t="23000" r="9294" b="31100"/>
+          <a:stretch/>
+        </p:blipFill>
+        <p:spPr>
+          <a:xfrm>
+            <a:off x="7164288" y="1763087"/>
+            <a:ext cx="887052" cy="538567"/>
+          </a:xfrm>
+          <a:prstGeom prst="rect">
+            <a:avLst/>
+          </a:prstGeom>
+        </p:spPr>
+      </p:pic>
+      <p:pic>
+        <p:nvPicPr>
+          <p:cNvPr id="28" name="Рисунок 27"/>
+          <p:cNvPicPr>
+            <a:picLocks noChangeAspect="1"/>
+          </p:cNvPicPr>
+          <p:nvPr/>
+        </p:nvPicPr>
+        <p:blipFill rotWithShape="1">
+          <a:blip r:embed="rId4"/>
+          <a:srcRect l="9292" t="23000" r="9294" b="31100"/>
+          <a:stretch/>
+        </p:blipFill>
+        <p:spPr>
+          <a:xfrm>
+            <a:off x="7740352" y="2452530"/>
+            <a:ext cx="887052" cy="538567"/>
+          </a:xfrm>
+          <a:prstGeom prst="rect">
+            <a:avLst/>
+          </a:prstGeom>
+        </p:spPr>
+      </p:pic>
+      <p:pic>
+        <p:nvPicPr>
+          <p:cNvPr id="29" name="Рисунок 28"/>
+          <p:cNvPicPr>
+            <a:picLocks noChangeAspect="1"/>
+          </p:cNvPicPr>
+          <p:nvPr/>
+        </p:nvPicPr>
+        <p:blipFill rotWithShape="1">
+          <a:blip r:embed="rId3"/>
+          <a:srcRect l="12201" t="23001" r="12201" b="28400"/>
+          <a:stretch/>
+        </p:blipFill>
+        <p:spPr>
+          <a:xfrm>
+            <a:off x="6755717" y="3140706"/>
+            <a:ext cx="1033165" cy="715268"/>
+          </a:xfrm>
+          <a:prstGeom prst="rect">
+            <a:avLst/>
+          </a:prstGeom>
+        </p:spPr>
+      </p:pic>
+      <p:sp>
+        <p:nvSpPr>
+          <p:cNvPr id="30" name="Овал 29"/>
+          <p:cNvSpPr/>
+          <p:nvPr/>
+        </p:nvSpPr>
+        <p:spPr bwMode="auto">
+          <a:xfrm>
+            <a:off x="840348" y="1511627"/>
+            <a:ext cx="3240360" cy="2585791"/>
+          </a:xfrm>
+          <a:prstGeom prst="ellipse">
+            <a:avLst/>
+          </a:prstGeom>
+          <a:noFill/>
+          <a:ln w="9525" cap="flat" cmpd="sng" algn="ctr">
+            <a:solidFill>
+              <a:srgbClr val="7030A0"/>
+            </a:solidFill>
+            <a:prstDash val="solid"/>
+            <a:round/>
+            <a:headEnd type="none" w="med" len="med"/>
+            <a:tailEnd type="none" w="med" len="med"/>
+          </a:ln>
+          <a:effectLst/>
+          <a:extLst>
+            <a:ext uri="{909E8E84-426E-40DD-AFC4-6F175D3DCCD1}">
+              <a14:hiddenFill xmlns:a14="http://schemas.microsoft.com/office/drawing/2010/main">
+                <a:solidFill>
+                  <a:schemeClr val="accent1"/>
+                </a:solidFill>
+              </a14:hiddenFill>
+            </a:ext>
+            <a:ext uri="{AF507438-7753-43E0-B8FC-AC1667EBCBE1}">
+              <a14:hiddenEffects xmlns:a14="http://schemas.microsoft.com/office/drawing/2010/main">
+                <a:effectLst>
+                  <a:outerShdw dist="35921" dir="2700000" algn="ctr" rotWithShape="0">
+                    <a:schemeClr val="bg2"/>
+                  </a:outerShdw>
+                </a:effectLst>
+              </a14:hiddenEffects>
+            </a:ext>
+          </a:extLst>
+        </p:spPr>
+        <p:txBody>
+          <a:bodyPr vert="horz" wrap="square" lIns="91440" tIns="45720" rIns="91440" bIns="0" numCol="1" rtlCol="0" anchor="t" anchorCtr="0" compatLnSpc="1">
+            <a:prstTxWarp prst="textNoShape">
+              <a:avLst/>
+            </a:prstTxWarp>
+          </a:bodyPr>
+          <a:lstStyle/>
+          <a:p>
+            <a:pPr marL="457200" marR="0" indent="-457200" algn="l" defTabSz="914400" rtl="0" eaLnBrk="1" fontAlgn="base" latinLnBrk="0" hangingPunct="1">
+              <a:lnSpc>
+                <a:spcPct val="100000"/>
+              </a:lnSpc>
+              <a:spcBef>
+                <a:spcPct val="20000"/>
+              </a:spcBef>
+              <a:spcAft>
+                <a:spcPct val="0"/>
+              </a:spcAft>
+              <a:buClr>
+                <a:srgbClr val="A50021"/>
+              </a:buClr>
+              <a:buSzPct val="75000"/>
+              <a:buFont typeface="Wingdings" pitchFamily="2" charset="2"/>
+              <a:buChar char="n"/>
+              <a:tabLst/>
+            </a:pPr>
+            <a:endParaRPr kumimoji="1" lang="ru-RU" sz="2000" b="0" i="0" u="none" strike="noStrike" cap="none" normalizeH="0" baseline="0" smtClean="0">
+              <a:ln>
+                <a:noFill/>
+              </a:ln>
+              <a:solidFill>
+                <a:schemeClr val="tx1"/>
+              </a:solidFill>
+              <a:effectLst/>
+              <a:latin typeface="Times New Roman" pitchFamily="18" charset="0"/>
+              <a:cs typeface="Times New Roman" pitchFamily="18" charset="0"/>
+            </a:endParaRPr>
+          </a:p>
+        </p:txBody>
+      </p:sp>
+      <p:pic>
+        <p:nvPicPr>
+          <p:cNvPr id="33" name="Picture 12" descr="Router | Cisco Network Topology Icons 3015"/>
+          <p:cNvPicPr>
+            <a:picLocks noChangeAspect="1" noChangeArrowheads="1"/>
+          </p:cNvPicPr>
+          <p:nvPr/>
+        </p:nvPicPr>
+        <p:blipFill>
+          <a:blip r:embed="rId5" cstate="print">
+            <a:extLst>
+              <a:ext uri="{28A0092B-C50C-407E-A947-70E740481C1C}">
+                <a14:useLocalDpi xmlns:a14="http://schemas.microsoft.com/office/drawing/2010/main" val="0"/>
+              </a:ext>
+            </a:extLst>
+          </a:blip>
+          <a:srcRect/>
+          <a:stretch>
+            <a:fillRect/>
+          </a:stretch>
+        </p:blipFill>
+        <p:spPr bwMode="auto">
+          <a:xfrm>
+            <a:off x="4205875" y="3815235"/>
+            <a:ext cx="816025" cy="816025"/>
+          </a:xfrm>
+          <a:prstGeom prst="rect">
+            <a:avLst/>
+          </a:prstGeom>
+          <a:noFill/>
+          <a:extLst>
+            <a:ext uri="{909E8E84-426E-40DD-AFC4-6F175D3DCCD1}">
+              <a14:hiddenFill xmlns:a14="http://schemas.microsoft.com/office/drawing/2010/main">
+                <a:solidFill>
+                  <a:srgbClr val="FFFFFF"/>
+                </a:solidFill>
+              </a14:hiddenFill>
+            </a:ext>
+          </a:extLst>
+        </p:spPr>
+      </p:pic>
+      <p:pic>
+        <p:nvPicPr>
+          <p:cNvPr id="2060" name="Picture 12" descr="Router | Cisco Network Topology Icons 3015"/>
+          <p:cNvPicPr>
+            <a:picLocks noChangeAspect="1" noChangeArrowheads="1"/>
+          </p:cNvPicPr>
+          <p:nvPr/>
+        </p:nvPicPr>
+        <p:blipFill rotWithShape="1">
+          <a:blip r:embed="rId5" cstate="print">
+            <a:extLst>
+              <a:ext uri="{28A0092B-C50C-407E-A947-70E740481C1C}">
+                <a14:useLocalDpi xmlns:a14="http://schemas.microsoft.com/office/drawing/2010/main" val="0"/>
+              </a:ext>
+            </a:extLst>
+          </a:blip>
+          <a:srcRect t="14612" b="14794"/>
+          <a:stretch/>
+        </p:blipFill>
+        <p:spPr bwMode="auto">
+          <a:xfrm>
+            <a:off x="3650809" y="2420889"/>
+            <a:ext cx="816025" cy="576064"/>
+          </a:xfrm>
+          <a:prstGeom prst="rect">
+            <a:avLst/>
+          </a:prstGeom>
+          <a:noFill/>
+          <a:extLst>
+            <a:ext uri="{909E8E84-426E-40DD-AFC4-6F175D3DCCD1}">
+              <a14:hiddenFill xmlns:a14="http://schemas.microsoft.com/office/drawing/2010/main">
+                <a:solidFill>
+                  <a:srgbClr val="FFFFFF"/>
+                </a:solidFill>
+              </a14:hiddenFill>
+            </a:ext>
+          </a:extLst>
+        </p:spPr>
+      </p:pic>
+      <p:pic>
+        <p:nvPicPr>
+          <p:cNvPr id="32" name="Picture 12" descr="Router | Cisco Network Topology Icons 3015"/>
+          <p:cNvPicPr>
+            <a:picLocks noChangeAspect="1" noChangeArrowheads="1"/>
+          </p:cNvPicPr>
+          <p:nvPr/>
+        </p:nvPicPr>
+        <p:blipFill rotWithShape="1">
+          <a:blip r:embed="rId5" cstate="print">
+            <a:extLst>
+              <a:ext uri="{28A0092B-C50C-407E-A947-70E740481C1C}">
+                <a14:useLocalDpi xmlns:a14="http://schemas.microsoft.com/office/drawing/2010/main" val="0"/>
+              </a:ext>
+            </a:extLst>
+          </a:blip>
+          <a:srcRect t="13141" b="16265"/>
+          <a:stretch/>
+        </p:blipFill>
+        <p:spPr bwMode="auto">
+          <a:xfrm>
+            <a:off x="5212160" y="2415033"/>
+            <a:ext cx="816025" cy="576064"/>
+          </a:xfrm>
+          <a:prstGeom prst="rect">
+            <a:avLst/>
+          </a:prstGeom>
+          <a:noFill/>
+          <a:extLst>
+            <a:ext uri="{909E8E84-426E-40DD-AFC4-6F175D3DCCD1}">
+              <a14:hiddenFill xmlns:a14="http://schemas.microsoft.com/office/drawing/2010/main">
+                <a:solidFill>
+                  <a:srgbClr val="FFFFFF"/>
+                </a:solidFill>
+              </a14:hiddenFill>
+            </a:ext>
+          </a:extLst>
+        </p:spPr>
+      </p:pic>
+      <p:sp>
+        <p:nvSpPr>
+          <p:cNvPr id="34" name="Стрелка углом вверх 33"/>
+          <p:cNvSpPr/>
+          <p:nvPr/>
+        </p:nvSpPr>
+        <p:spPr bwMode="auto">
+          <a:xfrm flipV="1">
+            <a:off x="4479460" y="2616579"/>
+            <a:ext cx="534177" cy="426789"/>
+          </a:xfrm>
+          <a:prstGeom prst="bentUpArrow">
+            <a:avLst/>
+          </a:prstGeom>
+          <a:solidFill>
+            <a:srgbClr val="00B050"/>
+          </a:solidFill>
+          <a:ln w="9525" cap="flat" cmpd="sng" algn="ctr">
+            <a:solidFill>
+              <a:schemeClr val="tx1"/>
+            </a:solidFill>
+            <a:prstDash val="solid"/>
+            <a:round/>
+            <a:headEnd type="none" w="med" len="med"/>
+            <a:tailEnd type="none" w="med" len="med"/>
+          </a:ln>
+          <a:effectLst/>
+          <a:extLst/>
+        </p:spPr>
+        <p:txBody>
+          <a:bodyPr vert="horz" wrap="square" lIns="91440" tIns="45720" rIns="91440" bIns="0" numCol="1" rtlCol="0" anchor="t" anchorCtr="0" compatLnSpc="1">
+            <a:prstTxWarp prst="textNoShape">
+              <a:avLst/>
+            </a:prstTxWarp>
+          </a:bodyPr>
+          <a:lstStyle/>
+          <a:p>
+            <a:pPr marL="457200" marR="0" indent="-457200" algn="l" defTabSz="914400" rtl="0" eaLnBrk="1" fontAlgn="base" latinLnBrk="0" hangingPunct="1">
+              <a:lnSpc>
+                <a:spcPct val="100000"/>
+              </a:lnSpc>
+              <a:spcBef>
+                <a:spcPct val="20000"/>
+              </a:spcBef>
+              <a:spcAft>
+                <a:spcPct val="0"/>
+              </a:spcAft>
+              <a:buClr>
+                <a:srgbClr val="A50021"/>
+              </a:buClr>
+              <a:buSzPct val="75000"/>
+              <a:buFont typeface="Wingdings" pitchFamily="2" charset="2"/>
+              <a:buChar char="n"/>
+              <a:tabLst/>
+            </a:pPr>
+            <a:endParaRPr kumimoji="1" lang="ru-RU" sz="2000" b="0" i="0" u="none" strike="noStrike" cap="none" normalizeH="0" baseline="0" smtClean="0">
+              <a:ln>
+                <a:noFill/>
+              </a:ln>
+              <a:solidFill>
+                <a:schemeClr val="tx1"/>
+              </a:solidFill>
+              <a:effectLst/>
+              <a:latin typeface="Times New Roman" pitchFamily="18" charset="0"/>
+              <a:cs typeface="Times New Roman" pitchFamily="18" charset="0"/>
+            </a:endParaRPr>
+          </a:p>
+        </p:txBody>
+      </p:sp>
+      <p:sp>
+        <p:nvSpPr>
+          <p:cNvPr id="37" name="Стрелка углом вверх 36"/>
+          <p:cNvSpPr/>
+          <p:nvPr/>
+        </p:nvSpPr>
+        <p:spPr bwMode="auto">
+          <a:xfrm rot="10800000" flipV="1">
+            <a:off x="3954355" y="3785247"/>
+            <a:ext cx="230630" cy="513936"/>
+          </a:xfrm>
+          <a:prstGeom prst="bentUpArrow">
+            <a:avLst>
+              <a:gd name="adj1" fmla="val 47442"/>
+              <a:gd name="adj2" fmla="val 47442"/>
+              <a:gd name="adj3" fmla="val 50000"/>
+            </a:avLst>
+          </a:prstGeom>
+          <a:solidFill>
+            <a:srgbClr val="00B050"/>
+          </a:solidFill>
+          <a:ln w="9525" cap="flat" cmpd="sng" algn="ctr">
+            <a:solidFill>
+              <a:schemeClr val="tx1"/>
+            </a:solidFill>
+            <a:prstDash val="solid"/>
+            <a:round/>
+            <a:headEnd type="none" w="med" len="med"/>
+            <a:tailEnd type="none" w="med" len="med"/>
+          </a:ln>
+          <a:effectLst/>
+          <a:extLst/>
+        </p:spPr>
+        <p:txBody>
+          <a:bodyPr vert="horz" wrap="square" lIns="91440" tIns="45720" rIns="91440" bIns="0" numCol="1" rtlCol="0" anchor="t" anchorCtr="0" compatLnSpc="1">
+            <a:prstTxWarp prst="textNoShape">
+              <a:avLst/>
+            </a:prstTxWarp>
+          </a:bodyPr>
+          <a:lstStyle/>
+          <a:p>
+            <a:pPr marL="457200" marR="0" indent="-457200" algn="l" defTabSz="914400" rtl="0" eaLnBrk="1" fontAlgn="base" latinLnBrk="0" hangingPunct="1">
+              <a:lnSpc>
+                <a:spcPct val="100000"/>
+              </a:lnSpc>
+              <a:spcBef>
+                <a:spcPct val="20000"/>
+              </a:spcBef>
+              <a:spcAft>
+                <a:spcPct val="0"/>
+              </a:spcAft>
+              <a:buClr>
+                <a:srgbClr val="A50021"/>
+              </a:buClr>
+              <a:buSzPct val="75000"/>
+              <a:buFont typeface="Wingdings" pitchFamily="2" charset="2"/>
+              <a:buChar char="n"/>
+              <a:tabLst/>
+            </a:pPr>
+            <a:endParaRPr kumimoji="1" lang="ru-RU" sz="2000" b="0" i="0" u="none" strike="noStrike" cap="none" normalizeH="0" baseline="0" smtClean="0">
+              <a:ln>
+                <a:noFill/>
+              </a:ln>
+              <a:solidFill>
+                <a:schemeClr val="tx1"/>
+              </a:solidFill>
+              <a:effectLst/>
+              <a:latin typeface="Times New Roman" pitchFamily="18" charset="0"/>
+              <a:cs typeface="Times New Roman" pitchFamily="18" charset="0"/>
+            </a:endParaRPr>
+          </a:p>
+        </p:txBody>
+      </p:sp>
+      <p:sp>
+        <p:nvSpPr>
+          <p:cNvPr id="38" name="Стрелка углом вверх 37"/>
+          <p:cNvSpPr/>
+          <p:nvPr/>
+        </p:nvSpPr>
+        <p:spPr bwMode="auto">
+          <a:xfrm rot="5400000" flipV="1">
+            <a:off x="5168983" y="3236428"/>
+            <a:ext cx="663267" cy="222951"/>
+          </a:xfrm>
+          <a:prstGeom prst="bentUpArrow">
+            <a:avLst>
+              <a:gd name="adj1" fmla="val 36608"/>
+              <a:gd name="adj2" fmla="val 43218"/>
+              <a:gd name="adj3" fmla="val 50000"/>
+            </a:avLst>
+          </a:prstGeom>
+          <a:solidFill>
+            <a:srgbClr val="00B050"/>
+          </a:solidFill>
+          <a:ln w="9525" cap="flat" cmpd="sng" algn="ctr">
+            <a:solidFill>
+              <a:schemeClr val="tx1"/>
+            </a:solidFill>
+            <a:prstDash val="solid"/>
+            <a:round/>
+            <a:headEnd type="none" w="med" len="med"/>
+            <a:tailEnd type="none" w="med" len="med"/>
+          </a:ln>
+          <a:effectLst/>
+          <a:extLst/>
+        </p:spPr>
+        <p:txBody>
+          <a:bodyPr vert="horz" wrap="square" lIns="91440" tIns="45720" rIns="91440" bIns="0" numCol="1" rtlCol="0" anchor="t" anchorCtr="0" compatLnSpc="1">
+            <a:prstTxWarp prst="textNoShape">
+              <a:avLst/>
+            </a:prstTxWarp>
+          </a:bodyPr>
+          <a:lstStyle/>
+          <a:p>
+            <a:pPr marL="457200" marR="0" indent="-457200" algn="l" defTabSz="914400" rtl="0" eaLnBrk="1" fontAlgn="base" latinLnBrk="0" hangingPunct="1">
+              <a:lnSpc>
+                <a:spcPct val="100000"/>
+              </a:lnSpc>
+              <a:spcBef>
+                <a:spcPct val="20000"/>
+              </a:spcBef>
+              <a:spcAft>
+                <a:spcPct val="0"/>
+              </a:spcAft>
+              <a:buClr>
+                <a:srgbClr val="A50021"/>
+              </a:buClr>
+              <a:buSzPct val="75000"/>
+              <a:buFont typeface="Wingdings" pitchFamily="2" charset="2"/>
+              <a:buChar char="n"/>
+              <a:tabLst/>
+            </a:pPr>
+            <a:endParaRPr kumimoji="1" lang="ru-RU" sz="2000" b="0" i="0" u="none" strike="noStrike" cap="none" normalizeH="0" baseline="0" smtClean="0">
+              <a:ln>
+                <a:noFill/>
+              </a:ln>
+              <a:solidFill>
+                <a:schemeClr val="tx1"/>
+              </a:solidFill>
+              <a:effectLst/>
+              <a:latin typeface="Times New Roman" pitchFamily="18" charset="0"/>
+              <a:cs typeface="Times New Roman" pitchFamily="18" charset="0"/>
+            </a:endParaRPr>
+          </a:p>
+        </p:txBody>
+      </p:sp>
+    </p:spTree>
+    <p:extLst>
+      <p:ext uri="{BB962C8B-B14F-4D97-AF65-F5344CB8AC3E}">
+        <p14:creationId xmlns:p14="http://schemas.microsoft.com/office/powerpoint/2010/main" val="3374033259"/>
+      </p:ext>
+    </p:extLst>
+  </p:cSld>
+  <p:clrMapOvr>
+    <a:masterClrMapping/>
+  </p:clrMapOvr>
+  <p:timing>
+    <p:tnLst>
+      <p:par>
+        <p:cTn id="1" dur="indefinite" restart="never" nodeType="tmRoot"/>
+      </p:par>
+    </p:tnLst>
+  </p:timing>
+</p:sld>
+</file>
+
+<file path=ppt/slides/slide16.xml><?xml version="1.0" encoding="utf-8"?>
+<p:sld xmlns:a="http://schemas.openxmlformats.org/drawingml/2006/main" xmlns:r="http://schemas.openxmlformats.org/officeDocument/2006/relationships" xmlns:p="http://schemas.openxmlformats.org/presentationml/2006/main">
+  <p:cSld>
+    <p:spTree>
+      <p:nvGrpSpPr>
+        <p:cNvPr id="1" name=""/>
+        <p:cNvGrpSpPr/>
+        <p:nvPr/>
+      </p:nvGrpSpPr>
+      <p:grpSpPr>
+        <a:xfrm>
+          <a:off x="0" y="0"/>
+          <a:ext cx="0" cy="0"/>
+          <a:chOff x="0" y="0"/>
+          <a:chExt cx="0" cy="0"/>
+        </a:xfrm>
+      </p:grpSpPr>
+      <p:sp>
+        <p:nvSpPr>
+          <p:cNvPr id="19" name="Заголовок 1"/>
+          <p:cNvSpPr txBox="1">
+            <a:spLocks/>
+          </p:cNvSpPr>
+          <p:nvPr/>
+        </p:nvSpPr>
+        <p:spPr>
+          <a:xfrm>
+            <a:off x="0" y="701874"/>
+            <a:ext cx="9144000" cy="1008112"/>
+          </a:xfrm>
+          <a:prstGeom prst="rect">
+            <a:avLst/>
+          </a:prstGeom>
+        </p:spPr>
+        <p:txBody>
+          <a:bodyPr/>
+          <a:lstStyle>
+            <a:lvl1pPr algn="l" rtl="0" fontAlgn="base">
+              <a:spcBef>
+                <a:spcPct val="0"/>
+              </a:spcBef>
+              <a:spcAft>
+                <a:spcPct val="0"/>
+              </a:spcAft>
+              <a:defRPr sz="4400">
+                <a:solidFill>
+                  <a:schemeClr val="tx2"/>
+                </a:solidFill>
+                <a:latin typeface="+mj-lt"/>
+                <a:ea typeface="+mj-ea"/>
+                <a:cs typeface="+mj-cs"/>
+              </a:defRPr>
+            </a:lvl1pPr>
+            <a:lvl2pPr algn="l" rtl="0" fontAlgn="base">
+              <a:spcBef>
+                <a:spcPct val="0"/>
+              </a:spcBef>
+              <a:spcAft>
+                <a:spcPct val="0"/>
+              </a:spcAft>
+              <a:defRPr sz="4400">
+                <a:solidFill>
+                  <a:schemeClr val="tx2"/>
+                </a:solidFill>
+                <a:latin typeface="Times New Roman" pitchFamily="18" charset="0"/>
+              </a:defRPr>
+            </a:lvl2pPr>
+            <a:lvl3pPr algn="l" rtl="0" fontAlgn="base">
+              <a:spcBef>
+                <a:spcPct val="0"/>
+              </a:spcBef>
+              <a:spcAft>
+                <a:spcPct val="0"/>
+              </a:spcAft>
+              <a:defRPr sz="4400">
+                <a:solidFill>
+                  <a:schemeClr val="tx2"/>
+                </a:solidFill>
+                <a:latin typeface="Times New Roman" pitchFamily="18" charset="0"/>
+              </a:defRPr>
+            </a:lvl3pPr>
+            <a:lvl4pPr algn="l" rtl="0" fontAlgn="base">
+              <a:spcBef>
+                <a:spcPct val="0"/>
+              </a:spcBef>
+              <a:spcAft>
+                <a:spcPct val="0"/>
+              </a:spcAft>
+              <a:defRPr sz="4400">
+                <a:solidFill>
+                  <a:schemeClr val="tx2"/>
+                </a:solidFill>
+                <a:latin typeface="Times New Roman" pitchFamily="18" charset="0"/>
+              </a:defRPr>
+            </a:lvl4pPr>
+            <a:lvl5pPr algn="l" rtl="0" fontAlgn="base">
+              <a:spcBef>
+                <a:spcPct val="0"/>
+              </a:spcBef>
+              <a:spcAft>
+                <a:spcPct val="0"/>
+              </a:spcAft>
+              <a:defRPr sz="4400">
+                <a:solidFill>
+                  <a:schemeClr val="tx2"/>
+                </a:solidFill>
+                <a:latin typeface="Times New Roman" pitchFamily="18" charset="0"/>
+              </a:defRPr>
+            </a:lvl5pPr>
+            <a:lvl6pPr marL="457200" algn="l" rtl="0" fontAlgn="base">
+              <a:spcBef>
+                <a:spcPct val="0"/>
+              </a:spcBef>
+              <a:spcAft>
+                <a:spcPct val="0"/>
+              </a:spcAft>
+              <a:defRPr sz="4400">
+                <a:solidFill>
+                  <a:schemeClr val="tx2"/>
+                </a:solidFill>
+                <a:latin typeface="Times New Roman" pitchFamily="18" charset="0"/>
+              </a:defRPr>
+            </a:lvl6pPr>
+            <a:lvl7pPr marL="914400" algn="l" rtl="0" fontAlgn="base">
+              <a:spcBef>
+                <a:spcPct val="0"/>
+              </a:spcBef>
+              <a:spcAft>
+                <a:spcPct val="0"/>
+              </a:spcAft>
+              <a:defRPr sz="4400">
+                <a:solidFill>
+                  <a:schemeClr val="tx2"/>
+                </a:solidFill>
+                <a:latin typeface="Times New Roman" pitchFamily="18" charset="0"/>
+              </a:defRPr>
+            </a:lvl7pPr>
+            <a:lvl8pPr marL="1371600" algn="l" rtl="0" fontAlgn="base">
+              <a:spcBef>
+                <a:spcPct val="0"/>
+              </a:spcBef>
+              <a:spcAft>
+                <a:spcPct val="0"/>
+              </a:spcAft>
+              <a:defRPr sz="4400">
+                <a:solidFill>
+                  <a:schemeClr val="tx2"/>
+                </a:solidFill>
+                <a:latin typeface="Times New Roman" pitchFamily="18" charset="0"/>
+              </a:defRPr>
+            </a:lvl8pPr>
+            <a:lvl9pPr marL="1828800" algn="l" rtl="0" fontAlgn="base">
+              <a:spcBef>
+                <a:spcPct val="0"/>
+              </a:spcBef>
+              <a:spcAft>
+                <a:spcPct val="0"/>
+              </a:spcAft>
+              <a:defRPr sz="4400">
+                <a:solidFill>
+                  <a:schemeClr val="tx2"/>
+                </a:solidFill>
+                <a:latin typeface="Times New Roman" pitchFamily="18" charset="0"/>
+              </a:defRPr>
+            </a:lvl9pPr>
+          </a:lstStyle>
+          <a:p>
+            <a:pPr algn="ctr">
+              <a:buClrTx/>
+              <a:buSzTx/>
+              <a:buFontTx/>
+              <a:buNone/>
+            </a:pPr>
+            <a:r>
+              <a:rPr kumimoji="0" lang="en-US" altLang="ru-RU" b="1" kern="0" dirty="0" smtClean="0"/>
+              <a:t>UPnP</a:t>
+            </a:r>
+            <a:endParaRPr kumimoji="0" lang="en-US" altLang="ru-RU" b="1" kern="0" dirty="0" smtClean="0"/>
+          </a:p>
+        </p:txBody>
+      </p:sp>
+      <p:sp>
+        <p:nvSpPr>
+          <p:cNvPr id="2" name="AutoShape 4" descr="Router | Cisco Network Topology Icons 3015"/>
+          <p:cNvSpPr>
+            <a:spLocks noChangeAspect="1" noChangeArrowheads="1"/>
+          </p:cNvSpPr>
+          <p:nvPr/>
+        </p:nvSpPr>
+        <p:spPr bwMode="auto">
+          <a:xfrm>
+            <a:off x="155575" y="-144463"/>
+            <a:ext cx="304800" cy="304801"/>
+          </a:xfrm>
+          <a:prstGeom prst="rect">
+            <a:avLst/>
+          </a:prstGeom>
+          <a:noFill/>
+          <a:extLst>
+            <a:ext uri="{909E8E84-426E-40DD-AFC4-6F175D3DCCD1}">
+              <a14:hiddenFill xmlns:a14="http://schemas.microsoft.com/office/drawing/2010/main">
+                <a:solidFill>
+                  <a:srgbClr val="FFFFFF"/>
+                </a:solidFill>
+              </a14:hiddenFill>
+            </a:ext>
+          </a:extLst>
+        </p:spPr>
+        <p:txBody>
+          <a:bodyPr vert="horz" wrap="square" lIns="91440" tIns="45720" rIns="91440" bIns="45720" numCol="1" anchor="t" anchorCtr="0" compatLnSpc="1">
+            <a:prstTxWarp prst="textNoShape">
+              <a:avLst/>
+            </a:prstTxWarp>
+          </a:bodyPr>
+          <a:lstStyle/>
+          <a:p>
+            <a:endParaRPr lang="ru-RU"/>
+          </a:p>
+        </p:txBody>
+      </p:sp>
+      <p:sp>
+        <p:nvSpPr>
+          <p:cNvPr id="3" name="AutoShape 6" descr="Router | Cisco Network Topology Icons 3015"/>
+          <p:cNvSpPr>
+            <a:spLocks noChangeAspect="1" noChangeArrowheads="1"/>
+          </p:cNvSpPr>
+          <p:nvPr/>
+        </p:nvSpPr>
+        <p:spPr bwMode="auto">
+          <a:xfrm>
+            <a:off x="307975" y="7937"/>
+            <a:ext cx="304800" cy="304801"/>
+          </a:xfrm>
+          <a:prstGeom prst="rect">
+            <a:avLst/>
+          </a:prstGeom>
+          <a:noFill/>
+          <a:extLst>
+            <a:ext uri="{909E8E84-426E-40DD-AFC4-6F175D3DCCD1}">
+              <a14:hiddenFill xmlns:a14="http://schemas.microsoft.com/office/drawing/2010/main">
+                <a:solidFill>
+                  <a:srgbClr val="FFFFFF"/>
+                </a:solidFill>
+              </a14:hiddenFill>
+            </a:ext>
+          </a:extLst>
+        </p:spPr>
+        <p:txBody>
+          <a:bodyPr vert="horz" wrap="square" lIns="91440" tIns="45720" rIns="91440" bIns="45720" numCol="1" anchor="t" anchorCtr="0" compatLnSpc="1">
+            <a:prstTxWarp prst="textNoShape">
+              <a:avLst/>
+            </a:prstTxWarp>
+          </a:bodyPr>
+          <a:lstStyle/>
+          <a:p>
+            <a:endParaRPr lang="ru-RU"/>
+          </a:p>
+        </p:txBody>
+      </p:sp>
+      <p:sp>
+        <p:nvSpPr>
+          <p:cNvPr id="5" name="AutoShape 16" descr="Internet Cloud icon PNG and SVG Vector Free Download"/>
+          <p:cNvSpPr>
+            <a:spLocks noChangeAspect="1" noChangeArrowheads="1"/>
+          </p:cNvSpPr>
+          <p:nvPr/>
+        </p:nvSpPr>
+        <p:spPr bwMode="auto">
+          <a:xfrm>
+            <a:off x="155575" y="-822325"/>
+            <a:ext cx="1943100" cy="1714500"/>
+          </a:xfrm>
+          <a:prstGeom prst="rect">
+            <a:avLst/>
+          </a:prstGeom>
+          <a:noFill/>
+          <a:extLst>
+            <a:ext uri="{909E8E84-426E-40DD-AFC4-6F175D3DCCD1}">
+              <a14:hiddenFill xmlns:a14="http://schemas.microsoft.com/office/drawing/2010/main">
+                <a:solidFill>
+                  <a:srgbClr val="FFFFFF"/>
+                </a:solidFill>
+              </a14:hiddenFill>
+            </a:ext>
+          </a:extLst>
+        </p:spPr>
+        <p:txBody>
+          <a:bodyPr vert="horz" wrap="square" lIns="91440" tIns="45720" rIns="91440" bIns="45720" numCol="1" anchor="t" anchorCtr="0" compatLnSpc="1">
+            <a:prstTxWarp prst="textNoShape">
+              <a:avLst/>
+            </a:prstTxWarp>
+          </a:bodyPr>
+          <a:lstStyle/>
+          <a:p>
+            <a:endParaRPr lang="ru-RU"/>
+          </a:p>
+        </p:txBody>
+      </p:sp>
+      <p:sp>
+        <p:nvSpPr>
+          <p:cNvPr id="10" name="AutoShape 4" descr="Достаточно одной таблетки», или фармакология конца света"/>
+          <p:cNvSpPr>
+            <a:spLocks noChangeAspect="1" noChangeArrowheads="1"/>
+          </p:cNvSpPr>
+          <p:nvPr/>
+        </p:nvSpPr>
+        <p:spPr bwMode="auto">
+          <a:xfrm>
+            <a:off x="460375" y="160337"/>
+            <a:ext cx="304800" cy="304801"/>
+          </a:xfrm>
+          <a:prstGeom prst="rect">
+            <a:avLst/>
+          </a:prstGeom>
+          <a:noFill/>
+          <a:extLst>
+            <a:ext uri="{909E8E84-426E-40DD-AFC4-6F175D3DCCD1}">
+              <a14:hiddenFill xmlns:a14="http://schemas.microsoft.com/office/drawing/2010/main">
+                <a:solidFill>
+                  <a:srgbClr val="FFFFFF"/>
+                </a:solidFill>
+              </a14:hiddenFill>
+            </a:ext>
+          </a:extLst>
+        </p:spPr>
+        <p:txBody>
+          <a:bodyPr vert="horz" wrap="square" lIns="91440" tIns="45720" rIns="91440" bIns="45720" numCol="1" anchor="t" anchorCtr="0" compatLnSpc="1">
+            <a:prstTxWarp prst="textNoShape">
+              <a:avLst/>
+            </a:prstTxWarp>
+          </a:bodyPr>
+          <a:lstStyle/>
+          <a:p>
+            <a:endParaRPr lang="ru-RU"/>
+          </a:p>
+        </p:txBody>
+      </p:sp>
+      <p:pic>
+        <p:nvPicPr>
+          <p:cNvPr id="3074" name="Picture 2" descr="Включение функции UPNP на маршрутизаторе - ВсёПросто"/>
+          <p:cNvPicPr>
+            <a:picLocks noChangeAspect="1" noChangeArrowheads="1"/>
+          </p:cNvPicPr>
+          <p:nvPr/>
+        </p:nvPicPr>
+        <p:blipFill>
+          <a:blip r:embed="rId2">
+            <a:extLst>
+              <a:ext uri="{28A0092B-C50C-407E-A947-70E740481C1C}">
+                <a14:useLocalDpi xmlns:a14="http://schemas.microsoft.com/office/drawing/2010/main" val="0"/>
+              </a:ext>
+            </a:extLst>
+          </a:blip>
+          <a:srcRect/>
+          <a:stretch>
+            <a:fillRect/>
+          </a:stretch>
+        </p:blipFill>
+        <p:spPr bwMode="auto">
+          <a:xfrm>
+            <a:off x="4932040" y="4755456"/>
+            <a:ext cx="3846117" cy="2102544"/>
+          </a:xfrm>
+          <a:prstGeom prst="rect">
+            <a:avLst/>
+          </a:prstGeom>
+          <a:noFill/>
+          <a:extLst>
+            <a:ext uri="{909E8E84-426E-40DD-AFC4-6F175D3DCCD1}">
+              <a14:hiddenFill xmlns:a14="http://schemas.microsoft.com/office/drawing/2010/main">
+                <a:solidFill>
+                  <a:srgbClr val="FFFFFF"/>
+                </a:solidFill>
+              </a14:hiddenFill>
+            </a:ext>
+          </a:extLst>
+        </p:spPr>
+      </p:pic>
+      <p:sp>
+        <p:nvSpPr>
+          <p:cNvPr id="4" name="TextBox 3"/>
+          <p:cNvSpPr txBox="1"/>
+          <p:nvPr/>
+        </p:nvSpPr>
+        <p:spPr>
+          <a:xfrm>
+            <a:off x="596337" y="1447800"/>
+            <a:ext cx="3903655" cy="5312223"/>
+          </a:xfrm>
+          <a:prstGeom prst="rect">
+            <a:avLst/>
+          </a:prstGeom>
+          <a:noFill/>
+        </p:spPr>
+        <p:txBody>
+          <a:bodyPr wrap="square" rtlCol="0">
+            <a:spAutoFit/>
+          </a:bodyPr>
+          <a:lstStyle/>
+          <a:p>
+            <a:pPr algn="just">
+              <a:buNone/>
+            </a:pPr>
+            <a:r>
+              <a:rPr lang="ru-RU" sz="1600" dirty="0" err="1"/>
+              <a:t>Universal</a:t>
+            </a:r>
+            <a:r>
+              <a:rPr lang="ru-RU" sz="1600" dirty="0"/>
+              <a:t> </a:t>
+            </a:r>
+            <a:r>
+              <a:rPr lang="ru-RU" sz="1600" dirty="0" err="1"/>
+              <a:t>Plug</a:t>
+            </a:r>
+            <a:r>
+              <a:rPr lang="ru-RU" sz="1600" dirty="0"/>
+              <a:t> </a:t>
+            </a:r>
+            <a:r>
+              <a:rPr lang="ru-RU" sz="1600" dirty="0" err="1"/>
+              <a:t>and</a:t>
+            </a:r>
+            <a:r>
+              <a:rPr lang="ru-RU" sz="1600" dirty="0"/>
+              <a:t> </a:t>
+            </a:r>
+            <a:r>
+              <a:rPr lang="ru-RU" sz="1600" dirty="0" err="1"/>
+              <a:t>Play</a:t>
+            </a:r>
+            <a:r>
+              <a:rPr lang="ru-RU" sz="1600" dirty="0"/>
+              <a:t> (</a:t>
+            </a:r>
+            <a:r>
+              <a:rPr lang="ru-RU" sz="1600" dirty="0" err="1"/>
+              <a:t>UPnP</a:t>
+            </a:r>
+            <a:r>
+              <a:rPr lang="ru-RU" sz="1600" dirty="0"/>
+              <a:t>) — архитектура многоуровневых соединений между хостами</a:t>
+            </a:r>
+            <a:r>
+              <a:rPr lang="ru-RU" sz="1600" dirty="0" smtClean="0"/>
+              <a:t>.</a:t>
+            </a:r>
+            <a:r>
+              <a:rPr lang="en-US" sz="1600" dirty="0" smtClean="0"/>
+              <a:t> </a:t>
+            </a:r>
+            <a:r>
+              <a:rPr lang="ru-RU" sz="1600" dirty="0"/>
+              <a:t>Технология </a:t>
+            </a:r>
+            <a:r>
+              <a:rPr lang="ru-RU" sz="1600" dirty="0" err="1"/>
+              <a:t>UPnP</a:t>
+            </a:r>
+            <a:r>
+              <a:rPr lang="ru-RU" sz="1600" dirty="0"/>
+              <a:t> ориентирована на домашние сети, сети малых предприятий и прочие сети компактных размеров. Она обеспечивает обмен данными между любыми двумя устройствами, находящимися под контролем какого-либо управляющего устройства сети. Технология </a:t>
+            </a:r>
+            <a:r>
+              <a:rPr lang="ru-RU" sz="1600" dirty="0" err="1"/>
+              <a:t>UPnP</a:t>
+            </a:r>
+            <a:r>
+              <a:rPr lang="ru-RU" sz="1600" dirty="0"/>
+              <a:t> действует независимо от используемой операционной системы, физической среды передачи данных или языка программирования.</a:t>
+            </a:r>
+            <a:r>
+              <a:rPr lang="ru-RU" sz="1600" dirty="0" smtClean="0"/>
+              <a:t> </a:t>
+            </a:r>
+            <a:endParaRPr lang="en-US" sz="1600" dirty="0" smtClean="0"/>
+          </a:p>
+          <a:p>
+            <a:pPr algn="just">
+              <a:buNone/>
+            </a:pPr>
+            <a:r>
+              <a:rPr lang="ru-RU" sz="1600" b="1" dirty="0" err="1"/>
+              <a:t>UPnP</a:t>
+            </a:r>
+            <a:r>
+              <a:rPr lang="ru-RU" sz="1600" dirty="0"/>
+              <a:t> - это расширение стандартов </a:t>
+            </a:r>
+            <a:r>
+              <a:rPr lang="ru-RU" sz="1600" dirty="0" err="1"/>
+              <a:t>Plug-and-Play</a:t>
+            </a:r>
+            <a:r>
+              <a:rPr lang="ru-RU" sz="1600" dirty="0"/>
+              <a:t> для упрощения управления устройствами в сети. В частности, программа на компьютере в локальной сети может обратиться к роутеру «на языке» </a:t>
+            </a:r>
+            <a:r>
+              <a:rPr lang="ru-RU" sz="1600" dirty="0" err="1"/>
+              <a:t>UPnP</a:t>
+            </a:r>
+            <a:r>
+              <a:rPr lang="ru-RU" sz="1600" dirty="0"/>
+              <a:t> и потребовать перенаправить на себя нужный порт.</a:t>
+            </a:r>
+            <a:endParaRPr lang="ru-RU" sz="1600" dirty="0"/>
+          </a:p>
+        </p:txBody>
+      </p:sp>
+      <p:pic>
+        <p:nvPicPr>
+          <p:cNvPr id="3076" name="Picture 4" descr="Настройка UPnP в MikroTik | IT Knowledge Base"/>
+          <p:cNvPicPr>
+            <a:picLocks noChangeAspect="1" noChangeArrowheads="1"/>
+          </p:cNvPicPr>
+          <p:nvPr/>
+        </p:nvPicPr>
+        <p:blipFill>
+          <a:blip r:embed="rId3" cstate="print">
+            <a:extLst>
+              <a:ext uri="{28A0092B-C50C-407E-A947-70E740481C1C}">
+                <a14:useLocalDpi xmlns:a14="http://schemas.microsoft.com/office/drawing/2010/main" val="0"/>
+              </a:ext>
+            </a:extLst>
+          </a:blip>
+          <a:srcRect/>
+          <a:stretch>
+            <a:fillRect/>
+          </a:stretch>
+        </p:blipFill>
+        <p:spPr bwMode="auto">
+          <a:xfrm>
+            <a:off x="6012160" y="1205930"/>
+            <a:ext cx="1369462" cy="1369462"/>
+          </a:xfrm>
+          <a:prstGeom prst="rect">
+            <a:avLst/>
+          </a:prstGeom>
+          <a:noFill/>
+          <a:extLst>
+            <a:ext uri="{909E8E84-426E-40DD-AFC4-6F175D3DCCD1}">
+              <a14:hiddenFill xmlns:a14="http://schemas.microsoft.com/office/drawing/2010/main">
+                <a:solidFill>
+                  <a:srgbClr val="FFFFFF"/>
+                </a:solidFill>
+              </a14:hiddenFill>
+            </a:ext>
+          </a:extLst>
+        </p:spPr>
+      </p:pic>
+      <p:pic>
+        <p:nvPicPr>
+          <p:cNvPr id="3078" name="Picture 6" descr="What Is UPnP and Is It Safe to Enable? | AVG"/>
+          <p:cNvPicPr>
+            <a:picLocks noChangeAspect="1" noChangeArrowheads="1"/>
+          </p:cNvPicPr>
+          <p:nvPr/>
+        </p:nvPicPr>
+        <p:blipFill>
+          <a:blip r:embed="rId4" cstate="print">
+            <a:extLst>
+              <a:ext uri="{28A0092B-C50C-407E-A947-70E740481C1C}">
+                <a14:useLocalDpi xmlns:a14="http://schemas.microsoft.com/office/drawing/2010/main" val="0"/>
+              </a:ext>
+            </a:extLst>
+          </a:blip>
+          <a:srcRect/>
+          <a:stretch>
+            <a:fillRect/>
+          </a:stretch>
+        </p:blipFill>
+        <p:spPr bwMode="auto">
+          <a:xfrm>
+            <a:off x="4562107" y="2732215"/>
+            <a:ext cx="4451129" cy="2023241"/>
+          </a:xfrm>
+          <a:prstGeom prst="rect">
+            <a:avLst/>
+          </a:prstGeom>
+          <a:noFill/>
+          <a:extLst>
+            <a:ext uri="{909E8E84-426E-40DD-AFC4-6F175D3DCCD1}">
+              <a14:hiddenFill xmlns:a14="http://schemas.microsoft.com/office/drawing/2010/main">
+                <a:solidFill>
+                  <a:srgbClr val="FFFFFF"/>
+                </a:solidFill>
+              </a14:hiddenFill>
+            </a:ext>
+          </a:extLst>
+        </p:spPr>
+      </p:pic>
+    </p:spTree>
+    <p:extLst>
+      <p:ext uri="{BB962C8B-B14F-4D97-AF65-F5344CB8AC3E}">
+        <p14:creationId xmlns:p14="http://schemas.microsoft.com/office/powerpoint/2010/main" val="4199205354"/>
+      </p:ext>
+    </p:extLst>
+  </p:cSld>
+  <p:clrMapOvr>
+    <a:masterClrMapping/>
+  </p:clrMapOvr>
+  <p:timing>
+    <p:tnLst>
+      <p:par>
+        <p:cTn id="1" dur="indefinite" restart="never" nodeType="tmRoot"/>
+      </p:par>
+    </p:tnLst>
+  </p:timing>
+</p:sld>
+</file>
+
+<file path=ppt/slides/slide17.xml><?xml version="1.0" encoding="utf-8"?>
+<p:sld xmlns:a="http://schemas.openxmlformats.org/drawingml/2006/main" xmlns:r="http://schemas.openxmlformats.org/officeDocument/2006/relationships" xmlns:p="http://schemas.openxmlformats.org/presentationml/2006/main">
+  <p:cSld>
+    <p:spTree>
+      <p:nvGrpSpPr>
+        <p:cNvPr id="1" name=""/>
+        <p:cNvGrpSpPr/>
+        <p:nvPr/>
+      </p:nvGrpSpPr>
+      <p:grpSpPr>
+        <a:xfrm>
+          <a:off x="0" y="0"/>
+          <a:ext cx="0" cy="0"/>
+          <a:chOff x="0" y="0"/>
+          <a:chExt cx="0" cy="0"/>
+        </a:xfrm>
+      </p:grpSpPr>
+      <p:sp>
+        <p:nvSpPr>
+          <p:cNvPr id="19" name="Заголовок 1"/>
+          <p:cNvSpPr txBox="1">
+            <a:spLocks/>
+          </p:cNvSpPr>
+          <p:nvPr/>
+        </p:nvSpPr>
+        <p:spPr>
+          <a:xfrm>
+            <a:off x="0" y="701874"/>
+            <a:ext cx="9144000" cy="1008112"/>
+          </a:xfrm>
+          <a:prstGeom prst="rect">
+            <a:avLst/>
+          </a:prstGeom>
+        </p:spPr>
+        <p:txBody>
+          <a:bodyPr/>
+          <a:lstStyle>
+            <a:lvl1pPr algn="l" rtl="0" fontAlgn="base">
+              <a:spcBef>
+                <a:spcPct val="0"/>
+              </a:spcBef>
+              <a:spcAft>
+                <a:spcPct val="0"/>
+              </a:spcAft>
+              <a:defRPr sz="4400">
+                <a:solidFill>
+                  <a:schemeClr val="tx2"/>
+                </a:solidFill>
+                <a:latin typeface="+mj-lt"/>
+                <a:ea typeface="+mj-ea"/>
+                <a:cs typeface="+mj-cs"/>
+              </a:defRPr>
+            </a:lvl1pPr>
+            <a:lvl2pPr algn="l" rtl="0" fontAlgn="base">
+              <a:spcBef>
+                <a:spcPct val="0"/>
+              </a:spcBef>
+              <a:spcAft>
+                <a:spcPct val="0"/>
+              </a:spcAft>
+              <a:defRPr sz="4400">
+                <a:solidFill>
+                  <a:schemeClr val="tx2"/>
+                </a:solidFill>
+                <a:latin typeface="Times New Roman" pitchFamily="18" charset="0"/>
+              </a:defRPr>
+            </a:lvl2pPr>
+            <a:lvl3pPr algn="l" rtl="0" fontAlgn="base">
+              <a:spcBef>
+                <a:spcPct val="0"/>
+              </a:spcBef>
+              <a:spcAft>
+                <a:spcPct val="0"/>
+              </a:spcAft>
+              <a:defRPr sz="4400">
+                <a:solidFill>
+                  <a:schemeClr val="tx2"/>
+                </a:solidFill>
+                <a:latin typeface="Times New Roman" pitchFamily="18" charset="0"/>
+              </a:defRPr>
+            </a:lvl3pPr>
+            <a:lvl4pPr algn="l" rtl="0" fontAlgn="base">
+              <a:spcBef>
+                <a:spcPct val="0"/>
+              </a:spcBef>
+              <a:spcAft>
+                <a:spcPct val="0"/>
+              </a:spcAft>
+              <a:defRPr sz="4400">
+                <a:solidFill>
+                  <a:schemeClr val="tx2"/>
+                </a:solidFill>
+                <a:latin typeface="Times New Roman" pitchFamily="18" charset="0"/>
+              </a:defRPr>
+            </a:lvl4pPr>
+            <a:lvl5pPr algn="l" rtl="0" fontAlgn="base">
+              <a:spcBef>
+                <a:spcPct val="0"/>
+              </a:spcBef>
+              <a:spcAft>
+                <a:spcPct val="0"/>
+              </a:spcAft>
+              <a:defRPr sz="4400">
+                <a:solidFill>
+                  <a:schemeClr val="tx2"/>
+                </a:solidFill>
+                <a:latin typeface="Times New Roman" pitchFamily="18" charset="0"/>
+              </a:defRPr>
+            </a:lvl5pPr>
+            <a:lvl6pPr marL="457200" algn="l" rtl="0" fontAlgn="base">
+              <a:spcBef>
+                <a:spcPct val="0"/>
+              </a:spcBef>
+              <a:spcAft>
+                <a:spcPct val="0"/>
+              </a:spcAft>
+              <a:defRPr sz="4400">
+                <a:solidFill>
+                  <a:schemeClr val="tx2"/>
+                </a:solidFill>
+                <a:latin typeface="Times New Roman" pitchFamily="18" charset="0"/>
+              </a:defRPr>
+            </a:lvl6pPr>
+            <a:lvl7pPr marL="914400" algn="l" rtl="0" fontAlgn="base">
+              <a:spcBef>
+                <a:spcPct val="0"/>
+              </a:spcBef>
+              <a:spcAft>
+                <a:spcPct val="0"/>
+              </a:spcAft>
+              <a:defRPr sz="4400">
+                <a:solidFill>
+                  <a:schemeClr val="tx2"/>
+                </a:solidFill>
+                <a:latin typeface="Times New Roman" pitchFamily="18" charset="0"/>
+              </a:defRPr>
+            </a:lvl7pPr>
+            <a:lvl8pPr marL="1371600" algn="l" rtl="0" fontAlgn="base">
+              <a:spcBef>
+                <a:spcPct val="0"/>
+              </a:spcBef>
+              <a:spcAft>
+                <a:spcPct val="0"/>
+              </a:spcAft>
+              <a:defRPr sz="4400">
+                <a:solidFill>
+                  <a:schemeClr val="tx2"/>
+                </a:solidFill>
+                <a:latin typeface="Times New Roman" pitchFamily="18" charset="0"/>
+              </a:defRPr>
+            </a:lvl8pPr>
+            <a:lvl9pPr marL="1828800" algn="l" rtl="0" fontAlgn="base">
+              <a:spcBef>
+                <a:spcPct val="0"/>
+              </a:spcBef>
+              <a:spcAft>
+                <a:spcPct val="0"/>
+              </a:spcAft>
+              <a:defRPr sz="4400">
+                <a:solidFill>
+                  <a:schemeClr val="tx2"/>
+                </a:solidFill>
+                <a:latin typeface="Times New Roman" pitchFamily="18" charset="0"/>
+              </a:defRPr>
+            </a:lvl9pPr>
+          </a:lstStyle>
+          <a:p>
+            <a:pPr algn="ctr">
+              <a:buClrTx/>
+              <a:buSzTx/>
+              <a:buFontTx/>
+              <a:buNone/>
+            </a:pPr>
+            <a:r>
+              <a:rPr kumimoji="0" lang="en-US" altLang="ru-RU" b="1" kern="0" dirty="0" smtClean="0"/>
+              <a:t>STUN</a:t>
+            </a:r>
+            <a:endParaRPr kumimoji="0" lang="en-US" altLang="ru-RU" b="1" kern="0" dirty="0" smtClean="0"/>
+          </a:p>
+        </p:txBody>
+      </p:sp>
+      <p:sp>
+        <p:nvSpPr>
+          <p:cNvPr id="2" name="AutoShape 4" descr="Router | Cisco Network Topology Icons 3015"/>
+          <p:cNvSpPr>
+            <a:spLocks noChangeAspect="1" noChangeArrowheads="1"/>
+          </p:cNvSpPr>
+          <p:nvPr/>
+        </p:nvSpPr>
+        <p:spPr bwMode="auto">
+          <a:xfrm>
+            <a:off x="155575" y="-144463"/>
+            <a:ext cx="304800" cy="304801"/>
+          </a:xfrm>
+          <a:prstGeom prst="rect">
+            <a:avLst/>
+          </a:prstGeom>
+          <a:noFill/>
+          <a:extLst>
+            <a:ext uri="{909E8E84-426E-40DD-AFC4-6F175D3DCCD1}">
+              <a14:hiddenFill xmlns:a14="http://schemas.microsoft.com/office/drawing/2010/main">
+                <a:solidFill>
+                  <a:srgbClr val="FFFFFF"/>
+                </a:solidFill>
+              </a14:hiddenFill>
+            </a:ext>
+          </a:extLst>
+        </p:spPr>
+        <p:txBody>
+          <a:bodyPr vert="horz" wrap="square" lIns="91440" tIns="45720" rIns="91440" bIns="45720" numCol="1" anchor="t" anchorCtr="0" compatLnSpc="1">
+            <a:prstTxWarp prst="textNoShape">
+              <a:avLst/>
+            </a:prstTxWarp>
+          </a:bodyPr>
+          <a:lstStyle/>
+          <a:p>
+            <a:endParaRPr lang="ru-RU"/>
+          </a:p>
+        </p:txBody>
+      </p:sp>
+      <p:sp>
+        <p:nvSpPr>
+          <p:cNvPr id="3" name="AutoShape 6" descr="Router | Cisco Network Topology Icons 3015"/>
+          <p:cNvSpPr>
+            <a:spLocks noChangeAspect="1" noChangeArrowheads="1"/>
+          </p:cNvSpPr>
+          <p:nvPr/>
+        </p:nvSpPr>
+        <p:spPr bwMode="auto">
+          <a:xfrm>
+            <a:off x="307975" y="7937"/>
+            <a:ext cx="304800" cy="304801"/>
+          </a:xfrm>
+          <a:prstGeom prst="rect">
+            <a:avLst/>
+          </a:prstGeom>
+          <a:noFill/>
+          <a:extLst>
+            <a:ext uri="{909E8E84-426E-40DD-AFC4-6F175D3DCCD1}">
+              <a14:hiddenFill xmlns:a14="http://schemas.microsoft.com/office/drawing/2010/main">
+                <a:solidFill>
+                  <a:srgbClr val="FFFFFF"/>
+                </a:solidFill>
+              </a14:hiddenFill>
+            </a:ext>
+          </a:extLst>
+        </p:spPr>
+        <p:txBody>
+          <a:bodyPr vert="horz" wrap="square" lIns="91440" tIns="45720" rIns="91440" bIns="45720" numCol="1" anchor="t" anchorCtr="0" compatLnSpc="1">
+            <a:prstTxWarp prst="textNoShape">
+              <a:avLst/>
+            </a:prstTxWarp>
+          </a:bodyPr>
+          <a:lstStyle/>
+          <a:p>
+            <a:endParaRPr lang="ru-RU"/>
+          </a:p>
+        </p:txBody>
+      </p:sp>
+      <p:sp>
+        <p:nvSpPr>
+          <p:cNvPr id="5" name="AutoShape 16" descr="Internet Cloud icon PNG and SVG Vector Free Download"/>
+          <p:cNvSpPr>
+            <a:spLocks noChangeAspect="1" noChangeArrowheads="1"/>
+          </p:cNvSpPr>
+          <p:nvPr/>
+        </p:nvSpPr>
+        <p:spPr bwMode="auto">
+          <a:xfrm>
+            <a:off x="155575" y="-822325"/>
+            <a:ext cx="1943100" cy="1714500"/>
+          </a:xfrm>
+          <a:prstGeom prst="rect">
+            <a:avLst/>
+          </a:prstGeom>
+          <a:noFill/>
+          <a:extLst>
+            <a:ext uri="{909E8E84-426E-40DD-AFC4-6F175D3DCCD1}">
+              <a14:hiddenFill xmlns:a14="http://schemas.microsoft.com/office/drawing/2010/main">
+                <a:solidFill>
+                  <a:srgbClr val="FFFFFF"/>
+                </a:solidFill>
+              </a14:hiddenFill>
+            </a:ext>
+          </a:extLst>
+        </p:spPr>
+        <p:txBody>
+          <a:bodyPr vert="horz" wrap="square" lIns="91440" tIns="45720" rIns="91440" bIns="45720" numCol="1" anchor="t" anchorCtr="0" compatLnSpc="1">
+            <a:prstTxWarp prst="textNoShape">
+              <a:avLst/>
+            </a:prstTxWarp>
+          </a:bodyPr>
+          <a:lstStyle/>
+          <a:p>
+            <a:endParaRPr lang="ru-RU"/>
+          </a:p>
+        </p:txBody>
+      </p:sp>
+      <p:sp>
+        <p:nvSpPr>
+          <p:cNvPr id="10" name="AutoShape 4" descr="Достаточно одной таблетки», или фармакология конца света"/>
+          <p:cNvSpPr>
+            <a:spLocks noChangeAspect="1" noChangeArrowheads="1"/>
+          </p:cNvSpPr>
+          <p:nvPr/>
+        </p:nvSpPr>
+        <p:spPr bwMode="auto">
+          <a:xfrm>
+            <a:off x="460375" y="160337"/>
+            <a:ext cx="304800" cy="304801"/>
+          </a:xfrm>
+          <a:prstGeom prst="rect">
+            <a:avLst/>
+          </a:prstGeom>
+          <a:noFill/>
+          <a:extLst>
+            <a:ext uri="{909E8E84-426E-40DD-AFC4-6F175D3DCCD1}">
+              <a14:hiddenFill xmlns:a14="http://schemas.microsoft.com/office/drawing/2010/main">
+                <a:solidFill>
+                  <a:srgbClr val="FFFFFF"/>
+                </a:solidFill>
+              </a14:hiddenFill>
+            </a:ext>
+          </a:extLst>
+        </p:spPr>
+        <p:txBody>
+          <a:bodyPr vert="horz" wrap="square" lIns="91440" tIns="45720" rIns="91440" bIns="45720" numCol="1" anchor="t" anchorCtr="0" compatLnSpc="1">
+            <a:prstTxWarp prst="textNoShape">
+              <a:avLst/>
+            </a:prstTxWarp>
+          </a:bodyPr>
+          <a:lstStyle/>
+          <a:p>
+            <a:endParaRPr lang="ru-RU"/>
+          </a:p>
+        </p:txBody>
+      </p:sp>
+      <p:sp>
+        <p:nvSpPr>
+          <p:cNvPr id="4" name="TextBox 3"/>
+          <p:cNvSpPr txBox="1"/>
+          <p:nvPr/>
+        </p:nvSpPr>
+        <p:spPr>
+          <a:xfrm>
+            <a:off x="596337" y="1447800"/>
+            <a:ext cx="8440159" cy="2653034"/>
+          </a:xfrm>
+          <a:prstGeom prst="rect">
+            <a:avLst/>
+          </a:prstGeom>
+          <a:noFill/>
+        </p:spPr>
+        <p:txBody>
+          <a:bodyPr wrap="square" rtlCol="0">
+            <a:spAutoFit/>
+          </a:bodyPr>
+          <a:lstStyle/>
+          <a:p>
+            <a:pPr algn="just">
+              <a:buNone/>
+            </a:pPr>
+            <a:r>
+              <a:rPr lang="ru-RU" sz="1600" b="1" dirty="0"/>
+              <a:t>STUN</a:t>
+            </a:r>
+            <a:r>
+              <a:rPr lang="ru-RU" sz="1600" dirty="0"/>
+              <a:t> (сокр. от англ. </a:t>
+            </a:r>
+            <a:r>
+              <a:rPr lang="ru-RU" sz="1600" dirty="0" err="1"/>
+              <a:t>Session</a:t>
+            </a:r>
+            <a:r>
+              <a:rPr lang="ru-RU" sz="1600" dirty="0"/>
+              <a:t> </a:t>
+            </a:r>
+            <a:r>
+              <a:rPr lang="ru-RU" sz="1600" dirty="0" err="1"/>
+              <a:t>Traversal</a:t>
+            </a:r>
+            <a:r>
+              <a:rPr lang="ru-RU" sz="1600" dirty="0"/>
+              <a:t> </a:t>
+            </a:r>
+            <a:r>
+              <a:rPr lang="ru-RU" sz="1600" dirty="0" err="1"/>
+              <a:t>Utilities</a:t>
+            </a:r>
+            <a:r>
+              <a:rPr lang="ru-RU" sz="1600" dirty="0"/>
+              <a:t> </a:t>
+            </a:r>
+            <a:r>
+              <a:rPr lang="ru-RU" sz="1600" dirty="0" err="1"/>
+              <a:t>for</a:t>
+            </a:r>
+            <a:r>
+              <a:rPr lang="ru-RU" sz="1600" dirty="0"/>
+              <a:t> NAT, Утилиты прохождения сессий для NAT, ранее англ. </a:t>
+            </a:r>
+            <a:r>
+              <a:rPr lang="ru-RU" sz="1600" dirty="0" err="1"/>
+              <a:t>Simple</a:t>
+            </a:r>
+            <a:r>
+              <a:rPr lang="ru-RU" sz="1600" dirty="0"/>
+              <a:t> </a:t>
+            </a:r>
+            <a:r>
+              <a:rPr lang="ru-RU" sz="1600" dirty="0" err="1"/>
+              <a:t>Traversal</a:t>
+            </a:r>
+            <a:r>
+              <a:rPr lang="ru-RU" sz="1600" dirty="0"/>
+              <a:t> </a:t>
+            </a:r>
+            <a:r>
+              <a:rPr lang="ru-RU" sz="1600" dirty="0" err="1"/>
+              <a:t>of</a:t>
+            </a:r>
+            <a:r>
+              <a:rPr lang="ru-RU" sz="1600" dirty="0"/>
+              <a:t> UDP </a:t>
+            </a:r>
+            <a:r>
+              <a:rPr lang="ru-RU" sz="1600" dirty="0" err="1"/>
+              <a:t>through</a:t>
+            </a:r>
+            <a:r>
+              <a:rPr lang="ru-RU" sz="1600" dirty="0"/>
+              <a:t> </a:t>
+            </a:r>
+            <a:r>
+              <a:rPr lang="ru-RU" sz="1600" dirty="0" err="1"/>
+              <a:t>NATs</a:t>
+            </a:r>
+            <a:r>
+              <a:rPr lang="ru-RU" sz="1600" dirty="0"/>
+              <a:t>, Простое прохождение UDP через серверы NAT) — это сетевой протокол, который позволяет клиенту, находящемуся за сервером трансляции адресов (или за несколькими такими серверами), определить свой внешний IP-адрес, способ трансляции адреса и порта во внешней сети, связанный с определённым внутренним номером порта. Эта информация используется для установления соединения UDP между двумя хостами в случае, если они оба находятся за маршрутизатором NAT. </a:t>
+            </a:r>
+            <a:endParaRPr lang="en-US" sz="1600" dirty="0" smtClean="0"/>
+          </a:p>
+          <a:p>
+            <a:pPr algn="just">
+              <a:buNone/>
+            </a:pPr>
+            <a:r>
+              <a:rPr lang="ru-RU" sz="1600" dirty="0" smtClean="0"/>
+              <a:t>Протокол </a:t>
+            </a:r>
+            <a:r>
+              <a:rPr lang="ru-RU" sz="1600" dirty="0"/>
+              <a:t>определён в рекомендации RFC 5389 (предыдущая версия — RFC 3489</a:t>
+            </a:r>
+            <a:r>
+              <a:rPr lang="ru-RU" sz="1600" dirty="0" smtClean="0"/>
+              <a:t>).</a:t>
+            </a:r>
+            <a:endParaRPr lang="en-US" sz="1600" dirty="0" smtClean="0"/>
+          </a:p>
+          <a:p>
+            <a:pPr algn="just">
+              <a:buNone/>
+            </a:pPr>
+            <a:r>
+              <a:rPr lang="ru-RU" sz="1600" dirty="0"/>
+              <a:t>Соединение с STUN-сервером устанавливается через </a:t>
+            </a:r>
+            <a:r>
+              <a:rPr lang="ru-RU" sz="1600" b="1" dirty="0"/>
+              <a:t>UDP-порт 3478</a:t>
+            </a:r>
+            <a:r>
+              <a:rPr lang="ru-RU" sz="1600" dirty="0"/>
+              <a:t>, однако сервер предлагает клиентам выполнить проверку также и альтернативного IP-адреса и номера порта</a:t>
+            </a:r>
+            <a:endParaRPr lang="ru-RU" sz="1600" dirty="0"/>
+          </a:p>
+        </p:txBody>
+      </p:sp>
+      <p:pic>
+        <p:nvPicPr>
+          <p:cNvPr id="4098" name="Picture 2" descr="How to manage NAT Traversal using csharp"/>
+          <p:cNvPicPr>
+            <a:picLocks noChangeAspect="1" noChangeArrowheads="1"/>
+          </p:cNvPicPr>
+          <p:nvPr/>
+        </p:nvPicPr>
+        <p:blipFill>
+          <a:blip r:embed="rId2">
+            <a:extLst>
+              <a:ext uri="{28A0092B-C50C-407E-A947-70E740481C1C}">
+                <a14:useLocalDpi xmlns:a14="http://schemas.microsoft.com/office/drawing/2010/main" val="0"/>
+              </a:ext>
+            </a:extLst>
+          </a:blip>
+          <a:srcRect/>
+          <a:stretch>
+            <a:fillRect/>
+          </a:stretch>
+        </p:blipFill>
+        <p:spPr bwMode="auto">
+          <a:xfrm>
+            <a:off x="1835696" y="4149080"/>
+            <a:ext cx="5715000" cy="2381250"/>
+          </a:xfrm>
+          <a:prstGeom prst="rect">
+            <a:avLst/>
+          </a:prstGeom>
+          <a:noFill/>
+          <a:extLst>
+            <a:ext uri="{909E8E84-426E-40DD-AFC4-6F175D3DCCD1}">
+              <a14:hiddenFill xmlns:a14="http://schemas.microsoft.com/office/drawing/2010/main">
+                <a:solidFill>
+                  <a:srgbClr val="FFFFFF"/>
+                </a:solidFill>
+              </a14:hiddenFill>
+            </a:ext>
+          </a:extLst>
+        </p:spPr>
+      </p:pic>
+    </p:spTree>
+    <p:extLst>
+      <p:ext uri="{BB962C8B-B14F-4D97-AF65-F5344CB8AC3E}">
+        <p14:creationId xmlns:p14="http://schemas.microsoft.com/office/powerpoint/2010/main" val="704296555"/>
+      </p:ext>
+    </p:extLst>
+  </p:cSld>
+  <p:clrMapOvr>
+    <a:masterClrMapping/>
+  </p:clrMapOvr>
+  <p:timing>
+    <p:tnLst>
+      <p:par>
+        <p:cTn id="1" dur="indefinite" restart="never" nodeType="tmRoot"/>
+      </p:par>
+    </p:tnLst>
+  </p:timing>
+</p:sld>
+</file>
+
 <file path=ppt/slides/slide2.xml><?xml version="1.0" encoding="utf-8"?>
 <p:sld xmlns:a="http://schemas.openxmlformats.org/drawingml/2006/main" xmlns:r="http://schemas.openxmlformats.org/officeDocument/2006/relationships" xmlns:p="http://schemas.openxmlformats.org/presentationml/2006/main">
   <p:cSld>
@@ -8741,11 +14774,7 @@
             </a:pPr>
             <a:r>
               <a:rPr kumimoji="0" lang="ru-RU" altLang="ru-RU" b="1" kern="0" dirty="0" smtClean="0"/>
-              <a:t>Недостатки </a:t>
-            </a:r>
-            <a:r>
-              <a:rPr kumimoji="0" lang="ru-RU" altLang="ru-RU" b="1" kern="0" dirty="0" smtClean="0"/>
-              <a:t>прокси-доступа</a:t>
+              <a:t>Недостатки прокси-доступа</a:t>
             </a:r>
             <a:endParaRPr kumimoji="0" lang="en-US" altLang="ru-RU" b="1" kern="0" dirty="0" smtClean="0"/>
           </a:p>
@@ -8776,8 +14805,29 @@
             <a:pPr algn="just"/>
             <a:r>
               <a:rPr lang="ru-RU" sz="1800" dirty="0" smtClean="0"/>
-              <a:t>Свой прокси для каждого протокола</a:t>
-            </a:r>
+              <a:t>Свой прокси для каждого </a:t>
+            </a:r>
+            <a:r>
+              <a:rPr lang="ru-RU" sz="1800" dirty="0" smtClean="0"/>
+              <a:t>протокола</a:t>
+            </a:r>
+            <a:r>
+              <a:rPr lang="en-US" sz="1800" dirty="0" smtClean="0"/>
+              <a:t> (</a:t>
+            </a:r>
+            <a:r>
+              <a:rPr lang="en-US" sz="1800" dirty="0" smtClean="0">
+                <a:solidFill>
+                  <a:srgbClr val="FF0000"/>
+                </a:solidFill>
+              </a:rPr>
+              <a:t>L7</a:t>
+            </a:r>
+            <a:r>
+              <a:rPr lang="en-US" sz="1800" dirty="0" smtClean="0"/>
+              <a:t>!)</a:t>
+            </a:r>
+            <a:endParaRPr lang="ru-RU" sz="1800" dirty="0" smtClean="0"/>
           </a:p>
           <a:p>
             <a:pPr lvl="1" algn="just"/>
@@ -9089,7 +15139,27 @@
             </a:r>
             <a:r>
               <a:rPr kumimoji="0" lang="ru-RU" altLang="ru-RU" b="1" kern="0" dirty="0" smtClean="0"/>
-              <a:t>базовая трансляция</a:t>
+              <a:t>базовая </a:t>
+            </a:r>
+            <a:r>
+              <a:rPr kumimoji="0" lang="ru-RU" altLang="ru-RU" b="1" kern="0" dirty="0" smtClean="0"/>
+              <a:t>трансляция</a:t>
+            </a:r>
+            <a:r>
+              <a:rPr kumimoji="0" lang="en-US" altLang="ru-RU" b="1" kern="0" dirty="0" smtClean="0"/>
+              <a:t> (</a:t>
+            </a:r>
+            <a:r>
+              <a:rPr kumimoji="0" lang="en-US" altLang="ru-RU" b="1" kern="0" dirty="0" smtClean="0">
+                <a:solidFill>
+                  <a:srgbClr val="FF0000"/>
+                </a:solidFill>
+              </a:rPr>
+              <a:t>L3</a:t>
+            </a:r>
+            <a:r>
+              <a:rPr kumimoji="0" lang="en-US" altLang="ru-RU" b="1" kern="0" dirty="0" smtClean="0"/>
+              <a:t>)</a:t>
             </a:r>
             <a:endParaRPr kumimoji="0" lang="en-US" altLang="ru-RU" b="1" kern="0" dirty="0" smtClean="0"/>
           </a:p>
@@ -10127,7 +16197,6 @@
               <a:rPr kumimoji="0" lang="en-US" altLang="ru-RU" b="1" kern="0" dirty="0" smtClean="0"/>
               <a:t>NAT</a:t>
             </a:r>
-            <a:endParaRPr kumimoji="0" lang="en-US" altLang="ru-RU" b="1" kern="0" dirty="0" smtClean="0"/>
           </a:p>
         </p:txBody>
       </p:sp>
@@ -11307,6 +17376,43 @@
           </a:p>
         </p:txBody>
       </p:sp>
+      <p:sp>
+        <p:nvSpPr>
+          <p:cNvPr id="14" name="TextBox 13"/>
+          <p:cNvSpPr txBox="1"/>
+          <p:nvPr/>
+        </p:nvSpPr>
+        <p:spPr>
+          <a:xfrm>
+            <a:off x="699949" y="4844187"/>
+            <a:ext cx="2405467" cy="400110"/>
+          </a:xfrm>
+          <a:prstGeom prst="rect">
+            <a:avLst/>
+          </a:prstGeom>
+          <a:noFill/>
+        </p:spPr>
+        <p:txBody>
+          <a:bodyPr wrap="none" rtlCol="0">
+            <a:spAutoFit/>
+          </a:bodyPr>
+          <a:lstStyle/>
+          <a:p>
+            <a:pPr>
+              <a:buNone/>
+            </a:pPr>
+            <a:r>
+              <a:rPr lang="ru-RU" i="1" dirty="0" smtClean="0"/>
+              <a:t>Правила </a:t>
+            </a:r>
+            <a:r>
+              <a:rPr lang="en-US" i="1" dirty="0" smtClean="0"/>
+              <a:t>NAT (rules)</a:t>
+            </a:r>
+            <a:endParaRPr lang="ru-RU" i="1" dirty="0"/>
+          </a:p>
+        </p:txBody>
+      </p:sp>
     </p:spTree>
     <p:extLst>
       <p:ext uri="{BB962C8B-B14F-4D97-AF65-F5344CB8AC3E}">
@@ -11502,7 +17608,23 @@
             </a:pPr>
             <a:r>
               <a:rPr kumimoji="0" lang="en-US" altLang="ru-RU" b="1" kern="0" dirty="0" smtClean="0"/>
-              <a:t>PNAT (Port + NAT)</a:t>
+              <a:t>PNAT (Port + </a:t>
+            </a:r>
+            <a:r>
+              <a:rPr kumimoji="0" lang="en-US" altLang="ru-RU" b="1" kern="0" dirty="0" smtClean="0"/>
+              <a:t>NAT; </a:t>
+            </a:r>
+            <a:r>
+              <a:rPr kumimoji="0" lang="en-US" altLang="ru-RU" b="1" kern="0" dirty="0" smtClean="0">
+                <a:solidFill>
+                  <a:srgbClr val="FF0000"/>
+                </a:solidFill>
+              </a:rPr>
+              <a:t>L4</a:t>
+            </a:r>
+            <a:r>
+              <a:rPr kumimoji="0" lang="en-US" altLang="ru-RU" b="1" kern="0" dirty="0" smtClean="0"/>
+              <a:t>)</a:t>
             </a:r>
             <a:endParaRPr kumimoji="0" lang="en-US" altLang="ru-RU" b="1" kern="0" dirty="0" smtClean="0"/>
           </a:p>
